--- a/LIQ19_Workbook_v001_20190111.pptx
+++ b/LIQ19_Workbook_v001_20190111.pptx
@@ -5089,8 +5089,8 @@
         </p:nvCxnSpPr>
         <p:spPr>
           <a:xfrm rot="16200000" flipH="1">
-            <a:off x="1556962" y="3879040"/>
-            <a:ext cx="1637846" cy="12039"/>
+            <a:off x="1989384" y="2942664"/>
+            <a:ext cx="703111" cy="70469"/>
           </a:xfrm>
           <a:prstGeom prst="bentConnector3">
             <a:avLst>
@@ -5124,7 +5124,7 @@
         </p:nvGrpSpPr>
         <p:grpSpPr>
           <a:xfrm>
-            <a:off x="3915497" y="3713383"/>
+            <a:off x="3879112" y="3713383"/>
             <a:ext cx="1291110" cy="789606"/>
             <a:chOff x="3286372" y="3171183"/>
             <a:chExt cx="1291110" cy="789606"/>
@@ -5318,7 +5318,7 @@
         </p:nvGrpSpPr>
         <p:grpSpPr>
           <a:xfrm>
-            <a:off x="1740561" y="2307077"/>
+            <a:off x="1676400" y="1867284"/>
             <a:ext cx="1258610" cy="759060"/>
             <a:chOff x="839605" y="2147624"/>
             <a:chExt cx="1258610" cy="759060"/>
@@ -5618,68 +5618,6 @@
           </p:spPr>
         </p:pic>
       </p:grpSp>
-      <p:sp>
-        <p:nvSpPr>
-          <p:cNvPr id="6" name="Rectángulo 5"/>
-          <p:cNvSpPr/>
-          <p:nvPr/>
-        </p:nvSpPr>
-        <p:spPr>
-          <a:xfrm rot="16200000">
-            <a:off x="1690698" y="3832483"/>
-            <a:ext cx="901208" cy="261610"/>
-          </a:xfrm>
-          <a:prstGeom prst="rect">
-            <a:avLst/>
-          </a:prstGeom>
-        </p:spPr>
-        <p:txBody>
-          <a:bodyPr wrap="none">
-            <a:spAutoFit/>
-          </a:bodyPr>
-          <a:lstStyle/>
-          <a:p>
-            <a:pPr algn="r"/>
-            <a:r>
-              <a:rPr lang="en-US" sz="1100" b="1" i="1" dirty="0">
-                <a:solidFill>
-                  <a:schemeClr val="bg1">
-                    <a:lumMod val="65000"/>
-                  </a:schemeClr>
-                </a:solidFill>
-              </a:rPr>
-              <a:t>[1] </a:t>
-            </a:r>
-            <a:r>
-              <a:rPr lang="en-US" sz="1100" i="1" dirty="0" err="1" smtClean="0">
-                <a:solidFill>
-                  <a:schemeClr val="bg1">
-                    <a:lumMod val="65000"/>
-                  </a:schemeClr>
-                </a:solidFill>
-              </a:rPr>
-              <a:t>Remis</a:t>
-            </a:r>
-            <a:r>
-              <a:rPr lang="es-MX" sz="1100" i="1" dirty="0" err="1" smtClean="0">
-                <a:solidFill>
-                  <a:schemeClr val="bg1">
-                    <a:lumMod val="65000"/>
-                  </a:schemeClr>
-                </a:solidFill>
-              </a:rPr>
-              <a:t>ión</a:t>
-            </a:r>
-            <a:endParaRPr lang="es-MX" sz="1100" b="1" dirty="0">
-              <a:solidFill>
-                <a:schemeClr val="bg1">
-                  <a:lumMod val="65000"/>
-                </a:schemeClr>
-              </a:solidFill>
-            </a:endParaRPr>
-          </a:p>
-        </p:txBody>
-      </p:sp>
       <p:cxnSp>
         <p:nvCxnSpPr>
           <p:cNvPr id="71" name="Conector angular 70"/>
@@ -5692,7 +5630,7 @@
         <p:spPr>
           <a:xfrm flipV="1">
             <a:off x="3011210" y="4400549"/>
-            <a:ext cx="904287" cy="1249612"/>
+            <a:ext cx="867902" cy="1249612"/>
           </a:xfrm>
           <a:prstGeom prst="bentConnector3">
             <a:avLst>
@@ -5726,7 +5664,7 @@
         </p:nvGrpSpPr>
         <p:grpSpPr>
           <a:xfrm>
-            <a:off x="6125297" y="2920126"/>
+            <a:off x="6088912" y="2920126"/>
             <a:ext cx="1293815" cy="492740"/>
             <a:chOff x="771635" y="5092449"/>
             <a:chExt cx="1293815" cy="492740"/>
@@ -6011,7 +5949,7 @@
         </p:blipFill>
         <p:spPr>
           <a:xfrm>
-            <a:off x="6589585" y="3987999"/>
+            <a:off x="6553200" y="3987999"/>
             <a:ext cx="536087" cy="477523"/>
           </a:xfrm>
           <a:prstGeom prst="rect">
@@ -6027,7 +5965,7 @@
         </p:nvGrpSpPr>
         <p:grpSpPr>
           <a:xfrm>
-            <a:off x="3970380" y="5111950"/>
+            <a:off x="3933995" y="5111950"/>
             <a:ext cx="1185217" cy="838202"/>
             <a:chOff x="3691672" y="3353080"/>
             <a:chExt cx="1544851" cy="967697"/>
@@ -6239,7 +6177,7 @@
         </p:nvCxnSpPr>
         <p:spPr>
           <a:xfrm rot="5400000">
-            <a:off x="4264965" y="4656912"/>
+            <a:off x="4228580" y="4656912"/>
             <a:ext cx="450011" cy="142165"/>
           </a:xfrm>
           <a:prstGeom prst="bentConnector3">
@@ -6455,7 +6393,7 @@
         </p:nvCxnSpPr>
         <p:spPr>
           <a:xfrm flipV="1">
-            <a:off x="5206607" y="4251294"/>
+            <a:off x="5170222" y="4251294"/>
             <a:ext cx="901776" cy="149255"/>
           </a:xfrm>
           <a:prstGeom prst="bentConnector3">
@@ -6647,8 +6585,240 @@
         </p:nvCxnSpPr>
         <p:spPr>
           <a:xfrm>
-            <a:off x="5206607" y="4400549"/>
+            <a:off x="5170222" y="4400549"/>
             <a:ext cx="918566" cy="913034"/>
+          </a:xfrm>
+          <a:prstGeom prst="bentConnector3">
+            <a:avLst>
+              <a:gd name="adj1" fmla="val 50000"/>
+            </a:avLst>
+          </a:prstGeom>
+          <a:ln>
+            <a:tailEnd type="triangle"/>
+          </a:ln>
+        </p:spPr>
+        <p:style>
+          <a:lnRef idx="2">
+            <a:schemeClr val="accent1"/>
+          </a:lnRef>
+          <a:fillRef idx="0">
+            <a:schemeClr val="accent1"/>
+          </a:fillRef>
+          <a:effectRef idx="1">
+            <a:schemeClr val="accent1"/>
+          </a:effectRef>
+          <a:fontRef idx="minor">
+            <a:schemeClr val="tx1"/>
+          </a:fontRef>
+        </p:style>
+      </p:cxnSp>
+      <p:grpSp>
+        <p:nvGrpSpPr>
+          <p:cNvPr id="33" name="Grupo 32"/>
+          <p:cNvGrpSpPr/>
+          <p:nvPr/>
+        </p:nvGrpSpPr>
+        <p:grpSpPr>
+          <a:xfrm>
+            <a:off x="1710668" y="3412866"/>
+            <a:ext cx="1258610" cy="822662"/>
+            <a:chOff x="1741672" y="3599070"/>
+            <a:chExt cx="1258610" cy="822662"/>
+          </a:xfrm>
+        </p:grpSpPr>
+        <p:pic>
+          <p:nvPicPr>
+            <p:cNvPr id="100" name="Imagen 99"/>
+            <p:cNvPicPr>
+              <a:picLocks noChangeAspect="1"/>
+            </p:cNvPicPr>
+            <p:nvPr/>
+          </p:nvPicPr>
+          <p:blipFill>
+            <a:blip r:embed="rId11"/>
+            <a:stretch>
+              <a:fillRect/>
+            </a:stretch>
+          </p:blipFill>
+          <p:spPr>
+            <a:xfrm>
+              <a:off x="2237991" y="3599070"/>
+              <a:ext cx="400824" cy="507371"/>
+            </a:xfrm>
+            <a:prstGeom prst="rect">
+              <a:avLst/>
+            </a:prstGeom>
+          </p:spPr>
+        </p:pic>
+        <p:sp>
+          <p:nvSpPr>
+            <p:cNvPr id="101" name="Rectangle 99"/>
+            <p:cNvSpPr/>
+            <p:nvPr/>
+          </p:nvSpPr>
+          <p:spPr>
+            <a:xfrm>
+              <a:off x="1741672" y="4128828"/>
+              <a:ext cx="1258610" cy="292904"/>
+            </a:xfrm>
+            <a:prstGeom prst="rect">
+              <a:avLst/>
+            </a:prstGeom>
+            <a:solidFill>
+              <a:schemeClr val="bg1"/>
+            </a:solidFill>
+            <a:ln w="28575">
+              <a:solidFill>
+                <a:srgbClr val="0070C0"/>
+              </a:solidFill>
+              <a:prstDash val="solid"/>
+            </a:ln>
+          </p:spPr>
+          <p:style>
+            <a:lnRef idx="2">
+              <a:schemeClr val="accent1">
+                <a:shade val="50000"/>
+              </a:schemeClr>
+            </a:lnRef>
+            <a:fillRef idx="1">
+              <a:schemeClr val="accent1"/>
+            </a:fillRef>
+            <a:effectRef idx="0">
+              <a:schemeClr val="accent1"/>
+            </a:effectRef>
+            <a:fontRef idx="minor">
+              <a:schemeClr val="lt1"/>
+            </a:fontRef>
+          </p:style>
+          <p:txBody>
+            <a:bodyPr rtlCol="0" anchor="ctr"/>
+            <a:lstStyle>
+              <a:defPPr>
+                <a:defRPr lang="en-US"/>
+              </a:defPPr>
+              <a:lvl1pPr marL="0" algn="l" defTabSz="914400" rtl="0" eaLnBrk="1" latinLnBrk="0" hangingPunct="1">
+                <a:defRPr sz="1800" kern="1200">
+                  <a:solidFill>
+                    <a:schemeClr val="lt1"/>
+                  </a:solidFill>
+                  <a:latin typeface="+mn-lt"/>
+                  <a:ea typeface="+mn-ea"/>
+                  <a:cs typeface="+mn-cs"/>
+                </a:defRPr>
+              </a:lvl1pPr>
+              <a:lvl2pPr marL="457200" algn="l" defTabSz="914400" rtl="0" eaLnBrk="1" latinLnBrk="0" hangingPunct="1">
+                <a:defRPr sz="1800" kern="1200">
+                  <a:solidFill>
+                    <a:schemeClr val="lt1"/>
+                  </a:solidFill>
+                  <a:latin typeface="+mn-lt"/>
+                  <a:ea typeface="+mn-ea"/>
+                  <a:cs typeface="+mn-cs"/>
+                </a:defRPr>
+              </a:lvl2pPr>
+              <a:lvl3pPr marL="914400" algn="l" defTabSz="914400" rtl="0" eaLnBrk="1" latinLnBrk="0" hangingPunct="1">
+                <a:defRPr sz="1800" kern="1200">
+                  <a:solidFill>
+                    <a:schemeClr val="lt1"/>
+                  </a:solidFill>
+                  <a:latin typeface="+mn-lt"/>
+                  <a:ea typeface="+mn-ea"/>
+                  <a:cs typeface="+mn-cs"/>
+                </a:defRPr>
+              </a:lvl3pPr>
+              <a:lvl4pPr marL="1371600" algn="l" defTabSz="914400" rtl="0" eaLnBrk="1" latinLnBrk="0" hangingPunct="1">
+                <a:defRPr sz="1800" kern="1200">
+                  <a:solidFill>
+                    <a:schemeClr val="lt1"/>
+                  </a:solidFill>
+                  <a:latin typeface="+mn-lt"/>
+                  <a:ea typeface="+mn-ea"/>
+                  <a:cs typeface="+mn-cs"/>
+                </a:defRPr>
+              </a:lvl4pPr>
+              <a:lvl5pPr marL="1828800" algn="l" defTabSz="914400" rtl="0" eaLnBrk="1" latinLnBrk="0" hangingPunct="1">
+                <a:defRPr sz="1800" kern="1200">
+                  <a:solidFill>
+                    <a:schemeClr val="lt1"/>
+                  </a:solidFill>
+                  <a:latin typeface="+mn-lt"/>
+                  <a:ea typeface="+mn-ea"/>
+                  <a:cs typeface="+mn-cs"/>
+                </a:defRPr>
+              </a:lvl5pPr>
+              <a:lvl6pPr marL="2286000" algn="l" defTabSz="914400" rtl="0" eaLnBrk="1" latinLnBrk="0" hangingPunct="1">
+                <a:defRPr sz="1800" kern="1200">
+                  <a:solidFill>
+                    <a:schemeClr val="lt1"/>
+                  </a:solidFill>
+                  <a:latin typeface="+mn-lt"/>
+                  <a:ea typeface="+mn-ea"/>
+                  <a:cs typeface="+mn-cs"/>
+                </a:defRPr>
+              </a:lvl6pPr>
+              <a:lvl7pPr marL="2743200" algn="l" defTabSz="914400" rtl="0" eaLnBrk="1" latinLnBrk="0" hangingPunct="1">
+                <a:defRPr sz="1800" kern="1200">
+                  <a:solidFill>
+                    <a:schemeClr val="lt1"/>
+                  </a:solidFill>
+                  <a:latin typeface="+mn-lt"/>
+                  <a:ea typeface="+mn-ea"/>
+                  <a:cs typeface="+mn-cs"/>
+                </a:defRPr>
+              </a:lvl7pPr>
+              <a:lvl8pPr marL="3200400" algn="l" defTabSz="914400" rtl="0" eaLnBrk="1" latinLnBrk="0" hangingPunct="1">
+                <a:defRPr sz="1800" kern="1200">
+                  <a:solidFill>
+                    <a:schemeClr val="lt1"/>
+                  </a:solidFill>
+                  <a:latin typeface="+mn-lt"/>
+                  <a:ea typeface="+mn-ea"/>
+                  <a:cs typeface="+mn-cs"/>
+                </a:defRPr>
+              </a:lvl8pPr>
+              <a:lvl9pPr marL="3657600" algn="l" defTabSz="914400" rtl="0" eaLnBrk="1" latinLnBrk="0" hangingPunct="1">
+                <a:defRPr sz="1800" kern="1200">
+                  <a:solidFill>
+                    <a:schemeClr val="lt1"/>
+                  </a:solidFill>
+                  <a:latin typeface="+mn-lt"/>
+                  <a:ea typeface="+mn-ea"/>
+                  <a:cs typeface="+mn-cs"/>
+                </a:defRPr>
+              </a:lvl9pPr>
+            </a:lstStyle>
+            <a:p>
+              <a:pPr algn="ctr"/>
+              <a:r>
+                <a:rPr lang="en-US" sz="1000" b="1" dirty="0" smtClean="0">
+                  <a:solidFill>
+                    <a:schemeClr val="tx1"/>
+                  </a:solidFill>
+                </a:rPr>
+                <a:t>REMISION</a:t>
+              </a:r>
+              <a:endParaRPr lang="es-MX" sz="1000" b="1" dirty="0" smtClean="0">
+                <a:solidFill>
+                  <a:schemeClr val="tx1"/>
+                </a:solidFill>
+              </a:endParaRPr>
+            </a:p>
+          </p:txBody>
+        </p:sp>
+      </p:grpSp>
+      <p:cxnSp>
+        <p:nvCxnSpPr>
+          <p:cNvPr id="104" name="Conector angular 103"/>
+          <p:cNvCxnSpPr>
+            <a:stCxn id="101" idx="2"/>
+            <a:endCxn id="103" idx="0"/>
+          </p:cNvCxnSpPr>
+          <p:nvPr/>
+        </p:nvCxnSpPr>
+        <p:spPr>
+          <a:xfrm rot="16200000" flipH="1">
+            <a:off x="2093636" y="4481864"/>
+            <a:ext cx="565072" cy="72399"/>
           </a:xfrm>
           <a:prstGeom prst="bentConnector3">
             <a:avLst>

--- a/LIQ19_Workbook_v001_20190111.pptx
+++ b/LIQ19_Workbook_v001_20190111.pptx
@@ -5,16 +5,15 @@
     <p:sldMasterId id="2147483648" r:id="rId1"/>
   </p:sldMasterIdLst>
   <p:handoutMasterIdLst>
-    <p:handoutMasterId r:id="rId9"/>
+    <p:handoutMasterId r:id="rId8"/>
   </p:handoutMasterIdLst>
   <p:sldIdLst>
-    <p:sldId id="448" r:id="rId2"/>
-    <p:sldId id="455" r:id="rId3"/>
-    <p:sldId id="444" r:id="rId4"/>
-    <p:sldId id="453" r:id="rId5"/>
-    <p:sldId id="454" r:id="rId6"/>
-    <p:sldId id="445" r:id="rId7"/>
-    <p:sldId id="446" r:id="rId8"/>
+    <p:sldId id="455" r:id="rId2"/>
+    <p:sldId id="444" r:id="rId3"/>
+    <p:sldId id="453" r:id="rId4"/>
+    <p:sldId id="454" r:id="rId5"/>
+    <p:sldId id="445" r:id="rId6"/>
+    <p:sldId id="446" r:id="rId7"/>
   </p:sldIdLst>
   <p:sldSz cx="9144000" cy="6858000" type="screen4x3"/>
   <p:notesSz cx="6881813" cy="9296400"/>
@@ -4787,2801 +4786,6 @@
       </p:grpSpPr>
       <p:sp>
         <p:nvSpPr>
-          <p:cNvPr id="2" name="Título 1"/>
-          <p:cNvSpPr>
-            <a:spLocks noGrp="1"/>
-          </p:cNvSpPr>
-          <p:nvPr>
-            <p:ph type="title"/>
-          </p:nvPr>
-        </p:nvSpPr>
-        <p:spPr/>
-        <p:txBody>
-          <a:bodyPr>
-            <a:normAutofit/>
-          </a:bodyPr>
-          <a:lstStyle/>
-          <a:p>
-            <a:r>
-              <a:rPr lang="es-MX" sz="2000" dirty="0" smtClean="0">
-                <a:latin typeface="Century Gothic" panose="020B0502020202020204" pitchFamily="34" charset="0"/>
-              </a:rPr>
-              <a:t>[LIQ19] </a:t>
-            </a:r>
-            <a:r>
-              <a:rPr lang="es-MX" sz="2000" b="0" dirty="0" smtClean="0">
-                <a:latin typeface="Century Gothic" panose="020B0502020202020204" pitchFamily="34" charset="0"/>
-              </a:rPr>
-              <a:t>LIQUIDACIONES</a:t>
-            </a:r>
-            <a:br>
-              <a:rPr lang="es-MX" sz="2000" b="0" dirty="0" smtClean="0">
-                <a:latin typeface="Century Gothic" panose="020B0502020202020204" pitchFamily="34" charset="0"/>
-              </a:rPr>
-            </a:br>
-            <a:r>
-              <a:rPr lang="es-MX" dirty="0" smtClean="0">
-                <a:latin typeface="Century Gothic" panose="020B0502020202020204" pitchFamily="34" charset="0"/>
-              </a:rPr>
-              <a:t>CONTEXTO / PROCESO BASE</a:t>
-            </a:r>
-            <a:endParaRPr lang="es-MX" dirty="0"/>
-          </a:p>
-        </p:txBody>
-      </p:sp>
-      <p:sp>
-        <p:nvSpPr>
-          <p:cNvPr id="3" name="CuadroTexto 2"/>
-          <p:cNvSpPr txBox="1"/>
-          <p:nvPr/>
-        </p:nvSpPr>
-        <p:spPr>
-          <a:xfrm>
-            <a:off x="6974816" y="1524000"/>
-            <a:ext cx="2169184" cy="584775"/>
-          </a:xfrm>
-          <a:prstGeom prst="rect">
-            <a:avLst/>
-          </a:prstGeom>
-          <a:noFill/>
-        </p:spPr>
-        <p:txBody>
-          <a:bodyPr wrap="none" rtlCol="0">
-            <a:spAutoFit/>
-          </a:bodyPr>
-          <a:lstStyle/>
-          <a:p>
-            <a:r>
-              <a:rPr lang="es-MX" sz="3200" b="1" dirty="0" smtClean="0">
-                <a:solidFill>
-                  <a:srgbClr val="FF0000"/>
-                </a:solidFill>
-              </a:rPr>
-              <a:t>BORRADOR</a:t>
-            </a:r>
-            <a:endParaRPr lang="es-MX" sz="3200" b="1" dirty="0">
-              <a:solidFill>
-                <a:srgbClr val="FF0000"/>
-              </a:solidFill>
-            </a:endParaRPr>
-          </a:p>
-        </p:txBody>
-      </p:sp>
-      <p:grpSp>
-        <p:nvGrpSpPr>
-          <p:cNvPr id="81" name="Grupo 80"/>
-          <p:cNvGrpSpPr/>
-          <p:nvPr/>
-        </p:nvGrpSpPr>
-        <p:grpSpPr>
-          <a:xfrm>
-            <a:off x="4593485" y="1971748"/>
-            <a:ext cx="1294767" cy="996013"/>
-            <a:chOff x="6361390" y="4846759"/>
-            <a:chExt cx="1715810" cy="1248242"/>
-          </a:xfrm>
-        </p:grpSpPr>
-        <p:pic>
-          <p:nvPicPr>
-            <p:cNvPr id="103" name="Picture 2" descr="Imagen relacionada"/>
-            <p:cNvPicPr>
-              <a:picLocks noChangeAspect="1" noChangeArrowheads="1"/>
-            </p:cNvPicPr>
-            <p:nvPr/>
-          </p:nvPicPr>
-          <p:blipFill>
-            <a:blip r:embed="rId2">
-              <a:biLevel thresh="75000"/>
-              <a:extLst>
-                <a:ext uri="{28A0092B-C50C-407E-A947-70E740481C1C}">
-                  <a14:useLocalDpi xmlns:a14="http://schemas.microsoft.com/office/drawing/2010/main" val="0"/>
-                </a:ext>
-              </a:extLst>
-            </a:blip>
-            <a:srcRect/>
-            <a:stretch>
-              <a:fillRect/>
-            </a:stretch>
-          </p:blipFill>
-          <p:spPr bwMode="auto">
-            <a:xfrm>
-              <a:off x="6825001" y="4846759"/>
-              <a:ext cx="871656" cy="910262"/>
-            </a:xfrm>
-            <a:prstGeom prst="rect">
-              <a:avLst/>
-            </a:prstGeom>
-            <a:noFill/>
-            <a:extLst>
-              <a:ext uri="{909E8E84-426E-40DD-AFC4-6F175D3DCCD1}">
-                <a14:hiddenFill xmlns:a14="http://schemas.microsoft.com/office/drawing/2010/main">
-                  <a:solidFill>
-                    <a:srgbClr val="FFFFFF"/>
-                  </a:solidFill>
-                </a14:hiddenFill>
-              </a:ext>
-            </a:extLst>
-          </p:spPr>
-        </p:pic>
-        <p:sp>
-          <p:nvSpPr>
-            <p:cNvPr id="107" name="Rectangle 99"/>
-            <p:cNvSpPr/>
-            <p:nvPr/>
-          </p:nvSpPr>
-          <p:spPr>
-            <a:xfrm>
-              <a:off x="6361390" y="5727923"/>
-              <a:ext cx="1715810" cy="367078"/>
-            </a:xfrm>
-            <a:prstGeom prst="rect">
-              <a:avLst/>
-            </a:prstGeom>
-            <a:solidFill>
-              <a:schemeClr val="bg1"/>
-            </a:solidFill>
-            <a:ln w="28575">
-              <a:solidFill>
-                <a:srgbClr val="0070C0"/>
-              </a:solidFill>
-              <a:prstDash val="solid"/>
-            </a:ln>
-          </p:spPr>
-          <p:style>
-            <a:lnRef idx="2">
-              <a:schemeClr val="accent1">
-                <a:shade val="50000"/>
-              </a:schemeClr>
-            </a:lnRef>
-            <a:fillRef idx="1">
-              <a:schemeClr val="accent1"/>
-            </a:fillRef>
-            <a:effectRef idx="0">
-              <a:schemeClr val="accent1"/>
-            </a:effectRef>
-            <a:fontRef idx="minor">
-              <a:schemeClr val="lt1"/>
-            </a:fontRef>
-          </p:style>
-          <p:txBody>
-            <a:bodyPr rtlCol="0" anchor="ctr"/>
-            <a:lstStyle>
-              <a:defPPr>
-                <a:defRPr lang="en-US"/>
-              </a:defPPr>
-              <a:lvl1pPr marL="0" algn="l" defTabSz="914400" rtl="0" eaLnBrk="1" latinLnBrk="0" hangingPunct="1">
-                <a:defRPr sz="1800" kern="1200">
-                  <a:solidFill>
-                    <a:schemeClr val="lt1"/>
-                  </a:solidFill>
-                  <a:latin typeface="+mn-lt"/>
-                  <a:ea typeface="+mn-ea"/>
-                  <a:cs typeface="+mn-cs"/>
-                </a:defRPr>
-              </a:lvl1pPr>
-              <a:lvl2pPr marL="457200" algn="l" defTabSz="914400" rtl="0" eaLnBrk="1" latinLnBrk="0" hangingPunct="1">
-                <a:defRPr sz="1800" kern="1200">
-                  <a:solidFill>
-                    <a:schemeClr val="lt1"/>
-                  </a:solidFill>
-                  <a:latin typeface="+mn-lt"/>
-                  <a:ea typeface="+mn-ea"/>
-                  <a:cs typeface="+mn-cs"/>
-                </a:defRPr>
-              </a:lvl2pPr>
-              <a:lvl3pPr marL="914400" algn="l" defTabSz="914400" rtl="0" eaLnBrk="1" latinLnBrk="0" hangingPunct="1">
-                <a:defRPr sz="1800" kern="1200">
-                  <a:solidFill>
-                    <a:schemeClr val="lt1"/>
-                  </a:solidFill>
-                  <a:latin typeface="+mn-lt"/>
-                  <a:ea typeface="+mn-ea"/>
-                  <a:cs typeface="+mn-cs"/>
-                </a:defRPr>
-              </a:lvl3pPr>
-              <a:lvl4pPr marL="1371600" algn="l" defTabSz="914400" rtl="0" eaLnBrk="1" latinLnBrk="0" hangingPunct="1">
-                <a:defRPr sz="1800" kern="1200">
-                  <a:solidFill>
-                    <a:schemeClr val="lt1"/>
-                  </a:solidFill>
-                  <a:latin typeface="+mn-lt"/>
-                  <a:ea typeface="+mn-ea"/>
-                  <a:cs typeface="+mn-cs"/>
-                </a:defRPr>
-              </a:lvl4pPr>
-              <a:lvl5pPr marL="1828800" algn="l" defTabSz="914400" rtl="0" eaLnBrk="1" latinLnBrk="0" hangingPunct="1">
-                <a:defRPr sz="1800" kern="1200">
-                  <a:solidFill>
-                    <a:schemeClr val="lt1"/>
-                  </a:solidFill>
-                  <a:latin typeface="+mn-lt"/>
-                  <a:ea typeface="+mn-ea"/>
-                  <a:cs typeface="+mn-cs"/>
-                </a:defRPr>
-              </a:lvl5pPr>
-              <a:lvl6pPr marL="2286000" algn="l" defTabSz="914400" rtl="0" eaLnBrk="1" latinLnBrk="0" hangingPunct="1">
-                <a:defRPr sz="1800" kern="1200">
-                  <a:solidFill>
-                    <a:schemeClr val="lt1"/>
-                  </a:solidFill>
-                  <a:latin typeface="+mn-lt"/>
-                  <a:ea typeface="+mn-ea"/>
-                  <a:cs typeface="+mn-cs"/>
-                </a:defRPr>
-              </a:lvl6pPr>
-              <a:lvl7pPr marL="2743200" algn="l" defTabSz="914400" rtl="0" eaLnBrk="1" latinLnBrk="0" hangingPunct="1">
-                <a:defRPr sz="1800" kern="1200">
-                  <a:solidFill>
-                    <a:schemeClr val="lt1"/>
-                  </a:solidFill>
-                  <a:latin typeface="+mn-lt"/>
-                  <a:ea typeface="+mn-ea"/>
-                  <a:cs typeface="+mn-cs"/>
-                </a:defRPr>
-              </a:lvl7pPr>
-              <a:lvl8pPr marL="3200400" algn="l" defTabSz="914400" rtl="0" eaLnBrk="1" latinLnBrk="0" hangingPunct="1">
-                <a:defRPr sz="1800" kern="1200">
-                  <a:solidFill>
-                    <a:schemeClr val="lt1"/>
-                  </a:solidFill>
-                  <a:latin typeface="+mn-lt"/>
-                  <a:ea typeface="+mn-ea"/>
-                  <a:cs typeface="+mn-cs"/>
-                </a:defRPr>
-              </a:lvl8pPr>
-              <a:lvl9pPr marL="3657600" algn="l" defTabSz="914400" rtl="0" eaLnBrk="1" latinLnBrk="0" hangingPunct="1">
-                <a:defRPr sz="1800" kern="1200">
-                  <a:solidFill>
-                    <a:schemeClr val="lt1"/>
-                  </a:solidFill>
-                  <a:latin typeface="+mn-lt"/>
-                  <a:ea typeface="+mn-ea"/>
-                  <a:cs typeface="+mn-cs"/>
-                </a:defRPr>
-              </a:lvl9pPr>
-            </a:lstStyle>
-            <a:p>
-              <a:pPr algn="ctr"/>
-              <a:r>
-                <a:rPr lang="en-US" sz="1000" b="1" dirty="0" smtClean="0">
-                  <a:solidFill>
-                    <a:schemeClr val="tx1"/>
-                  </a:solidFill>
-                </a:rPr>
-                <a:t>LIQUIDACIONES</a:t>
-              </a:r>
-              <a:endParaRPr lang="es-MX" sz="1000" b="1" dirty="0" smtClean="0">
-                <a:solidFill>
-                  <a:schemeClr val="tx1"/>
-                </a:solidFill>
-              </a:endParaRPr>
-            </a:p>
-          </p:txBody>
-        </p:sp>
-      </p:grpSp>
-      <p:cxnSp>
-        <p:nvCxnSpPr>
-          <p:cNvPr id="146" name="Conector angular 145"/>
-          <p:cNvCxnSpPr>
-            <a:stCxn id="145" idx="2"/>
-            <a:endCxn id="101" idx="2"/>
-          </p:cNvCxnSpPr>
-          <p:nvPr/>
-        </p:nvCxnSpPr>
-        <p:spPr>
-          <a:xfrm rot="16200000" flipH="1">
-            <a:off x="2425566" y="4790895"/>
-            <a:ext cx="2254" cy="2112418"/>
-          </a:xfrm>
-          <a:prstGeom prst="bentConnector3">
-            <a:avLst>
-              <a:gd name="adj1" fmla="val 10241970"/>
-            </a:avLst>
-          </a:prstGeom>
-          <a:ln>
-            <a:tailEnd type="triangle"/>
-          </a:ln>
-        </p:spPr>
-        <p:style>
-          <a:lnRef idx="2">
-            <a:schemeClr val="accent1"/>
-          </a:lnRef>
-          <a:fillRef idx="0">
-            <a:schemeClr val="accent1"/>
-          </a:fillRef>
-          <a:effectRef idx="1">
-            <a:schemeClr val="accent1"/>
-          </a:effectRef>
-          <a:fontRef idx="minor">
-            <a:schemeClr val="tx1"/>
-          </a:fontRef>
-        </p:style>
-      </p:cxnSp>
-      <p:grpSp>
-        <p:nvGrpSpPr>
-          <p:cNvPr id="4" name="Grupo 3"/>
-          <p:cNvGrpSpPr/>
-          <p:nvPr/>
-        </p:nvGrpSpPr>
-        <p:grpSpPr>
-          <a:xfrm>
-            <a:off x="4593485" y="5062434"/>
-            <a:ext cx="1294767" cy="789606"/>
-            <a:chOff x="3286372" y="3171183"/>
-            <a:chExt cx="1291110" cy="789606"/>
-          </a:xfrm>
-        </p:grpSpPr>
-        <p:sp>
-          <p:nvSpPr>
-            <p:cNvPr id="165" name="Rectangle 99"/>
-            <p:cNvSpPr/>
-            <p:nvPr/>
-          </p:nvSpPr>
-          <p:spPr>
-            <a:xfrm>
-              <a:off x="3286372" y="3755908"/>
-              <a:ext cx="1291110" cy="204881"/>
-            </a:xfrm>
-            <a:prstGeom prst="rect">
-              <a:avLst/>
-            </a:prstGeom>
-            <a:solidFill>
-              <a:schemeClr val="bg1"/>
-            </a:solidFill>
-            <a:ln w="28575">
-              <a:solidFill>
-                <a:srgbClr val="0070C0"/>
-              </a:solidFill>
-              <a:prstDash val="solid"/>
-            </a:ln>
-          </p:spPr>
-          <p:style>
-            <a:lnRef idx="2">
-              <a:schemeClr val="accent1">
-                <a:shade val="50000"/>
-              </a:schemeClr>
-            </a:lnRef>
-            <a:fillRef idx="1">
-              <a:schemeClr val="accent1"/>
-            </a:fillRef>
-            <a:effectRef idx="0">
-              <a:schemeClr val="accent1"/>
-            </a:effectRef>
-            <a:fontRef idx="minor">
-              <a:schemeClr val="lt1"/>
-            </a:fontRef>
-          </p:style>
-          <p:txBody>
-            <a:bodyPr rtlCol="0" anchor="ctr"/>
-            <a:lstStyle>
-              <a:defPPr>
-                <a:defRPr lang="en-US"/>
-              </a:defPPr>
-              <a:lvl1pPr marL="0" algn="l" defTabSz="914400" rtl="0" eaLnBrk="1" latinLnBrk="0" hangingPunct="1">
-                <a:defRPr sz="1800" kern="1200">
-                  <a:solidFill>
-                    <a:schemeClr val="lt1"/>
-                  </a:solidFill>
-                  <a:latin typeface="+mn-lt"/>
-                  <a:ea typeface="+mn-ea"/>
-                  <a:cs typeface="+mn-cs"/>
-                </a:defRPr>
-              </a:lvl1pPr>
-              <a:lvl2pPr marL="457200" algn="l" defTabSz="914400" rtl="0" eaLnBrk="1" latinLnBrk="0" hangingPunct="1">
-                <a:defRPr sz="1800" kern="1200">
-                  <a:solidFill>
-                    <a:schemeClr val="lt1"/>
-                  </a:solidFill>
-                  <a:latin typeface="+mn-lt"/>
-                  <a:ea typeface="+mn-ea"/>
-                  <a:cs typeface="+mn-cs"/>
-                </a:defRPr>
-              </a:lvl2pPr>
-              <a:lvl3pPr marL="914400" algn="l" defTabSz="914400" rtl="0" eaLnBrk="1" latinLnBrk="0" hangingPunct="1">
-                <a:defRPr sz="1800" kern="1200">
-                  <a:solidFill>
-                    <a:schemeClr val="lt1"/>
-                  </a:solidFill>
-                  <a:latin typeface="+mn-lt"/>
-                  <a:ea typeface="+mn-ea"/>
-                  <a:cs typeface="+mn-cs"/>
-                </a:defRPr>
-              </a:lvl3pPr>
-              <a:lvl4pPr marL="1371600" algn="l" defTabSz="914400" rtl="0" eaLnBrk="1" latinLnBrk="0" hangingPunct="1">
-                <a:defRPr sz="1800" kern="1200">
-                  <a:solidFill>
-                    <a:schemeClr val="lt1"/>
-                  </a:solidFill>
-                  <a:latin typeface="+mn-lt"/>
-                  <a:ea typeface="+mn-ea"/>
-                  <a:cs typeface="+mn-cs"/>
-                </a:defRPr>
-              </a:lvl4pPr>
-              <a:lvl5pPr marL="1828800" algn="l" defTabSz="914400" rtl="0" eaLnBrk="1" latinLnBrk="0" hangingPunct="1">
-                <a:defRPr sz="1800" kern="1200">
-                  <a:solidFill>
-                    <a:schemeClr val="lt1"/>
-                  </a:solidFill>
-                  <a:latin typeface="+mn-lt"/>
-                  <a:ea typeface="+mn-ea"/>
-                  <a:cs typeface="+mn-cs"/>
-                </a:defRPr>
-              </a:lvl5pPr>
-              <a:lvl6pPr marL="2286000" algn="l" defTabSz="914400" rtl="0" eaLnBrk="1" latinLnBrk="0" hangingPunct="1">
-                <a:defRPr sz="1800" kern="1200">
-                  <a:solidFill>
-                    <a:schemeClr val="lt1"/>
-                  </a:solidFill>
-                  <a:latin typeface="+mn-lt"/>
-                  <a:ea typeface="+mn-ea"/>
-                  <a:cs typeface="+mn-cs"/>
-                </a:defRPr>
-              </a:lvl6pPr>
-              <a:lvl7pPr marL="2743200" algn="l" defTabSz="914400" rtl="0" eaLnBrk="1" latinLnBrk="0" hangingPunct="1">
-                <a:defRPr sz="1800" kern="1200">
-                  <a:solidFill>
-                    <a:schemeClr val="lt1"/>
-                  </a:solidFill>
-                  <a:latin typeface="+mn-lt"/>
-                  <a:ea typeface="+mn-ea"/>
-                  <a:cs typeface="+mn-cs"/>
-                </a:defRPr>
-              </a:lvl7pPr>
-              <a:lvl8pPr marL="3200400" algn="l" defTabSz="914400" rtl="0" eaLnBrk="1" latinLnBrk="0" hangingPunct="1">
-                <a:defRPr sz="1800" kern="1200">
-                  <a:solidFill>
-                    <a:schemeClr val="lt1"/>
-                  </a:solidFill>
-                  <a:latin typeface="+mn-lt"/>
-                  <a:ea typeface="+mn-ea"/>
-                  <a:cs typeface="+mn-cs"/>
-                </a:defRPr>
-              </a:lvl8pPr>
-              <a:lvl9pPr marL="3657600" algn="l" defTabSz="914400" rtl="0" eaLnBrk="1" latinLnBrk="0" hangingPunct="1">
-                <a:defRPr sz="1800" kern="1200">
-                  <a:solidFill>
-                    <a:schemeClr val="lt1"/>
-                  </a:solidFill>
-                  <a:latin typeface="+mn-lt"/>
-                  <a:ea typeface="+mn-ea"/>
-                  <a:cs typeface="+mn-cs"/>
-                </a:defRPr>
-              </a:lvl9pPr>
-            </a:lstStyle>
-            <a:p>
-              <a:pPr algn="ctr"/>
-              <a:r>
-                <a:rPr lang="en-US" sz="1000" b="1" dirty="0" smtClean="0">
-                  <a:solidFill>
-                    <a:schemeClr val="tx1"/>
-                  </a:solidFill>
-                </a:rPr>
-                <a:t>CORTE</a:t>
-              </a:r>
-              <a:endParaRPr lang="es-MX" sz="1000" b="1" dirty="0" smtClean="0">
-                <a:solidFill>
-                  <a:schemeClr val="tx1"/>
-                </a:solidFill>
-              </a:endParaRPr>
-            </a:p>
-          </p:txBody>
-        </p:sp>
-        <p:pic>
-          <p:nvPicPr>
-            <p:cNvPr id="168" name="Imagen 167"/>
-            <p:cNvPicPr>
-              <a:picLocks noChangeAspect="1"/>
-            </p:cNvPicPr>
-            <p:nvPr/>
-          </p:nvPicPr>
-          <p:blipFill>
-            <a:blip r:embed="rId3"/>
-            <a:stretch>
-              <a:fillRect/>
-            </a:stretch>
-          </p:blipFill>
-          <p:spPr>
-            <a:xfrm>
-              <a:off x="3671845" y="3171183"/>
-              <a:ext cx="525236" cy="504741"/>
-            </a:xfrm>
-            <a:prstGeom prst="rect">
-              <a:avLst/>
-            </a:prstGeom>
-          </p:spPr>
-        </p:pic>
-      </p:grpSp>
-      <p:grpSp>
-        <p:nvGrpSpPr>
-          <p:cNvPr id="5" name="Grupo 4"/>
-          <p:cNvGrpSpPr/>
-          <p:nvPr/>
-        </p:nvGrpSpPr>
-        <p:grpSpPr>
-          <a:xfrm>
-            <a:off x="741179" y="5062434"/>
-            <a:ext cx="1258610" cy="783543"/>
-            <a:chOff x="839605" y="2147624"/>
-            <a:chExt cx="1258610" cy="759060"/>
-          </a:xfrm>
-        </p:grpSpPr>
-        <p:sp>
-          <p:nvSpPr>
-            <p:cNvPr id="145" name="Rectangle 99"/>
-            <p:cNvSpPr/>
-            <p:nvPr/>
-          </p:nvSpPr>
-          <p:spPr>
-            <a:xfrm>
-              <a:off x="839605" y="2613780"/>
-              <a:ext cx="1258610" cy="292904"/>
-            </a:xfrm>
-            <a:prstGeom prst="rect">
-              <a:avLst/>
-            </a:prstGeom>
-            <a:solidFill>
-              <a:schemeClr val="bg1"/>
-            </a:solidFill>
-            <a:ln w="28575">
-              <a:solidFill>
-                <a:srgbClr val="0070C0"/>
-              </a:solidFill>
-              <a:prstDash val="solid"/>
-            </a:ln>
-          </p:spPr>
-          <p:style>
-            <a:lnRef idx="2">
-              <a:schemeClr val="accent1">
-                <a:shade val="50000"/>
-              </a:schemeClr>
-            </a:lnRef>
-            <a:fillRef idx="1">
-              <a:schemeClr val="accent1"/>
-            </a:fillRef>
-            <a:effectRef idx="0">
-              <a:schemeClr val="accent1"/>
-            </a:effectRef>
-            <a:fontRef idx="minor">
-              <a:schemeClr val="lt1"/>
-            </a:fontRef>
-          </p:style>
-          <p:txBody>
-            <a:bodyPr rtlCol="0" anchor="ctr"/>
-            <a:lstStyle>
-              <a:defPPr>
-                <a:defRPr lang="en-US"/>
-              </a:defPPr>
-              <a:lvl1pPr marL="0" algn="l" defTabSz="914400" rtl="0" eaLnBrk="1" latinLnBrk="0" hangingPunct="1">
-                <a:defRPr sz="1800" kern="1200">
-                  <a:solidFill>
-                    <a:schemeClr val="lt1"/>
-                  </a:solidFill>
-                  <a:latin typeface="+mn-lt"/>
-                  <a:ea typeface="+mn-ea"/>
-                  <a:cs typeface="+mn-cs"/>
-                </a:defRPr>
-              </a:lvl1pPr>
-              <a:lvl2pPr marL="457200" algn="l" defTabSz="914400" rtl="0" eaLnBrk="1" latinLnBrk="0" hangingPunct="1">
-                <a:defRPr sz="1800" kern="1200">
-                  <a:solidFill>
-                    <a:schemeClr val="lt1"/>
-                  </a:solidFill>
-                  <a:latin typeface="+mn-lt"/>
-                  <a:ea typeface="+mn-ea"/>
-                  <a:cs typeface="+mn-cs"/>
-                </a:defRPr>
-              </a:lvl2pPr>
-              <a:lvl3pPr marL="914400" algn="l" defTabSz="914400" rtl="0" eaLnBrk="1" latinLnBrk="0" hangingPunct="1">
-                <a:defRPr sz="1800" kern="1200">
-                  <a:solidFill>
-                    <a:schemeClr val="lt1"/>
-                  </a:solidFill>
-                  <a:latin typeface="+mn-lt"/>
-                  <a:ea typeface="+mn-ea"/>
-                  <a:cs typeface="+mn-cs"/>
-                </a:defRPr>
-              </a:lvl3pPr>
-              <a:lvl4pPr marL="1371600" algn="l" defTabSz="914400" rtl="0" eaLnBrk="1" latinLnBrk="0" hangingPunct="1">
-                <a:defRPr sz="1800" kern="1200">
-                  <a:solidFill>
-                    <a:schemeClr val="lt1"/>
-                  </a:solidFill>
-                  <a:latin typeface="+mn-lt"/>
-                  <a:ea typeface="+mn-ea"/>
-                  <a:cs typeface="+mn-cs"/>
-                </a:defRPr>
-              </a:lvl4pPr>
-              <a:lvl5pPr marL="1828800" algn="l" defTabSz="914400" rtl="0" eaLnBrk="1" latinLnBrk="0" hangingPunct="1">
-                <a:defRPr sz="1800" kern="1200">
-                  <a:solidFill>
-                    <a:schemeClr val="lt1"/>
-                  </a:solidFill>
-                  <a:latin typeface="+mn-lt"/>
-                  <a:ea typeface="+mn-ea"/>
-                  <a:cs typeface="+mn-cs"/>
-                </a:defRPr>
-              </a:lvl5pPr>
-              <a:lvl6pPr marL="2286000" algn="l" defTabSz="914400" rtl="0" eaLnBrk="1" latinLnBrk="0" hangingPunct="1">
-                <a:defRPr sz="1800" kern="1200">
-                  <a:solidFill>
-                    <a:schemeClr val="lt1"/>
-                  </a:solidFill>
-                  <a:latin typeface="+mn-lt"/>
-                  <a:ea typeface="+mn-ea"/>
-                  <a:cs typeface="+mn-cs"/>
-                </a:defRPr>
-              </a:lvl6pPr>
-              <a:lvl7pPr marL="2743200" algn="l" defTabSz="914400" rtl="0" eaLnBrk="1" latinLnBrk="0" hangingPunct="1">
-                <a:defRPr sz="1800" kern="1200">
-                  <a:solidFill>
-                    <a:schemeClr val="lt1"/>
-                  </a:solidFill>
-                  <a:latin typeface="+mn-lt"/>
-                  <a:ea typeface="+mn-ea"/>
-                  <a:cs typeface="+mn-cs"/>
-                </a:defRPr>
-              </a:lvl7pPr>
-              <a:lvl8pPr marL="3200400" algn="l" defTabSz="914400" rtl="0" eaLnBrk="1" latinLnBrk="0" hangingPunct="1">
-                <a:defRPr sz="1800" kern="1200">
-                  <a:solidFill>
-                    <a:schemeClr val="lt1"/>
-                  </a:solidFill>
-                  <a:latin typeface="+mn-lt"/>
-                  <a:ea typeface="+mn-ea"/>
-                  <a:cs typeface="+mn-cs"/>
-                </a:defRPr>
-              </a:lvl8pPr>
-              <a:lvl9pPr marL="3657600" algn="l" defTabSz="914400" rtl="0" eaLnBrk="1" latinLnBrk="0" hangingPunct="1">
-                <a:defRPr sz="1800" kern="1200">
-                  <a:solidFill>
-                    <a:schemeClr val="lt1"/>
-                  </a:solidFill>
-                  <a:latin typeface="+mn-lt"/>
-                  <a:ea typeface="+mn-ea"/>
-                  <a:cs typeface="+mn-cs"/>
-                </a:defRPr>
-              </a:lvl9pPr>
-            </a:lstStyle>
-            <a:p>
-              <a:pPr algn="ctr"/>
-              <a:r>
-                <a:rPr lang="en-US" sz="1000" b="1" dirty="0" smtClean="0">
-                  <a:solidFill>
-                    <a:schemeClr val="tx1"/>
-                  </a:solidFill>
-                </a:rPr>
-                <a:t>PUNTO DE VENTA</a:t>
-              </a:r>
-              <a:endParaRPr lang="es-MX" sz="1000" b="1" dirty="0" smtClean="0">
-                <a:solidFill>
-                  <a:schemeClr val="tx1"/>
-                </a:solidFill>
-              </a:endParaRPr>
-            </a:p>
-          </p:txBody>
-        </p:sp>
-        <p:pic>
-          <p:nvPicPr>
-            <p:cNvPr id="66" name="Imagen 65"/>
-            <p:cNvPicPr>
-              <a:picLocks noChangeAspect="1"/>
-            </p:cNvPicPr>
-            <p:nvPr/>
-          </p:nvPicPr>
-          <p:blipFill>
-            <a:blip r:embed="rId4"/>
-            <a:stretch>
-              <a:fillRect/>
-            </a:stretch>
-          </p:blipFill>
-          <p:spPr>
-            <a:xfrm>
-              <a:off x="1765254" y="2175378"/>
-              <a:ext cx="284695" cy="330188"/>
-            </a:xfrm>
-            <a:prstGeom prst="rect">
-              <a:avLst/>
-            </a:prstGeom>
-          </p:spPr>
-        </p:pic>
-        <p:pic>
-          <p:nvPicPr>
-            <p:cNvPr id="52" name="Imagen 51"/>
-            <p:cNvPicPr>
-              <a:picLocks noChangeAspect="1"/>
-            </p:cNvPicPr>
-            <p:nvPr/>
-          </p:nvPicPr>
-          <p:blipFill>
-            <a:blip r:embed="rId5"/>
-            <a:stretch>
-              <a:fillRect/>
-            </a:stretch>
-          </p:blipFill>
-          <p:spPr>
-            <a:xfrm>
-              <a:off x="843953" y="2437576"/>
-              <a:ext cx="341254" cy="58480"/>
-            </a:xfrm>
-            <a:prstGeom prst="rect">
-              <a:avLst/>
-            </a:prstGeom>
-          </p:spPr>
-        </p:pic>
-        <p:pic>
-          <p:nvPicPr>
-            <p:cNvPr id="53" name="Imagen 52"/>
-            <p:cNvPicPr>
-              <a:picLocks noChangeAspect="1"/>
-            </p:cNvPicPr>
-            <p:nvPr/>
-          </p:nvPicPr>
-          <p:blipFill>
-            <a:blip r:embed="rId5"/>
-            <a:stretch>
-              <a:fillRect/>
-            </a:stretch>
-          </p:blipFill>
-          <p:spPr>
-            <a:xfrm>
-              <a:off x="843953" y="2303894"/>
-              <a:ext cx="341254" cy="58480"/>
-            </a:xfrm>
-            <a:prstGeom prst="rect">
-              <a:avLst/>
-            </a:prstGeom>
-          </p:spPr>
-        </p:pic>
-        <p:pic>
-          <p:nvPicPr>
-            <p:cNvPr id="54" name="Imagen 53"/>
-            <p:cNvPicPr>
-              <a:picLocks noChangeAspect="1"/>
-            </p:cNvPicPr>
-            <p:nvPr/>
-          </p:nvPicPr>
-          <p:blipFill>
-            <a:blip r:embed="rId5"/>
-            <a:stretch>
-              <a:fillRect/>
-            </a:stretch>
-          </p:blipFill>
-          <p:spPr>
-            <a:xfrm>
-              <a:off x="843953" y="2182116"/>
-              <a:ext cx="341254" cy="58480"/>
-            </a:xfrm>
-            <a:prstGeom prst="rect">
-              <a:avLst/>
-            </a:prstGeom>
-          </p:spPr>
-        </p:pic>
-        <p:pic>
-          <p:nvPicPr>
-            <p:cNvPr id="56" name="Picture 4" descr="Imagen relacionada"/>
-            <p:cNvPicPr>
-              <a:picLocks noChangeAspect="1" noChangeArrowheads="1"/>
-            </p:cNvPicPr>
-            <p:nvPr/>
-          </p:nvPicPr>
-          <p:blipFill>
-            <a:blip r:embed="rId6" cstate="print">
-              <a:biLevel thresh="75000"/>
-              <a:extLst>
-                <a:ext uri="{28A0092B-C50C-407E-A947-70E740481C1C}">
-                  <a14:useLocalDpi xmlns:a14="http://schemas.microsoft.com/office/drawing/2010/main" val="0"/>
-                </a:ext>
-              </a:extLst>
-            </a:blip>
-            <a:srcRect/>
-            <a:stretch>
-              <a:fillRect/>
-            </a:stretch>
-          </p:blipFill>
-          <p:spPr bwMode="auto">
-            <a:xfrm>
-              <a:off x="1304075" y="2147624"/>
-              <a:ext cx="353749" cy="408898"/>
-            </a:xfrm>
-            <a:prstGeom prst="rect">
-              <a:avLst/>
-            </a:prstGeom>
-            <a:noFill/>
-            <a:extLst>
-              <a:ext uri="{909E8E84-426E-40DD-AFC4-6F175D3DCCD1}">
-                <a14:hiddenFill xmlns:a14="http://schemas.microsoft.com/office/drawing/2010/main">
-                  <a:solidFill>
-                    <a:srgbClr val="FFFFFF"/>
-                  </a:solidFill>
-                </a14:hiddenFill>
-              </a:ext>
-            </a:extLst>
-          </p:spPr>
-        </p:pic>
-      </p:grpSp>
-      <p:cxnSp>
-        <p:nvCxnSpPr>
-          <p:cNvPr id="71" name="Conector angular 70"/>
-          <p:cNvCxnSpPr>
-            <a:stCxn id="107" idx="2"/>
-            <a:endCxn id="168" idx="0"/>
-          </p:cNvCxnSpPr>
-          <p:nvPr/>
-        </p:nvCxnSpPr>
-        <p:spPr>
-          <a:xfrm rot="16200000" flipH="1">
-            <a:off x="4194804" y="4013825"/>
-            <a:ext cx="2094673" cy="2543"/>
-          </a:xfrm>
-          <a:prstGeom prst="bentConnector3">
-            <a:avLst>
-              <a:gd name="adj1" fmla="val 50000"/>
-            </a:avLst>
-          </a:prstGeom>
-          <a:ln>
-            <a:tailEnd type="triangle"/>
-          </a:ln>
-        </p:spPr>
-        <p:style>
-          <a:lnRef idx="2">
-            <a:schemeClr val="accent1"/>
-          </a:lnRef>
-          <a:fillRef idx="0">
-            <a:schemeClr val="accent1"/>
-          </a:fillRef>
-          <a:effectRef idx="1">
-            <a:schemeClr val="accent1"/>
-          </a:effectRef>
-          <a:fontRef idx="minor">
-            <a:schemeClr val="tx1"/>
-          </a:fontRef>
-        </p:style>
-      </p:cxnSp>
-      <p:grpSp>
-        <p:nvGrpSpPr>
-          <p:cNvPr id="6" name="Grupo 5"/>
-          <p:cNvGrpSpPr/>
-          <p:nvPr/>
-        </p:nvGrpSpPr>
-        <p:grpSpPr>
-          <a:xfrm>
-            <a:off x="7216286" y="2201438"/>
-            <a:ext cx="1320577" cy="765631"/>
-            <a:chOff x="6221638" y="3010192"/>
-            <a:chExt cx="1320577" cy="765631"/>
-          </a:xfrm>
-        </p:grpSpPr>
-        <p:grpSp>
-          <p:nvGrpSpPr>
-            <p:cNvPr id="74" name="Grupo 73"/>
-            <p:cNvGrpSpPr/>
-            <p:nvPr/>
-          </p:nvGrpSpPr>
-          <p:grpSpPr>
-            <a:xfrm>
-              <a:off x="6248400" y="3010192"/>
-              <a:ext cx="1293815" cy="492740"/>
-              <a:chOff x="771635" y="5092449"/>
-              <a:chExt cx="1293815" cy="492740"/>
-            </a:xfrm>
-          </p:grpSpPr>
-          <p:pic>
-            <p:nvPicPr>
-              <p:cNvPr id="77" name="Imagen 76"/>
-              <p:cNvPicPr>
-                <a:picLocks noChangeAspect="1"/>
-              </p:cNvPicPr>
-              <p:nvPr/>
-            </p:nvPicPr>
-            <p:blipFill>
-              <a:blip r:embed="rId7"/>
-              <a:stretch>
-                <a:fillRect/>
-              </a:stretch>
-            </p:blipFill>
-            <p:spPr>
-              <a:xfrm>
-                <a:off x="771635" y="5092449"/>
-                <a:ext cx="560965" cy="492740"/>
-              </a:xfrm>
-              <a:prstGeom prst="rect">
-                <a:avLst/>
-              </a:prstGeom>
-            </p:spPr>
-          </p:pic>
-          <p:pic>
-            <p:nvPicPr>
-              <p:cNvPr id="78" name="Imagen 77"/>
-              <p:cNvPicPr>
-                <a:picLocks noChangeAspect="1"/>
-              </p:cNvPicPr>
-              <p:nvPr/>
-            </p:nvPicPr>
-            <p:blipFill>
-              <a:blip r:embed="rId5"/>
-              <a:stretch>
-                <a:fillRect/>
-              </a:stretch>
-            </p:blipFill>
-            <p:spPr>
-              <a:xfrm>
-                <a:off x="1379650" y="5181600"/>
-                <a:ext cx="685800" cy="145605"/>
-              </a:xfrm>
-              <a:prstGeom prst="rect">
-                <a:avLst/>
-              </a:prstGeom>
-            </p:spPr>
-          </p:pic>
-          <p:pic>
-            <p:nvPicPr>
-              <p:cNvPr id="79" name="Imagen 78"/>
-              <p:cNvPicPr>
-                <a:picLocks noChangeAspect="1"/>
-              </p:cNvPicPr>
-              <p:nvPr/>
-            </p:nvPicPr>
-            <p:blipFill>
-              <a:blip r:embed="rId5"/>
-              <a:stretch>
-                <a:fillRect/>
-              </a:stretch>
-            </p:blipFill>
-            <p:spPr>
-              <a:xfrm>
-                <a:off x="1379650" y="5381265"/>
-                <a:ext cx="685800" cy="145605"/>
-              </a:xfrm>
-              <a:prstGeom prst="rect">
-                <a:avLst/>
-              </a:prstGeom>
-            </p:spPr>
-          </p:pic>
-        </p:grpSp>
-        <p:sp>
-          <p:nvSpPr>
-            <p:cNvPr id="80" name="Rectangle 99"/>
-            <p:cNvSpPr/>
-            <p:nvPr/>
-          </p:nvSpPr>
-          <p:spPr>
-            <a:xfrm>
-              <a:off x="6221638" y="3570942"/>
-              <a:ext cx="1291110" cy="204881"/>
-            </a:xfrm>
-            <a:prstGeom prst="rect">
-              <a:avLst/>
-            </a:prstGeom>
-            <a:solidFill>
-              <a:schemeClr val="bg1"/>
-            </a:solidFill>
-            <a:ln w="28575">
-              <a:solidFill>
-                <a:srgbClr val="0070C0"/>
-              </a:solidFill>
-              <a:prstDash val="solid"/>
-            </a:ln>
-          </p:spPr>
-          <p:style>
-            <a:lnRef idx="2">
-              <a:schemeClr val="accent1">
-                <a:shade val="50000"/>
-              </a:schemeClr>
-            </a:lnRef>
-            <a:fillRef idx="1">
-              <a:schemeClr val="accent1"/>
-            </a:fillRef>
-            <a:effectRef idx="0">
-              <a:schemeClr val="accent1"/>
-            </a:effectRef>
-            <a:fontRef idx="minor">
-              <a:schemeClr val="lt1"/>
-            </a:fontRef>
-          </p:style>
-          <p:txBody>
-            <a:bodyPr rtlCol="0" anchor="ctr"/>
-            <a:lstStyle>
-              <a:defPPr>
-                <a:defRPr lang="en-US"/>
-              </a:defPPr>
-              <a:lvl1pPr marL="0" algn="l" defTabSz="914400" rtl="0" eaLnBrk="1" latinLnBrk="0" hangingPunct="1">
-                <a:defRPr sz="1800" kern="1200">
-                  <a:solidFill>
-                    <a:schemeClr val="lt1"/>
-                  </a:solidFill>
-                  <a:latin typeface="+mn-lt"/>
-                  <a:ea typeface="+mn-ea"/>
-                  <a:cs typeface="+mn-cs"/>
-                </a:defRPr>
-              </a:lvl1pPr>
-              <a:lvl2pPr marL="457200" algn="l" defTabSz="914400" rtl="0" eaLnBrk="1" latinLnBrk="0" hangingPunct="1">
-                <a:defRPr sz="1800" kern="1200">
-                  <a:solidFill>
-                    <a:schemeClr val="lt1"/>
-                  </a:solidFill>
-                  <a:latin typeface="+mn-lt"/>
-                  <a:ea typeface="+mn-ea"/>
-                  <a:cs typeface="+mn-cs"/>
-                </a:defRPr>
-              </a:lvl2pPr>
-              <a:lvl3pPr marL="914400" algn="l" defTabSz="914400" rtl="0" eaLnBrk="1" latinLnBrk="0" hangingPunct="1">
-                <a:defRPr sz="1800" kern="1200">
-                  <a:solidFill>
-                    <a:schemeClr val="lt1"/>
-                  </a:solidFill>
-                  <a:latin typeface="+mn-lt"/>
-                  <a:ea typeface="+mn-ea"/>
-                  <a:cs typeface="+mn-cs"/>
-                </a:defRPr>
-              </a:lvl3pPr>
-              <a:lvl4pPr marL="1371600" algn="l" defTabSz="914400" rtl="0" eaLnBrk="1" latinLnBrk="0" hangingPunct="1">
-                <a:defRPr sz="1800" kern="1200">
-                  <a:solidFill>
-                    <a:schemeClr val="lt1"/>
-                  </a:solidFill>
-                  <a:latin typeface="+mn-lt"/>
-                  <a:ea typeface="+mn-ea"/>
-                  <a:cs typeface="+mn-cs"/>
-                </a:defRPr>
-              </a:lvl4pPr>
-              <a:lvl5pPr marL="1828800" algn="l" defTabSz="914400" rtl="0" eaLnBrk="1" latinLnBrk="0" hangingPunct="1">
-                <a:defRPr sz="1800" kern="1200">
-                  <a:solidFill>
-                    <a:schemeClr val="lt1"/>
-                  </a:solidFill>
-                  <a:latin typeface="+mn-lt"/>
-                  <a:ea typeface="+mn-ea"/>
-                  <a:cs typeface="+mn-cs"/>
-                </a:defRPr>
-              </a:lvl5pPr>
-              <a:lvl6pPr marL="2286000" algn="l" defTabSz="914400" rtl="0" eaLnBrk="1" latinLnBrk="0" hangingPunct="1">
-                <a:defRPr sz="1800" kern="1200">
-                  <a:solidFill>
-                    <a:schemeClr val="lt1"/>
-                  </a:solidFill>
-                  <a:latin typeface="+mn-lt"/>
-                  <a:ea typeface="+mn-ea"/>
-                  <a:cs typeface="+mn-cs"/>
-                </a:defRPr>
-              </a:lvl6pPr>
-              <a:lvl7pPr marL="2743200" algn="l" defTabSz="914400" rtl="0" eaLnBrk="1" latinLnBrk="0" hangingPunct="1">
-                <a:defRPr sz="1800" kern="1200">
-                  <a:solidFill>
-                    <a:schemeClr val="lt1"/>
-                  </a:solidFill>
-                  <a:latin typeface="+mn-lt"/>
-                  <a:ea typeface="+mn-ea"/>
-                  <a:cs typeface="+mn-cs"/>
-                </a:defRPr>
-              </a:lvl7pPr>
-              <a:lvl8pPr marL="3200400" algn="l" defTabSz="914400" rtl="0" eaLnBrk="1" latinLnBrk="0" hangingPunct="1">
-                <a:defRPr sz="1800" kern="1200">
-                  <a:solidFill>
-                    <a:schemeClr val="lt1"/>
-                  </a:solidFill>
-                  <a:latin typeface="+mn-lt"/>
-                  <a:ea typeface="+mn-ea"/>
-                  <a:cs typeface="+mn-cs"/>
-                </a:defRPr>
-              </a:lvl8pPr>
-              <a:lvl9pPr marL="3657600" algn="l" defTabSz="914400" rtl="0" eaLnBrk="1" latinLnBrk="0" hangingPunct="1">
-                <a:defRPr sz="1800" kern="1200">
-                  <a:solidFill>
-                    <a:schemeClr val="lt1"/>
-                  </a:solidFill>
-                  <a:latin typeface="+mn-lt"/>
-                  <a:ea typeface="+mn-ea"/>
-                  <a:cs typeface="+mn-cs"/>
-                </a:defRPr>
-              </a:lvl9pPr>
-            </a:lstStyle>
-            <a:p>
-              <a:pPr algn="ctr"/>
-              <a:r>
-                <a:rPr lang="en-US" sz="1000" b="1" dirty="0" smtClean="0">
-                  <a:solidFill>
-                    <a:schemeClr val="tx1"/>
-                  </a:solidFill>
-                </a:rPr>
-                <a:t>INVENTARIO</a:t>
-              </a:r>
-              <a:endParaRPr lang="es-MX" sz="1000" b="1" dirty="0" smtClean="0">
-                <a:solidFill>
-                  <a:schemeClr val="tx1"/>
-                </a:solidFill>
-              </a:endParaRPr>
-            </a:p>
-          </p:txBody>
-        </p:sp>
-      </p:grpSp>
-      <p:cxnSp>
-        <p:nvCxnSpPr>
-          <p:cNvPr id="82" name="Conector angular 81"/>
-          <p:cNvCxnSpPr>
-            <a:stCxn id="165" idx="3"/>
-            <a:endCxn id="80" idx="1"/>
-          </p:cNvCxnSpPr>
-          <p:nvPr/>
-        </p:nvCxnSpPr>
-        <p:spPr>
-          <a:xfrm flipV="1">
-            <a:off x="5888252" y="2864629"/>
-            <a:ext cx="1328034" cy="2884971"/>
-          </a:xfrm>
-          <a:prstGeom prst="bentConnector3">
-            <a:avLst>
-              <a:gd name="adj1" fmla="val 50000"/>
-            </a:avLst>
-          </a:prstGeom>
-          <a:ln>
-            <a:tailEnd type="triangle"/>
-          </a:ln>
-        </p:spPr>
-        <p:style>
-          <a:lnRef idx="2">
-            <a:schemeClr val="accent1"/>
-          </a:lnRef>
-          <a:fillRef idx="0">
-            <a:schemeClr val="accent1"/>
-          </a:fillRef>
-          <a:effectRef idx="1">
-            <a:schemeClr val="accent1"/>
-          </a:effectRef>
-          <a:fontRef idx="minor">
-            <a:schemeClr val="tx1"/>
-          </a:fontRef>
-        </p:style>
-      </p:cxnSp>
-      <p:grpSp>
-        <p:nvGrpSpPr>
-          <p:cNvPr id="84" name="Grupo 83"/>
-          <p:cNvGrpSpPr/>
-          <p:nvPr/>
-        </p:nvGrpSpPr>
-        <p:grpSpPr>
-          <a:xfrm>
-            <a:off x="7243048" y="5687550"/>
-            <a:ext cx="1293816" cy="838202"/>
-            <a:chOff x="3691671" y="3353080"/>
-            <a:chExt cx="1544852" cy="967697"/>
-          </a:xfrm>
-        </p:grpSpPr>
-        <p:pic>
-          <p:nvPicPr>
-            <p:cNvPr id="85" name="Picture 4" descr="Resultado de imagen para CUENTA POR COBRAR ICONO"/>
-            <p:cNvPicPr>
-              <a:picLocks noChangeAspect="1" noChangeArrowheads="1"/>
-            </p:cNvPicPr>
-            <p:nvPr/>
-          </p:nvPicPr>
-          <p:blipFill rotWithShape="1">
-            <a:blip r:embed="rId8">
-              <a:grayscl/>
-              <a:extLst>
-                <a:ext uri="{28A0092B-C50C-407E-A947-70E740481C1C}">
-                  <a14:useLocalDpi xmlns:a14="http://schemas.microsoft.com/office/drawing/2010/main" val="0"/>
-                </a:ext>
-              </a:extLst>
-            </a:blip>
-            <a:srcRect r="1041" b="35813"/>
-            <a:stretch/>
-          </p:blipFill>
-          <p:spPr bwMode="auto">
-            <a:xfrm>
-              <a:off x="3691672" y="3353080"/>
-              <a:ext cx="1544851" cy="752867"/>
-            </a:xfrm>
-            <a:prstGeom prst="rect">
-              <a:avLst/>
-            </a:prstGeom>
-            <a:noFill/>
-            <a:extLst>
-              <a:ext uri="{909E8E84-426E-40DD-AFC4-6F175D3DCCD1}">
-                <a14:hiddenFill xmlns:a14="http://schemas.microsoft.com/office/drawing/2010/main">
-                  <a:solidFill>
-                    <a:srgbClr val="FFFFFF"/>
-                  </a:solidFill>
-                </a14:hiddenFill>
-              </a:ext>
-            </a:extLst>
-          </p:spPr>
-        </p:pic>
-        <p:sp>
-          <p:nvSpPr>
-            <p:cNvPr id="87" name="Rectangle 99"/>
-            <p:cNvSpPr/>
-            <p:nvPr/>
-          </p:nvSpPr>
-          <p:spPr>
-            <a:xfrm>
-              <a:off x="3691671" y="4105455"/>
-              <a:ext cx="1544851" cy="215322"/>
-            </a:xfrm>
-            <a:prstGeom prst="rect">
-              <a:avLst/>
-            </a:prstGeom>
-            <a:solidFill>
-              <a:schemeClr val="bg1"/>
-            </a:solidFill>
-            <a:ln w="28575">
-              <a:solidFill>
-                <a:srgbClr val="0070C0"/>
-              </a:solidFill>
-              <a:prstDash val="solid"/>
-            </a:ln>
-          </p:spPr>
-          <p:style>
-            <a:lnRef idx="2">
-              <a:schemeClr val="accent1">
-                <a:shade val="50000"/>
-              </a:schemeClr>
-            </a:lnRef>
-            <a:fillRef idx="1">
-              <a:schemeClr val="accent1"/>
-            </a:fillRef>
-            <a:effectRef idx="0">
-              <a:schemeClr val="accent1"/>
-            </a:effectRef>
-            <a:fontRef idx="minor">
-              <a:schemeClr val="lt1"/>
-            </a:fontRef>
-          </p:style>
-          <p:txBody>
-            <a:bodyPr rtlCol="0" anchor="ctr"/>
-            <a:lstStyle>
-              <a:defPPr>
-                <a:defRPr lang="en-US"/>
-              </a:defPPr>
-              <a:lvl1pPr marL="0" algn="l" defTabSz="914400" rtl="0" eaLnBrk="1" latinLnBrk="0" hangingPunct="1">
-                <a:defRPr sz="1800" kern="1200">
-                  <a:solidFill>
-                    <a:schemeClr val="lt1"/>
-                  </a:solidFill>
-                  <a:latin typeface="+mn-lt"/>
-                  <a:ea typeface="+mn-ea"/>
-                  <a:cs typeface="+mn-cs"/>
-                </a:defRPr>
-              </a:lvl1pPr>
-              <a:lvl2pPr marL="457200" algn="l" defTabSz="914400" rtl="0" eaLnBrk="1" latinLnBrk="0" hangingPunct="1">
-                <a:defRPr sz="1800" kern="1200">
-                  <a:solidFill>
-                    <a:schemeClr val="lt1"/>
-                  </a:solidFill>
-                  <a:latin typeface="+mn-lt"/>
-                  <a:ea typeface="+mn-ea"/>
-                  <a:cs typeface="+mn-cs"/>
-                </a:defRPr>
-              </a:lvl2pPr>
-              <a:lvl3pPr marL="914400" algn="l" defTabSz="914400" rtl="0" eaLnBrk="1" latinLnBrk="0" hangingPunct="1">
-                <a:defRPr sz="1800" kern="1200">
-                  <a:solidFill>
-                    <a:schemeClr val="lt1"/>
-                  </a:solidFill>
-                  <a:latin typeface="+mn-lt"/>
-                  <a:ea typeface="+mn-ea"/>
-                  <a:cs typeface="+mn-cs"/>
-                </a:defRPr>
-              </a:lvl3pPr>
-              <a:lvl4pPr marL="1371600" algn="l" defTabSz="914400" rtl="0" eaLnBrk="1" latinLnBrk="0" hangingPunct="1">
-                <a:defRPr sz="1800" kern="1200">
-                  <a:solidFill>
-                    <a:schemeClr val="lt1"/>
-                  </a:solidFill>
-                  <a:latin typeface="+mn-lt"/>
-                  <a:ea typeface="+mn-ea"/>
-                  <a:cs typeface="+mn-cs"/>
-                </a:defRPr>
-              </a:lvl4pPr>
-              <a:lvl5pPr marL="1828800" algn="l" defTabSz="914400" rtl="0" eaLnBrk="1" latinLnBrk="0" hangingPunct="1">
-                <a:defRPr sz="1800" kern="1200">
-                  <a:solidFill>
-                    <a:schemeClr val="lt1"/>
-                  </a:solidFill>
-                  <a:latin typeface="+mn-lt"/>
-                  <a:ea typeface="+mn-ea"/>
-                  <a:cs typeface="+mn-cs"/>
-                </a:defRPr>
-              </a:lvl5pPr>
-              <a:lvl6pPr marL="2286000" algn="l" defTabSz="914400" rtl="0" eaLnBrk="1" latinLnBrk="0" hangingPunct="1">
-                <a:defRPr sz="1800" kern="1200">
-                  <a:solidFill>
-                    <a:schemeClr val="lt1"/>
-                  </a:solidFill>
-                  <a:latin typeface="+mn-lt"/>
-                  <a:ea typeface="+mn-ea"/>
-                  <a:cs typeface="+mn-cs"/>
-                </a:defRPr>
-              </a:lvl6pPr>
-              <a:lvl7pPr marL="2743200" algn="l" defTabSz="914400" rtl="0" eaLnBrk="1" latinLnBrk="0" hangingPunct="1">
-                <a:defRPr sz="1800" kern="1200">
-                  <a:solidFill>
-                    <a:schemeClr val="lt1"/>
-                  </a:solidFill>
-                  <a:latin typeface="+mn-lt"/>
-                  <a:ea typeface="+mn-ea"/>
-                  <a:cs typeface="+mn-cs"/>
-                </a:defRPr>
-              </a:lvl7pPr>
-              <a:lvl8pPr marL="3200400" algn="l" defTabSz="914400" rtl="0" eaLnBrk="1" latinLnBrk="0" hangingPunct="1">
-                <a:defRPr sz="1800" kern="1200">
-                  <a:solidFill>
-                    <a:schemeClr val="lt1"/>
-                  </a:solidFill>
-                  <a:latin typeface="+mn-lt"/>
-                  <a:ea typeface="+mn-ea"/>
-                  <a:cs typeface="+mn-cs"/>
-                </a:defRPr>
-              </a:lvl8pPr>
-              <a:lvl9pPr marL="3657600" algn="l" defTabSz="914400" rtl="0" eaLnBrk="1" latinLnBrk="0" hangingPunct="1">
-                <a:defRPr sz="1800" kern="1200">
-                  <a:solidFill>
-                    <a:schemeClr val="lt1"/>
-                  </a:solidFill>
-                  <a:latin typeface="+mn-lt"/>
-                  <a:ea typeface="+mn-ea"/>
-                  <a:cs typeface="+mn-cs"/>
-                </a:defRPr>
-              </a:lvl9pPr>
-            </a:lstStyle>
-            <a:p>
-              <a:pPr algn="ctr"/>
-              <a:r>
-                <a:rPr lang="es-MX" sz="1000" b="1" dirty="0" smtClean="0">
-                  <a:solidFill>
-                    <a:schemeClr val="tx1"/>
-                  </a:solidFill>
-                </a:rPr>
-                <a:t>CAJA</a:t>
-              </a:r>
-            </a:p>
-          </p:txBody>
-        </p:sp>
-      </p:grpSp>
-      <p:cxnSp>
-        <p:nvCxnSpPr>
-          <p:cNvPr id="88" name="Conector angular 87"/>
-          <p:cNvCxnSpPr>
-            <a:stCxn id="165" idx="3"/>
-            <a:endCxn id="87" idx="1"/>
-          </p:cNvCxnSpPr>
-          <p:nvPr/>
-        </p:nvCxnSpPr>
-        <p:spPr>
-          <a:xfrm>
-            <a:off x="5888252" y="5749600"/>
-            <a:ext cx="1354796" cy="682898"/>
-          </a:xfrm>
-          <a:prstGeom prst="bentConnector3">
-            <a:avLst>
-              <a:gd name="adj1" fmla="val 50000"/>
-            </a:avLst>
-          </a:prstGeom>
-          <a:ln>
-            <a:tailEnd type="triangle"/>
-          </a:ln>
-        </p:spPr>
-        <p:style>
-          <a:lnRef idx="2">
-            <a:schemeClr val="accent1"/>
-          </a:lnRef>
-          <a:fillRef idx="0">
-            <a:schemeClr val="accent1"/>
-          </a:fillRef>
-          <a:effectRef idx="1">
-            <a:schemeClr val="accent1"/>
-          </a:effectRef>
-          <a:fontRef idx="minor">
-            <a:schemeClr val="tx1"/>
-          </a:fontRef>
-        </p:style>
-      </p:cxnSp>
-      <p:grpSp>
-        <p:nvGrpSpPr>
-          <p:cNvPr id="7" name="Grupo 6"/>
-          <p:cNvGrpSpPr/>
-          <p:nvPr/>
-        </p:nvGrpSpPr>
-        <p:grpSpPr>
-          <a:xfrm>
-            <a:off x="7216286" y="3322745"/>
-            <a:ext cx="1291109" cy="818424"/>
-            <a:chOff x="6143821" y="3987999"/>
-            <a:chExt cx="1291110" cy="818424"/>
-          </a:xfrm>
-        </p:grpSpPr>
-        <p:pic>
-          <p:nvPicPr>
-            <p:cNvPr id="83" name="Imagen 82"/>
-            <p:cNvPicPr>
-              <a:picLocks noChangeAspect="1"/>
-            </p:cNvPicPr>
-            <p:nvPr/>
-          </p:nvPicPr>
-          <p:blipFill>
-            <a:blip r:embed="rId9"/>
-            <a:stretch>
-              <a:fillRect/>
-            </a:stretch>
-          </p:blipFill>
-          <p:spPr>
-            <a:xfrm>
-              <a:off x="6553200" y="3987999"/>
-              <a:ext cx="536087" cy="477523"/>
-            </a:xfrm>
-            <a:prstGeom prst="rect">
-              <a:avLst/>
-            </a:prstGeom>
-          </p:spPr>
-        </p:pic>
-        <p:sp>
-          <p:nvSpPr>
-            <p:cNvPr id="92" name="Rectangle 99"/>
-            <p:cNvSpPr/>
-            <p:nvPr/>
-          </p:nvSpPr>
-          <p:spPr>
-            <a:xfrm>
-              <a:off x="6143821" y="4601542"/>
-              <a:ext cx="1291110" cy="204881"/>
-            </a:xfrm>
-            <a:prstGeom prst="rect">
-              <a:avLst/>
-            </a:prstGeom>
-            <a:solidFill>
-              <a:schemeClr val="bg1"/>
-            </a:solidFill>
-            <a:ln w="28575">
-              <a:solidFill>
-                <a:srgbClr val="0070C0"/>
-              </a:solidFill>
-              <a:prstDash val="solid"/>
-            </a:ln>
-          </p:spPr>
-          <p:style>
-            <a:lnRef idx="2">
-              <a:schemeClr val="accent1">
-                <a:shade val="50000"/>
-              </a:schemeClr>
-            </a:lnRef>
-            <a:fillRef idx="1">
-              <a:schemeClr val="accent1"/>
-            </a:fillRef>
-            <a:effectRef idx="0">
-              <a:schemeClr val="accent1"/>
-            </a:effectRef>
-            <a:fontRef idx="minor">
-              <a:schemeClr val="lt1"/>
-            </a:fontRef>
-          </p:style>
-          <p:txBody>
-            <a:bodyPr rtlCol="0" anchor="ctr"/>
-            <a:lstStyle>
-              <a:defPPr>
-                <a:defRPr lang="en-US"/>
-              </a:defPPr>
-              <a:lvl1pPr marL="0" algn="l" defTabSz="914400" rtl="0" eaLnBrk="1" latinLnBrk="0" hangingPunct="1">
-                <a:defRPr sz="1800" kern="1200">
-                  <a:solidFill>
-                    <a:schemeClr val="lt1"/>
-                  </a:solidFill>
-                  <a:latin typeface="+mn-lt"/>
-                  <a:ea typeface="+mn-ea"/>
-                  <a:cs typeface="+mn-cs"/>
-                </a:defRPr>
-              </a:lvl1pPr>
-              <a:lvl2pPr marL="457200" algn="l" defTabSz="914400" rtl="0" eaLnBrk="1" latinLnBrk="0" hangingPunct="1">
-                <a:defRPr sz="1800" kern="1200">
-                  <a:solidFill>
-                    <a:schemeClr val="lt1"/>
-                  </a:solidFill>
-                  <a:latin typeface="+mn-lt"/>
-                  <a:ea typeface="+mn-ea"/>
-                  <a:cs typeface="+mn-cs"/>
-                </a:defRPr>
-              </a:lvl2pPr>
-              <a:lvl3pPr marL="914400" algn="l" defTabSz="914400" rtl="0" eaLnBrk="1" latinLnBrk="0" hangingPunct="1">
-                <a:defRPr sz="1800" kern="1200">
-                  <a:solidFill>
-                    <a:schemeClr val="lt1"/>
-                  </a:solidFill>
-                  <a:latin typeface="+mn-lt"/>
-                  <a:ea typeface="+mn-ea"/>
-                  <a:cs typeface="+mn-cs"/>
-                </a:defRPr>
-              </a:lvl3pPr>
-              <a:lvl4pPr marL="1371600" algn="l" defTabSz="914400" rtl="0" eaLnBrk="1" latinLnBrk="0" hangingPunct="1">
-                <a:defRPr sz="1800" kern="1200">
-                  <a:solidFill>
-                    <a:schemeClr val="lt1"/>
-                  </a:solidFill>
-                  <a:latin typeface="+mn-lt"/>
-                  <a:ea typeface="+mn-ea"/>
-                  <a:cs typeface="+mn-cs"/>
-                </a:defRPr>
-              </a:lvl4pPr>
-              <a:lvl5pPr marL="1828800" algn="l" defTabSz="914400" rtl="0" eaLnBrk="1" latinLnBrk="0" hangingPunct="1">
-                <a:defRPr sz="1800" kern="1200">
-                  <a:solidFill>
-                    <a:schemeClr val="lt1"/>
-                  </a:solidFill>
-                  <a:latin typeface="+mn-lt"/>
-                  <a:ea typeface="+mn-ea"/>
-                  <a:cs typeface="+mn-cs"/>
-                </a:defRPr>
-              </a:lvl5pPr>
-              <a:lvl6pPr marL="2286000" algn="l" defTabSz="914400" rtl="0" eaLnBrk="1" latinLnBrk="0" hangingPunct="1">
-                <a:defRPr sz="1800" kern="1200">
-                  <a:solidFill>
-                    <a:schemeClr val="lt1"/>
-                  </a:solidFill>
-                  <a:latin typeface="+mn-lt"/>
-                  <a:ea typeface="+mn-ea"/>
-                  <a:cs typeface="+mn-cs"/>
-                </a:defRPr>
-              </a:lvl6pPr>
-              <a:lvl7pPr marL="2743200" algn="l" defTabSz="914400" rtl="0" eaLnBrk="1" latinLnBrk="0" hangingPunct="1">
-                <a:defRPr sz="1800" kern="1200">
-                  <a:solidFill>
-                    <a:schemeClr val="lt1"/>
-                  </a:solidFill>
-                  <a:latin typeface="+mn-lt"/>
-                  <a:ea typeface="+mn-ea"/>
-                  <a:cs typeface="+mn-cs"/>
-                </a:defRPr>
-              </a:lvl7pPr>
-              <a:lvl8pPr marL="3200400" algn="l" defTabSz="914400" rtl="0" eaLnBrk="1" latinLnBrk="0" hangingPunct="1">
-                <a:defRPr sz="1800" kern="1200">
-                  <a:solidFill>
-                    <a:schemeClr val="lt1"/>
-                  </a:solidFill>
-                  <a:latin typeface="+mn-lt"/>
-                  <a:ea typeface="+mn-ea"/>
-                  <a:cs typeface="+mn-cs"/>
-                </a:defRPr>
-              </a:lvl8pPr>
-              <a:lvl9pPr marL="3657600" algn="l" defTabSz="914400" rtl="0" eaLnBrk="1" latinLnBrk="0" hangingPunct="1">
-                <a:defRPr sz="1800" kern="1200">
-                  <a:solidFill>
-                    <a:schemeClr val="lt1"/>
-                  </a:solidFill>
-                  <a:latin typeface="+mn-lt"/>
-                  <a:ea typeface="+mn-ea"/>
-                  <a:cs typeface="+mn-cs"/>
-                </a:defRPr>
-              </a:lvl9pPr>
-            </a:lstStyle>
-            <a:p>
-              <a:pPr algn="ctr"/>
-              <a:r>
-                <a:rPr lang="en-US" sz="1000" b="1" dirty="0" smtClean="0">
-                  <a:solidFill>
-                    <a:schemeClr val="tx1"/>
-                  </a:solidFill>
-                </a:rPr>
-                <a:t>C Y C</a:t>
-              </a:r>
-              <a:endParaRPr lang="es-MX" sz="1000" b="1" dirty="0" smtClean="0">
-                <a:solidFill>
-                  <a:schemeClr val="tx1"/>
-                </a:solidFill>
-              </a:endParaRPr>
-            </a:p>
-          </p:txBody>
-        </p:sp>
-      </p:grpSp>
-      <p:cxnSp>
-        <p:nvCxnSpPr>
-          <p:cNvPr id="94" name="Conector angular 93"/>
-          <p:cNvCxnSpPr>
-            <a:stCxn id="165" idx="3"/>
-            <a:endCxn id="92" idx="1"/>
-          </p:cNvCxnSpPr>
-          <p:nvPr/>
-        </p:nvCxnSpPr>
-        <p:spPr>
-          <a:xfrm flipV="1">
-            <a:off x="5888252" y="4038729"/>
-            <a:ext cx="1328034" cy="1710871"/>
-          </a:xfrm>
-          <a:prstGeom prst="bentConnector3">
-            <a:avLst>
-              <a:gd name="adj1" fmla="val 50000"/>
-            </a:avLst>
-          </a:prstGeom>
-          <a:ln>
-            <a:tailEnd type="triangle"/>
-          </a:ln>
-        </p:spPr>
-        <p:style>
-          <a:lnRef idx="2">
-            <a:schemeClr val="accent1"/>
-          </a:lnRef>
-          <a:fillRef idx="0">
-            <a:schemeClr val="accent1"/>
-          </a:fillRef>
-          <a:effectRef idx="1">
-            <a:schemeClr val="accent1"/>
-          </a:effectRef>
-          <a:fontRef idx="minor">
-            <a:schemeClr val="tx1"/>
-          </a:fontRef>
-        </p:style>
-      </p:cxnSp>
-      <p:grpSp>
-        <p:nvGrpSpPr>
-          <p:cNvPr id="8" name="Grupo 7"/>
-          <p:cNvGrpSpPr/>
-          <p:nvPr/>
-        </p:nvGrpSpPr>
-        <p:grpSpPr>
-          <a:xfrm>
-            <a:off x="7216285" y="4484761"/>
-            <a:ext cx="1291110" cy="806666"/>
-            <a:chOff x="6143821" y="5065675"/>
-            <a:chExt cx="1291110" cy="806666"/>
-          </a:xfrm>
-        </p:grpSpPr>
-        <p:pic>
-          <p:nvPicPr>
-            <p:cNvPr id="90" name="Imagen 89"/>
-            <p:cNvPicPr>
-              <a:picLocks noChangeAspect="1"/>
-            </p:cNvPicPr>
-            <p:nvPr/>
-          </p:nvPicPr>
-          <p:blipFill>
-            <a:blip r:embed="rId10"/>
-            <a:stretch>
-              <a:fillRect/>
-            </a:stretch>
-          </p:blipFill>
-          <p:spPr>
-            <a:xfrm>
-              <a:off x="6539172" y="5065675"/>
-              <a:ext cx="500407" cy="495816"/>
-            </a:xfrm>
-            <a:prstGeom prst="rect">
-              <a:avLst/>
-            </a:prstGeom>
-          </p:spPr>
-        </p:pic>
-        <p:sp>
-          <p:nvSpPr>
-            <p:cNvPr id="95" name="Rectangle 99"/>
-            <p:cNvSpPr/>
-            <p:nvPr/>
-          </p:nvSpPr>
-          <p:spPr>
-            <a:xfrm>
-              <a:off x="6143821" y="5667460"/>
-              <a:ext cx="1291110" cy="204881"/>
-            </a:xfrm>
-            <a:prstGeom prst="rect">
-              <a:avLst/>
-            </a:prstGeom>
-            <a:solidFill>
-              <a:schemeClr val="bg1"/>
-            </a:solidFill>
-            <a:ln w="28575">
-              <a:solidFill>
-                <a:srgbClr val="0070C0"/>
-              </a:solidFill>
-              <a:prstDash val="solid"/>
-            </a:ln>
-          </p:spPr>
-          <p:style>
-            <a:lnRef idx="2">
-              <a:schemeClr val="accent1">
-                <a:shade val="50000"/>
-              </a:schemeClr>
-            </a:lnRef>
-            <a:fillRef idx="1">
-              <a:schemeClr val="accent1"/>
-            </a:fillRef>
-            <a:effectRef idx="0">
-              <a:schemeClr val="accent1"/>
-            </a:effectRef>
-            <a:fontRef idx="minor">
-              <a:schemeClr val="lt1"/>
-            </a:fontRef>
-          </p:style>
-          <p:txBody>
-            <a:bodyPr rtlCol="0" anchor="ctr"/>
-            <a:lstStyle>
-              <a:defPPr>
-                <a:defRPr lang="en-US"/>
-              </a:defPPr>
-              <a:lvl1pPr marL="0" algn="l" defTabSz="914400" rtl="0" eaLnBrk="1" latinLnBrk="0" hangingPunct="1">
-                <a:defRPr sz="1800" kern="1200">
-                  <a:solidFill>
-                    <a:schemeClr val="lt1"/>
-                  </a:solidFill>
-                  <a:latin typeface="+mn-lt"/>
-                  <a:ea typeface="+mn-ea"/>
-                  <a:cs typeface="+mn-cs"/>
-                </a:defRPr>
-              </a:lvl1pPr>
-              <a:lvl2pPr marL="457200" algn="l" defTabSz="914400" rtl="0" eaLnBrk="1" latinLnBrk="0" hangingPunct="1">
-                <a:defRPr sz="1800" kern="1200">
-                  <a:solidFill>
-                    <a:schemeClr val="lt1"/>
-                  </a:solidFill>
-                  <a:latin typeface="+mn-lt"/>
-                  <a:ea typeface="+mn-ea"/>
-                  <a:cs typeface="+mn-cs"/>
-                </a:defRPr>
-              </a:lvl2pPr>
-              <a:lvl3pPr marL="914400" algn="l" defTabSz="914400" rtl="0" eaLnBrk="1" latinLnBrk="0" hangingPunct="1">
-                <a:defRPr sz="1800" kern="1200">
-                  <a:solidFill>
-                    <a:schemeClr val="lt1"/>
-                  </a:solidFill>
-                  <a:latin typeface="+mn-lt"/>
-                  <a:ea typeface="+mn-ea"/>
-                  <a:cs typeface="+mn-cs"/>
-                </a:defRPr>
-              </a:lvl3pPr>
-              <a:lvl4pPr marL="1371600" algn="l" defTabSz="914400" rtl="0" eaLnBrk="1" latinLnBrk="0" hangingPunct="1">
-                <a:defRPr sz="1800" kern="1200">
-                  <a:solidFill>
-                    <a:schemeClr val="lt1"/>
-                  </a:solidFill>
-                  <a:latin typeface="+mn-lt"/>
-                  <a:ea typeface="+mn-ea"/>
-                  <a:cs typeface="+mn-cs"/>
-                </a:defRPr>
-              </a:lvl4pPr>
-              <a:lvl5pPr marL="1828800" algn="l" defTabSz="914400" rtl="0" eaLnBrk="1" latinLnBrk="0" hangingPunct="1">
-                <a:defRPr sz="1800" kern="1200">
-                  <a:solidFill>
-                    <a:schemeClr val="lt1"/>
-                  </a:solidFill>
-                  <a:latin typeface="+mn-lt"/>
-                  <a:ea typeface="+mn-ea"/>
-                  <a:cs typeface="+mn-cs"/>
-                </a:defRPr>
-              </a:lvl5pPr>
-              <a:lvl6pPr marL="2286000" algn="l" defTabSz="914400" rtl="0" eaLnBrk="1" latinLnBrk="0" hangingPunct="1">
-                <a:defRPr sz="1800" kern="1200">
-                  <a:solidFill>
-                    <a:schemeClr val="lt1"/>
-                  </a:solidFill>
-                  <a:latin typeface="+mn-lt"/>
-                  <a:ea typeface="+mn-ea"/>
-                  <a:cs typeface="+mn-cs"/>
-                </a:defRPr>
-              </a:lvl6pPr>
-              <a:lvl7pPr marL="2743200" algn="l" defTabSz="914400" rtl="0" eaLnBrk="1" latinLnBrk="0" hangingPunct="1">
-                <a:defRPr sz="1800" kern="1200">
-                  <a:solidFill>
-                    <a:schemeClr val="lt1"/>
-                  </a:solidFill>
-                  <a:latin typeface="+mn-lt"/>
-                  <a:ea typeface="+mn-ea"/>
-                  <a:cs typeface="+mn-cs"/>
-                </a:defRPr>
-              </a:lvl7pPr>
-              <a:lvl8pPr marL="3200400" algn="l" defTabSz="914400" rtl="0" eaLnBrk="1" latinLnBrk="0" hangingPunct="1">
-                <a:defRPr sz="1800" kern="1200">
-                  <a:solidFill>
-                    <a:schemeClr val="lt1"/>
-                  </a:solidFill>
-                  <a:latin typeface="+mn-lt"/>
-                  <a:ea typeface="+mn-ea"/>
-                  <a:cs typeface="+mn-cs"/>
-                </a:defRPr>
-              </a:lvl8pPr>
-              <a:lvl9pPr marL="3657600" algn="l" defTabSz="914400" rtl="0" eaLnBrk="1" latinLnBrk="0" hangingPunct="1">
-                <a:defRPr sz="1800" kern="1200">
-                  <a:solidFill>
-                    <a:schemeClr val="lt1"/>
-                  </a:solidFill>
-                  <a:latin typeface="+mn-lt"/>
-                  <a:ea typeface="+mn-ea"/>
-                  <a:cs typeface="+mn-cs"/>
-                </a:defRPr>
-              </a:lvl9pPr>
-            </a:lstStyle>
-            <a:p>
-              <a:pPr algn="ctr"/>
-              <a:r>
-                <a:rPr lang="en-US" sz="1000" b="1" dirty="0" smtClean="0">
-                  <a:solidFill>
-                    <a:schemeClr val="tx1"/>
-                  </a:solidFill>
-                </a:rPr>
-                <a:t>INGRESOS</a:t>
-              </a:r>
-              <a:endParaRPr lang="es-MX" sz="1000" b="1" dirty="0" smtClean="0">
-                <a:solidFill>
-                  <a:schemeClr val="tx1"/>
-                </a:solidFill>
-              </a:endParaRPr>
-            </a:p>
-          </p:txBody>
-        </p:sp>
-      </p:grpSp>
-      <p:cxnSp>
-        <p:nvCxnSpPr>
-          <p:cNvPr id="96" name="Conector angular 95"/>
-          <p:cNvCxnSpPr>
-            <a:stCxn id="165" idx="3"/>
-            <a:endCxn id="95" idx="1"/>
-          </p:cNvCxnSpPr>
-          <p:nvPr/>
-        </p:nvCxnSpPr>
-        <p:spPr>
-          <a:xfrm flipV="1">
-            <a:off x="5888252" y="5188987"/>
-            <a:ext cx="1328033" cy="560613"/>
-          </a:xfrm>
-          <a:prstGeom prst="bentConnector3">
-            <a:avLst>
-              <a:gd name="adj1" fmla="val 50000"/>
-            </a:avLst>
-          </a:prstGeom>
-          <a:ln>
-            <a:tailEnd type="triangle"/>
-          </a:ln>
-        </p:spPr>
-        <p:style>
-          <a:lnRef idx="2">
-            <a:schemeClr val="accent1"/>
-          </a:lnRef>
-          <a:fillRef idx="0">
-            <a:schemeClr val="accent1"/>
-          </a:fillRef>
-          <a:effectRef idx="1">
-            <a:schemeClr val="accent1"/>
-          </a:effectRef>
-          <a:fontRef idx="minor">
-            <a:schemeClr val="tx1"/>
-          </a:fontRef>
-        </p:style>
-      </p:cxnSp>
-      <p:grpSp>
-        <p:nvGrpSpPr>
-          <p:cNvPr id="33" name="Grupo 32"/>
-          <p:cNvGrpSpPr/>
-          <p:nvPr/>
-        </p:nvGrpSpPr>
-        <p:grpSpPr>
-          <a:xfrm>
-            <a:off x="2853597" y="4999959"/>
-            <a:ext cx="1258610" cy="848272"/>
-            <a:chOff x="1741672" y="3573460"/>
-            <a:chExt cx="1258610" cy="848272"/>
-          </a:xfrm>
-        </p:grpSpPr>
-        <p:pic>
-          <p:nvPicPr>
-            <p:cNvPr id="100" name="Imagen 99"/>
-            <p:cNvPicPr>
-              <a:picLocks noChangeAspect="1"/>
-            </p:cNvPicPr>
-            <p:nvPr/>
-          </p:nvPicPr>
-          <p:blipFill>
-            <a:blip r:embed="rId11"/>
-            <a:stretch>
-              <a:fillRect/>
-            </a:stretch>
-          </p:blipFill>
-          <p:spPr>
-            <a:xfrm>
-              <a:off x="2167153" y="3573460"/>
-              <a:ext cx="400824" cy="507371"/>
-            </a:xfrm>
-            <a:prstGeom prst="rect">
-              <a:avLst/>
-            </a:prstGeom>
-          </p:spPr>
-        </p:pic>
-        <p:sp>
-          <p:nvSpPr>
-            <p:cNvPr id="101" name="Rectangle 99"/>
-            <p:cNvSpPr/>
-            <p:nvPr/>
-          </p:nvSpPr>
-          <p:spPr>
-            <a:xfrm>
-              <a:off x="1741672" y="4128828"/>
-              <a:ext cx="1258610" cy="292904"/>
-            </a:xfrm>
-            <a:prstGeom prst="rect">
-              <a:avLst/>
-            </a:prstGeom>
-            <a:solidFill>
-              <a:schemeClr val="bg1"/>
-            </a:solidFill>
-            <a:ln w="28575">
-              <a:solidFill>
-                <a:srgbClr val="0070C0"/>
-              </a:solidFill>
-              <a:prstDash val="solid"/>
-            </a:ln>
-          </p:spPr>
-          <p:style>
-            <a:lnRef idx="2">
-              <a:schemeClr val="accent1">
-                <a:shade val="50000"/>
-              </a:schemeClr>
-            </a:lnRef>
-            <a:fillRef idx="1">
-              <a:schemeClr val="accent1"/>
-            </a:fillRef>
-            <a:effectRef idx="0">
-              <a:schemeClr val="accent1"/>
-            </a:effectRef>
-            <a:fontRef idx="minor">
-              <a:schemeClr val="lt1"/>
-            </a:fontRef>
-          </p:style>
-          <p:txBody>
-            <a:bodyPr rtlCol="0" anchor="ctr"/>
-            <a:lstStyle>
-              <a:defPPr>
-                <a:defRPr lang="en-US"/>
-              </a:defPPr>
-              <a:lvl1pPr marL="0" algn="l" defTabSz="914400" rtl="0" eaLnBrk="1" latinLnBrk="0" hangingPunct="1">
-                <a:defRPr sz="1800" kern="1200">
-                  <a:solidFill>
-                    <a:schemeClr val="lt1"/>
-                  </a:solidFill>
-                  <a:latin typeface="+mn-lt"/>
-                  <a:ea typeface="+mn-ea"/>
-                  <a:cs typeface="+mn-cs"/>
-                </a:defRPr>
-              </a:lvl1pPr>
-              <a:lvl2pPr marL="457200" algn="l" defTabSz="914400" rtl="0" eaLnBrk="1" latinLnBrk="0" hangingPunct="1">
-                <a:defRPr sz="1800" kern="1200">
-                  <a:solidFill>
-                    <a:schemeClr val="lt1"/>
-                  </a:solidFill>
-                  <a:latin typeface="+mn-lt"/>
-                  <a:ea typeface="+mn-ea"/>
-                  <a:cs typeface="+mn-cs"/>
-                </a:defRPr>
-              </a:lvl2pPr>
-              <a:lvl3pPr marL="914400" algn="l" defTabSz="914400" rtl="0" eaLnBrk="1" latinLnBrk="0" hangingPunct="1">
-                <a:defRPr sz="1800" kern="1200">
-                  <a:solidFill>
-                    <a:schemeClr val="lt1"/>
-                  </a:solidFill>
-                  <a:latin typeface="+mn-lt"/>
-                  <a:ea typeface="+mn-ea"/>
-                  <a:cs typeface="+mn-cs"/>
-                </a:defRPr>
-              </a:lvl3pPr>
-              <a:lvl4pPr marL="1371600" algn="l" defTabSz="914400" rtl="0" eaLnBrk="1" latinLnBrk="0" hangingPunct="1">
-                <a:defRPr sz="1800" kern="1200">
-                  <a:solidFill>
-                    <a:schemeClr val="lt1"/>
-                  </a:solidFill>
-                  <a:latin typeface="+mn-lt"/>
-                  <a:ea typeface="+mn-ea"/>
-                  <a:cs typeface="+mn-cs"/>
-                </a:defRPr>
-              </a:lvl4pPr>
-              <a:lvl5pPr marL="1828800" algn="l" defTabSz="914400" rtl="0" eaLnBrk="1" latinLnBrk="0" hangingPunct="1">
-                <a:defRPr sz="1800" kern="1200">
-                  <a:solidFill>
-                    <a:schemeClr val="lt1"/>
-                  </a:solidFill>
-                  <a:latin typeface="+mn-lt"/>
-                  <a:ea typeface="+mn-ea"/>
-                  <a:cs typeface="+mn-cs"/>
-                </a:defRPr>
-              </a:lvl5pPr>
-              <a:lvl6pPr marL="2286000" algn="l" defTabSz="914400" rtl="0" eaLnBrk="1" latinLnBrk="0" hangingPunct="1">
-                <a:defRPr sz="1800" kern="1200">
-                  <a:solidFill>
-                    <a:schemeClr val="lt1"/>
-                  </a:solidFill>
-                  <a:latin typeface="+mn-lt"/>
-                  <a:ea typeface="+mn-ea"/>
-                  <a:cs typeface="+mn-cs"/>
-                </a:defRPr>
-              </a:lvl6pPr>
-              <a:lvl7pPr marL="2743200" algn="l" defTabSz="914400" rtl="0" eaLnBrk="1" latinLnBrk="0" hangingPunct="1">
-                <a:defRPr sz="1800" kern="1200">
-                  <a:solidFill>
-                    <a:schemeClr val="lt1"/>
-                  </a:solidFill>
-                  <a:latin typeface="+mn-lt"/>
-                  <a:ea typeface="+mn-ea"/>
-                  <a:cs typeface="+mn-cs"/>
-                </a:defRPr>
-              </a:lvl7pPr>
-              <a:lvl8pPr marL="3200400" algn="l" defTabSz="914400" rtl="0" eaLnBrk="1" latinLnBrk="0" hangingPunct="1">
-                <a:defRPr sz="1800" kern="1200">
-                  <a:solidFill>
-                    <a:schemeClr val="lt1"/>
-                  </a:solidFill>
-                  <a:latin typeface="+mn-lt"/>
-                  <a:ea typeface="+mn-ea"/>
-                  <a:cs typeface="+mn-cs"/>
-                </a:defRPr>
-              </a:lvl8pPr>
-              <a:lvl9pPr marL="3657600" algn="l" defTabSz="914400" rtl="0" eaLnBrk="1" latinLnBrk="0" hangingPunct="1">
-                <a:defRPr sz="1800" kern="1200">
-                  <a:solidFill>
-                    <a:schemeClr val="lt1"/>
-                  </a:solidFill>
-                  <a:latin typeface="+mn-lt"/>
-                  <a:ea typeface="+mn-ea"/>
-                  <a:cs typeface="+mn-cs"/>
-                </a:defRPr>
-              </a:lvl9pPr>
-            </a:lstStyle>
-            <a:p>
-              <a:pPr algn="ctr"/>
-              <a:r>
-                <a:rPr lang="en-US" sz="1000" b="1" dirty="0" smtClean="0">
-                  <a:solidFill>
-                    <a:schemeClr val="tx1"/>
-                  </a:solidFill>
-                </a:rPr>
-                <a:t>REMISION</a:t>
-              </a:r>
-              <a:br>
-                <a:rPr lang="en-US" sz="1000" b="1" dirty="0" smtClean="0">
-                  <a:solidFill>
-                    <a:schemeClr val="tx1"/>
-                  </a:solidFill>
-                </a:rPr>
-              </a:br>
-              <a:r>
-                <a:rPr lang="en-US" sz="1000" b="1" dirty="0" smtClean="0">
-                  <a:solidFill>
-                    <a:schemeClr val="tx1"/>
-                  </a:solidFill>
-                </a:rPr>
-                <a:t>FINAL</a:t>
-              </a:r>
-              <a:endParaRPr lang="es-MX" sz="1000" b="1" dirty="0" smtClean="0">
-                <a:solidFill>
-                  <a:schemeClr val="tx1"/>
-                </a:solidFill>
-              </a:endParaRPr>
-            </a:p>
-          </p:txBody>
-        </p:sp>
-      </p:grpSp>
-      <p:cxnSp>
-        <p:nvCxnSpPr>
-          <p:cNvPr id="104" name="Conector angular 103"/>
-          <p:cNvCxnSpPr>
-            <a:stCxn id="101" idx="3"/>
-            <a:endCxn id="107" idx="1"/>
-          </p:cNvCxnSpPr>
-          <p:nvPr/>
-        </p:nvCxnSpPr>
-        <p:spPr>
-          <a:xfrm flipV="1">
-            <a:off x="4112207" y="2821309"/>
-            <a:ext cx="481278" cy="2880470"/>
-          </a:xfrm>
-          <a:prstGeom prst="bentConnector3">
-            <a:avLst>
-              <a:gd name="adj1" fmla="val 50000"/>
-            </a:avLst>
-          </a:prstGeom>
-          <a:ln>
-            <a:tailEnd type="triangle"/>
-          </a:ln>
-        </p:spPr>
-        <p:style>
-          <a:lnRef idx="2">
-            <a:schemeClr val="accent1"/>
-          </a:lnRef>
-          <a:fillRef idx="0">
-            <a:schemeClr val="accent1"/>
-          </a:fillRef>
-          <a:effectRef idx="1">
-            <a:schemeClr val="accent1"/>
-          </a:effectRef>
-          <a:fontRef idx="minor">
-            <a:schemeClr val="tx1"/>
-          </a:fontRef>
-        </p:style>
-      </p:cxnSp>
-      <p:grpSp>
-        <p:nvGrpSpPr>
-          <p:cNvPr id="57" name="Grupo 56"/>
-          <p:cNvGrpSpPr/>
-          <p:nvPr/>
-        </p:nvGrpSpPr>
-        <p:grpSpPr>
-          <a:xfrm>
-            <a:off x="1906344" y="1971748"/>
-            <a:ext cx="1294767" cy="996013"/>
-            <a:chOff x="6361390" y="4846759"/>
-            <a:chExt cx="1715810" cy="1248242"/>
-          </a:xfrm>
-        </p:grpSpPr>
-        <p:pic>
-          <p:nvPicPr>
-            <p:cNvPr id="58" name="Picture 2" descr="Imagen relacionada"/>
-            <p:cNvPicPr>
-              <a:picLocks noChangeAspect="1" noChangeArrowheads="1"/>
-            </p:cNvPicPr>
-            <p:nvPr/>
-          </p:nvPicPr>
-          <p:blipFill>
-            <a:blip r:embed="rId2">
-              <a:biLevel thresh="75000"/>
-              <a:extLst>
-                <a:ext uri="{28A0092B-C50C-407E-A947-70E740481C1C}">
-                  <a14:useLocalDpi xmlns:a14="http://schemas.microsoft.com/office/drawing/2010/main" val="0"/>
-                </a:ext>
-              </a:extLst>
-            </a:blip>
-            <a:srcRect/>
-            <a:stretch>
-              <a:fillRect/>
-            </a:stretch>
-          </p:blipFill>
-          <p:spPr bwMode="auto">
-            <a:xfrm>
-              <a:off x="6825001" y="4846759"/>
-              <a:ext cx="871656" cy="910262"/>
-            </a:xfrm>
-            <a:prstGeom prst="rect">
-              <a:avLst/>
-            </a:prstGeom>
-            <a:noFill/>
-            <a:extLst>
-              <a:ext uri="{909E8E84-426E-40DD-AFC4-6F175D3DCCD1}">
-                <a14:hiddenFill xmlns:a14="http://schemas.microsoft.com/office/drawing/2010/main">
-                  <a:solidFill>
-                    <a:srgbClr val="FFFFFF"/>
-                  </a:solidFill>
-                </a14:hiddenFill>
-              </a:ext>
-            </a:extLst>
-          </p:spPr>
-        </p:pic>
-        <p:sp>
-          <p:nvSpPr>
-            <p:cNvPr id="59" name="Rectangle 99"/>
-            <p:cNvSpPr/>
-            <p:nvPr/>
-          </p:nvSpPr>
-          <p:spPr>
-            <a:xfrm>
-              <a:off x="6361390" y="5727923"/>
-              <a:ext cx="1715810" cy="367078"/>
-            </a:xfrm>
-            <a:prstGeom prst="rect">
-              <a:avLst/>
-            </a:prstGeom>
-            <a:solidFill>
-              <a:schemeClr val="bg1"/>
-            </a:solidFill>
-            <a:ln w="28575">
-              <a:solidFill>
-                <a:srgbClr val="0070C0"/>
-              </a:solidFill>
-              <a:prstDash val="solid"/>
-            </a:ln>
-          </p:spPr>
-          <p:style>
-            <a:lnRef idx="2">
-              <a:schemeClr val="accent1">
-                <a:shade val="50000"/>
-              </a:schemeClr>
-            </a:lnRef>
-            <a:fillRef idx="1">
-              <a:schemeClr val="accent1"/>
-            </a:fillRef>
-            <a:effectRef idx="0">
-              <a:schemeClr val="accent1"/>
-            </a:effectRef>
-            <a:fontRef idx="minor">
-              <a:schemeClr val="lt1"/>
-            </a:fontRef>
-          </p:style>
-          <p:txBody>
-            <a:bodyPr rtlCol="0" anchor="ctr"/>
-            <a:lstStyle>
-              <a:defPPr>
-                <a:defRPr lang="en-US"/>
-              </a:defPPr>
-              <a:lvl1pPr marL="0" algn="l" defTabSz="914400" rtl="0" eaLnBrk="1" latinLnBrk="0" hangingPunct="1">
-                <a:defRPr sz="1800" kern="1200">
-                  <a:solidFill>
-                    <a:schemeClr val="lt1"/>
-                  </a:solidFill>
-                  <a:latin typeface="+mn-lt"/>
-                  <a:ea typeface="+mn-ea"/>
-                  <a:cs typeface="+mn-cs"/>
-                </a:defRPr>
-              </a:lvl1pPr>
-              <a:lvl2pPr marL="457200" algn="l" defTabSz="914400" rtl="0" eaLnBrk="1" latinLnBrk="0" hangingPunct="1">
-                <a:defRPr sz="1800" kern="1200">
-                  <a:solidFill>
-                    <a:schemeClr val="lt1"/>
-                  </a:solidFill>
-                  <a:latin typeface="+mn-lt"/>
-                  <a:ea typeface="+mn-ea"/>
-                  <a:cs typeface="+mn-cs"/>
-                </a:defRPr>
-              </a:lvl2pPr>
-              <a:lvl3pPr marL="914400" algn="l" defTabSz="914400" rtl="0" eaLnBrk="1" latinLnBrk="0" hangingPunct="1">
-                <a:defRPr sz="1800" kern="1200">
-                  <a:solidFill>
-                    <a:schemeClr val="lt1"/>
-                  </a:solidFill>
-                  <a:latin typeface="+mn-lt"/>
-                  <a:ea typeface="+mn-ea"/>
-                  <a:cs typeface="+mn-cs"/>
-                </a:defRPr>
-              </a:lvl3pPr>
-              <a:lvl4pPr marL="1371600" algn="l" defTabSz="914400" rtl="0" eaLnBrk="1" latinLnBrk="0" hangingPunct="1">
-                <a:defRPr sz="1800" kern="1200">
-                  <a:solidFill>
-                    <a:schemeClr val="lt1"/>
-                  </a:solidFill>
-                  <a:latin typeface="+mn-lt"/>
-                  <a:ea typeface="+mn-ea"/>
-                  <a:cs typeface="+mn-cs"/>
-                </a:defRPr>
-              </a:lvl4pPr>
-              <a:lvl5pPr marL="1828800" algn="l" defTabSz="914400" rtl="0" eaLnBrk="1" latinLnBrk="0" hangingPunct="1">
-                <a:defRPr sz="1800" kern="1200">
-                  <a:solidFill>
-                    <a:schemeClr val="lt1"/>
-                  </a:solidFill>
-                  <a:latin typeface="+mn-lt"/>
-                  <a:ea typeface="+mn-ea"/>
-                  <a:cs typeface="+mn-cs"/>
-                </a:defRPr>
-              </a:lvl5pPr>
-              <a:lvl6pPr marL="2286000" algn="l" defTabSz="914400" rtl="0" eaLnBrk="1" latinLnBrk="0" hangingPunct="1">
-                <a:defRPr sz="1800" kern="1200">
-                  <a:solidFill>
-                    <a:schemeClr val="lt1"/>
-                  </a:solidFill>
-                  <a:latin typeface="+mn-lt"/>
-                  <a:ea typeface="+mn-ea"/>
-                  <a:cs typeface="+mn-cs"/>
-                </a:defRPr>
-              </a:lvl6pPr>
-              <a:lvl7pPr marL="2743200" algn="l" defTabSz="914400" rtl="0" eaLnBrk="1" latinLnBrk="0" hangingPunct="1">
-                <a:defRPr sz="1800" kern="1200">
-                  <a:solidFill>
-                    <a:schemeClr val="lt1"/>
-                  </a:solidFill>
-                  <a:latin typeface="+mn-lt"/>
-                  <a:ea typeface="+mn-ea"/>
-                  <a:cs typeface="+mn-cs"/>
-                </a:defRPr>
-              </a:lvl7pPr>
-              <a:lvl8pPr marL="3200400" algn="l" defTabSz="914400" rtl="0" eaLnBrk="1" latinLnBrk="0" hangingPunct="1">
-                <a:defRPr sz="1800" kern="1200">
-                  <a:solidFill>
-                    <a:schemeClr val="lt1"/>
-                  </a:solidFill>
-                  <a:latin typeface="+mn-lt"/>
-                  <a:ea typeface="+mn-ea"/>
-                  <a:cs typeface="+mn-cs"/>
-                </a:defRPr>
-              </a:lvl8pPr>
-              <a:lvl9pPr marL="3657600" algn="l" defTabSz="914400" rtl="0" eaLnBrk="1" latinLnBrk="0" hangingPunct="1">
-                <a:defRPr sz="1800" kern="1200">
-                  <a:solidFill>
-                    <a:schemeClr val="lt1"/>
-                  </a:solidFill>
-                  <a:latin typeface="+mn-lt"/>
-                  <a:ea typeface="+mn-ea"/>
-                  <a:cs typeface="+mn-cs"/>
-                </a:defRPr>
-              </a:lvl9pPr>
-            </a:lstStyle>
-            <a:p>
-              <a:pPr algn="ctr"/>
-              <a:r>
-                <a:rPr lang="en-US" sz="1000" b="1" dirty="0" smtClean="0">
-                  <a:solidFill>
-                    <a:schemeClr val="tx1"/>
-                  </a:solidFill>
-                </a:rPr>
-                <a:t>PRE-LIQUIDACIONES</a:t>
-              </a:r>
-              <a:endParaRPr lang="es-MX" sz="1000" b="1" dirty="0" smtClean="0">
-                <a:solidFill>
-                  <a:schemeClr val="tx1"/>
-                </a:solidFill>
-              </a:endParaRPr>
-            </a:p>
-          </p:txBody>
-        </p:sp>
-      </p:grpSp>
-      <p:cxnSp>
-        <p:nvCxnSpPr>
-          <p:cNvPr id="60" name="Conector angular 59"/>
-          <p:cNvCxnSpPr>
-            <a:stCxn id="59" idx="1"/>
-            <a:endCxn id="64" idx="0"/>
-          </p:cNvCxnSpPr>
-          <p:nvPr/>
-        </p:nvCxnSpPr>
-        <p:spPr>
-          <a:xfrm rot="10800000" flipV="1">
-            <a:off x="1370484" y="2821308"/>
-            <a:ext cx="535860" cy="531673"/>
-          </a:xfrm>
-          <a:prstGeom prst="bentConnector2">
-            <a:avLst/>
-          </a:prstGeom>
-          <a:ln>
-            <a:tailEnd type="triangle"/>
-          </a:ln>
-        </p:spPr>
-        <p:style>
-          <a:lnRef idx="2">
-            <a:schemeClr val="accent1"/>
-          </a:lnRef>
-          <a:fillRef idx="0">
-            <a:schemeClr val="accent1"/>
-          </a:fillRef>
-          <a:effectRef idx="1">
-            <a:schemeClr val="accent1"/>
-          </a:effectRef>
-          <a:fontRef idx="minor">
-            <a:schemeClr val="tx1"/>
-          </a:fontRef>
-        </p:style>
-      </p:cxnSp>
-      <p:grpSp>
-        <p:nvGrpSpPr>
-          <p:cNvPr id="63" name="Grupo 62"/>
-          <p:cNvGrpSpPr/>
-          <p:nvPr/>
-        </p:nvGrpSpPr>
-        <p:grpSpPr>
-          <a:xfrm>
-            <a:off x="744591" y="3352982"/>
-            <a:ext cx="1258610" cy="800282"/>
-            <a:chOff x="1741672" y="3573460"/>
-            <a:chExt cx="1258610" cy="848272"/>
-          </a:xfrm>
-        </p:grpSpPr>
-        <p:pic>
-          <p:nvPicPr>
-            <p:cNvPr id="64" name="Imagen 63"/>
-            <p:cNvPicPr>
-              <a:picLocks noChangeAspect="1"/>
-            </p:cNvPicPr>
-            <p:nvPr/>
-          </p:nvPicPr>
-          <p:blipFill>
-            <a:blip r:embed="rId11"/>
-            <a:stretch>
-              <a:fillRect/>
-            </a:stretch>
-          </p:blipFill>
-          <p:spPr>
-            <a:xfrm>
-              <a:off x="2167153" y="3573460"/>
-              <a:ext cx="400824" cy="507371"/>
-            </a:xfrm>
-            <a:prstGeom prst="rect">
-              <a:avLst/>
-            </a:prstGeom>
-          </p:spPr>
-        </p:pic>
-        <p:sp>
-          <p:nvSpPr>
-            <p:cNvPr id="65" name="Rectangle 99"/>
-            <p:cNvSpPr/>
-            <p:nvPr/>
-          </p:nvSpPr>
-          <p:spPr>
-            <a:xfrm>
-              <a:off x="1741672" y="4128828"/>
-              <a:ext cx="1258610" cy="292904"/>
-            </a:xfrm>
-            <a:prstGeom prst="rect">
-              <a:avLst/>
-            </a:prstGeom>
-            <a:solidFill>
-              <a:schemeClr val="bg1"/>
-            </a:solidFill>
-            <a:ln w="28575">
-              <a:solidFill>
-                <a:srgbClr val="0070C0"/>
-              </a:solidFill>
-              <a:prstDash val="solid"/>
-            </a:ln>
-          </p:spPr>
-          <p:style>
-            <a:lnRef idx="2">
-              <a:schemeClr val="accent1">
-                <a:shade val="50000"/>
-              </a:schemeClr>
-            </a:lnRef>
-            <a:fillRef idx="1">
-              <a:schemeClr val="accent1"/>
-            </a:fillRef>
-            <a:effectRef idx="0">
-              <a:schemeClr val="accent1"/>
-            </a:effectRef>
-            <a:fontRef idx="minor">
-              <a:schemeClr val="lt1"/>
-            </a:fontRef>
-          </p:style>
-          <p:txBody>
-            <a:bodyPr rtlCol="0" anchor="ctr"/>
-            <a:lstStyle>
-              <a:defPPr>
-                <a:defRPr lang="en-US"/>
-              </a:defPPr>
-              <a:lvl1pPr marL="0" algn="l" defTabSz="914400" rtl="0" eaLnBrk="1" latinLnBrk="0" hangingPunct="1">
-                <a:defRPr sz="1800" kern="1200">
-                  <a:solidFill>
-                    <a:schemeClr val="lt1"/>
-                  </a:solidFill>
-                  <a:latin typeface="+mn-lt"/>
-                  <a:ea typeface="+mn-ea"/>
-                  <a:cs typeface="+mn-cs"/>
-                </a:defRPr>
-              </a:lvl1pPr>
-              <a:lvl2pPr marL="457200" algn="l" defTabSz="914400" rtl="0" eaLnBrk="1" latinLnBrk="0" hangingPunct="1">
-                <a:defRPr sz="1800" kern="1200">
-                  <a:solidFill>
-                    <a:schemeClr val="lt1"/>
-                  </a:solidFill>
-                  <a:latin typeface="+mn-lt"/>
-                  <a:ea typeface="+mn-ea"/>
-                  <a:cs typeface="+mn-cs"/>
-                </a:defRPr>
-              </a:lvl2pPr>
-              <a:lvl3pPr marL="914400" algn="l" defTabSz="914400" rtl="0" eaLnBrk="1" latinLnBrk="0" hangingPunct="1">
-                <a:defRPr sz="1800" kern="1200">
-                  <a:solidFill>
-                    <a:schemeClr val="lt1"/>
-                  </a:solidFill>
-                  <a:latin typeface="+mn-lt"/>
-                  <a:ea typeface="+mn-ea"/>
-                  <a:cs typeface="+mn-cs"/>
-                </a:defRPr>
-              </a:lvl3pPr>
-              <a:lvl4pPr marL="1371600" algn="l" defTabSz="914400" rtl="0" eaLnBrk="1" latinLnBrk="0" hangingPunct="1">
-                <a:defRPr sz="1800" kern="1200">
-                  <a:solidFill>
-                    <a:schemeClr val="lt1"/>
-                  </a:solidFill>
-                  <a:latin typeface="+mn-lt"/>
-                  <a:ea typeface="+mn-ea"/>
-                  <a:cs typeface="+mn-cs"/>
-                </a:defRPr>
-              </a:lvl4pPr>
-              <a:lvl5pPr marL="1828800" algn="l" defTabSz="914400" rtl="0" eaLnBrk="1" latinLnBrk="0" hangingPunct="1">
-                <a:defRPr sz="1800" kern="1200">
-                  <a:solidFill>
-                    <a:schemeClr val="lt1"/>
-                  </a:solidFill>
-                  <a:latin typeface="+mn-lt"/>
-                  <a:ea typeface="+mn-ea"/>
-                  <a:cs typeface="+mn-cs"/>
-                </a:defRPr>
-              </a:lvl5pPr>
-              <a:lvl6pPr marL="2286000" algn="l" defTabSz="914400" rtl="0" eaLnBrk="1" latinLnBrk="0" hangingPunct="1">
-                <a:defRPr sz="1800" kern="1200">
-                  <a:solidFill>
-                    <a:schemeClr val="lt1"/>
-                  </a:solidFill>
-                  <a:latin typeface="+mn-lt"/>
-                  <a:ea typeface="+mn-ea"/>
-                  <a:cs typeface="+mn-cs"/>
-                </a:defRPr>
-              </a:lvl6pPr>
-              <a:lvl7pPr marL="2743200" algn="l" defTabSz="914400" rtl="0" eaLnBrk="1" latinLnBrk="0" hangingPunct="1">
-                <a:defRPr sz="1800" kern="1200">
-                  <a:solidFill>
-                    <a:schemeClr val="lt1"/>
-                  </a:solidFill>
-                  <a:latin typeface="+mn-lt"/>
-                  <a:ea typeface="+mn-ea"/>
-                  <a:cs typeface="+mn-cs"/>
-                </a:defRPr>
-              </a:lvl7pPr>
-              <a:lvl8pPr marL="3200400" algn="l" defTabSz="914400" rtl="0" eaLnBrk="1" latinLnBrk="0" hangingPunct="1">
-                <a:defRPr sz="1800" kern="1200">
-                  <a:solidFill>
-                    <a:schemeClr val="lt1"/>
-                  </a:solidFill>
-                  <a:latin typeface="+mn-lt"/>
-                  <a:ea typeface="+mn-ea"/>
-                  <a:cs typeface="+mn-cs"/>
-                </a:defRPr>
-              </a:lvl8pPr>
-              <a:lvl9pPr marL="3657600" algn="l" defTabSz="914400" rtl="0" eaLnBrk="1" latinLnBrk="0" hangingPunct="1">
-                <a:defRPr sz="1800" kern="1200">
-                  <a:solidFill>
-                    <a:schemeClr val="lt1"/>
-                  </a:solidFill>
-                  <a:latin typeface="+mn-lt"/>
-                  <a:ea typeface="+mn-ea"/>
-                  <a:cs typeface="+mn-cs"/>
-                </a:defRPr>
-              </a:lvl9pPr>
-            </a:lstStyle>
-            <a:p>
-              <a:pPr algn="ctr"/>
-              <a:r>
-                <a:rPr lang="en-US" sz="1000" b="1" dirty="0" smtClean="0">
-                  <a:solidFill>
-                    <a:schemeClr val="tx1"/>
-                  </a:solidFill>
-                </a:rPr>
-                <a:t>REMISION</a:t>
-              </a:r>
-              <a:br>
-                <a:rPr lang="en-US" sz="1000" b="1" dirty="0" smtClean="0">
-                  <a:solidFill>
-                    <a:schemeClr val="tx1"/>
-                  </a:solidFill>
-                </a:rPr>
-              </a:br>
-              <a:r>
-                <a:rPr lang="en-US" sz="1000" b="1" dirty="0" smtClean="0">
-                  <a:solidFill>
-                    <a:schemeClr val="tx1"/>
-                  </a:solidFill>
-                </a:rPr>
-                <a:t>INICIAL</a:t>
-              </a:r>
-              <a:endParaRPr lang="es-MX" sz="1000" b="1" dirty="0" smtClean="0">
-                <a:solidFill>
-                  <a:schemeClr val="tx1"/>
-                </a:solidFill>
-              </a:endParaRPr>
-            </a:p>
-          </p:txBody>
-        </p:sp>
-      </p:grpSp>
-      <p:cxnSp>
-        <p:nvCxnSpPr>
-          <p:cNvPr id="67" name="Conector angular 66"/>
-          <p:cNvCxnSpPr>
-            <a:stCxn id="65" idx="2"/>
-            <a:endCxn id="56" idx="0"/>
-          </p:cNvCxnSpPr>
-          <p:nvPr/>
-        </p:nvCxnSpPr>
-        <p:spPr>
-          <a:xfrm rot="16200000" flipH="1">
-            <a:off x="923625" y="4603535"/>
-            <a:ext cx="909170" cy="8628"/>
-          </a:xfrm>
-          <a:prstGeom prst="bentConnector3">
-            <a:avLst>
-              <a:gd name="adj1" fmla="val 50000"/>
-            </a:avLst>
-          </a:prstGeom>
-          <a:ln>
-            <a:tailEnd type="triangle"/>
-          </a:ln>
-        </p:spPr>
-        <p:style>
-          <a:lnRef idx="2">
-            <a:schemeClr val="accent1"/>
-          </a:lnRef>
-          <a:fillRef idx="0">
-            <a:schemeClr val="accent1"/>
-          </a:fillRef>
-          <a:effectRef idx="1">
-            <a:schemeClr val="accent1"/>
-          </a:effectRef>
-          <a:fontRef idx="minor">
-            <a:schemeClr val="tx1"/>
-          </a:fontRef>
-        </p:style>
-      </p:cxnSp>
-      <p:cxnSp>
-        <p:nvCxnSpPr>
-          <p:cNvPr id="72" name="Conector angular 71"/>
-          <p:cNvCxnSpPr>
-            <a:stCxn id="145" idx="3"/>
-            <a:endCxn id="59" idx="2"/>
-          </p:cNvCxnSpPr>
-          <p:nvPr/>
-        </p:nvCxnSpPr>
-        <p:spPr>
-          <a:xfrm flipV="1">
-            <a:off x="1999789" y="2967761"/>
-            <a:ext cx="553939" cy="2727041"/>
-          </a:xfrm>
-          <a:prstGeom prst="bentConnector2">
-            <a:avLst/>
-          </a:prstGeom>
-          <a:ln>
-            <a:tailEnd type="triangle"/>
-          </a:ln>
-        </p:spPr>
-        <p:style>
-          <a:lnRef idx="2">
-            <a:schemeClr val="accent1"/>
-          </a:lnRef>
-          <a:fillRef idx="0">
-            <a:schemeClr val="accent1"/>
-          </a:fillRef>
-          <a:effectRef idx="1">
-            <a:schemeClr val="accent1"/>
-          </a:effectRef>
-          <a:fontRef idx="minor">
-            <a:schemeClr val="tx1"/>
-          </a:fontRef>
-        </p:style>
-      </p:cxnSp>
-      <p:cxnSp>
-        <p:nvCxnSpPr>
-          <p:cNvPr id="75" name="Conector angular 74"/>
-          <p:cNvCxnSpPr>
-            <a:stCxn id="59" idx="3"/>
-            <a:endCxn id="100" idx="0"/>
-          </p:cNvCxnSpPr>
-          <p:nvPr/>
-        </p:nvCxnSpPr>
-        <p:spPr>
-          <a:xfrm>
-            <a:off x="3201111" y="2821309"/>
-            <a:ext cx="278379" cy="2178650"/>
-          </a:xfrm>
-          <a:prstGeom prst="bentConnector2">
-            <a:avLst/>
-          </a:prstGeom>
-          <a:ln>
-            <a:tailEnd type="triangle"/>
-          </a:ln>
-        </p:spPr>
-        <p:style>
-          <a:lnRef idx="2">
-            <a:schemeClr val="accent1"/>
-          </a:lnRef>
-          <a:fillRef idx="0">
-            <a:schemeClr val="accent1"/>
-          </a:fillRef>
-          <a:effectRef idx="1">
-            <a:schemeClr val="accent1"/>
-          </a:effectRef>
-          <a:fontRef idx="minor">
-            <a:schemeClr val="tx1"/>
-          </a:fontRef>
-        </p:style>
-      </p:cxnSp>
-      <p:sp>
-        <p:nvSpPr>
-          <p:cNvPr id="46" name="Rectángulo 45"/>
-          <p:cNvSpPr/>
-          <p:nvPr/>
-        </p:nvSpPr>
-        <p:spPr>
-          <a:xfrm rot="16200000">
-            <a:off x="1605628" y="4153822"/>
-            <a:ext cx="1707519" cy="215444"/>
-          </a:xfrm>
-          <a:prstGeom prst="rect">
-            <a:avLst/>
-          </a:prstGeom>
-        </p:spPr>
-        <p:txBody>
-          <a:bodyPr wrap="none">
-            <a:spAutoFit/>
-          </a:bodyPr>
-          <a:lstStyle/>
-          <a:p>
-            <a:r>
-              <a:rPr lang="en-US" sz="800" dirty="0" smtClean="0">
-                <a:latin typeface="Courier New" panose="02070309020205020404" pitchFamily="49" charset="0"/>
-                <a:cs typeface="Courier New" panose="02070309020205020404" pitchFamily="49" charset="0"/>
-              </a:rPr>
-              <a:t>AUTOTANQUES Y CILINDRERAS</a:t>
-            </a:r>
-            <a:endParaRPr lang="pl-PL" sz="800" dirty="0">
-              <a:latin typeface="Courier New" panose="02070309020205020404" pitchFamily="49" charset="0"/>
-              <a:cs typeface="Courier New" panose="02070309020205020404" pitchFamily="49" charset="0"/>
-            </a:endParaRPr>
-          </a:p>
-        </p:txBody>
-      </p:sp>
-      <p:sp>
-        <p:nvSpPr>
-          <p:cNvPr id="91" name="Rectángulo 90"/>
-          <p:cNvSpPr/>
-          <p:nvPr/>
-        </p:nvSpPr>
-        <p:spPr>
-          <a:xfrm>
-            <a:off x="1827148" y="6118475"/>
-            <a:ext cx="1524776" cy="215444"/>
-          </a:xfrm>
-          <a:prstGeom prst="rect">
-            <a:avLst/>
-          </a:prstGeom>
-        </p:spPr>
-        <p:txBody>
-          <a:bodyPr wrap="none">
-            <a:spAutoFit/>
-          </a:bodyPr>
-          <a:lstStyle/>
-          <a:p>
-            <a:r>
-              <a:rPr lang="en-US" sz="800" dirty="0" smtClean="0">
-                <a:latin typeface="Courier New" panose="02070309020205020404" pitchFamily="49" charset="0"/>
-                <a:cs typeface="Courier New" panose="02070309020205020404" pitchFamily="49" charset="0"/>
-              </a:rPr>
-              <a:t>ESTACIONES DE SERVICIO</a:t>
-            </a:r>
-            <a:endParaRPr lang="pl-PL" sz="800" dirty="0">
-              <a:latin typeface="Courier New" panose="02070309020205020404" pitchFamily="49" charset="0"/>
-              <a:cs typeface="Courier New" panose="02070309020205020404" pitchFamily="49" charset="0"/>
-            </a:endParaRPr>
-          </a:p>
-        </p:txBody>
-      </p:sp>
-    </p:spTree>
-    <p:extLst>
-      <p:ext uri="{BB962C8B-B14F-4D97-AF65-F5344CB8AC3E}">
-        <p14:creationId xmlns:p14="http://schemas.microsoft.com/office/powerpoint/2010/main" val="565733898"/>
-      </p:ext>
-    </p:extLst>
-  </p:cSld>
-  <p:clrMapOvr>
-    <a:masterClrMapping/>
-  </p:clrMapOvr>
-  <p:timing>
-    <p:tnLst>
-      <p:par>
-        <p:cTn id="1" dur="indefinite" restart="never" nodeType="tmRoot"/>
-      </p:par>
-    </p:tnLst>
-  </p:timing>
-</p:sld>
-</file>
-
-<file path=ppt/slides/slide2.xml><?xml version="1.0" encoding="utf-8"?>
-<p:sld xmlns:a="http://schemas.openxmlformats.org/drawingml/2006/main" xmlns:r="http://schemas.openxmlformats.org/officeDocument/2006/relationships" xmlns:p="http://schemas.openxmlformats.org/presentationml/2006/main">
-  <p:cSld>
-    <p:spTree>
-      <p:nvGrpSpPr>
-        <p:cNvPr id="1" name=""/>
-        <p:cNvGrpSpPr/>
-        <p:nvPr/>
-      </p:nvGrpSpPr>
-      <p:grpSpPr>
-        <a:xfrm>
-          <a:off x="0" y="0"/>
-          <a:ext cx="0" cy="0"/>
-          <a:chOff x="0" y="0"/>
-          <a:chExt cx="0" cy="0"/>
-        </a:xfrm>
-      </p:grpSpPr>
-      <p:sp>
-        <p:nvSpPr>
           <p:cNvPr id="4" name="Título 1"/>
           <p:cNvSpPr>
             <a:spLocks noGrp="1"/>
@@ -9480,6 +6684,134 @@
 </p:sld>
 </file>
 
+<file path=ppt/slides/slide2.xml><?xml version="1.0" encoding="utf-8"?>
+<p:sld xmlns:a="http://schemas.openxmlformats.org/drawingml/2006/main" xmlns:r="http://schemas.openxmlformats.org/officeDocument/2006/relationships" xmlns:p="http://schemas.openxmlformats.org/presentationml/2006/main">
+  <p:cSld>
+    <p:spTree>
+      <p:nvGrpSpPr>
+        <p:cNvPr id="1" name=""/>
+        <p:cNvGrpSpPr/>
+        <p:nvPr/>
+      </p:nvGrpSpPr>
+      <p:grpSpPr>
+        <a:xfrm>
+          <a:off x="0" y="0"/>
+          <a:ext cx="0" cy="0"/>
+          <a:chOff x="0" y="0"/>
+          <a:chExt cx="0" cy="0"/>
+        </a:xfrm>
+      </p:grpSpPr>
+      <p:sp>
+        <p:nvSpPr>
+          <p:cNvPr id="2" name="Title 1"/>
+          <p:cNvSpPr>
+            <a:spLocks noGrp="1"/>
+          </p:cNvSpPr>
+          <p:nvPr>
+            <p:ph type="ctrTitle"/>
+          </p:nvPr>
+        </p:nvSpPr>
+        <p:spPr/>
+        <p:txBody>
+          <a:bodyPr>
+            <a:normAutofit/>
+          </a:bodyPr>
+          <a:lstStyle/>
+          <a:p>
+            <a:r>
+              <a:rPr lang="es-MX" b="1" dirty="0" smtClean="0">
+                <a:latin typeface="Century Gothic" panose="020B0502020202020204" pitchFamily="34" charset="0"/>
+              </a:rPr>
+              <a:t>[ER]</a:t>
+            </a:r>
+            <a:r>
+              <a:rPr lang="es-MX" dirty="0" smtClean="0">
+                <a:latin typeface="Century Gothic" panose="020B0502020202020204" pitchFamily="34" charset="0"/>
+              </a:rPr>
+              <a:t> Modelo de Datos</a:t>
+            </a:r>
+            <a:endParaRPr lang="es-MX" dirty="0">
+              <a:latin typeface="Century Gothic" panose="020B0502020202020204" pitchFamily="34" charset="0"/>
+            </a:endParaRPr>
+          </a:p>
+        </p:txBody>
+      </p:sp>
+      <p:sp>
+        <p:nvSpPr>
+          <p:cNvPr id="3" name="Subtitle 2"/>
+          <p:cNvSpPr>
+            <a:spLocks noGrp="1"/>
+          </p:cNvSpPr>
+          <p:nvPr>
+            <p:ph type="subTitle" idx="1"/>
+          </p:nvPr>
+        </p:nvSpPr>
+        <p:spPr/>
+        <p:txBody>
+          <a:bodyPr>
+            <a:normAutofit/>
+          </a:bodyPr>
+          <a:lstStyle/>
+          <a:p>
+            <a:endParaRPr lang="es-MX" sz="2200" dirty="0" smtClean="0">
+              <a:latin typeface="Century Gothic" panose="020B0502020202020204" pitchFamily="34" charset="0"/>
+            </a:endParaRPr>
+          </a:p>
+          <a:p>
+            <a:endParaRPr lang="es-MX" sz="2200" dirty="0" smtClean="0">
+              <a:latin typeface="Century Gothic" panose="020B0502020202020204" pitchFamily="34" charset="0"/>
+            </a:endParaRPr>
+          </a:p>
+          <a:p>
+            <a:endParaRPr lang="es-MX" sz="2200" dirty="0">
+              <a:latin typeface="Century Gothic" panose="020B0502020202020204" pitchFamily="34" charset="0"/>
+            </a:endParaRPr>
+          </a:p>
+          <a:p>
+            <a:r>
+              <a:rPr lang="es-MX" sz="1800" dirty="0" smtClean="0">
+                <a:latin typeface="Century Gothic" panose="020B0502020202020204" pitchFamily="34" charset="0"/>
+              </a:rPr>
+              <a:t>[LIQ19] Liquidaciones</a:t>
+            </a:r>
+            <a:r>
+              <a:rPr lang="en-US" sz="1800" dirty="0" smtClean="0">
+                <a:latin typeface="Century Gothic" panose="020B0502020202020204" pitchFamily="34" charset="0"/>
+              </a:rPr>
+              <a:t>| </a:t>
+            </a:r>
+            <a:r>
+              <a:rPr lang="es-MX" sz="1800" dirty="0" smtClean="0">
+                <a:latin typeface="Century Gothic" panose="020B0502020202020204" pitchFamily="34" charset="0"/>
+              </a:rPr>
+              <a:t>v000</a:t>
+            </a:r>
+            <a:endParaRPr lang="es-MX" sz="1800" dirty="0">
+              <a:latin typeface="Century Gothic" panose="020B0502020202020204" pitchFamily="34" charset="0"/>
+            </a:endParaRPr>
+          </a:p>
+        </p:txBody>
+      </p:sp>
+    </p:spTree>
+    <p:extLst>
+      <p:ext uri="{BB962C8B-B14F-4D97-AF65-F5344CB8AC3E}">
+        <p14:creationId xmlns:p14="http://schemas.microsoft.com/office/powerpoint/2010/main" val="3113615408"/>
+      </p:ext>
+    </p:extLst>
+  </p:cSld>
+  <p:clrMapOvr>
+    <a:masterClrMapping/>
+  </p:clrMapOvr>
+  <p:timing>
+    <p:tnLst>
+      <p:par>
+        <p:cTn id="1" dur="indefinite" restart="never" nodeType="tmRoot"/>
+      </p:par>
+    </p:tnLst>
+  </p:timing>
+</p:sld>
+</file>
+
 <file path=ppt/slides/slide3.xml><?xml version="1.0" encoding="utf-8"?>
 <p:sld xmlns:a="http://schemas.openxmlformats.org/drawingml/2006/main" xmlns:r="http://schemas.openxmlformats.org/officeDocument/2006/relationships" xmlns:p="http://schemas.openxmlformats.org/presentationml/2006/main">
   <p:cSld>
@@ -9499,12 +6831,12 @@
       </p:grpSpPr>
       <p:sp>
         <p:nvSpPr>
-          <p:cNvPr id="2" name="Title 1"/>
+          <p:cNvPr id="2" name="Título 1"/>
           <p:cNvSpPr>
             <a:spLocks noGrp="1"/>
           </p:cNvSpPr>
           <p:nvPr>
-            <p:ph type="ctrTitle"/>
+            <p:ph type="title"/>
           </p:nvPr>
         </p:nvSpPr>
         <p:spPr/>
@@ -9515,83 +6847,1316 @@
           <a:lstStyle/>
           <a:p>
             <a:r>
-              <a:rPr lang="es-MX" b="1" dirty="0" smtClean="0">
+              <a:rPr lang="es-MX" sz="2000" dirty="0" smtClean="0">
                 <a:latin typeface="Century Gothic" panose="020B0502020202020204" pitchFamily="34" charset="0"/>
               </a:rPr>
-              <a:t>[ER]</a:t>
-            </a:r>
+              <a:t>[PRE] </a:t>
+            </a:r>
+            <a:r>
+              <a:rPr lang="es-MX" sz="2000" b="0" dirty="0" smtClean="0">
+                <a:latin typeface="Century Gothic" panose="020B0502020202020204" pitchFamily="34" charset="0"/>
+              </a:rPr>
+              <a:t>PRELIQUIDACIONES / LIQUIDACIONES / CAJA</a:t>
+            </a:r>
+            <a:br>
+              <a:rPr lang="es-MX" sz="2000" b="0" dirty="0" smtClean="0">
+                <a:latin typeface="Century Gothic" panose="020B0502020202020204" pitchFamily="34" charset="0"/>
+              </a:rPr>
+            </a:br>
             <a:r>
               <a:rPr lang="es-MX" dirty="0" smtClean="0">
                 <a:latin typeface="Century Gothic" panose="020B0502020202020204" pitchFamily="34" charset="0"/>
               </a:rPr>
-              <a:t> Modelo de Datos</a:t>
-            </a:r>
-            <a:endParaRPr lang="es-MX" dirty="0">
-              <a:latin typeface="Century Gothic" panose="020B0502020202020204" pitchFamily="34" charset="0"/>
+              <a:t>MODELO DE DATOS</a:t>
+            </a:r>
+            <a:endParaRPr lang="es-MX" dirty="0"/>
+          </a:p>
+        </p:txBody>
+      </p:sp>
+      <p:sp>
+        <p:nvSpPr>
+          <p:cNvPr id="91" name="Rectangle 132"/>
+          <p:cNvSpPr/>
+          <p:nvPr/>
+        </p:nvSpPr>
+        <p:spPr>
+          <a:xfrm>
+            <a:off x="736165" y="3223318"/>
+            <a:ext cx="1825833" cy="274320"/>
+          </a:xfrm>
+          <a:prstGeom prst="rect">
+            <a:avLst/>
+          </a:prstGeom>
+          <a:solidFill>
+            <a:schemeClr val="bg1"/>
+          </a:solidFill>
+          <a:ln w="12700">
+            <a:prstDash val="solid"/>
+          </a:ln>
+        </p:spPr>
+        <p:style>
+          <a:lnRef idx="2">
+            <a:schemeClr val="accent1">
+              <a:shade val="50000"/>
+            </a:schemeClr>
+          </a:lnRef>
+          <a:fillRef idx="1">
+            <a:schemeClr val="accent1"/>
+          </a:fillRef>
+          <a:effectRef idx="0">
+            <a:schemeClr val="accent1"/>
+          </a:effectRef>
+          <a:fontRef idx="minor">
+            <a:schemeClr val="lt1"/>
+          </a:fontRef>
+        </p:style>
+        <p:txBody>
+          <a:bodyPr rtlCol="0" anchor="ctr"/>
+          <a:lstStyle/>
+          <a:p>
+            <a:pPr algn="ctr"/>
+            <a:r>
+              <a:rPr lang="en-US" sz="1050" b="1" dirty="0" smtClean="0">
+                <a:solidFill>
+                  <a:srgbClr val="00B050"/>
+                </a:solidFill>
+              </a:rPr>
+              <a:t>PRELIQUIDACION</a:t>
+            </a:r>
+            <a:endParaRPr lang="es-MX" sz="1050" b="1" dirty="0">
+              <a:solidFill>
+                <a:srgbClr val="00B050"/>
+              </a:solidFill>
             </a:endParaRPr>
           </a:p>
         </p:txBody>
       </p:sp>
       <p:sp>
         <p:nvSpPr>
-          <p:cNvPr id="3" name="Subtitle 2"/>
-          <p:cNvSpPr>
-            <a:spLocks noGrp="1"/>
-          </p:cNvSpPr>
-          <p:nvPr>
-            <p:ph type="subTitle" idx="1"/>
-          </p:nvPr>
-        </p:nvSpPr>
-        <p:spPr/>
-        <p:txBody>
-          <a:bodyPr>
-            <a:normAutofit/>
-          </a:bodyPr>
+          <p:cNvPr id="93" name="Rectangle 132"/>
+          <p:cNvSpPr/>
+          <p:nvPr/>
+        </p:nvSpPr>
+        <p:spPr>
+          <a:xfrm>
+            <a:off x="736163" y="4054990"/>
+            <a:ext cx="2149700" cy="274320"/>
+          </a:xfrm>
+          <a:prstGeom prst="rect">
+            <a:avLst/>
+          </a:prstGeom>
+          <a:solidFill>
+            <a:schemeClr val="bg1"/>
+          </a:solidFill>
+          <a:ln w="6350">
+            <a:prstDash val="dash"/>
+          </a:ln>
+        </p:spPr>
+        <p:style>
+          <a:lnRef idx="2">
+            <a:schemeClr val="accent1">
+              <a:shade val="50000"/>
+            </a:schemeClr>
+          </a:lnRef>
+          <a:fillRef idx="1">
+            <a:schemeClr val="accent1"/>
+          </a:fillRef>
+          <a:effectRef idx="0">
+            <a:schemeClr val="accent1"/>
+          </a:effectRef>
+          <a:fontRef idx="minor">
+            <a:schemeClr val="lt1"/>
+          </a:fontRef>
+        </p:style>
+        <p:txBody>
+          <a:bodyPr rtlCol="0" anchor="ctr"/>
           <a:lstStyle/>
           <a:p>
-            <a:endParaRPr lang="es-MX" sz="2200" dirty="0" smtClean="0">
-              <a:latin typeface="Century Gothic" panose="020B0502020202020204" pitchFamily="34" charset="0"/>
+            <a:pPr algn="ctr"/>
+            <a:r>
+              <a:rPr lang="en-US" sz="1050" b="1" dirty="0" smtClean="0">
+                <a:solidFill>
+                  <a:schemeClr val="tx1"/>
+                </a:solidFill>
+              </a:rPr>
+              <a:t>ESTATUS_PRELIQUIDACION</a:t>
+            </a:r>
+            <a:endParaRPr lang="es-MX" sz="1050" b="1" dirty="0">
+              <a:solidFill>
+                <a:schemeClr val="tx1"/>
+              </a:solidFill>
             </a:endParaRPr>
           </a:p>
-          <a:p>
-            <a:endParaRPr lang="es-MX" sz="2200" dirty="0" smtClean="0">
-              <a:latin typeface="Century Gothic" panose="020B0502020202020204" pitchFamily="34" charset="0"/>
+        </p:txBody>
+      </p:sp>
+      <p:sp>
+        <p:nvSpPr>
+          <p:cNvPr id="94" name="Rectangle 132"/>
+          <p:cNvSpPr/>
+          <p:nvPr/>
+        </p:nvSpPr>
+        <p:spPr>
+          <a:xfrm>
+            <a:off x="736163" y="3680460"/>
+            <a:ext cx="2149700" cy="274320"/>
+          </a:xfrm>
+          <a:prstGeom prst="rect">
+            <a:avLst/>
+          </a:prstGeom>
+          <a:solidFill>
+            <a:schemeClr val="bg1"/>
+          </a:solidFill>
+          <a:ln w="6350">
+            <a:prstDash val="dash"/>
+          </a:ln>
+        </p:spPr>
+        <p:style>
+          <a:lnRef idx="2">
+            <a:schemeClr val="accent1">
+              <a:shade val="50000"/>
+            </a:schemeClr>
+          </a:lnRef>
+          <a:fillRef idx="1">
+            <a:schemeClr val="accent1"/>
+          </a:fillRef>
+          <a:effectRef idx="0">
+            <a:schemeClr val="accent1"/>
+          </a:effectRef>
+          <a:fontRef idx="minor">
+            <a:schemeClr val="lt1"/>
+          </a:fontRef>
+        </p:style>
+        <p:txBody>
+          <a:bodyPr rtlCol="0" anchor="ctr"/>
+          <a:lstStyle/>
+          <a:p>
+            <a:pPr algn="ctr"/>
+            <a:r>
+              <a:rPr lang="en-US" sz="1050" b="1" dirty="0" smtClean="0">
+                <a:solidFill>
+                  <a:schemeClr val="tx1"/>
+                </a:solidFill>
+              </a:rPr>
+              <a:t>TIPO_PRELIQUIDACION</a:t>
+            </a:r>
+            <a:endParaRPr lang="es-MX" sz="1050" b="1" dirty="0">
+              <a:solidFill>
+                <a:schemeClr val="tx1"/>
+              </a:solidFill>
             </a:endParaRPr>
           </a:p>
-          <a:p>
-            <a:endParaRPr lang="es-MX" sz="2200" dirty="0">
-              <a:latin typeface="Century Gothic" panose="020B0502020202020204" pitchFamily="34" charset="0"/>
+        </p:txBody>
+      </p:sp>
+      <p:cxnSp>
+        <p:nvCxnSpPr>
+          <p:cNvPr id="96" name="Shape 33"/>
+          <p:cNvCxnSpPr>
+            <a:stCxn id="93" idx="1"/>
+            <a:endCxn id="91" idx="1"/>
+          </p:cNvCxnSpPr>
+          <p:nvPr/>
+        </p:nvCxnSpPr>
+        <p:spPr>
+          <a:xfrm rot="10800000" flipH="1">
+            <a:off x="736163" y="3360478"/>
+            <a:ext cx="2" cy="831672"/>
+          </a:xfrm>
+          <a:prstGeom prst="bentConnector3">
+            <a:avLst>
+              <a:gd name="adj1" fmla="val -11430000000"/>
+            </a:avLst>
+          </a:prstGeom>
+          <a:ln w="12700">
+            <a:solidFill>
+              <a:schemeClr val="tx1"/>
+            </a:solidFill>
+            <a:headEnd type="none" w="med" len="med"/>
+            <a:tailEnd type="arrow" w="med" len="med"/>
+          </a:ln>
+        </p:spPr>
+        <p:style>
+          <a:lnRef idx="1">
+            <a:schemeClr val="accent1"/>
+          </a:lnRef>
+          <a:fillRef idx="0">
+            <a:schemeClr val="accent1"/>
+          </a:fillRef>
+          <a:effectRef idx="0">
+            <a:schemeClr val="accent1"/>
+          </a:effectRef>
+          <a:fontRef idx="minor">
+            <a:schemeClr val="tx1"/>
+          </a:fontRef>
+        </p:style>
+      </p:cxnSp>
+      <p:cxnSp>
+        <p:nvCxnSpPr>
+          <p:cNvPr id="97" name="Shape 33"/>
+          <p:cNvCxnSpPr>
+            <a:stCxn id="94" idx="1"/>
+            <a:endCxn id="91" idx="1"/>
+          </p:cNvCxnSpPr>
+          <p:nvPr/>
+        </p:nvCxnSpPr>
+        <p:spPr>
+          <a:xfrm rot="10800000" flipH="1">
+            <a:off x="736163" y="3360478"/>
+            <a:ext cx="2" cy="457142"/>
+          </a:xfrm>
+          <a:prstGeom prst="bentConnector3">
+            <a:avLst>
+              <a:gd name="adj1" fmla="val -11430000000"/>
+            </a:avLst>
+          </a:prstGeom>
+          <a:ln w="12700">
+            <a:solidFill>
+              <a:schemeClr val="tx1"/>
+            </a:solidFill>
+            <a:headEnd type="none" w="med" len="med"/>
+            <a:tailEnd type="arrow" w="med" len="med"/>
+          </a:ln>
+        </p:spPr>
+        <p:style>
+          <a:lnRef idx="1">
+            <a:schemeClr val="accent1"/>
+          </a:lnRef>
+          <a:fillRef idx="0">
+            <a:schemeClr val="accent1"/>
+          </a:fillRef>
+          <a:effectRef idx="0">
+            <a:schemeClr val="accent1"/>
+          </a:effectRef>
+          <a:fontRef idx="minor">
+            <a:schemeClr val="tx1"/>
+          </a:fontRef>
+        </p:style>
+      </p:cxnSp>
+      <p:sp>
+        <p:nvSpPr>
+          <p:cNvPr id="108" name="Rectangle 132"/>
+          <p:cNvSpPr/>
+          <p:nvPr/>
+        </p:nvSpPr>
+        <p:spPr>
+          <a:xfrm>
+            <a:off x="3810000" y="3082053"/>
+            <a:ext cx="1800450" cy="274320"/>
+          </a:xfrm>
+          <a:prstGeom prst="rect">
+            <a:avLst/>
+          </a:prstGeom>
+          <a:solidFill>
+            <a:schemeClr val="bg1"/>
+          </a:solidFill>
+          <a:ln w="12700">
+            <a:prstDash val="solid"/>
+          </a:ln>
+        </p:spPr>
+        <p:style>
+          <a:lnRef idx="2">
+            <a:schemeClr val="accent1">
+              <a:shade val="50000"/>
+            </a:schemeClr>
+          </a:lnRef>
+          <a:fillRef idx="1">
+            <a:schemeClr val="accent1"/>
+          </a:fillRef>
+          <a:effectRef idx="0">
+            <a:schemeClr val="accent1"/>
+          </a:effectRef>
+          <a:fontRef idx="minor">
+            <a:schemeClr val="lt1"/>
+          </a:fontRef>
+        </p:style>
+        <p:txBody>
+          <a:bodyPr rtlCol="0" anchor="ctr"/>
+          <a:lstStyle/>
+          <a:p>
+            <a:pPr algn="ctr"/>
+            <a:r>
+              <a:rPr lang="en-US" sz="1050" b="1" dirty="0" smtClean="0">
+                <a:solidFill>
+                  <a:srgbClr val="00B050"/>
+                </a:solidFill>
+              </a:rPr>
+              <a:t>LIQUIDACION</a:t>
+            </a:r>
+            <a:endParaRPr lang="es-MX" sz="1050" b="1" dirty="0">
+              <a:solidFill>
+                <a:srgbClr val="00B050"/>
+              </a:solidFill>
             </a:endParaRPr>
           </a:p>
-          <a:p>
-            <a:r>
-              <a:rPr lang="es-MX" sz="1800" dirty="0" smtClean="0">
-                <a:latin typeface="Century Gothic" panose="020B0502020202020204" pitchFamily="34" charset="0"/>
+        </p:txBody>
+      </p:sp>
+      <p:sp>
+        <p:nvSpPr>
+          <p:cNvPr id="109" name="Rectangle 132"/>
+          <p:cNvSpPr/>
+          <p:nvPr/>
+        </p:nvSpPr>
+        <p:spPr>
+          <a:xfrm>
+            <a:off x="736166" y="2133600"/>
+            <a:ext cx="1825833" cy="274320"/>
+          </a:xfrm>
+          <a:prstGeom prst="rect">
+            <a:avLst/>
+          </a:prstGeom>
+          <a:solidFill>
+            <a:schemeClr val="bg1">
+              <a:lumMod val="95000"/>
+            </a:schemeClr>
+          </a:solidFill>
+          <a:ln w="12700">
+            <a:prstDash val="solid"/>
+          </a:ln>
+        </p:spPr>
+        <p:style>
+          <a:lnRef idx="2">
+            <a:schemeClr val="accent1">
+              <a:shade val="50000"/>
+            </a:schemeClr>
+          </a:lnRef>
+          <a:fillRef idx="1">
+            <a:schemeClr val="accent1"/>
+          </a:fillRef>
+          <a:effectRef idx="0">
+            <a:schemeClr val="accent1"/>
+          </a:effectRef>
+          <a:fontRef idx="minor">
+            <a:schemeClr val="lt1"/>
+          </a:fontRef>
+        </p:style>
+        <p:txBody>
+          <a:bodyPr rtlCol="0" anchor="ctr"/>
+          <a:lstStyle/>
+          <a:p>
+            <a:pPr algn="ctr"/>
+            <a:r>
+              <a:rPr lang="en-US" sz="1050" b="1" dirty="0">
+                <a:solidFill>
+                  <a:srgbClr val="C00000"/>
+                </a:solidFill>
               </a:rPr>
-              <a:t>[LIQ19] Liquidaciones</a:t>
-            </a:r>
-            <a:r>
-              <a:rPr lang="en-US" sz="1800" dirty="0" smtClean="0">
-                <a:latin typeface="Century Gothic" panose="020B0502020202020204" pitchFamily="34" charset="0"/>
+              <a:t>UNIDAD / RUTA / </a:t>
+            </a:r>
+            <a:r>
+              <a:rPr lang="en-US" sz="1050" b="1" dirty="0" smtClean="0">
+                <a:solidFill>
+                  <a:srgbClr val="C00000"/>
+                </a:solidFill>
               </a:rPr>
-              <a:t>| </a:t>
-            </a:r>
-            <a:r>
-              <a:rPr lang="es-MX" sz="1800" dirty="0" smtClean="0">
-                <a:latin typeface="Century Gothic" panose="020B0502020202020204" pitchFamily="34" charset="0"/>
+              <a:t>POS</a:t>
+            </a:r>
+            <a:endParaRPr lang="es-MX" sz="1050" b="1" dirty="0">
+              <a:solidFill>
+                <a:srgbClr val="C00000"/>
+              </a:solidFill>
+            </a:endParaRPr>
+          </a:p>
+        </p:txBody>
+      </p:sp>
+      <p:cxnSp>
+        <p:nvCxnSpPr>
+          <p:cNvPr id="113" name="Shape 33"/>
+          <p:cNvCxnSpPr>
+            <a:stCxn id="109" idx="2"/>
+            <a:endCxn id="91" idx="0"/>
+          </p:cNvCxnSpPr>
+          <p:nvPr/>
+        </p:nvCxnSpPr>
+        <p:spPr>
+          <a:xfrm rot="5400000">
+            <a:off x="1241384" y="2815619"/>
+            <a:ext cx="815398" cy="1"/>
+          </a:xfrm>
+          <a:prstGeom prst="bentConnector3">
+            <a:avLst>
+              <a:gd name="adj1" fmla="val 50000"/>
+            </a:avLst>
+          </a:prstGeom>
+          <a:ln w="12700">
+            <a:solidFill>
+              <a:schemeClr val="tx1"/>
+            </a:solidFill>
+            <a:headEnd type="none" w="med" len="med"/>
+            <a:tailEnd type="arrow" w="med" len="med"/>
+          </a:ln>
+        </p:spPr>
+        <p:style>
+          <a:lnRef idx="1">
+            <a:schemeClr val="accent1"/>
+          </a:lnRef>
+          <a:fillRef idx="0">
+            <a:schemeClr val="accent1"/>
+          </a:fillRef>
+          <a:effectRef idx="0">
+            <a:schemeClr val="accent1"/>
+          </a:effectRef>
+          <a:fontRef idx="minor">
+            <a:schemeClr val="tx1"/>
+          </a:fontRef>
+        </p:style>
+      </p:cxnSp>
+      <p:sp>
+        <p:nvSpPr>
+          <p:cNvPr id="43" name="Rectangle 132"/>
+          <p:cNvSpPr/>
+          <p:nvPr/>
+        </p:nvSpPr>
+        <p:spPr>
+          <a:xfrm>
+            <a:off x="3814951" y="2664567"/>
+            <a:ext cx="2149700" cy="274320"/>
+          </a:xfrm>
+          <a:prstGeom prst="rect">
+            <a:avLst/>
+          </a:prstGeom>
+          <a:solidFill>
+            <a:schemeClr val="bg1"/>
+          </a:solidFill>
+          <a:ln w="6350">
+            <a:prstDash val="dash"/>
+          </a:ln>
+        </p:spPr>
+        <p:style>
+          <a:lnRef idx="2">
+            <a:schemeClr val="accent1">
+              <a:shade val="50000"/>
+            </a:schemeClr>
+          </a:lnRef>
+          <a:fillRef idx="1">
+            <a:schemeClr val="accent1"/>
+          </a:fillRef>
+          <a:effectRef idx="0">
+            <a:schemeClr val="accent1"/>
+          </a:effectRef>
+          <a:fontRef idx="minor">
+            <a:schemeClr val="lt1"/>
+          </a:fontRef>
+        </p:style>
+        <p:txBody>
+          <a:bodyPr rtlCol="0" anchor="ctr"/>
+          <a:lstStyle/>
+          <a:p>
+            <a:pPr algn="ctr"/>
+            <a:r>
+              <a:rPr lang="en-US" sz="1050" b="1" dirty="0" smtClean="0">
+                <a:solidFill>
+                  <a:schemeClr val="tx1"/>
+                </a:solidFill>
               </a:rPr>
-              <a:t>v000</a:t>
-            </a:r>
-            <a:endParaRPr lang="es-MX" sz="1800" dirty="0">
-              <a:latin typeface="Century Gothic" panose="020B0502020202020204" pitchFamily="34" charset="0"/>
+              <a:t>TIPO_LIQUIDACION</a:t>
+            </a:r>
+            <a:endParaRPr lang="es-MX" sz="1050" b="1" dirty="0">
+              <a:solidFill>
+                <a:schemeClr val="tx1"/>
+              </a:solidFill>
             </a:endParaRPr>
           </a:p>
         </p:txBody>
       </p:sp>
+      <p:cxnSp>
+        <p:nvCxnSpPr>
+          <p:cNvPr id="45" name="Shape 33"/>
+          <p:cNvCxnSpPr>
+            <a:stCxn id="43" idx="1"/>
+            <a:endCxn id="108" idx="1"/>
+          </p:cNvCxnSpPr>
+          <p:nvPr/>
+        </p:nvCxnSpPr>
+        <p:spPr>
+          <a:xfrm rot="10800000" flipV="1">
+            <a:off x="3810001" y="2801727"/>
+            <a:ext cx="4951" cy="417486"/>
+          </a:xfrm>
+          <a:prstGeom prst="bentConnector3">
+            <a:avLst>
+              <a:gd name="adj1" fmla="val 4717249"/>
+            </a:avLst>
+          </a:prstGeom>
+          <a:ln w="12700">
+            <a:solidFill>
+              <a:schemeClr val="tx1"/>
+            </a:solidFill>
+            <a:headEnd type="none" w="med" len="med"/>
+            <a:tailEnd type="arrow" w="med" len="med"/>
+          </a:ln>
+        </p:spPr>
+        <p:style>
+          <a:lnRef idx="1">
+            <a:schemeClr val="accent1"/>
+          </a:lnRef>
+          <a:fillRef idx="0">
+            <a:schemeClr val="accent1"/>
+          </a:fillRef>
+          <a:effectRef idx="0">
+            <a:schemeClr val="accent1"/>
+          </a:effectRef>
+          <a:fontRef idx="minor">
+            <a:schemeClr val="tx1"/>
+          </a:fontRef>
+        </p:style>
+      </p:cxnSp>
+      <p:sp>
+        <p:nvSpPr>
+          <p:cNvPr id="48" name="Rectangle 132"/>
+          <p:cNvSpPr/>
+          <p:nvPr/>
+        </p:nvSpPr>
+        <p:spPr>
+          <a:xfrm>
+            <a:off x="3814951" y="2252851"/>
+            <a:ext cx="2149700" cy="274320"/>
+          </a:xfrm>
+          <a:prstGeom prst="rect">
+            <a:avLst/>
+          </a:prstGeom>
+          <a:solidFill>
+            <a:schemeClr val="bg1"/>
+          </a:solidFill>
+          <a:ln w="6350">
+            <a:prstDash val="dash"/>
+          </a:ln>
+        </p:spPr>
+        <p:style>
+          <a:lnRef idx="2">
+            <a:schemeClr val="accent1">
+              <a:shade val="50000"/>
+            </a:schemeClr>
+          </a:lnRef>
+          <a:fillRef idx="1">
+            <a:schemeClr val="accent1"/>
+          </a:fillRef>
+          <a:effectRef idx="0">
+            <a:schemeClr val="accent1"/>
+          </a:effectRef>
+          <a:fontRef idx="minor">
+            <a:schemeClr val="lt1"/>
+          </a:fontRef>
+        </p:style>
+        <p:txBody>
+          <a:bodyPr rtlCol="0" anchor="ctr"/>
+          <a:lstStyle/>
+          <a:p>
+            <a:pPr algn="ctr"/>
+            <a:r>
+              <a:rPr lang="en-US" sz="1050" b="1" dirty="0" smtClean="0">
+                <a:solidFill>
+                  <a:schemeClr val="tx1"/>
+                </a:solidFill>
+              </a:rPr>
+              <a:t>ESTATUS_LIQUIDACION</a:t>
+            </a:r>
+            <a:endParaRPr lang="es-MX" sz="1050" b="1" dirty="0">
+              <a:solidFill>
+                <a:schemeClr val="tx1"/>
+              </a:solidFill>
+            </a:endParaRPr>
+          </a:p>
+        </p:txBody>
+      </p:sp>
+      <p:cxnSp>
+        <p:nvCxnSpPr>
+          <p:cNvPr id="49" name="Shape 33"/>
+          <p:cNvCxnSpPr>
+            <a:stCxn id="48" idx="1"/>
+            <a:endCxn id="108" idx="1"/>
+          </p:cNvCxnSpPr>
+          <p:nvPr/>
+        </p:nvCxnSpPr>
+        <p:spPr>
+          <a:xfrm rot="10800000" flipV="1">
+            <a:off x="3810001" y="2390011"/>
+            <a:ext cx="4951" cy="829202"/>
+          </a:xfrm>
+          <a:prstGeom prst="bentConnector3">
+            <a:avLst>
+              <a:gd name="adj1" fmla="val 4717249"/>
+            </a:avLst>
+          </a:prstGeom>
+          <a:ln w="12700">
+            <a:solidFill>
+              <a:schemeClr val="tx1"/>
+            </a:solidFill>
+            <a:headEnd type="none" w="med" len="med"/>
+            <a:tailEnd type="arrow" w="med" len="med"/>
+          </a:ln>
+        </p:spPr>
+        <p:style>
+          <a:lnRef idx="1">
+            <a:schemeClr val="accent1"/>
+          </a:lnRef>
+          <a:fillRef idx="0">
+            <a:schemeClr val="accent1"/>
+          </a:fillRef>
+          <a:effectRef idx="0">
+            <a:schemeClr val="accent1"/>
+          </a:effectRef>
+          <a:fontRef idx="minor">
+            <a:schemeClr val="tx1"/>
+          </a:fontRef>
+        </p:style>
+      </p:cxnSp>
+      <p:sp>
+        <p:nvSpPr>
+          <p:cNvPr id="149" name="Rectangle 132"/>
+          <p:cNvSpPr/>
+          <p:nvPr/>
+        </p:nvSpPr>
+        <p:spPr>
+          <a:xfrm>
+            <a:off x="6705600" y="3406140"/>
+            <a:ext cx="1800450" cy="274320"/>
+          </a:xfrm>
+          <a:prstGeom prst="rect">
+            <a:avLst/>
+          </a:prstGeom>
+          <a:solidFill>
+            <a:schemeClr val="bg1"/>
+          </a:solidFill>
+          <a:ln w="12700">
+            <a:prstDash val="solid"/>
+          </a:ln>
+        </p:spPr>
+        <p:style>
+          <a:lnRef idx="2">
+            <a:schemeClr val="accent1">
+              <a:shade val="50000"/>
+            </a:schemeClr>
+          </a:lnRef>
+          <a:fillRef idx="1">
+            <a:schemeClr val="accent1"/>
+          </a:fillRef>
+          <a:effectRef idx="0">
+            <a:schemeClr val="accent1"/>
+          </a:effectRef>
+          <a:fontRef idx="minor">
+            <a:schemeClr val="lt1"/>
+          </a:fontRef>
+        </p:style>
+        <p:txBody>
+          <a:bodyPr rtlCol="0" anchor="ctr"/>
+          <a:lstStyle/>
+          <a:p>
+            <a:pPr algn="ctr"/>
+            <a:r>
+              <a:rPr lang="en-US" sz="1050" b="1" dirty="0" smtClean="0">
+                <a:solidFill>
+                  <a:srgbClr val="00B050"/>
+                </a:solidFill>
+              </a:rPr>
+              <a:t>FORMAS_PAGO</a:t>
+            </a:r>
+            <a:endParaRPr lang="es-MX" sz="1050" b="1" dirty="0">
+              <a:solidFill>
+                <a:srgbClr val="00B050"/>
+              </a:solidFill>
+            </a:endParaRPr>
+          </a:p>
+        </p:txBody>
+      </p:sp>
+      <p:sp>
+        <p:nvSpPr>
+          <p:cNvPr id="153" name="Rectangle 132"/>
+          <p:cNvSpPr/>
+          <p:nvPr/>
+        </p:nvSpPr>
+        <p:spPr>
+          <a:xfrm>
+            <a:off x="7010400" y="2815619"/>
+            <a:ext cx="1800450" cy="274320"/>
+          </a:xfrm>
+          <a:prstGeom prst="rect">
+            <a:avLst/>
+          </a:prstGeom>
+          <a:solidFill>
+            <a:schemeClr val="bg1"/>
+          </a:solidFill>
+          <a:ln w="12700">
+            <a:prstDash val="solid"/>
+          </a:ln>
+        </p:spPr>
+        <p:style>
+          <a:lnRef idx="2">
+            <a:schemeClr val="accent1">
+              <a:shade val="50000"/>
+            </a:schemeClr>
+          </a:lnRef>
+          <a:fillRef idx="1">
+            <a:schemeClr val="accent1"/>
+          </a:fillRef>
+          <a:effectRef idx="0">
+            <a:schemeClr val="accent1"/>
+          </a:effectRef>
+          <a:fontRef idx="minor">
+            <a:schemeClr val="lt1"/>
+          </a:fontRef>
+        </p:style>
+        <p:txBody>
+          <a:bodyPr rtlCol="0" anchor="ctr"/>
+          <a:lstStyle/>
+          <a:p>
+            <a:pPr algn="ctr"/>
+            <a:r>
+              <a:rPr lang="en-US" sz="1050" b="1" dirty="0" smtClean="0">
+                <a:solidFill>
+                  <a:srgbClr val="00B050"/>
+                </a:solidFill>
+              </a:rPr>
+              <a:t>MONEDAS</a:t>
+            </a:r>
+            <a:endParaRPr lang="es-MX" sz="1050" b="1" dirty="0">
+              <a:solidFill>
+                <a:srgbClr val="00B050"/>
+              </a:solidFill>
+            </a:endParaRPr>
+          </a:p>
+        </p:txBody>
+      </p:sp>
+      <p:cxnSp>
+        <p:nvCxnSpPr>
+          <p:cNvPr id="154" name="Shape 33"/>
+          <p:cNvCxnSpPr>
+            <a:stCxn id="153" idx="2"/>
+            <a:endCxn id="149" idx="0"/>
+          </p:cNvCxnSpPr>
+          <p:nvPr/>
+        </p:nvCxnSpPr>
+        <p:spPr>
+          <a:xfrm rot="5400000">
+            <a:off x="7600125" y="3095639"/>
+            <a:ext cx="316201" cy="304800"/>
+          </a:xfrm>
+          <a:prstGeom prst="bentConnector3">
+            <a:avLst>
+              <a:gd name="adj1" fmla="val 50000"/>
+            </a:avLst>
+          </a:prstGeom>
+          <a:ln w="12700">
+            <a:solidFill>
+              <a:schemeClr val="tx1"/>
+            </a:solidFill>
+            <a:headEnd type="none" w="med" len="med"/>
+            <a:tailEnd type="arrow" w="med" len="med"/>
+          </a:ln>
+        </p:spPr>
+        <p:style>
+          <a:lnRef idx="1">
+            <a:schemeClr val="accent1"/>
+          </a:lnRef>
+          <a:fillRef idx="0">
+            <a:schemeClr val="accent1"/>
+          </a:fillRef>
+          <a:effectRef idx="0">
+            <a:schemeClr val="accent1"/>
+          </a:effectRef>
+          <a:fontRef idx="minor">
+            <a:schemeClr val="tx1"/>
+          </a:fontRef>
+        </p:style>
+      </p:cxnSp>
+      <p:cxnSp>
+        <p:nvCxnSpPr>
+          <p:cNvPr id="168" name="Shape 33"/>
+          <p:cNvCxnSpPr>
+            <a:stCxn id="91" idx="3"/>
+            <a:endCxn id="108" idx="1"/>
+          </p:cNvCxnSpPr>
+          <p:nvPr/>
+        </p:nvCxnSpPr>
+        <p:spPr>
+          <a:xfrm flipV="1">
+            <a:off x="2561998" y="3219213"/>
+            <a:ext cx="1248002" cy="141265"/>
+          </a:xfrm>
+          <a:prstGeom prst="bentConnector3">
+            <a:avLst>
+              <a:gd name="adj1" fmla="val 50000"/>
+            </a:avLst>
+          </a:prstGeom>
+          <a:ln w="12700">
+            <a:solidFill>
+              <a:schemeClr val="bg1">
+                <a:lumMod val="50000"/>
+              </a:schemeClr>
+            </a:solidFill>
+            <a:prstDash val="lgDash"/>
+            <a:headEnd type="none" w="med" len="med"/>
+            <a:tailEnd type="arrow" w="med" len="med"/>
+          </a:ln>
+        </p:spPr>
+        <p:style>
+          <a:lnRef idx="1">
+            <a:schemeClr val="accent1"/>
+          </a:lnRef>
+          <a:fillRef idx="0">
+            <a:schemeClr val="accent1"/>
+          </a:fillRef>
+          <a:effectRef idx="0">
+            <a:schemeClr val="accent1"/>
+          </a:effectRef>
+          <a:fontRef idx="minor">
+            <a:schemeClr val="tx1"/>
+          </a:fontRef>
+        </p:style>
+      </p:cxnSp>
+      <p:cxnSp>
+        <p:nvCxnSpPr>
+          <p:cNvPr id="171" name="Shape 33"/>
+          <p:cNvCxnSpPr>
+            <a:stCxn id="149" idx="1"/>
+            <a:endCxn id="108" idx="3"/>
+          </p:cNvCxnSpPr>
+          <p:nvPr/>
+        </p:nvCxnSpPr>
+        <p:spPr>
+          <a:xfrm rot="10800000">
+            <a:off x="5610450" y="3219214"/>
+            <a:ext cx="1095150" cy="324087"/>
+          </a:xfrm>
+          <a:prstGeom prst="bentConnector3">
+            <a:avLst>
+              <a:gd name="adj1" fmla="val 50000"/>
+            </a:avLst>
+          </a:prstGeom>
+          <a:ln w="12700">
+            <a:solidFill>
+              <a:schemeClr val="bg1">
+                <a:lumMod val="50000"/>
+              </a:schemeClr>
+            </a:solidFill>
+            <a:prstDash val="lgDash"/>
+            <a:headEnd type="none" w="med" len="med"/>
+            <a:tailEnd type="arrow" w="med" len="med"/>
+          </a:ln>
+        </p:spPr>
+        <p:style>
+          <a:lnRef idx="1">
+            <a:schemeClr val="accent1"/>
+          </a:lnRef>
+          <a:fillRef idx="0">
+            <a:schemeClr val="accent1"/>
+          </a:fillRef>
+          <a:effectRef idx="0">
+            <a:schemeClr val="accent1"/>
+          </a:effectRef>
+          <a:fontRef idx="minor">
+            <a:schemeClr val="tx1"/>
+          </a:fontRef>
+        </p:style>
+      </p:cxnSp>
+      <p:sp>
+        <p:nvSpPr>
+          <p:cNvPr id="174" name="Rectangle 132"/>
+          <p:cNvSpPr/>
+          <p:nvPr/>
+        </p:nvSpPr>
+        <p:spPr>
+          <a:xfrm>
+            <a:off x="2550374" y="4876800"/>
+            <a:ext cx="1800450" cy="274320"/>
+          </a:xfrm>
+          <a:prstGeom prst="rect">
+            <a:avLst/>
+          </a:prstGeom>
+          <a:solidFill>
+            <a:schemeClr val="bg1"/>
+          </a:solidFill>
+          <a:ln w="12700">
+            <a:prstDash val="solid"/>
+          </a:ln>
+        </p:spPr>
+        <p:style>
+          <a:lnRef idx="2">
+            <a:schemeClr val="accent1">
+              <a:shade val="50000"/>
+            </a:schemeClr>
+          </a:lnRef>
+          <a:fillRef idx="1">
+            <a:schemeClr val="accent1"/>
+          </a:fillRef>
+          <a:effectRef idx="0">
+            <a:schemeClr val="accent1"/>
+          </a:effectRef>
+          <a:fontRef idx="minor">
+            <a:schemeClr val="lt1"/>
+          </a:fontRef>
+        </p:style>
+        <p:txBody>
+          <a:bodyPr rtlCol="0" anchor="ctr"/>
+          <a:lstStyle/>
+          <a:p>
+            <a:pPr algn="ctr"/>
+            <a:r>
+              <a:rPr lang="en-US" sz="1050" b="1" dirty="0" smtClean="0">
+                <a:solidFill>
+                  <a:srgbClr val="00B050"/>
+                </a:solidFill>
+              </a:rPr>
+              <a:t>CAJA</a:t>
+            </a:r>
+            <a:endParaRPr lang="es-MX" sz="1050" b="1" dirty="0">
+              <a:solidFill>
+                <a:srgbClr val="00B050"/>
+              </a:solidFill>
+            </a:endParaRPr>
+          </a:p>
+        </p:txBody>
+      </p:sp>
+      <p:cxnSp>
+        <p:nvCxnSpPr>
+          <p:cNvPr id="175" name="Shape 33"/>
+          <p:cNvCxnSpPr>
+            <a:stCxn id="108" idx="2"/>
+            <a:endCxn id="174" idx="0"/>
+          </p:cNvCxnSpPr>
+          <p:nvPr/>
+        </p:nvCxnSpPr>
+        <p:spPr>
+          <a:xfrm rot="5400000">
+            <a:off x="3320199" y="3486773"/>
+            <a:ext cx="1520427" cy="1259626"/>
+          </a:xfrm>
+          <a:prstGeom prst="bentConnector3">
+            <a:avLst>
+              <a:gd name="adj1" fmla="val 50000"/>
+            </a:avLst>
+          </a:prstGeom>
+          <a:ln w="12700">
+            <a:solidFill>
+              <a:schemeClr val="bg1">
+                <a:lumMod val="50000"/>
+              </a:schemeClr>
+            </a:solidFill>
+            <a:prstDash val="lgDash"/>
+            <a:headEnd type="none" w="med" len="med"/>
+            <a:tailEnd type="arrow" w="med" len="med"/>
+          </a:ln>
+        </p:spPr>
+        <p:style>
+          <a:lnRef idx="1">
+            <a:schemeClr val="accent1"/>
+          </a:lnRef>
+          <a:fillRef idx="0">
+            <a:schemeClr val="accent1"/>
+          </a:fillRef>
+          <a:effectRef idx="0">
+            <a:schemeClr val="accent1"/>
+          </a:effectRef>
+          <a:fontRef idx="minor">
+            <a:schemeClr val="tx1"/>
+          </a:fontRef>
+        </p:style>
+      </p:cxnSp>
+      <p:sp>
+        <p:nvSpPr>
+          <p:cNvPr id="181" name="Rectangle 132"/>
+          <p:cNvSpPr/>
+          <p:nvPr/>
+        </p:nvSpPr>
+        <p:spPr>
+          <a:xfrm>
+            <a:off x="2550374" y="5367518"/>
+            <a:ext cx="2149700" cy="274320"/>
+          </a:xfrm>
+          <a:prstGeom prst="rect">
+            <a:avLst/>
+          </a:prstGeom>
+          <a:solidFill>
+            <a:schemeClr val="bg1"/>
+          </a:solidFill>
+          <a:ln w="6350">
+            <a:prstDash val="dash"/>
+          </a:ln>
+        </p:spPr>
+        <p:style>
+          <a:lnRef idx="2">
+            <a:schemeClr val="accent1">
+              <a:shade val="50000"/>
+            </a:schemeClr>
+          </a:lnRef>
+          <a:fillRef idx="1">
+            <a:schemeClr val="accent1"/>
+          </a:fillRef>
+          <a:effectRef idx="0">
+            <a:schemeClr val="accent1"/>
+          </a:effectRef>
+          <a:fontRef idx="minor">
+            <a:schemeClr val="lt1"/>
+          </a:fontRef>
+        </p:style>
+        <p:txBody>
+          <a:bodyPr rtlCol="0" anchor="ctr"/>
+          <a:lstStyle/>
+          <a:p>
+            <a:pPr algn="ctr"/>
+            <a:r>
+              <a:rPr lang="en-US" sz="1050" b="1" dirty="0" smtClean="0">
+                <a:solidFill>
+                  <a:schemeClr val="tx1"/>
+                </a:solidFill>
+              </a:rPr>
+              <a:t>ESTATUS_CAJA</a:t>
+            </a:r>
+            <a:endParaRPr lang="es-MX" sz="1050" b="1" dirty="0">
+              <a:solidFill>
+                <a:schemeClr val="tx1"/>
+              </a:solidFill>
+            </a:endParaRPr>
+          </a:p>
+        </p:txBody>
+      </p:sp>
+      <p:cxnSp>
+        <p:nvCxnSpPr>
+          <p:cNvPr id="182" name="Shape 33"/>
+          <p:cNvCxnSpPr>
+            <a:stCxn id="181" idx="1"/>
+            <a:endCxn id="174" idx="1"/>
+          </p:cNvCxnSpPr>
+          <p:nvPr/>
+        </p:nvCxnSpPr>
+        <p:spPr>
+          <a:xfrm rot="10800000">
+            <a:off x="2550374" y="5013960"/>
+            <a:ext cx="12700" cy="490718"/>
+          </a:xfrm>
+          <a:prstGeom prst="bentConnector3">
+            <a:avLst>
+              <a:gd name="adj1" fmla="val 1800000"/>
+            </a:avLst>
+          </a:prstGeom>
+          <a:ln w="12700">
+            <a:solidFill>
+              <a:schemeClr val="tx1"/>
+            </a:solidFill>
+            <a:headEnd type="none" w="med" len="med"/>
+            <a:tailEnd type="arrow" w="med" len="med"/>
+          </a:ln>
+        </p:spPr>
+        <p:style>
+          <a:lnRef idx="1">
+            <a:schemeClr val="accent1"/>
+          </a:lnRef>
+          <a:fillRef idx="0">
+            <a:schemeClr val="accent1"/>
+          </a:fillRef>
+          <a:effectRef idx="0">
+            <a:schemeClr val="accent1"/>
+          </a:effectRef>
+          <a:fontRef idx="minor">
+            <a:schemeClr val="tx1"/>
+          </a:fontRef>
+        </p:style>
+      </p:cxnSp>
+      <p:sp>
+        <p:nvSpPr>
+          <p:cNvPr id="185" name="Rectangle 132"/>
+          <p:cNvSpPr/>
+          <p:nvPr/>
+        </p:nvSpPr>
+        <p:spPr>
+          <a:xfrm>
+            <a:off x="5522174" y="4876800"/>
+            <a:ext cx="1800450" cy="274320"/>
+          </a:xfrm>
+          <a:prstGeom prst="rect">
+            <a:avLst/>
+          </a:prstGeom>
+          <a:solidFill>
+            <a:schemeClr val="bg1"/>
+          </a:solidFill>
+          <a:ln w="12700">
+            <a:prstDash val="solid"/>
+          </a:ln>
+        </p:spPr>
+        <p:style>
+          <a:lnRef idx="2">
+            <a:schemeClr val="accent1">
+              <a:shade val="50000"/>
+            </a:schemeClr>
+          </a:lnRef>
+          <a:fillRef idx="1">
+            <a:schemeClr val="accent1"/>
+          </a:fillRef>
+          <a:effectRef idx="0">
+            <a:schemeClr val="accent1"/>
+          </a:effectRef>
+          <a:fontRef idx="minor">
+            <a:schemeClr val="lt1"/>
+          </a:fontRef>
+        </p:style>
+        <p:txBody>
+          <a:bodyPr rtlCol="0" anchor="ctr"/>
+          <a:lstStyle/>
+          <a:p>
+            <a:pPr algn="ctr"/>
+            <a:r>
+              <a:rPr lang="en-US" sz="1050" b="1" dirty="0" smtClean="0">
+                <a:solidFill>
+                  <a:srgbClr val="00B050"/>
+                </a:solidFill>
+              </a:rPr>
+              <a:t>CORTE_CAJA</a:t>
+            </a:r>
+            <a:endParaRPr lang="es-MX" sz="1050" b="1" dirty="0">
+              <a:solidFill>
+                <a:srgbClr val="00B050"/>
+              </a:solidFill>
+            </a:endParaRPr>
+          </a:p>
+        </p:txBody>
+      </p:sp>
+      <p:sp>
+        <p:nvSpPr>
+          <p:cNvPr id="188" name="Rectangle 132"/>
+          <p:cNvSpPr/>
+          <p:nvPr/>
+        </p:nvSpPr>
+        <p:spPr>
+          <a:xfrm>
+            <a:off x="5522174" y="5334000"/>
+            <a:ext cx="2149700" cy="274320"/>
+          </a:xfrm>
+          <a:prstGeom prst="rect">
+            <a:avLst/>
+          </a:prstGeom>
+          <a:solidFill>
+            <a:schemeClr val="bg1"/>
+          </a:solidFill>
+          <a:ln w="6350">
+            <a:prstDash val="dash"/>
+          </a:ln>
+        </p:spPr>
+        <p:style>
+          <a:lnRef idx="2">
+            <a:schemeClr val="accent1">
+              <a:shade val="50000"/>
+            </a:schemeClr>
+          </a:lnRef>
+          <a:fillRef idx="1">
+            <a:schemeClr val="accent1"/>
+          </a:fillRef>
+          <a:effectRef idx="0">
+            <a:schemeClr val="accent1"/>
+          </a:effectRef>
+          <a:fontRef idx="minor">
+            <a:schemeClr val="lt1"/>
+          </a:fontRef>
+        </p:style>
+        <p:txBody>
+          <a:bodyPr rtlCol="0" anchor="ctr"/>
+          <a:lstStyle/>
+          <a:p>
+            <a:pPr algn="ctr"/>
+            <a:r>
+              <a:rPr lang="en-US" sz="1050" b="1" dirty="0" smtClean="0">
+                <a:solidFill>
+                  <a:schemeClr val="tx1"/>
+                </a:solidFill>
+              </a:rPr>
+              <a:t>TIPO_CORTE_CAJA</a:t>
+            </a:r>
+            <a:endParaRPr lang="es-MX" sz="1050" b="1" dirty="0">
+              <a:solidFill>
+                <a:schemeClr val="tx1"/>
+              </a:solidFill>
+            </a:endParaRPr>
+          </a:p>
+        </p:txBody>
+      </p:sp>
+      <p:cxnSp>
+        <p:nvCxnSpPr>
+          <p:cNvPr id="189" name="Shape 33"/>
+          <p:cNvCxnSpPr>
+            <a:stCxn id="174" idx="3"/>
+            <a:endCxn id="185" idx="1"/>
+          </p:cNvCxnSpPr>
+          <p:nvPr/>
+        </p:nvCxnSpPr>
+        <p:spPr>
+          <a:xfrm>
+            <a:off x="4350824" y="5013960"/>
+            <a:ext cx="1171350" cy="12700"/>
+          </a:xfrm>
+          <a:prstGeom prst="bentConnector3">
+            <a:avLst>
+              <a:gd name="adj1" fmla="val 50000"/>
+            </a:avLst>
+          </a:prstGeom>
+          <a:ln w="12700">
+            <a:solidFill>
+              <a:schemeClr val="bg1">
+                <a:lumMod val="50000"/>
+              </a:schemeClr>
+            </a:solidFill>
+            <a:prstDash val="lgDash"/>
+            <a:headEnd type="none" w="med" len="med"/>
+            <a:tailEnd type="arrow" w="med" len="med"/>
+          </a:ln>
+        </p:spPr>
+        <p:style>
+          <a:lnRef idx="1">
+            <a:schemeClr val="accent1"/>
+          </a:lnRef>
+          <a:fillRef idx="0">
+            <a:schemeClr val="accent1"/>
+          </a:fillRef>
+          <a:effectRef idx="0">
+            <a:schemeClr val="accent1"/>
+          </a:effectRef>
+          <a:fontRef idx="minor">
+            <a:schemeClr val="tx1"/>
+          </a:fontRef>
+        </p:style>
+      </p:cxnSp>
+      <p:cxnSp>
+        <p:nvCxnSpPr>
+          <p:cNvPr id="192" name="Shape 33"/>
+          <p:cNvCxnSpPr>
+            <a:stCxn id="188" idx="3"/>
+            <a:endCxn id="185" idx="3"/>
+          </p:cNvCxnSpPr>
+          <p:nvPr/>
+        </p:nvCxnSpPr>
+        <p:spPr>
+          <a:xfrm flipH="1" flipV="1">
+            <a:off x="7322624" y="5013960"/>
+            <a:ext cx="349250" cy="457200"/>
+          </a:xfrm>
+          <a:prstGeom prst="bentConnector3">
+            <a:avLst>
+              <a:gd name="adj1" fmla="val -65455"/>
+            </a:avLst>
+          </a:prstGeom>
+          <a:ln w="12700">
+            <a:solidFill>
+              <a:schemeClr val="tx1"/>
+            </a:solidFill>
+            <a:headEnd type="none" w="med" len="med"/>
+            <a:tailEnd type="arrow" w="med" len="med"/>
+          </a:ln>
+        </p:spPr>
+        <p:style>
+          <a:lnRef idx="1">
+            <a:schemeClr val="accent1"/>
+          </a:lnRef>
+          <a:fillRef idx="0">
+            <a:schemeClr val="accent1"/>
+          </a:fillRef>
+          <a:effectRef idx="0">
+            <a:schemeClr val="accent1"/>
+          </a:effectRef>
+          <a:fontRef idx="minor">
+            <a:schemeClr val="tx1"/>
+          </a:fontRef>
+        </p:style>
+      </p:cxnSp>
     </p:spTree>
     <p:extLst>
       <p:ext uri="{BB962C8B-B14F-4D97-AF65-F5344CB8AC3E}">
-        <p14:creationId xmlns:p14="http://schemas.microsoft.com/office/powerpoint/2010/main" val="3113615408"/>
+        <p14:creationId xmlns:p14="http://schemas.microsoft.com/office/powerpoint/2010/main" val="199695155"/>
       </p:ext>
     </p:extLst>
   </p:cSld>
@@ -9646,13 +8211,13 @@
               <a:rPr lang="es-MX" sz="2000" dirty="0" smtClean="0">
                 <a:latin typeface="Century Gothic" panose="020B0502020202020204" pitchFamily="34" charset="0"/>
               </a:rPr>
-              <a:t>[PRE] </a:t>
+              <a:t>[PRO] </a:t>
             </a:r>
             <a:r>
               <a:rPr lang="es-MX" sz="2000" b="0" dirty="0" smtClean="0">
                 <a:latin typeface="Century Gothic" panose="020B0502020202020204" pitchFamily="34" charset="0"/>
               </a:rPr>
-              <a:t>PRELIQUIDACIONES / LIQUIDACIONES / CAJA</a:t>
+              <a:t>PRODUCTOS + PRECIOS</a:t>
             </a:r>
             <a:br>
               <a:rPr lang="es-MX" sz="2000" b="0" dirty="0" smtClean="0">
@@ -9671,14 +8236,14 @@
       </p:sp>
       <p:sp>
         <p:nvSpPr>
-          <p:cNvPr id="91" name="Rectangle 132"/>
+          <p:cNvPr id="67" name="Rectangle 132"/>
           <p:cNvSpPr/>
           <p:nvPr/>
         </p:nvSpPr>
         <p:spPr>
           <a:xfrm>
-            <a:off x="736165" y="3223318"/>
-            <a:ext cx="1825833" cy="274320"/>
+            <a:off x="825878" y="3307080"/>
+            <a:ext cx="1800000" cy="274320"/>
           </a:xfrm>
           <a:prstGeom prst="rect">
             <a:avLst/>
@@ -9712,12 +8277,12 @@
           <a:p>
             <a:pPr algn="ctr"/>
             <a:r>
-              <a:rPr lang="en-US" sz="1050" b="1" dirty="0" smtClean="0">
+              <a:rPr lang="en-US" sz="1050" b="1" dirty="0">
                 <a:solidFill>
                   <a:srgbClr val="00B050"/>
                 </a:solidFill>
               </a:rPr>
-              <a:t>PRELIQUIDACION</a:t>
+              <a:t>PRODUCTO</a:t>
             </a:r>
             <a:endParaRPr lang="es-MX" sz="1050" b="1" dirty="0">
               <a:solidFill>
@@ -9729,14 +8294,14 @@
       </p:sp>
       <p:sp>
         <p:nvSpPr>
-          <p:cNvPr id="93" name="Rectangle 132"/>
+          <p:cNvPr id="68" name="Rectangle 132"/>
           <p:cNvSpPr/>
           <p:nvPr/>
         </p:nvSpPr>
         <p:spPr>
           <a:xfrm>
-            <a:off x="736163" y="4054990"/>
-            <a:ext cx="2149700" cy="274320"/>
+            <a:off x="2590800" y="1981200"/>
+            <a:ext cx="1836000" cy="274320"/>
           </a:xfrm>
           <a:prstGeom prst="rect">
             <a:avLst/>
@@ -9770,14 +8335,22 @@
           <a:p>
             <a:pPr algn="ctr"/>
             <a:r>
+              <a:rPr lang="es-MX" sz="1050" b="1" dirty="0" smtClean="0">
+                <a:solidFill>
+                  <a:schemeClr val="tx1"/>
+                </a:solidFill>
+              </a:rPr>
+              <a:t>CLASE_</a:t>
+            </a:r>
+            <a:r>
               <a:rPr lang="en-US" sz="1050" b="1" dirty="0" smtClean="0">
                 <a:solidFill>
                   <a:schemeClr val="tx1"/>
                 </a:solidFill>
               </a:rPr>
-              <a:t>ESTATUS_PRELIQUIDACION</a:t>
-            </a:r>
-            <a:endParaRPr lang="es-MX" sz="1050" b="1" dirty="0">
+              <a:t>PRODUCTO</a:t>
+            </a:r>
+            <a:endParaRPr lang="es-MX" sz="1050" b="1" dirty="0" smtClean="0">
               <a:solidFill>
                 <a:schemeClr val="tx1"/>
               </a:solidFill>
@@ -9787,14 +8360,14 @@
       </p:sp>
       <p:sp>
         <p:nvSpPr>
-          <p:cNvPr id="94" name="Rectangle 132"/>
+          <p:cNvPr id="69" name="Rectangle 132"/>
           <p:cNvSpPr/>
           <p:nvPr/>
         </p:nvSpPr>
         <p:spPr>
           <a:xfrm>
-            <a:off x="736163" y="3680460"/>
-            <a:ext cx="2149700" cy="274320"/>
+            <a:off x="2590800" y="2359768"/>
+            <a:ext cx="1836000" cy="274320"/>
           </a:xfrm>
           <a:prstGeom prst="rect">
             <a:avLst/>
@@ -9828,12 +8401,20 @@
           <a:p>
             <a:pPr algn="ctr"/>
             <a:r>
+              <a:rPr lang="es-MX" sz="1050" b="1" dirty="0" smtClean="0">
+                <a:solidFill>
+                  <a:schemeClr val="tx1"/>
+                </a:solidFill>
+              </a:rPr>
+              <a:t>TIPO_</a:t>
+            </a:r>
+            <a:r>
               <a:rPr lang="en-US" sz="1050" b="1" dirty="0" smtClean="0">
                 <a:solidFill>
                   <a:schemeClr val="tx1"/>
                 </a:solidFill>
               </a:rPr>
-              <a:t>TIPO_PRELIQUIDACION</a:t>
+              <a:t>PRODUCTO</a:t>
             </a:r>
             <a:endParaRPr lang="es-MX" sz="1050" b="1" dirty="0">
               <a:solidFill>
@@ -9843,23 +8424,89 @@
           </a:p>
         </p:txBody>
       </p:sp>
+      <p:sp>
+        <p:nvSpPr>
+          <p:cNvPr id="70" name="Rectangle 132"/>
+          <p:cNvSpPr/>
+          <p:nvPr/>
+        </p:nvSpPr>
+        <p:spPr>
+          <a:xfrm>
+            <a:off x="2590800" y="2735904"/>
+            <a:ext cx="1836000" cy="274320"/>
+          </a:xfrm>
+          <a:prstGeom prst="rect">
+            <a:avLst/>
+          </a:prstGeom>
+          <a:solidFill>
+            <a:schemeClr val="bg1"/>
+          </a:solidFill>
+          <a:ln w="6350">
+            <a:prstDash val="dash"/>
+          </a:ln>
+        </p:spPr>
+        <p:style>
+          <a:lnRef idx="2">
+            <a:schemeClr val="accent1">
+              <a:shade val="50000"/>
+            </a:schemeClr>
+          </a:lnRef>
+          <a:fillRef idx="1">
+            <a:schemeClr val="accent1"/>
+          </a:fillRef>
+          <a:effectRef idx="0">
+            <a:schemeClr val="accent1"/>
+          </a:effectRef>
+          <a:fontRef idx="minor">
+            <a:schemeClr val="lt1"/>
+          </a:fontRef>
+        </p:style>
+        <p:txBody>
+          <a:bodyPr rtlCol="0" anchor="ctr"/>
+          <a:lstStyle/>
+          <a:p>
+            <a:pPr algn="ctr"/>
+            <a:r>
+              <a:rPr lang="es-MX" sz="1050" b="1" dirty="0" smtClean="0">
+                <a:solidFill>
+                  <a:schemeClr val="tx1"/>
+                </a:solidFill>
+              </a:rPr>
+              <a:t>ESTATUS_</a:t>
+            </a:r>
+            <a:r>
+              <a:rPr lang="en-US" sz="1050" b="1" dirty="0" smtClean="0">
+                <a:solidFill>
+                  <a:schemeClr val="tx1"/>
+                </a:solidFill>
+              </a:rPr>
+              <a:t>PRODUCTO</a:t>
+            </a:r>
+            <a:endParaRPr lang="es-MX" sz="1050" b="1" dirty="0">
+              <a:solidFill>
+                <a:schemeClr val="tx1"/>
+              </a:solidFill>
+            </a:endParaRPr>
+          </a:p>
+        </p:txBody>
+      </p:sp>
       <p:cxnSp>
         <p:nvCxnSpPr>
-          <p:cNvPr id="96" name="Shape 33"/>
+          <p:cNvPr id="71" name="Shape 33"/>
           <p:cNvCxnSpPr>
-            <a:stCxn id="93" idx="1"/>
-            <a:endCxn id="91" idx="1"/>
+            <a:stCxn id="68" idx="3"/>
+            <a:endCxn id="69" idx="3"/>
           </p:cNvCxnSpPr>
           <p:nvPr/>
         </p:nvCxnSpPr>
         <p:spPr>
-          <a:xfrm rot="10800000" flipH="1">
-            <a:off x="736163" y="3360478"/>
-            <a:ext cx="2" cy="831672"/>
+          <a:xfrm>
+            <a:off x="4426800" y="2118360"/>
+            <a:ext cx="12700" cy="378568"/>
           </a:xfrm>
           <a:prstGeom prst="bentConnector3">
             <a:avLst>
-              <a:gd name="adj1" fmla="val -11430000000"/>
+              <a:gd name="adj1" fmla="val 1800000"/>
             </a:avLst>
           </a:prstGeom>
           <a:ln w="12700">
@@ -9887,22 +8534,20 @@
       </p:cxnSp>
       <p:cxnSp>
         <p:nvCxnSpPr>
-          <p:cNvPr id="97" name="Shape 33"/>
+          <p:cNvPr id="72" name="Shape 33"/>
           <p:cNvCxnSpPr>
-            <a:stCxn id="94" idx="1"/>
-            <a:endCxn id="91" idx="1"/>
+            <a:stCxn id="69" idx="1"/>
+            <a:endCxn id="67" idx="0"/>
           </p:cNvCxnSpPr>
           <p:nvPr/>
         </p:nvCxnSpPr>
         <p:spPr>
-          <a:xfrm rot="10800000" flipH="1">
-            <a:off x="736163" y="3360478"/>
-            <a:ext cx="2" cy="457142"/>
-          </a:xfrm>
-          <a:prstGeom prst="bentConnector3">
-            <a:avLst>
-              <a:gd name="adj1" fmla="val -11430000000"/>
-            </a:avLst>
+          <a:xfrm rot="10800000" flipV="1">
+            <a:off x="1725878" y="2496928"/>
+            <a:ext cx="864922" cy="810152"/>
+          </a:xfrm>
+          <a:prstGeom prst="bentConnector2">
+            <a:avLst/>
           </a:prstGeom>
           <a:ln w="12700">
             <a:solidFill>
@@ -9927,16 +8572,56 @@
           </a:fontRef>
         </p:style>
       </p:cxnSp>
-      <p:sp>
-        <p:nvSpPr>
-          <p:cNvPr id="108" name="Rectangle 132"/>
+      <p:cxnSp>
+        <p:nvCxnSpPr>
+          <p:cNvPr id="73" name="Shape 33"/>
+          <p:cNvCxnSpPr>
+            <a:stCxn id="70" idx="1"/>
+            <a:endCxn id="67" idx="0"/>
+          </p:cNvCxnSpPr>
+          <p:nvPr/>
+        </p:nvCxnSpPr>
+        <p:spPr>
+          <a:xfrm rot="10800000" flipV="1">
+            <a:off x="1725878" y="2873064"/>
+            <a:ext cx="864922" cy="434016"/>
+          </a:xfrm>
+          <a:prstGeom prst="bentConnector2">
+            <a:avLst/>
+          </a:prstGeom>
+          <a:ln w="12700">
+            <a:solidFill>
+              <a:schemeClr val="tx1"/>
+            </a:solidFill>
+            <a:headEnd type="none" w="med" len="med"/>
+            <a:tailEnd type="arrow" w="med" len="med"/>
+          </a:ln>
+        </p:spPr>
+        <p:style>
+          <a:lnRef idx="1">
+            <a:schemeClr val="accent1"/>
+          </a:lnRef>
+          <a:fillRef idx="0">
+            <a:schemeClr val="accent1"/>
+          </a:fillRef>
+          <a:effectRef idx="0">
+            <a:schemeClr val="accent1"/>
+          </a:effectRef>
+          <a:fontRef idx="minor">
+            <a:schemeClr val="tx1"/>
+          </a:fontRef>
+        </p:style>
+      </p:cxnSp>
+      <p:sp>
+        <p:nvSpPr>
+          <p:cNvPr id="74" name="Rectangle 132"/>
           <p:cNvSpPr/>
           <p:nvPr/>
         </p:nvSpPr>
         <p:spPr>
           <a:xfrm>
-            <a:off x="3810000" y="3082053"/>
-            <a:ext cx="1800450" cy="274320"/>
+            <a:off x="825878" y="4312515"/>
+            <a:ext cx="1800000" cy="274320"/>
           </a:xfrm>
           <a:prstGeom prst="rect">
             <a:avLst/>
@@ -9975,7 +8660,7 @@
                   <a:srgbClr val="00B050"/>
                 </a:solidFill>
               </a:rPr>
-              <a:t>LIQUIDACION</a:t>
+              <a:t>PRECIO</a:t>
             </a:r>
             <a:endParaRPr lang="es-MX" sz="1050" b="1" dirty="0">
               <a:solidFill>
@@ -9987,14 +8672,348 @@
       </p:sp>
       <p:sp>
         <p:nvSpPr>
-          <p:cNvPr id="109" name="Rectangle 132"/>
+          <p:cNvPr id="75" name="Rectangle 132"/>
           <p:cNvSpPr/>
           <p:nvPr/>
         </p:nvSpPr>
         <p:spPr>
           <a:xfrm>
-            <a:off x="736166" y="2133600"/>
-            <a:ext cx="1825833" cy="274320"/>
+            <a:off x="1897800" y="5675936"/>
+            <a:ext cx="1836000" cy="274320"/>
+          </a:xfrm>
+          <a:prstGeom prst="rect">
+            <a:avLst/>
+          </a:prstGeom>
+          <a:solidFill>
+            <a:schemeClr val="bg1"/>
+          </a:solidFill>
+          <a:ln w="6350">
+            <a:prstDash val="dash"/>
+          </a:ln>
+        </p:spPr>
+        <p:style>
+          <a:lnRef idx="2">
+            <a:schemeClr val="accent1">
+              <a:shade val="50000"/>
+            </a:schemeClr>
+          </a:lnRef>
+          <a:fillRef idx="1">
+            <a:schemeClr val="accent1"/>
+          </a:fillRef>
+          <a:effectRef idx="0">
+            <a:schemeClr val="accent1"/>
+          </a:effectRef>
+          <a:fontRef idx="minor">
+            <a:schemeClr val="lt1"/>
+          </a:fontRef>
+        </p:style>
+        <p:txBody>
+          <a:bodyPr rtlCol="0" anchor="ctr"/>
+          <a:lstStyle/>
+          <a:p>
+            <a:pPr algn="ctr"/>
+            <a:r>
+              <a:rPr lang="es-MX" sz="1050" b="1" dirty="0" smtClean="0">
+                <a:solidFill>
+                  <a:schemeClr val="tx1"/>
+                </a:solidFill>
+              </a:rPr>
+              <a:t>CLASE_PRECIO</a:t>
+            </a:r>
+          </a:p>
+        </p:txBody>
+      </p:sp>
+      <p:sp>
+        <p:nvSpPr>
+          <p:cNvPr id="76" name="Rectangle 132"/>
+          <p:cNvSpPr/>
+          <p:nvPr/>
+        </p:nvSpPr>
+        <p:spPr>
+          <a:xfrm>
+            <a:off x="1879799" y="6052604"/>
+            <a:ext cx="1836000" cy="274320"/>
+          </a:xfrm>
+          <a:prstGeom prst="rect">
+            <a:avLst/>
+          </a:prstGeom>
+          <a:solidFill>
+            <a:schemeClr val="bg1"/>
+          </a:solidFill>
+          <a:ln w="6350">
+            <a:prstDash val="dash"/>
+          </a:ln>
+        </p:spPr>
+        <p:style>
+          <a:lnRef idx="2">
+            <a:schemeClr val="accent1">
+              <a:shade val="50000"/>
+            </a:schemeClr>
+          </a:lnRef>
+          <a:fillRef idx="1">
+            <a:schemeClr val="accent1"/>
+          </a:fillRef>
+          <a:effectRef idx="0">
+            <a:schemeClr val="accent1"/>
+          </a:effectRef>
+          <a:fontRef idx="minor">
+            <a:schemeClr val="lt1"/>
+          </a:fontRef>
+        </p:style>
+        <p:txBody>
+          <a:bodyPr rtlCol="0" anchor="ctr"/>
+          <a:lstStyle/>
+          <a:p>
+            <a:pPr algn="ctr"/>
+            <a:r>
+              <a:rPr lang="es-MX" sz="1050" b="1" dirty="0" smtClean="0">
+                <a:solidFill>
+                  <a:schemeClr val="tx1"/>
+                </a:solidFill>
+              </a:rPr>
+              <a:t>TIPO_PRECIO</a:t>
+            </a:r>
+            <a:endParaRPr lang="es-MX" sz="1050" b="1" dirty="0">
+              <a:solidFill>
+                <a:schemeClr val="tx1"/>
+              </a:solidFill>
+            </a:endParaRPr>
+          </a:p>
+        </p:txBody>
+      </p:sp>
+      <p:sp>
+        <p:nvSpPr>
+          <p:cNvPr id="77" name="Rectangle 132"/>
+          <p:cNvSpPr/>
+          <p:nvPr/>
+        </p:nvSpPr>
+        <p:spPr>
+          <a:xfrm>
+            <a:off x="1879799" y="6431280"/>
+            <a:ext cx="1836000" cy="274320"/>
+          </a:xfrm>
+          <a:prstGeom prst="rect">
+            <a:avLst/>
+          </a:prstGeom>
+          <a:solidFill>
+            <a:schemeClr val="bg1"/>
+          </a:solidFill>
+          <a:ln w="6350">
+            <a:prstDash val="dash"/>
+          </a:ln>
+        </p:spPr>
+        <p:style>
+          <a:lnRef idx="2">
+            <a:schemeClr val="accent1">
+              <a:shade val="50000"/>
+            </a:schemeClr>
+          </a:lnRef>
+          <a:fillRef idx="1">
+            <a:schemeClr val="accent1"/>
+          </a:fillRef>
+          <a:effectRef idx="0">
+            <a:schemeClr val="accent1"/>
+          </a:effectRef>
+          <a:fontRef idx="minor">
+            <a:schemeClr val="lt1"/>
+          </a:fontRef>
+        </p:style>
+        <p:txBody>
+          <a:bodyPr rtlCol="0" anchor="ctr"/>
+          <a:lstStyle/>
+          <a:p>
+            <a:pPr algn="ctr"/>
+            <a:r>
+              <a:rPr lang="es-MX" sz="1050" b="1" dirty="0" smtClean="0">
+                <a:solidFill>
+                  <a:schemeClr val="tx1"/>
+                </a:solidFill>
+              </a:rPr>
+              <a:t>ESTATUS_PRECIO</a:t>
+            </a:r>
+            <a:endParaRPr lang="es-MX" sz="1050" b="1" dirty="0">
+              <a:solidFill>
+                <a:schemeClr val="tx1"/>
+              </a:solidFill>
+            </a:endParaRPr>
+          </a:p>
+        </p:txBody>
+      </p:sp>
+      <p:cxnSp>
+        <p:nvCxnSpPr>
+          <p:cNvPr id="78" name="Shape 33"/>
+          <p:cNvCxnSpPr>
+            <a:stCxn id="75" idx="3"/>
+            <a:endCxn id="76" idx="3"/>
+          </p:cNvCxnSpPr>
+          <p:nvPr/>
+        </p:nvCxnSpPr>
+        <p:spPr>
+          <a:xfrm flipH="1">
+            <a:off x="3715799" y="5813096"/>
+            <a:ext cx="18001" cy="376668"/>
+          </a:xfrm>
+          <a:prstGeom prst="bentConnector3">
+            <a:avLst>
+              <a:gd name="adj1" fmla="val -1269929"/>
+            </a:avLst>
+          </a:prstGeom>
+          <a:ln w="12700">
+            <a:solidFill>
+              <a:schemeClr val="tx1"/>
+            </a:solidFill>
+            <a:headEnd type="none" w="med" len="med"/>
+            <a:tailEnd type="arrow" w="med" len="med"/>
+          </a:ln>
+        </p:spPr>
+        <p:style>
+          <a:lnRef idx="1">
+            <a:schemeClr val="accent1"/>
+          </a:lnRef>
+          <a:fillRef idx="0">
+            <a:schemeClr val="accent1"/>
+          </a:fillRef>
+          <a:effectRef idx="0">
+            <a:schemeClr val="accent1"/>
+          </a:effectRef>
+          <a:fontRef idx="minor">
+            <a:schemeClr val="tx1"/>
+          </a:fontRef>
+        </p:style>
+      </p:cxnSp>
+      <p:cxnSp>
+        <p:nvCxnSpPr>
+          <p:cNvPr id="79" name="Shape 33"/>
+          <p:cNvCxnSpPr>
+            <a:stCxn id="76" idx="1"/>
+            <a:endCxn id="74" idx="2"/>
+          </p:cNvCxnSpPr>
+          <p:nvPr/>
+        </p:nvCxnSpPr>
+        <p:spPr>
+          <a:xfrm rot="10800000">
+            <a:off x="1725879" y="4586836"/>
+            <a:ext cx="153921" cy="1602929"/>
+          </a:xfrm>
+          <a:prstGeom prst="bentConnector2">
+            <a:avLst/>
+          </a:prstGeom>
+          <a:ln w="12700">
+            <a:solidFill>
+              <a:schemeClr val="tx1"/>
+            </a:solidFill>
+            <a:headEnd type="none" w="med" len="med"/>
+            <a:tailEnd type="arrow" w="med" len="med"/>
+          </a:ln>
+        </p:spPr>
+        <p:style>
+          <a:lnRef idx="1">
+            <a:schemeClr val="accent1"/>
+          </a:lnRef>
+          <a:fillRef idx="0">
+            <a:schemeClr val="accent1"/>
+          </a:fillRef>
+          <a:effectRef idx="0">
+            <a:schemeClr val="accent1"/>
+          </a:effectRef>
+          <a:fontRef idx="minor">
+            <a:schemeClr val="tx1"/>
+          </a:fontRef>
+        </p:style>
+      </p:cxnSp>
+      <p:cxnSp>
+        <p:nvCxnSpPr>
+          <p:cNvPr id="80" name="Shape 33"/>
+          <p:cNvCxnSpPr>
+            <a:stCxn id="77" idx="1"/>
+            <a:endCxn id="74" idx="2"/>
+          </p:cNvCxnSpPr>
+          <p:nvPr/>
+        </p:nvCxnSpPr>
+        <p:spPr>
+          <a:xfrm rot="10800000">
+            <a:off x="1725879" y="4586836"/>
+            <a:ext cx="153921" cy="1981605"/>
+          </a:xfrm>
+          <a:prstGeom prst="bentConnector2">
+            <a:avLst/>
+          </a:prstGeom>
+          <a:ln w="12700">
+            <a:solidFill>
+              <a:schemeClr val="tx1"/>
+            </a:solidFill>
+            <a:headEnd type="none" w="med" len="med"/>
+            <a:tailEnd type="arrow" w="med" len="med"/>
+          </a:ln>
+        </p:spPr>
+        <p:style>
+          <a:lnRef idx="1">
+            <a:schemeClr val="accent1"/>
+          </a:lnRef>
+          <a:fillRef idx="0">
+            <a:schemeClr val="accent1"/>
+          </a:fillRef>
+          <a:effectRef idx="0">
+            <a:schemeClr val="accent1"/>
+          </a:effectRef>
+          <a:fontRef idx="minor">
+            <a:schemeClr val="tx1"/>
+          </a:fontRef>
+        </p:style>
+      </p:cxnSp>
+      <p:cxnSp>
+        <p:nvCxnSpPr>
+          <p:cNvPr id="81" name="Shape 33"/>
+          <p:cNvCxnSpPr>
+            <a:stCxn id="67" idx="2"/>
+            <a:endCxn id="74" idx="0"/>
+          </p:cNvCxnSpPr>
+          <p:nvPr/>
+        </p:nvCxnSpPr>
+        <p:spPr>
+          <a:xfrm>
+            <a:off x="1725878" y="3581400"/>
+            <a:ext cx="0" cy="731115"/>
+          </a:xfrm>
+          <a:prstGeom prst="straightConnector1">
+            <a:avLst/>
+          </a:prstGeom>
+          <a:ln w="12700">
+            <a:solidFill>
+              <a:schemeClr val="bg1">
+                <a:lumMod val="50000"/>
+              </a:schemeClr>
+            </a:solidFill>
+            <a:prstDash val="lgDash"/>
+            <a:headEnd type="none" w="med" len="med"/>
+            <a:tailEnd type="arrow" w="med" len="med"/>
+          </a:ln>
+        </p:spPr>
+        <p:style>
+          <a:lnRef idx="1">
+            <a:schemeClr val="accent1"/>
+          </a:lnRef>
+          <a:fillRef idx="0">
+            <a:schemeClr val="accent1"/>
+          </a:fillRef>
+          <a:effectRef idx="0">
+            <a:schemeClr val="accent1"/>
+          </a:effectRef>
+          <a:fontRef idx="minor">
+            <a:schemeClr val="tx1"/>
+          </a:fontRef>
+        </p:style>
+      </p:cxnSp>
+      <p:sp>
+        <p:nvSpPr>
+          <p:cNvPr id="91" name="Rectangle 132"/>
+          <p:cNvSpPr/>
+          <p:nvPr/>
+        </p:nvSpPr>
+        <p:spPr>
+          <a:xfrm>
+            <a:off x="4701912" y="3307080"/>
+            <a:ext cx="1800000" cy="274320"/>
           </a:xfrm>
           <a:prstGeom prst="rect">
             <a:avLst/>
@@ -10035,15 +9054,7 @@
                   <a:srgbClr val="C00000"/>
                 </a:solidFill>
               </a:rPr>
-              <a:t>UNIDAD / RUTA / </a:t>
-            </a:r>
-            <a:r>
-              <a:rPr lang="en-US" sz="1050" b="1" dirty="0" smtClean="0">
-                <a:solidFill>
-                  <a:srgbClr val="C00000"/>
-                </a:solidFill>
-              </a:rPr>
-              <a:t>POS</a:t>
+              <a:t>UNIDAD / RUTA / POS</a:t>
             </a:r>
             <a:endParaRPr lang="es-MX" sz="1050" b="1" dirty="0">
               <a:solidFill>
@@ -10053,57 +9064,15 @@
           </a:p>
         </p:txBody>
       </p:sp>
-      <p:cxnSp>
-        <p:nvCxnSpPr>
-          <p:cNvPr id="113" name="Shape 33"/>
-          <p:cNvCxnSpPr>
-            <a:stCxn id="109" idx="2"/>
-            <a:endCxn id="91" idx="0"/>
-          </p:cNvCxnSpPr>
-          <p:nvPr/>
-        </p:nvCxnSpPr>
-        <p:spPr>
-          <a:xfrm rot="5400000">
-            <a:off x="1241384" y="2815619"/>
-            <a:ext cx="815398" cy="1"/>
-          </a:xfrm>
-          <a:prstGeom prst="bentConnector3">
-            <a:avLst>
-              <a:gd name="adj1" fmla="val 50000"/>
-            </a:avLst>
-          </a:prstGeom>
-          <a:ln w="12700">
-            <a:solidFill>
-              <a:schemeClr val="tx1"/>
-            </a:solidFill>
-            <a:headEnd type="none" w="med" len="med"/>
-            <a:tailEnd type="arrow" w="med" len="med"/>
-          </a:ln>
-        </p:spPr>
-        <p:style>
-          <a:lnRef idx="1">
-            <a:schemeClr val="accent1"/>
-          </a:lnRef>
-          <a:fillRef idx="0">
-            <a:schemeClr val="accent1"/>
-          </a:fillRef>
-          <a:effectRef idx="0">
-            <a:schemeClr val="accent1"/>
-          </a:effectRef>
-          <a:fontRef idx="minor">
-            <a:schemeClr val="tx1"/>
-          </a:fontRef>
-        </p:style>
-      </p:cxnSp>
-      <p:sp>
-        <p:nvSpPr>
-          <p:cNvPr id="43" name="Rectangle 132"/>
+      <p:sp>
+        <p:nvSpPr>
+          <p:cNvPr id="93" name="Rectangle 132"/>
           <p:cNvSpPr/>
           <p:nvPr/>
         </p:nvSpPr>
         <p:spPr>
           <a:xfrm>
-            <a:off x="3814951" y="2664567"/>
+            <a:off x="6496050" y="2359768"/>
             <a:ext cx="2149700" cy="274320"/>
           </a:xfrm>
           <a:prstGeom prst="rect">
@@ -10143,7 +9112,7 @@
                   <a:schemeClr val="tx1"/>
                 </a:solidFill>
               </a:rPr>
-              <a:t>TIPO_LIQUIDACION</a:t>
+              <a:t>ESTATUS_POS</a:t>
             </a:r>
             <a:endParaRPr lang="es-MX" sz="1050" b="1" dirty="0">
               <a:solidFill>
@@ -10153,57 +9122,15 @@
           </a:p>
         </p:txBody>
       </p:sp>
-      <p:cxnSp>
-        <p:nvCxnSpPr>
-          <p:cNvPr id="45" name="Shape 33"/>
-          <p:cNvCxnSpPr>
-            <a:stCxn id="43" idx="1"/>
-            <a:endCxn id="108" idx="1"/>
-          </p:cNvCxnSpPr>
-          <p:nvPr/>
-        </p:nvCxnSpPr>
-        <p:spPr>
-          <a:xfrm rot="10800000" flipV="1">
-            <a:off x="3810001" y="2801727"/>
-            <a:ext cx="4951" cy="417486"/>
-          </a:xfrm>
-          <a:prstGeom prst="bentConnector3">
-            <a:avLst>
-              <a:gd name="adj1" fmla="val 4717249"/>
-            </a:avLst>
-          </a:prstGeom>
-          <a:ln w="12700">
-            <a:solidFill>
-              <a:schemeClr val="tx1"/>
-            </a:solidFill>
-            <a:headEnd type="none" w="med" len="med"/>
-            <a:tailEnd type="arrow" w="med" len="med"/>
-          </a:ln>
-        </p:spPr>
-        <p:style>
-          <a:lnRef idx="1">
-            <a:schemeClr val="accent1"/>
-          </a:lnRef>
-          <a:fillRef idx="0">
-            <a:schemeClr val="accent1"/>
-          </a:fillRef>
-          <a:effectRef idx="0">
-            <a:schemeClr val="accent1"/>
-          </a:effectRef>
-          <a:fontRef idx="minor">
-            <a:schemeClr val="tx1"/>
-          </a:fontRef>
-        </p:style>
-      </p:cxnSp>
-      <p:sp>
-        <p:nvSpPr>
-          <p:cNvPr id="48" name="Rectangle 132"/>
+      <p:sp>
+        <p:nvSpPr>
+          <p:cNvPr id="94" name="Rectangle 132"/>
           <p:cNvSpPr/>
           <p:nvPr/>
         </p:nvSpPr>
         <p:spPr>
           <a:xfrm>
-            <a:off x="3814951" y="2252851"/>
+            <a:off x="6496050" y="2735904"/>
             <a:ext cx="2149700" cy="274320"/>
           </a:xfrm>
           <a:prstGeom prst="rect">
@@ -10243,7 +9170,7 @@
                   <a:schemeClr val="tx1"/>
                 </a:solidFill>
               </a:rPr>
-              <a:t>ESTATUS_LIQUIDACION</a:t>
+              <a:t>TIPO_POS</a:t>
             </a:r>
             <a:endParaRPr lang="es-MX" sz="1050" b="1" dirty="0">
               <a:solidFill>
@@ -10255,22 +9182,20 @@
       </p:sp>
       <p:cxnSp>
         <p:nvCxnSpPr>
-          <p:cNvPr id="49" name="Shape 33"/>
+          <p:cNvPr id="95" name="Shape 33"/>
           <p:cNvCxnSpPr>
-            <a:stCxn id="48" idx="1"/>
-            <a:endCxn id="108" idx="1"/>
+            <a:stCxn id="34" idx="1"/>
+            <a:endCxn id="91" idx="0"/>
           </p:cNvCxnSpPr>
           <p:nvPr/>
         </p:nvCxnSpPr>
         <p:spPr>
           <a:xfrm rot="10800000" flipV="1">
-            <a:off x="3810001" y="2390011"/>
-            <a:ext cx="4951" cy="829202"/>
-          </a:xfrm>
-          <a:prstGeom prst="bentConnector3">
-            <a:avLst>
-              <a:gd name="adj1" fmla="val 4717249"/>
-            </a:avLst>
+            <a:off x="5601912" y="1906750"/>
+            <a:ext cx="894138" cy="1400329"/>
+          </a:xfrm>
+          <a:prstGeom prst="bentConnector2">
+            <a:avLst/>
           </a:prstGeom>
           <a:ln w="12700">
             <a:solidFill>
@@ -10295,140 +9220,22 @@
           </a:fontRef>
         </p:style>
       </p:cxnSp>
-      <p:sp>
-        <p:nvSpPr>
-          <p:cNvPr id="149" name="Rectangle 132"/>
-          <p:cNvSpPr/>
-          <p:nvPr/>
-        </p:nvSpPr>
-        <p:spPr>
-          <a:xfrm>
-            <a:off x="6705600" y="3406140"/>
-            <a:ext cx="1800450" cy="274320"/>
-          </a:xfrm>
-          <a:prstGeom prst="rect">
-            <a:avLst/>
-          </a:prstGeom>
-          <a:solidFill>
-            <a:schemeClr val="bg1"/>
-          </a:solidFill>
-          <a:ln w="12700">
-            <a:prstDash val="solid"/>
-          </a:ln>
-        </p:spPr>
-        <p:style>
-          <a:lnRef idx="2">
-            <a:schemeClr val="accent1">
-              <a:shade val="50000"/>
-            </a:schemeClr>
-          </a:lnRef>
-          <a:fillRef idx="1">
-            <a:schemeClr val="accent1"/>
-          </a:fillRef>
-          <a:effectRef idx="0">
-            <a:schemeClr val="accent1"/>
-          </a:effectRef>
-          <a:fontRef idx="minor">
-            <a:schemeClr val="lt1"/>
-          </a:fontRef>
-        </p:style>
-        <p:txBody>
-          <a:bodyPr rtlCol="0" anchor="ctr"/>
-          <a:lstStyle/>
-          <a:p>
-            <a:pPr algn="ctr"/>
-            <a:r>
-              <a:rPr lang="en-US" sz="1050" b="1" dirty="0" smtClean="0">
-                <a:solidFill>
-                  <a:srgbClr val="00B050"/>
-                </a:solidFill>
-              </a:rPr>
-              <a:t>FORMAS_PAGO</a:t>
-            </a:r>
-            <a:endParaRPr lang="es-MX" sz="1050" b="1" dirty="0">
-              <a:solidFill>
-                <a:srgbClr val="00B050"/>
-              </a:solidFill>
-            </a:endParaRPr>
-          </a:p>
-        </p:txBody>
-      </p:sp>
-      <p:sp>
-        <p:nvSpPr>
-          <p:cNvPr id="153" name="Rectangle 132"/>
-          <p:cNvSpPr/>
-          <p:nvPr/>
-        </p:nvSpPr>
-        <p:spPr>
-          <a:xfrm>
-            <a:off x="7010400" y="2815619"/>
-            <a:ext cx="1800450" cy="274320"/>
-          </a:xfrm>
-          <a:prstGeom prst="rect">
-            <a:avLst/>
-          </a:prstGeom>
-          <a:solidFill>
-            <a:schemeClr val="bg1"/>
-          </a:solidFill>
-          <a:ln w="12700">
-            <a:prstDash val="solid"/>
-          </a:ln>
-        </p:spPr>
-        <p:style>
-          <a:lnRef idx="2">
-            <a:schemeClr val="accent1">
-              <a:shade val="50000"/>
-            </a:schemeClr>
-          </a:lnRef>
-          <a:fillRef idx="1">
-            <a:schemeClr val="accent1"/>
-          </a:fillRef>
-          <a:effectRef idx="0">
-            <a:schemeClr val="accent1"/>
-          </a:effectRef>
-          <a:fontRef idx="minor">
-            <a:schemeClr val="lt1"/>
-          </a:fontRef>
-        </p:style>
-        <p:txBody>
-          <a:bodyPr rtlCol="0" anchor="ctr"/>
-          <a:lstStyle/>
-          <a:p>
-            <a:pPr algn="ctr"/>
-            <a:r>
-              <a:rPr lang="en-US" sz="1050" b="1" dirty="0" smtClean="0">
-                <a:solidFill>
-                  <a:srgbClr val="00B050"/>
-                </a:solidFill>
-              </a:rPr>
-              <a:t>MONEDAS</a:t>
-            </a:r>
-            <a:endParaRPr lang="es-MX" sz="1050" b="1" dirty="0">
-              <a:solidFill>
-                <a:srgbClr val="00B050"/>
-              </a:solidFill>
-            </a:endParaRPr>
-          </a:p>
-        </p:txBody>
-      </p:sp>
       <p:cxnSp>
         <p:nvCxnSpPr>
-          <p:cNvPr id="154" name="Shape 33"/>
+          <p:cNvPr id="96" name="Shape 33"/>
           <p:cNvCxnSpPr>
-            <a:stCxn id="153" idx="2"/>
-            <a:endCxn id="149" idx="0"/>
+            <a:stCxn id="93" idx="1"/>
+            <a:endCxn id="91" idx="0"/>
           </p:cNvCxnSpPr>
           <p:nvPr/>
         </p:nvCxnSpPr>
         <p:spPr>
-          <a:xfrm rot="5400000">
-            <a:off x="7600125" y="3095639"/>
-            <a:ext cx="316201" cy="304800"/>
-          </a:xfrm>
-          <a:prstGeom prst="bentConnector3">
-            <a:avLst>
-              <a:gd name="adj1" fmla="val 50000"/>
-            </a:avLst>
+          <a:xfrm rot="10800000" flipV="1">
+            <a:off x="5601912" y="2496928"/>
+            <a:ext cx="894138" cy="810152"/>
+          </a:xfrm>
+          <a:prstGeom prst="bentConnector2">
+            <a:avLst/>
           </a:prstGeom>
           <a:ln w="12700">
             <a:solidFill>
@@ -10455,17 +9262,57 @@
       </p:cxnSp>
       <p:cxnSp>
         <p:nvCxnSpPr>
-          <p:cNvPr id="168" name="Shape 33"/>
+          <p:cNvPr id="97" name="Shape 33"/>
           <p:cNvCxnSpPr>
-            <a:stCxn id="91" idx="3"/>
-            <a:endCxn id="108" idx="1"/>
+            <a:stCxn id="94" idx="1"/>
+            <a:endCxn id="91" idx="0"/>
           </p:cNvCxnSpPr>
           <p:nvPr/>
         </p:nvCxnSpPr>
         <p:spPr>
-          <a:xfrm flipV="1">
-            <a:off x="2561998" y="3219213"/>
-            <a:ext cx="1248002" cy="141265"/>
+          <a:xfrm rot="10800000" flipV="1">
+            <a:off x="5601912" y="2873064"/>
+            <a:ext cx="894138" cy="434016"/>
+          </a:xfrm>
+          <a:prstGeom prst="bentConnector2">
+            <a:avLst/>
+          </a:prstGeom>
+          <a:ln w="12700">
+            <a:solidFill>
+              <a:schemeClr val="tx1"/>
+            </a:solidFill>
+            <a:headEnd type="none" w="med" len="med"/>
+            <a:tailEnd type="arrow" w="med" len="med"/>
+          </a:ln>
+        </p:spPr>
+        <p:style>
+          <a:lnRef idx="1">
+            <a:schemeClr val="accent1"/>
+          </a:lnRef>
+          <a:fillRef idx="0">
+            <a:schemeClr val="accent1"/>
+          </a:fillRef>
+          <a:effectRef idx="0">
+            <a:schemeClr val="accent1"/>
+          </a:effectRef>
+          <a:fontRef idx="minor">
+            <a:schemeClr val="tx1"/>
+          </a:fontRef>
+        </p:style>
+      </p:cxnSp>
+      <p:cxnSp>
+        <p:nvCxnSpPr>
+          <p:cNvPr id="98" name="Shape 33"/>
+          <p:cNvCxnSpPr>
+            <a:stCxn id="67" idx="3"/>
+            <a:endCxn id="91" idx="1"/>
+          </p:cNvCxnSpPr>
+          <p:nvPr/>
+        </p:nvCxnSpPr>
+        <p:spPr>
+          <a:xfrm>
+            <a:off x="2625878" y="3444240"/>
+            <a:ext cx="2076034" cy="12700"/>
           </a:xfrm>
           <a:prstGeom prst="bentConnector3">
             <a:avLst>
@@ -10498,19 +9345,275 @@
           </a:fontRef>
         </p:style>
       </p:cxnSp>
+      <p:sp>
+        <p:nvSpPr>
+          <p:cNvPr id="108" name="Rectangle 132"/>
+          <p:cNvSpPr/>
+          <p:nvPr/>
+        </p:nvSpPr>
+        <p:spPr>
+          <a:xfrm>
+            <a:off x="6858000" y="4831485"/>
+            <a:ext cx="1800450" cy="274320"/>
+          </a:xfrm>
+          <a:prstGeom prst="rect">
+            <a:avLst/>
+          </a:prstGeom>
+          <a:solidFill>
+            <a:schemeClr val="bg1"/>
+          </a:solidFill>
+          <a:ln w="12700">
+            <a:prstDash val="solid"/>
+          </a:ln>
+        </p:spPr>
+        <p:style>
+          <a:lnRef idx="2">
+            <a:schemeClr val="accent1">
+              <a:shade val="50000"/>
+            </a:schemeClr>
+          </a:lnRef>
+          <a:fillRef idx="1">
+            <a:schemeClr val="accent1"/>
+          </a:fillRef>
+          <a:effectRef idx="0">
+            <a:schemeClr val="accent1"/>
+          </a:effectRef>
+          <a:fontRef idx="minor">
+            <a:schemeClr val="lt1"/>
+          </a:fontRef>
+        </p:style>
+        <p:txBody>
+          <a:bodyPr rtlCol="0" anchor="ctr"/>
+          <a:lstStyle/>
+          <a:p>
+            <a:pPr algn="ctr"/>
+            <a:r>
+              <a:rPr lang="en-US" sz="1050" b="1" dirty="0">
+                <a:solidFill>
+                  <a:srgbClr val="00B050"/>
+                </a:solidFill>
+              </a:rPr>
+              <a:t>CREDITO</a:t>
+            </a:r>
+            <a:endParaRPr lang="es-MX" sz="1050" b="1" dirty="0">
+              <a:solidFill>
+                <a:srgbClr val="00B050"/>
+              </a:solidFill>
+            </a:endParaRPr>
+          </a:p>
+        </p:txBody>
+      </p:sp>
+      <p:sp>
+        <p:nvSpPr>
+          <p:cNvPr id="109" name="Rectangle 132"/>
+          <p:cNvSpPr/>
+          <p:nvPr/>
+        </p:nvSpPr>
+        <p:spPr>
+          <a:xfrm>
+            <a:off x="6858450" y="4276151"/>
+            <a:ext cx="1800000" cy="274320"/>
+          </a:xfrm>
+          <a:prstGeom prst="rect">
+            <a:avLst/>
+          </a:prstGeom>
+          <a:solidFill>
+            <a:schemeClr val="bg1"/>
+          </a:solidFill>
+          <a:ln w="12700">
+            <a:prstDash val="solid"/>
+          </a:ln>
+        </p:spPr>
+        <p:style>
+          <a:lnRef idx="2">
+            <a:schemeClr val="accent1">
+              <a:shade val="50000"/>
+            </a:schemeClr>
+          </a:lnRef>
+          <a:fillRef idx="1">
+            <a:schemeClr val="accent1"/>
+          </a:fillRef>
+          <a:effectRef idx="0">
+            <a:schemeClr val="accent1"/>
+          </a:effectRef>
+          <a:fontRef idx="minor">
+            <a:schemeClr val="lt1"/>
+          </a:fontRef>
+        </p:style>
+        <p:txBody>
+          <a:bodyPr rtlCol="0" anchor="ctr"/>
+          <a:lstStyle/>
+          <a:p>
+            <a:pPr algn="ctr"/>
+            <a:r>
+              <a:rPr lang="en-US" sz="1050" b="1" dirty="0">
+                <a:solidFill>
+                  <a:srgbClr val="00B050"/>
+                </a:solidFill>
+              </a:rPr>
+              <a:t>CLIENTE</a:t>
+            </a:r>
+            <a:endParaRPr lang="es-MX" sz="1050" b="1" dirty="0">
+              <a:solidFill>
+                <a:srgbClr val="00B050"/>
+              </a:solidFill>
+            </a:endParaRPr>
+          </a:p>
+        </p:txBody>
+      </p:sp>
       <p:cxnSp>
         <p:nvCxnSpPr>
-          <p:cNvPr id="171" name="Shape 33"/>
+          <p:cNvPr id="110" name="Shape 33"/>
           <p:cNvCxnSpPr>
-            <a:stCxn id="149" idx="1"/>
-            <a:endCxn id="108" idx="3"/>
+            <a:stCxn id="108" idx="0"/>
+            <a:endCxn id="109" idx="2"/>
+          </p:cNvCxnSpPr>
+          <p:nvPr/>
+        </p:nvCxnSpPr>
+        <p:spPr>
+          <a:xfrm rot="5400000" flipH="1" flipV="1">
+            <a:off x="7617830" y="4690866"/>
+            <a:ext cx="281014" cy="225"/>
+          </a:xfrm>
+          <a:prstGeom prst="bentConnector3">
+            <a:avLst>
+              <a:gd name="adj1" fmla="val 50000"/>
+            </a:avLst>
+          </a:prstGeom>
+          <a:ln w="12700">
+            <a:solidFill>
+              <a:schemeClr val="tx1"/>
+            </a:solidFill>
+            <a:headEnd type="none" w="med" len="med"/>
+            <a:tailEnd type="arrow" w="med" len="med"/>
+          </a:ln>
+        </p:spPr>
+        <p:style>
+          <a:lnRef idx="1">
+            <a:schemeClr val="accent1"/>
+          </a:lnRef>
+          <a:fillRef idx="0">
+            <a:schemeClr val="accent1"/>
+          </a:fillRef>
+          <a:effectRef idx="0">
+            <a:schemeClr val="accent1"/>
+          </a:effectRef>
+          <a:fontRef idx="minor">
+            <a:schemeClr val="tx1"/>
+          </a:fontRef>
+        </p:style>
+      </p:cxnSp>
+      <p:cxnSp>
+        <p:nvCxnSpPr>
+          <p:cNvPr id="113" name="Shape 33"/>
+          <p:cNvCxnSpPr>
+            <a:stCxn id="109" idx="1"/>
+            <a:endCxn id="91" idx="2"/>
           </p:cNvCxnSpPr>
           <p:nvPr/>
         </p:nvCxnSpPr>
         <p:spPr>
           <a:xfrm rot="10800000">
-            <a:off x="5610450" y="3219214"/>
-            <a:ext cx="1095150" cy="324087"/>
+            <a:off x="5601912" y="3581401"/>
+            <a:ext cx="1256538" cy="831911"/>
+          </a:xfrm>
+          <a:prstGeom prst="bentConnector2">
+            <a:avLst/>
+          </a:prstGeom>
+          <a:ln w="12700">
+            <a:solidFill>
+              <a:schemeClr val="tx1"/>
+            </a:solidFill>
+            <a:headEnd type="none" w="med" len="med"/>
+            <a:tailEnd type="arrow" w="med" len="med"/>
+          </a:ln>
+        </p:spPr>
+        <p:style>
+          <a:lnRef idx="1">
+            <a:schemeClr val="accent1"/>
+          </a:lnRef>
+          <a:fillRef idx="0">
+            <a:schemeClr val="accent1"/>
+          </a:fillRef>
+          <a:effectRef idx="0">
+            <a:schemeClr val="accent1"/>
+          </a:effectRef>
+          <a:fontRef idx="minor">
+            <a:schemeClr val="tx1"/>
+          </a:fontRef>
+        </p:style>
+      </p:cxnSp>
+      <p:sp>
+        <p:nvSpPr>
+          <p:cNvPr id="30" name="Rectangle 132"/>
+          <p:cNvSpPr/>
+          <p:nvPr/>
+        </p:nvSpPr>
+        <p:spPr>
+          <a:xfrm>
+            <a:off x="3429000" y="4968645"/>
+            <a:ext cx="1800000" cy="274320"/>
+          </a:xfrm>
+          <a:prstGeom prst="rect">
+            <a:avLst/>
+          </a:prstGeom>
+          <a:solidFill>
+            <a:schemeClr val="bg1"/>
+          </a:solidFill>
+          <a:ln w="12700">
+            <a:prstDash val="solid"/>
+          </a:ln>
+        </p:spPr>
+        <p:style>
+          <a:lnRef idx="2">
+            <a:schemeClr val="accent1">
+              <a:shade val="50000"/>
+            </a:schemeClr>
+          </a:lnRef>
+          <a:fillRef idx="1">
+            <a:schemeClr val="accent1"/>
+          </a:fillRef>
+          <a:effectRef idx="0">
+            <a:schemeClr val="accent1"/>
+          </a:effectRef>
+          <a:fontRef idx="minor">
+            <a:schemeClr val="lt1"/>
+          </a:fontRef>
+        </p:style>
+        <p:txBody>
+          <a:bodyPr rtlCol="0" anchor="ctr"/>
+          <a:lstStyle/>
+          <a:p>
+            <a:pPr algn="ctr"/>
+            <a:r>
+              <a:rPr lang="en-US" sz="1050" b="1" dirty="0">
+                <a:solidFill>
+                  <a:srgbClr val="00B050"/>
+                </a:solidFill>
+              </a:rPr>
+              <a:t>IMPUESTO_TASA</a:t>
+            </a:r>
+            <a:endParaRPr lang="es-MX" sz="1050" b="1" dirty="0">
+              <a:solidFill>
+                <a:srgbClr val="00B050"/>
+              </a:solidFill>
+            </a:endParaRPr>
+          </a:p>
+        </p:txBody>
+      </p:sp>
+      <p:cxnSp>
+        <p:nvCxnSpPr>
+          <p:cNvPr id="31" name="Shape 33"/>
+          <p:cNvCxnSpPr>
+            <a:stCxn id="74" idx="3"/>
+            <a:endCxn id="30" idx="1"/>
+          </p:cNvCxnSpPr>
+          <p:nvPr/>
+        </p:nvCxnSpPr>
+        <p:spPr>
+          <a:xfrm>
+            <a:off x="2625878" y="4449675"/>
+            <a:ext cx="803122" cy="656130"/>
           </a:xfrm>
           <a:prstGeom prst="bentConnector3">
             <a:avLst>
@@ -10545,14 +9648,114 @@
       </p:cxnSp>
       <p:sp>
         <p:nvSpPr>
-          <p:cNvPr id="174" name="Rectangle 132"/>
+          <p:cNvPr id="37" name="Rectangle 132"/>
           <p:cNvSpPr/>
           <p:nvPr/>
         </p:nvSpPr>
         <p:spPr>
           <a:xfrm>
-            <a:off x="2550374" y="4876800"/>
-            <a:ext cx="1800450" cy="274320"/>
+            <a:off x="3429000" y="4495800"/>
+            <a:ext cx="1800000" cy="292096"/>
+          </a:xfrm>
+          <a:prstGeom prst="rect">
+            <a:avLst/>
+          </a:prstGeom>
+          <a:solidFill>
+            <a:schemeClr val="bg1"/>
+          </a:solidFill>
+          <a:ln w="6350">
+            <a:prstDash val="dash"/>
+          </a:ln>
+        </p:spPr>
+        <p:style>
+          <a:lnRef idx="2">
+            <a:schemeClr val="accent1">
+              <a:shade val="50000"/>
+            </a:schemeClr>
+          </a:lnRef>
+          <a:fillRef idx="1">
+            <a:schemeClr val="accent1"/>
+          </a:fillRef>
+          <a:effectRef idx="0">
+            <a:schemeClr val="accent1"/>
+          </a:effectRef>
+          <a:fontRef idx="minor">
+            <a:schemeClr val="lt1"/>
+          </a:fontRef>
+        </p:style>
+        <p:txBody>
+          <a:bodyPr rtlCol="0" anchor="ctr"/>
+          <a:lstStyle/>
+          <a:p>
+            <a:pPr algn="ctr"/>
+            <a:r>
+              <a:rPr lang="en-US" sz="1050" b="1" dirty="0" smtClean="0">
+                <a:solidFill>
+                  <a:schemeClr val="tx1"/>
+                </a:solidFill>
+              </a:rPr>
+              <a:t>IMPUESTO</a:t>
+            </a:r>
+            <a:endParaRPr lang="es-MX" sz="1050" b="1" dirty="0">
+              <a:solidFill>
+                <a:schemeClr val="tx1"/>
+              </a:solidFill>
+            </a:endParaRPr>
+          </a:p>
+        </p:txBody>
+      </p:sp>
+      <p:cxnSp>
+        <p:nvCxnSpPr>
+          <p:cNvPr id="38" name="Shape 33"/>
+          <p:cNvCxnSpPr>
+            <a:stCxn id="37" idx="3"/>
+            <a:endCxn id="30" idx="3"/>
+          </p:cNvCxnSpPr>
+          <p:nvPr/>
+        </p:nvCxnSpPr>
+        <p:spPr>
+          <a:xfrm>
+            <a:off x="5229000" y="4641848"/>
+            <a:ext cx="12700" cy="463957"/>
+          </a:xfrm>
+          <a:prstGeom prst="bentConnector3">
+            <a:avLst>
+              <a:gd name="adj1" fmla="val 1800000"/>
+            </a:avLst>
+          </a:prstGeom>
+          <a:ln w="12700">
+            <a:solidFill>
+              <a:schemeClr val="tx1"/>
+            </a:solidFill>
+            <a:headEnd type="none" w="med" len="med"/>
+            <a:tailEnd type="arrow" w="med" len="med"/>
+          </a:ln>
+        </p:spPr>
+        <p:style>
+          <a:lnRef idx="1">
+            <a:schemeClr val="accent1"/>
+          </a:lnRef>
+          <a:fillRef idx="0">
+            <a:schemeClr val="accent1"/>
+          </a:fillRef>
+          <a:effectRef idx="0">
+            <a:schemeClr val="accent1"/>
+          </a:effectRef>
+          <a:fontRef idx="minor">
+            <a:schemeClr val="tx1"/>
+          </a:fontRef>
+        </p:style>
+      </p:cxnSp>
+      <p:sp>
+        <p:nvSpPr>
+          <p:cNvPr id="34" name="Rectangle 132"/>
+          <p:cNvSpPr/>
+          <p:nvPr/>
+        </p:nvSpPr>
+        <p:spPr>
+          <a:xfrm>
+            <a:off x="6496050" y="1769591"/>
+            <a:ext cx="1800000" cy="274320"/>
           </a:xfrm>
           <a:prstGeom prst="rect">
             <a:avLst/>
@@ -10586,12 +9789,20 @@
           <a:p>
             <a:pPr algn="ctr"/>
             <a:r>
+              <a:rPr lang="en-US" sz="1050" b="1" dirty="0">
+                <a:solidFill>
+                  <a:srgbClr val="00B050"/>
+                </a:solidFill>
+              </a:rPr>
+              <a:t>OPERDOR</a:t>
+            </a:r>
+            <a:r>
               <a:rPr lang="en-US" sz="1050" b="1" dirty="0" smtClean="0">
                 <a:solidFill>
                   <a:srgbClr val="00B050"/>
                 </a:solidFill>
               </a:rPr>
-              <a:t>CAJA</a:t>
+              <a:t> / CHOFER</a:t>
             </a:r>
             <a:endParaRPr lang="es-MX" sz="1050" b="1" dirty="0">
               <a:solidFill>
@@ -10601,60 +9812,15 @@
           </a:p>
         </p:txBody>
       </p:sp>
-      <p:cxnSp>
-        <p:nvCxnSpPr>
-          <p:cNvPr id="175" name="Shape 33"/>
-          <p:cNvCxnSpPr>
-            <a:stCxn id="108" idx="2"/>
-            <a:endCxn id="174" idx="0"/>
-          </p:cNvCxnSpPr>
-          <p:nvPr/>
-        </p:nvCxnSpPr>
-        <p:spPr>
-          <a:xfrm rot="5400000">
-            <a:off x="3320199" y="3486773"/>
-            <a:ext cx="1520427" cy="1259626"/>
-          </a:xfrm>
-          <a:prstGeom prst="bentConnector3">
-            <a:avLst>
-              <a:gd name="adj1" fmla="val 50000"/>
-            </a:avLst>
-          </a:prstGeom>
-          <a:ln w="12700">
-            <a:solidFill>
-              <a:schemeClr val="bg1">
-                <a:lumMod val="50000"/>
-              </a:schemeClr>
-            </a:solidFill>
-            <a:prstDash val="lgDash"/>
-            <a:headEnd type="none" w="med" len="med"/>
-            <a:tailEnd type="arrow" w="med" len="med"/>
-          </a:ln>
-        </p:spPr>
-        <p:style>
-          <a:lnRef idx="1">
-            <a:schemeClr val="accent1"/>
-          </a:lnRef>
-          <a:fillRef idx="0">
-            <a:schemeClr val="accent1"/>
-          </a:fillRef>
-          <a:effectRef idx="0">
-            <a:schemeClr val="accent1"/>
-          </a:effectRef>
-          <a:fontRef idx="minor">
-            <a:schemeClr val="tx1"/>
-          </a:fontRef>
-        </p:style>
-      </p:cxnSp>
-      <p:sp>
-        <p:nvSpPr>
-          <p:cNvPr id="181" name="Rectangle 132"/>
+      <p:sp>
+        <p:nvSpPr>
+          <p:cNvPr id="43" name="Rectangle 132"/>
           <p:cNvSpPr/>
           <p:nvPr/>
         </p:nvSpPr>
         <p:spPr>
           <a:xfrm>
-            <a:off x="2550374" y="5367518"/>
+            <a:off x="6683374" y="5303318"/>
             <a:ext cx="2149700" cy="274320"/>
           </a:xfrm>
           <a:prstGeom prst="rect">
@@ -10694,7 +9860,7 @@
                   <a:schemeClr val="tx1"/>
                 </a:solidFill>
               </a:rPr>
-              <a:t>ESTATUS_CAJA</a:t>
+              <a:t>TIPO_CREDITO</a:t>
             </a:r>
             <a:endParaRPr lang="es-MX" sz="1050" b="1" dirty="0">
               <a:solidFill>
@@ -10706,21 +9872,21 @@
       </p:sp>
       <p:cxnSp>
         <p:nvCxnSpPr>
-          <p:cNvPr id="182" name="Shape 33"/>
+          <p:cNvPr id="45" name="Shape 33"/>
           <p:cNvCxnSpPr>
-            <a:stCxn id="181" idx="1"/>
-            <a:endCxn id="174" idx="1"/>
+            <a:stCxn id="43" idx="1"/>
+            <a:endCxn id="108" idx="1"/>
           </p:cNvCxnSpPr>
           <p:nvPr/>
         </p:nvCxnSpPr>
         <p:spPr>
-          <a:xfrm rot="10800000">
-            <a:off x="2550374" y="5013960"/>
-            <a:ext cx="12700" cy="490718"/>
+          <a:xfrm rot="10800000" flipH="1">
+            <a:off x="6683374" y="4968646"/>
+            <a:ext cx="174626" cy="471833"/>
           </a:xfrm>
           <a:prstGeom prst="bentConnector3">
             <a:avLst>
-              <a:gd name="adj1" fmla="val 1800000"/>
+              <a:gd name="adj1" fmla="val -130908"/>
             </a:avLst>
           </a:prstGeom>
           <a:ln w="12700">
@@ -10748,71 +9914,13 @@
       </p:cxnSp>
       <p:sp>
         <p:nvSpPr>
-          <p:cNvPr id="185" name="Rectangle 132"/>
+          <p:cNvPr id="48" name="Rectangle 132"/>
           <p:cNvSpPr/>
           <p:nvPr/>
         </p:nvSpPr>
         <p:spPr>
           <a:xfrm>
-            <a:off x="5522174" y="4876800"/>
-            <a:ext cx="1800450" cy="274320"/>
-          </a:xfrm>
-          <a:prstGeom prst="rect">
-            <a:avLst/>
-          </a:prstGeom>
-          <a:solidFill>
-            <a:schemeClr val="bg1"/>
-          </a:solidFill>
-          <a:ln w="12700">
-            <a:prstDash val="solid"/>
-          </a:ln>
-        </p:spPr>
-        <p:style>
-          <a:lnRef idx="2">
-            <a:schemeClr val="accent1">
-              <a:shade val="50000"/>
-            </a:schemeClr>
-          </a:lnRef>
-          <a:fillRef idx="1">
-            <a:schemeClr val="accent1"/>
-          </a:fillRef>
-          <a:effectRef idx="0">
-            <a:schemeClr val="accent1"/>
-          </a:effectRef>
-          <a:fontRef idx="minor">
-            <a:schemeClr val="lt1"/>
-          </a:fontRef>
-        </p:style>
-        <p:txBody>
-          <a:bodyPr rtlCol="0" anchor="ctr"/>
-          <a:lstStyle/>
-          <a:p>
-            <a:pPr algn="ctr"/>
-            <a:r>
-              <a:rPr lang="en-US" sz="1050" b="1" dirty="0" smtClean="0">
-                <a:solidFill>
-                  <a:srgbClr val="00B050"/>
-                </a:solidFill>
-              </a:rPr>
-              <a:t>CORTE_CAJA</a:t>
-            </a:r>
-            <a:endParaRPr lang="es-MX" sz="1050" b="1" dirty="0">
-              <a:solidFill>
-                <a:srgbClr val="00B050"/>
-              </a:solidFill>
-            </a:endParaRPr>
-          </a:p>
-        </p:txBody>
-      </p:sp>
-      <p:sp>
-        <p:nvSpPr>
-          <p:cNvPr id="188" name="Rectangle 132"/>
-          <p:cNvSpPr/>
-          <p:nvPr/>
-        </p:nvSpPr>
-        <p:spPr>
-          <a:xfrm>
-            <a:off x="5522174" y="5334000"/>
+            <a:off x="6683373" y="5721494"/>
             <a:ext cx="2149700" cy="274320"/>
           </a:xfrm>
           <a:prstGeom prst="rect">
@@ -10852,7 +9960,7 @@
                   <a:schemeClr val="tx1"/>
                 </a:solidFill>
               </a:rPr>
-              <a:t>TIPO_CORTE_CAJA</a:t>
+              <a:t>ESTATUS_CREDITO</a:t>
             </a:r>
             <a:endParaRPr lang="es-MX" sz="1050" b="1" dirty="0">
               <a:solidFill>
@@ -10864,66 +9972,21 @@
       </p:sp>
       <p:cxnSp>
         <p:nvCxnSpPr>
-          <p:cNvPr id="189" name="Shape 33"/>
+          <p:cNvPr id="49" name="Shape 33"/>
           <p:cNvCxnSpPr>
-            <a:stCxn id="174" idx="3"/>
-            <a:endCxn id="185" idx="1"/>
+            <a:stCxn id="48" idx="1"/>
+            <a:endCxn id="108" idx="1"/>
           </p:cNvCxnSpPr>
           <p:nvPr/>
         </p:nvCxnSpPr>
         <p:spPr>
-          <a:xfrm>
-            <a:off x="4350824" y="5013960"/>
-            <a:ext cx="1171350" cy="12700"/>
+          <a:xfrm rot="10800000" flipH="1">
+            <a:off x="6683372" y="4968646"/>
+            <a:ext cx="174627" cy="890009"/>
           </a:xfrm>
           <a:prstGeom prst="bentConnector3">
             <a:avLst>
-              <a:gd name="adj1" fmla="val 50000"/>
-            </a:avLst>
-          </a:prstGeom>
-          <a:ln w="12700">
-            <a:solidFill>
-              <a:schemeClr val="bg1">
-                <a:lumMod val="50000"/>
-              </a:schemeClr>
-            </a:solidFill>
-            <a:prstDash val="lgDash"/>
-            <a:headEnd type="none" w="med" len="med"/>
-            <a:tailEnd type="arrow" w="med" len="med"/>
-          </a:ln>
-        </p:spPr>
-        <p:style>
-          <a:lnRef idx="1">
-            <a:schemeClr val="accent1"/>
-          </a:lnRef>
-          <a:fillRef idx="0">
-            <a:schemeClr val="accent1"/>
-          </a:fillRef>
-          <a:effectRef idx="0">
-            <a:schemeClr val="accent1"/>
-          </a:effectRef>
-          <a:fontRef idx="minor">
-            <a:schemeClr val="tx1"/>
-          </a:fontRef>
-        </p:style>
-      </p:cxnSp>
-      <p:cxnSp>
-        <p:nvCxnSpPr>
-          <p:cNvPr id="192" name="Shape 33"/>
-          <p:cNvCxnSpPr>
-            <a:stCxn id="188" idx="3"/>
-            <a:endCxn id="185" idx="3"/>
-          </p:cNvCxnSpPr>
-          <p:nvPr/>
-        </p:nvCxnSpPr>
-        <p:spPr>
-          <a:xfrm flipH="1" flipV="1">
-            <a:off x="7322624" y="5013960"/>
-            <a:ext cx="349250" cy="457200"/>
-          </a:xfrm>
-          <a:prstGeom prst="bentConnector3">
-            <a:avLst>
-              <a:gd name="adj1" fmla="val -65455"/>
+              <a:gd name="adj1" fmla="val -130908"/>
             </a:avLst>
           </a:prstGeom>
           <a:ln w="12700">
@@ -10952,7 +10015,7 @@
     </p:spTree>
     <p:extLst>
       <p:ext uri="{BB962C8B-B14F-4D97-AF65-F5344CB8AC3E}">
-        <p14:creationId xmlns:p14="http://schemas.microsoft.com/office/powerpoint/2010/main" val="199695155"/>
+        <p14:creationId xmlns:p14="http://schemas.microsoft.com/office/powerpoint/2010/main" val="2007743326"/>
       </p:ext>
     </p:extLst>
   </p:cSld>
@@ -10988,1865 +10051,6 @@
       </p:grpSpPr>
       <p:sp>
         <p:nvSpPr>
-          <p:cNvPr id="2" name="Título 1"/>
-          <p:cNvSpPr>
-            <a:spLocks noGrp="1"/>
-          </p:cNvSpPr>
-          <p:nvPr>
-            <p:ph type="title"/>
-          </p:nvPr>
-        </p:nvSpPr>
-        <p:spPr/>
-        <p:txBody>
-          <a:bodyPr>
-            <a:normAutofit/>
-          </a:bodyPr>
-          <a:lstStyle/>
-          <a:p>
-            <a:r>
-              <a:rPr lang="es-MX" sz="2000" dirty="0" smtClean="0">
-                <a:latin typeface="Century Gothic" panose="020B0502020202020204" pitchFamily="34" charset="0"/>
-              </a:rPr>
-              <a:t>[PRO] </a:t>
-            </a:r>
-            <a:r>
-              <a:rPr lang="es-MX" sz="2000" b="0" dirty="0" smtClean="0">
-                <a:latin typeface="Century Gothic" panose="020B0502020202020204" pitchFamily="34" charset="0"/>
-              </a:rPr>
-              <a:t>PRODUCTOS + PRECIOS</a:t>
-            </a:r>
-            <a:br>
-              <a:rPr lang="es-MX" sz="2000" b="0" dirty="0" smtClean="0">
-                <a:latin typeface="Century Gothic" panose="020B0502020202020204" pitchFamily="34" charset="0"/>
-              </a:rPr>
-            </a:br>
-            <a:r>
-              <a:rPr lang="es-MX" dirty="0" smtClean="0">
-                <a:latin typeface="Century Gothic" panose="020B0502020202020204" pitchFamily="34" charset="0"/>
-              </a:rPr>
-              <a:t>MODELO DE DATOS</a:t>
-            </a:r>
-            <a:endParaRPr lang="es-MX" dirty="0"/>
-          </a:p>
-        </p:txBody>
-      </p:sp>
-      <p:sp>
-        <p:nvSpPr>
-          <p:cNvPr id="67" name="Rectangle 132"/>
-          <p:cNvSpPr/>
-          <p:nvPr/>
-        </p:nvSpPr>
-        <p:spPr>
-          <a:xfrm>
-            <a:off x="825878" y="3307080"/>
-            <a:ext cx="1800000" cy="274320"/>
-          </a:xfrm>
-          <a:prstGeom prst="rect">
-            <a:avLst/>
-          </a:prstGeom>
-          <a:solidFill>
-            <a:schemeClr val="bg1"/>
-          </a:solidFill>
-          <a:ln w="12700">
-            <a:prstDash val="solid"/>
-          </a:ln>
-        </p:spPr>
-        <p:style>
-          <a:lnRef idx="2">
-            <a:schemeClr val="accent1">
-              <a:shade val="50000"/>
-            </a:schemeClr>
-          </a:lnRef>
-          <a:fillRef idx="1">
-            <a:schemeClr val="accent1"/>
-          </a:fillRef>
-          <a:effectRef idx="0">
-            <a:schemeClr val="accent1"/>
-          </a:effectRef>
-          <a:fontRef idx="minor">
-            <a:schemeClr val="lt1"/>
-          </a:fontRef>
-        </p:style>
-        <p:txBody>
-          <a:bodyPr rtlCol="0" anchor="ctr"/>
-          <a:lstStyle/>
-          <a:p>
-            <a:pPr algn="ctr"/>
-            <a:r>
-              <a:rPr lang="en-US" sz="1050" b="1" dirty="0">
-                <a:solidFill>
-                  <a:srgbClr val="00B050"/>
-                </a:solidFill>
-              </a:rPr>
-              <a:t>PRODUCTO</a:t>
-            </a:r>
-            <a:endParaRPr lang="es-MX" sz="1050" b="1" dirty="0">
-              <a:solidFill>
-                <a:srgbClr val="00B050"/>
-              </a:solidFill>
-            </a:endParaRPr>
-          </a:p>
-        </p:txBody>
-      </p:sp>
-      <p:sp>
-        <p:nvSpPr>
-          <p:cNvPr id="68" name="Rectangle 132"/>
-          <p:cNvSpPr/>
-          <p:nvPr/>
-        </p:nvSpPr>
-        <p:spPr>
-          <a:xfrm>
-            <a:off x="2590800" y="1981200"/>
-            <a:ext cx="1836000" cy="274320"/>
-          </a:xfrm>
-          <a:prstGeom prst="rect">
-            <a:avLst/>
-          </a:prstGeom>
-          <a:solidFill>
-            <a:schemeClr val="bg1"/>
-          </a:solidFill>
-          <a:ln w="6350">
-            <a:prstDash val="dash"/>
-          </a:ln>
-        </p:spPr>
-        <p:style>
-          <a:lnRef idx="2">
-            <a:schemeClr val="accent1">
-              <a:shade val="50000"/>
-            </a:schemeClr>
-          </a:lnRef>
-          <a:fillRef idx="1">
-            <a:schemeClr val="accent1"/>
-          </a:fillRef>
-          <a:effectRef idx="0">
-            <a:schemeClr val="accent1"/>
-          </a:effectRef>
-          <a:fontRef idx="minor">
-            <a:schemeClr val="lt1"/>
-          </a:fontRef>
-        </p:style>
-        <p:txBody>
-          <a:bodyPr rtlCol="0" anchor="ctr"/>
-          <a:lstStyle/>
-          <a:p>
-            <a:pPr algn="ctr"/>
-            <a:r>
-              <a:rPr lang="es-MX" sz="1050" b="1" dirty="0" smtClean="0">
-                <a:solidFill>
-                  <a:schemeClr val="tx1"/>
-                </a:solidFill>
-              </a:rPr>
-              <a:t>CLASE_</a:t>
-            </a:r>
-            <a:r>
-              <a:rPr lang="en-US" sz="1050" b="1" dirty="0" smtClean="0">
-                <a:solidFill>
-                  <a:schemeClr val="tx1"/>
-                </a:solidFill>
-              </a:rPr>
-              <a:t>PRODUCTO</a:t>
-            </a:r>
-            <a:endParaRPr lang="es-MX" sz="1050" b="1" dirty="0" smtClean="0">
-              <a:solidFill>
-                <a:schemeClr val="tx1"/>
-              </a:solidFill>
-            </a:endParaRPr>
-          </a:p>
-        </p:txBody>
-      </p:sp>
-      <p:sp>
-        <p:nvSpPr>
-          <p:cNvPr id="69" name="Rectangle 132"/>
-          <p:cNvSpPr/>
-          <p:nvPr/>
-        </p:nvSpPr>
-        <p:spPr>
-          <a:xfrm>
-            <a:off x="2590800" y="2359768"/>
-            <a:ext cx="1836000" cy="274320"/>
-          </a:xfrm>
-          <a:prstGeom prst="rect">
-            <a:avLst/>
-          </a:prstGeom>
-          <a:solidFill>
-            <a:schemeClr val="bg1"/>
-          </a:solidFill>
-          <a:ln w="6350">
-            <a:prstDash val="dash"/>
-          </a:ln>
-        </p:spPr>
-        <p:style>
-          <a:lnRef idx="2">
-            <a:schemeClr val="accent1">
-              <a:shade val="50000"/>
-            </a:schemeClr>
-          </a:lnRef>
-          <a:fillRef idx="1">
-            <a:schemeClr val="accent1"/>
-          </a:fillRef>
-          <a:effectRef idx="0">
-            <a:schemeClr val="accent1"/>
-          </a:effectRef>
-          <a:fontRef idx="minor">
-            <a:schemeClr val="lt1"/>
-          </a:fontRef>
-        </p:style>
-        <p:txBody>
-          <a:bodyPr rtlCol="0" anchor="ctr"/>
-          <a:lstStyle/>
-          <a:p>
-            <a:pPr algn="ctr"/>
-            <a:r>
-              <a:rPr lang="es-MX" sz="1050" b="1" dirty="0" smtClean="0">
-                <a:solidFill>
-                  <a:schemeClr val="tx1"/>
-                </a:solidFill>
-              </a:rPr>
-              <a:t>TIPO_</a:t>
-            </a:r>
-            <a:r>
-              <a:rPr lang="en-US" sz="1050" b="1" dirty="0" smtClean="0">
-                <a:solidFill>
-                  <a:schemeClr val="tx1"/>
-                </a:solidFill>
-              </a:rPr>
-              <a:t>PRODUCTO</a:t>
-            </a:r>
-            <a:endParaRPr lang="es-MX" sz="1050" b="1" dirty="0">
-              <a:solidFill>
-                <a:schemeClr val="tx1"/>
-              </a:solidFill>
-            </a:endParaRPr>
-          </a:p>
-        </p:txBody>
-      </p:sp>
-      <p:sp>
-        <p:nvSpPr>
-          <p:cNvPr id="70" name="Rectangle 132"/>
-          <p:cNvSpPr/>
-          <p:nvPr/>
-        </p:nvSpPr>
-        <p:spPr>
-          <a:xfrm>
-            <a:off x="2590800" y="2735904"/>
-            <a:ext cx="1836000" cy="274320"/>
-          </a:xfrm>
-          <a:prstGeom prst="rect">
-            <a:avLst/>
-          </a:prstGeom>
-          <a:solidFill>
-            <a:schemeClr val="bg1"/>
-          </a:solidFill>
-          <a:ln w="6350">
-            <a:prstDash val="dash"/>
-          </a:ln>
-        </p:spPr>
-        <p:style>
-          <a:lnRef idx="2">
-            <a:schemeClr val="accent1">
-              <a:shade val="50000"/>
-            </a:schemeClr>
-          </a:lnRef>
-          <a:fillRef idx="1">
-            <a:schemeClr val="accent1"/>
-          </a:fillRef>
-          <a:effectRef idx="0">
-            <a:schemeClr val="accent1"/>
-          </a:effectRef>
-          <a:fontRef idx="minor">
-            <a:schemeClr val="lt1"/>
-          </a:fontRef>
-        </p:style>
-        <p:txBody>
-          <a:bodyPr rtlCol="0" anchor="ctr"/>
-          <a:lstStyle/>
-          <a:p>
-            <a:pPr algn="ctr"/>
-            <a:r>
-              <a:rPr lang="es-MX" sz="1050" b="1" dirty="0" smtClean="0">
-                <a:solidFill>
-                  <a:schemeClr val="tx1"/>
-                </a:solidFill>
-              </a:rPr>
-              <a:t>ESTATUS_</a:t>
-            </a:r>
-            <a:r>
-              <a:rPr lang="en-US" sz="1050" b="1" dirty="0" smtClean="0">
-                <a:solidFill>
-                  <a:schemeClr val="tx1"/>
-                </a:solidFill>
-              </a:rPr>
-              <a:t>PRODUCTO</a:t>
-            </a:r>
-            <a:endParaRPr lang="es-MX" sz="1050" b="1" dirty="0">
-              <a:solidFill>
-                <a:schemeClr val="tx1"/>
-              </a:solidFill>
-            </a:endParaRPr>
-          </a:p>
-        </p:txBody>
-      </p:sp>
-      <p:cxnSp>
-        <p:nvCxnSpPr>
-          <p:cNvPr id="71" name="Shape 33"/>
-          <p:cNvCxnSpPr>
-            <a:stCxn id="68" idx="3"/>
-            <a:endCxn id="69" idx="3"/>
-          </p:cNvCxnSpPr>
-          <p:nvPr/>
-        </p:nvCxnSpPr>
-        <p:spPr>
-          <a:xfrm>
-            <a:off x="4426800" y="2118360"/>
-            <a:ext cx="12700" cy="378568"/>
-          </a:xfrm>
-          <a:prstGeom prst="bentConnector3">
-            <a:avLst>
-              <a:gd name="adj1" fmla="val 1800000"/>
-            </a:avLst>
-          </a:prstGeom>
-          <a:ln w="12700">
-            <a:solidFill>
-              <a:schemeClr val="tx1"/>
-            </a:solidFill>
-            <a:headEnd type="none" w="med" len="med"/>
-            <a:tailEnd type="arrow" w="med" len="med"/>
-          </a:ln>
-        </p:spPr>
-        <p:style>
-          <a:lnRef idx="1">
-            <a:schemeClr val="accent1"/>
-          </a:lnRef>
-          <a:fillRef idx="0">
-            <a:schemeClr val="accent1"/>
-          </a:fillRef>
-          <a:effectRef idx="0">
-            <a:schemeClr val="accent1"/>
-          </a:effectRef>
-          <a:fontRef idx="minor">
-            <a:schemeClr val="tx1"/>
-          </a:fontRef>
-        </p:style>
-      </p:cxnSp>
-      <p:cxnSp>
-        <p:nvCxnSpPr>
-          <p:cNvPr id="72" name="Shape 33"/>
-          <p:cNvCxnSpPr>
-            <a:stCxn id="69" idx="1"/>
-            <a:endCxn id="67" idx="0"/>
-          </p:cNvCxnSpPr>
-          <p:nvPr/>
-        </p:nvCxnSpPr>
-        <p:spPr>
-          <a:xfrm rot="10800000" flipV="1">
-            <a:off x="1725878" y="2496928"/>
-            <a:ext cx="864922" cy="810152"/>
-          </a:xfrm>
-          <a:prstGeom prst="bentConnector2">
-            <a:avLst/>
-          </a:prstGeom>
-          <a:ln w="12700">
-            <a:solidFill>
-              <a:schemeClr val="tx1"/>
-            </a:solidFill>
-            <a:headEnd type="none" w="med" len="med"/>
-            <a:tailEnd type="arrow" w="med" len="med"/>
-          </a:ln>
-        </p:spPr>
-        <p:style>
-          <a:lnRef idx="1">
-            <a:schemeClr val="accent1"/>
-          </a:lnRef>
-          <a:fillRef idx="0">
-            <a:schemeClr val="accent1"/>
-          </a:fillRef>
-          <a:effectRef idx="0">
-            <a:schemeClr val="accent1"/>
-          </a:effectRef>
-          <a:fontRef idx="minor">
-            <a:schemeClr val="tx1"/>
-          </a:fontRef>
-        </p:style>
-      </p:cxnSp>
-      <p:cxnSp>
-        <p:nvCxnSpPr>
-          <p:cNvPr id="73" name="Shape 33"/>
-          <p:cNvCxnSpPr>
-            <a:stCxn id="70" idx="1"/>
-            <a:endCxn id="67" idx="0"/>
-          </p:cNvCxnSpPr>
-          <p:nvPr/>
-        </p:nvCxnSpPr>
-        <p:spPr>
-          <a:xfrm rot="10800000" flipV="1">
-            <a:off x="1725878" y="2873064"/>
-            <a:ext cx="864922" cy="434016"/>
-          </a:xfrm>
-          <a:prstGeom prst="bentConnector2">
-            <a:avLst/>
-          </a:prstGeom>
-          <a:ln w="12700">
-            <a:solidFill>
-              <a:schemeClr val="tx1"/>
-            </a:solidFill>
-            <a:headEnd type="none" w="med" len="med"/>
-            <a:tailEnd type="arrow" w="med" len="med"/>
-          </a:ln>
-        </p:spPr>
-        <p:style>
-          <a:lnRef idx="1">
-            <a:schemeClr val="accent1"/>
-          </a:lnRef>
-          <a:fillRef idx="0">
-            <a:schemeClr val="accent1"/>
-          </a:fillRef>
-          <a:effectRef idx="0">
-            <a:schemeClr val="accent1"/>
-          </a:effectRef>
-          <a:fontRef idx="minor">
-            <a:schemeClr val="tx1"/>
-          </a:fontRef>
-        </p:style>
-      </p:cxnSp>
-      <p:sp>
-        <p:nvSpPr>
-          <p:cNvPr id="74" name="Rectangle 132"/>
-          <p:cNvSpPr/>
-          <p:nvPr/>
-        </p:nvSpPr>
-        <p:spPr>
-          <a:xfrm>
-            <a:off x="825878" y="4312515"/>
-            <a:ext cx="1800000" cy="274320"/>
-          </a:xfrm>
-          <a:prstGeom prst="rect">
-            <a:avLst/>
-          </a:prstGeom>
-          <a:solidFill>
-            <a:schemeClr val="bg1"/>
-          </a:solidFill>
-          <a:ln w="12700">
-            <a:prstDash val="solid"/>
-          </a:ln>
-        </p:spPr>
-        <p:style>
-          <a:lnRef idx="2">
-            <a:schemeClr val="accent1">
-              <a:shade val="50000"/>
-            </a:schemeClr>
-          </a:lnRef>
-          <a:fillRef idx="1">
-            <a:schemeClr val="accent1"/>
-          </a:fillRef>
-          <a:effectRef idx="0">
-            <a:schemeClr val="accent1"/>
-          </a:effectRef>
-          <a:fontRef idx="minor">
-            <a:schemeClr val="lt1"/>
-          </a:fontRef>
-        </p:style>
-        <p:txBody>
-          <a:bodyPr rtlCol="0" anchor="ctr"/>
-          <a:lstStyle/>
-          <a:p>
-            <a:pPr algn="ctr"/>
-            <a:r>
-              <a:rPr lang="en-US" sz="1050" b="1" dirty="0" smtClean="0">
-                <a:solidFill>
-                  <a:srgbClr val="00B050"/>
-                </a:solidFill>
-              </a:rPr>
-              <a:t>PRECIO</a:t>
-            </a:r>
-            <a:endParaRPr lang="es-MX" sz="1050" b="1" dirty="0">
-              <a:solidFill>
-                <a:srgbClr val="00B050"/>
-              </a:solidFill>
-            </a:endParaRPr>
-          </a:p>
-        </p:txBody>
-      </p:sp>
-      <p:sp>
-        <p:nvSpPr>
-          <p:cNvPr id="75" name="Rectangle 132"/>
-          <p:cNvSpPr/>
-          <p:nvPr/>
-        </p:nvSpPr>
-        <p:spPr>
-          <a:xfrm>
-            <a:off x="1897800" y="5675936"/>
-            <a:ext cx="1836000" cy="274320"/>
-          </a:xfrm>
-          <a:prstGeom prst="rect">
-            <a:avLst/>
-          </a:prstGeom>
-          <a:solidFill>
-            <a:schemeClr val="bg1"/>
-          </a:solidFill>
-          <a:ln w="6350">
-            <a:prstDash val="dash"/>
-          </a:ln>
-        </p:spPr>
-        <p:style>
-          <a:lnRef idx="2">
-            <a:schemeClr val="accent1">
-              <a:shade val="50000"/>
-            </a:schemeClr>
-          </a:lnRef>
-          <a:fillRef idx="1">
-            <a:schemeClr val="accent1"/>
-          </a:fillRef>
-          <a:effectRef idx="0">
-            <a:schemeClr val="accent1"/>
-          </a:effectRef>
-          <a:fontRef idx="minor">
-            <a:schemeClr val="lt1"/>
-          </a:fontRef>
-        </p:style>
-        <p:txBody>
-          <a:bodyPr rtlCol="0" anchor="ctr"/>
-          <a:lstStyle/>
-          <a:p>
-            <a:pPr algn="ctr"/>
-            <a:r>
-              <a:rPr lang="es-MX" sz="1050" b="1" dirty="0" smtClean="0">
-                <a:solidFill>
-                  <a:schemeClr val="tx1"/>
-                </a:solidFill>
-              </a:rPr>
-              <a:t>CLASE_PRECIO</a:t>
-            </a:r>
-          </a:p>
-        </p:txBody>
-      </p:sp>
-      <p:sp>
-        <p:nvSpPr>
-          <p:cNvPr id="76" name="Rectangle 132"/>
-          <p:cNvSpPr/>
-          <p:nvPr/>
-        </p:nvSpPr>
-        <p:spPr>
-          <a:xfrm>
-            <a:off x="1879799" y="6052604"/>
-            <a:ext cx="1836000" cy="274320"/>
-          </a:xfrm>
-          <a:prstGeom prst="rect">
-            <a:avLst/>
-          </a:prstGeom>
-          <a:solidFill>
-            <a:schemeClr val="bg1"/>
-          </a:solidFill>
-          <a:ln w="6350">
-            <a:prstDash val="dash"/>
-          </a:ln>
-        </p:spPr>
-        <p:style>
-          <a:lnRef idx="2">
-            <a:schemeClr val="accent1">
-              <a:shade val="50000"/>
-            </a:schemeClr>
-          </a:lnRef>
-          <a:fillRef idx="1">
-            <a:schemeClr val="accent1"/>
-          </a:fillRef>
-          <a:effectRef idx="0">
-            <a:schemeClr val="accent1"/>
-          </a:effectRef>
-          <a:fontRef idx="minor">
-            <a:schemeClr val="lt1"/>
-          </a:fontRef>
-        </p:style>
-        <p:txBody>
-          <a:bodyPr rtlCol="0" anchor="ctr"/>
-          <a:lstStyle/>
-          <a:p>
-            <a:pPr algn="ctr"/>
-            <a:r>
-              <a:rPr lang="es-MX" sz="1050" b="1" dirty="0" smtClean="0">
-                <a:solidFill>
-                  <a:schemeClr val="tx1"/>
-                </a:solidFill>
-              </a:rPr>
-              <a:t>TIPO_PRECIO</a:t>
-            </a:r>
-            <a:endParaRPr lang="es-MX" sz="1050" b="1" dirty="0">
-              <a:solidFill>
-                <a:schemeClr val="tx1"/>
-              </a:solidFill>
-            </a:endParaRPr>
-          </a:p>
-        </p:txBody>
-      </p:sp>
-      <p:sp>
-        <p:nvSpPr>
-          <p:cNvPr id="77" name="Rectangle 132"/>
-          <p:cNvSpPr/>
-          <p:nvPr/>
-        </p:nvSpPr>
-        <p:spPr>
-          <a:xfrm>
-            <a:off x="1879799" y="6431280"/>
-            <a:ext cx="1836000" cy="274320"/>
-          </a:xfrm>
-          <a:prstGeom prst="rect">
-            <a:avLst/>
-          </a:prstGeom>
-          <a:solidFill>
-            <a:schemeClr val="bg1"/>
-          </a:solidFill>
-          <a:ln w="6350">
-            <a:prstDash val="dash"/>
-          </a:ln>
-        </p:spPr>
-        <p:style>
-          <a:lnRef idx="2">
-            <a:schemeClr val="accent1">
-              <a:shade val="50000"/>
-            </a:schemeClr>
-          </a:lnRef>
-          <a:fillRef idx="1">
-            <a:schemeClr val="accent1"/>
-          </a:fillRef>
-          <a:effectRef idx="0">
-            <a:schemeClr val="accent1"/>
-          </a:effectRef>
-          <a:fontRef idx="minor">
-            <a:schemeClr val="lt1"/>
-          </a:fontRef>
-        </p:style>
-        <p:txBody>
-          <a:bodyPr rtlCol="0" anchor="ctr"/>
-          <a:lstStyle/>
-          <a:p>
-            <a:pPr algn="ctr"/>
-            <a:r>
-              <a:rPr lang="es-MX" sz="1050" b="1" dirty="0" smtClean="0">
-                <a:solidFill>
-                  <a:schemeClr val="tx1"/>
-                </a:solidFill>
-              </a:rPr>
-              <a:t>ESTATUS_PRECIO</a:t>
-            </a:r>
-            <a:endParaRPr lang="es-MX" sz="1050" b="1" dirty="0">
-              <a:solidFill>
-                <a:schemeClr val="tx1"/>
-              </a:solidFill>
-            </a:endParaRPr>
-          </a:p>
-        </p:txBody>
-      </p:sp>
-      <p:cxnSp>
-        <p:nvCxnSpPr>
-          <p:cNvPr id="78" name="Shape 33"/>
-          <p:cNvCxnSpPr>
-            <a:stCxn id="75" idx="3"/>
-            <a:endCxn id="76" idx="3"/>
-          </p:cNvCxnSpPr>
-          <p:nvPr/>
-        </p:nvCxnSpPr>
-        <p:spPr>
-          <a:xfrm flipH="1">
-            <a:off x="3715799" y="5813096"/>
-            <a:ext cx="18001" cy="376668"/>
-          </a:xfrm>
-          <a:prstGeom prst="bentConnector3">
-            <a:avLst>
-              <a:gd name="adj1" fmla="val -1269929"/>
-            </a:avLst>
-          </a:prstGeom>
-          <a:ln w="12700">
-            <a:solidFill>
-              <a:schemeClr val="tx1"/>
-            </a:solidFill>
-            <a:headEnd type="none" w="med" len="med"/>
-            <a:tailEnd type="arrow" w="med" len="med"/>
-          </a:ln>
-        </p:spPr>
-        <p:style>
-          <a:lnRef idx="1">
-            <a:schemeClr val="accent1"/>
-          </a:lnRef>
-          <a:fillRef idx="0">
-            <a:schemeClr val="accent1"/>
-          </a:fillRef>
-          <a:effectRef idx="0">
-            <a:schemeClr val="accent1"/>
-          </a:effectRef>
-          <a:fontRef idx="minor">
-            <a:schemeClr val="tx1"/>
-          </a:fontRef>
-        </p:style>
-      </p:cxnSp>
-      <p:cxnSp>
-        <p:nvCxnSpPr>
-          <p:cNvPr id="79" name="Shape 33"/>
-          <p:cNvCxnSpPr>
-            <a:stCxn id="76" idx="1"/>
-            <a:endCxn id="74" idx="2"/>
-          </p:cNvCxnSpPr>
-          <p:nvPr/>
-        </p:nvCxnSpPr>
-        <p:spPr>
-          <a:xfrm rot="10800000">
-            <a:off x="1725879" y="4586836"/>
-            <a:ext cx="153921" cy="1602929"/>
-          </a:xfrm>
-          <a:prstGeom prst="bentConnector2">
-            <a:avLst/>
-          </a:prstGeom>
-          <a:ln w="12700">
-            <a:solidFill>
-              <a:schemeClr val="tx1"/>
-            </a:solidFill>
-            <a:headEnd type="none" w="med" len="med"/>
-            <a:tailEnd type="arrow" w="med" len="med"/>
-          </a:ln>
-        </p:spPr>
-        <p:style>
-          <a:lnRef idx="1">
-            <a:schemeClr val="accent1"/>
-          </a:lnRef>
-          <a:fillRef idx="0">
-            <a:schemeClr val="accent1"/>
-          </a:fillRef>
-          <a:effectRef idx="0">
-            <a:schemeClr val="accent1"/>
-          </a:effectRef>
-          <a:fontRef idx="minor">
-            <a:schemeClr val="tx1"/>
-          </a:fontRef>
-        </p:style>
-      </p:cxnSp>
-      <p:cxnSp>
-        <p:nvCxnSpPr>
-          <p:cNvPr id="80" name="Shape 33"/>
-          <p:cNvCxnSpPr>
-            <a:stCxn id="77" idx="1"/>
-            <a:endCxn id="74" idx="2"/>
-          </p:cNvCxnSpPr>
-          <p:nvPr/>
-        </p:nvCxnSpPr>
-        <p:spPr>
-          <a:xfrm rot="10800000">
-            <a:off x="1725879" y="4586836"/>
-            <a:ext cx="153921" cy="1981605"/>
-          </a:xfrm>
-          <a:prstGeom prst="bentConnector2">
-            <a:avLst/>
-          </a:prstGeom>
-          <a:ln w="12700">
-            <a:solidFill>
-              <a:schemeClr val="tx1"/>
-            </a:solidFill>
-            <a:headEnd type="none" w="med" len="med"/>
-            <a:tailEnd type="arrow" w="med" len="med"/>
-          </a:ln>
-        </p:spPr>
-        <p:style>
-          <a:lnRef idx="1">
-            <a:schemeClr val="accent1"/>
-          </a:lnRef>
-          <a:fillRef idx="0">
-            <a:schemeClr val="accent1"/>
-          </a:fillRef>
-          <a:effectRef idx="0">
-            <a:schemeClr val="accent1"/>
-          </a:effectRef>
-          <a:fontRef idx="minor">
-            <a:schemeClr val="tx1"/>
-          </a:fontRef>
-        </p:style>
-      </p:cxnSp>
-      <p:cxnSp>
-        <p:nvCxnSpPr>
-          <p:cNvPr id="81" name="Shape 33"/>
-          <p:cNvCxnSpPr>
-            <a:stCxn id="67" idx="2"/>
-            <a:endCxn id="74" idx="0"/>
-          </p:cNvCxnSpPr>
-          <p:nvPr/>
-        </p:nvCxnSpPr>
-        <p:spPr>
-          <a:xfrm>
-            <a:off x="1725878" y="3581400"/>
-            <a:ext cx="0" cy="731115"/>
-          </a:xfrm>
-          <a:prstGeom prst="straightConnector1">
-            <a:avLst/>
-          </a:prstGeom>
-          <a:ln w="12700">
-            <a:solidFill>
-              <a:schemeClr val="bg1">
-                <a:lumMod val="50000"/>
-              </a:schemeClr>
-            </a:solidFill>
-            <a:prstDash val="lgDash"/>
-            <a:headEnd type="none" w="med" len="med"/>
-            <a:tailEnd type="arrow" w="med" len="med"/>
-          </a:ln>
-        </p:spPr>
-        <p:style>
-          <a:lnRef idx="1">
-            <a:schemeClr val="accent1"/>
-          </a:lnRef>
-          <a:fillRef idx="0">
-            <a:schemeClr val="accent1"/>
-          </a:fillRef>
-          <a:effectRef idx="0">
-            <a:schemeClr val="accent1"/>
-          </a:effectRef>
-          <a:fontRef idx="minor">
-            <a:schemeClr val="tx1"/>
-          </a:fontRef>
-        </p:style>
-      </p:cxnSp>
-      <p:sp>
-        <p:nvSpPr>
-          <p:cNvPr id="91" name="Rectangle 132"/>
-          <p:cNvSpPr/>
-          <p:nvPr/>
-        </p:nvSpPr>
-        <p:spPr>
-          <a:xfrm>
-            <a:off x="4701912" y="3307080"/>
-            <a:ext cx="1800000" cy="274320"/>
-          </a:xfrm>
-          <a:prstGeom prst="rect">
-            <a:avLst/>
-          </a:prstGeom>
-          <a:solidFill>
-            <a:schemeClr val="bg1">
-              <a:lumMod val="95000"/>
-            </a:schemeClr>
-          </a:solidFill>
-          <a:ln w="12700">
-            <a:prstDash val="solid"/>
-          </a:ln>
-        </p:spPr>
-        <p:style>
-          <a:lnRef idx="2">
-            <a:schemeClr val="accent1">
-              <a:shade val="50000"/>
-            </a:schemeClr>
-          </a:lnRef>
-          <a:fillRef idx="1">
-            <a:schemeClr val="accent1"/>
-          </a:fillRef>
-          <a:effectRef idx="0">
-            <a:schemeClr val="accent1"/>
-          </a:effectRef>
-          <a:fontRef idx="minor">
-            <a:schemeClr val="lt1"/>
-          </a:fontRef>
-        </p:style>
-        <p:txBody>
-          <a:bodyPr rtlCol="0" anchor="ctr"/>
-          <a:lstStyle/>
-          <a:p>
-            <a:pPr algn="ctr"/>
-            <a:r>
-              <a:rPr lang="en-US" sz="1050" b="1" dirty="0">
-                <a:solidFill>
-                  <a:srgbClr val="C00000"/>
-                </a:solidFill>
-              </a:rPr>
-              <a:t>UNIDAD / RUTA / POS</a:t>
-            </a:r>
-            <a:endParaRPr lang="es-MX" sz="1050" b="1" dirty="0">
-              <a:solidFill>
-                <a:srgbClr val="C00000"/>
-              </a:solidFill>
-            </a:endParaRPr>
-          </a:p>
-        </p:txBody>
-      </p:sp>
-      <p:sp>
-        <p:nvSpPr>
-          <p:cNvPr id="93" name="Rectangle 132"/>
-          <p:cNvSpPr/>
-          <p:nvPr/>
-        </p:nvSpPr>
-        <p:spPr>
-          <a:xfrm>
-            <a:off x="6496050" y="2359768"/>
-            <a:ext cx="2149700" cy="274320"/>
-          </a:xfrm>
-          <a:prstGeom prst="rect">
-            <a:avLst/>
-          </a:prstGeom>
-          <a:solidFill>
-            <a:schemeClr val="bg1"/>
-          </a:solidFill>
-          <a:ln w="6350">
-            <a:prstDash val="dash"/>
-          </a:ln>
-        </p:spPr>
-        <p:style>
-          <a:lnRef idx="2">
-            <a:schemeClr val="accent1">
-              <a:shade val="50000"/>
-            </a:schemeClr>
-          </a:lnRef>
-          <a:fillRef idx="1">
-            <a:schemeClr val="accent1"/>
-          </a:fillRef>
-          <a:effectRef idx="0">
-            <a:schemeClr val="accent1"/>
-          </a:effectRef>
-          <a:fontRef idx="minor">
-            <a:schemeClr val="lt1"/>
-          </a:fontRef>
-        </p:style>
-        <p:txBody>
-          <a:bodyPr rtlCol="0" anchor="ctr"/>
-          <a:lstStyle/>
-          <a:p>
-            <a:pPr algn="ctr"/>
-            <a:r>
-              <a:rPr lang="en-US" sz="1050" b="1" dirty="0" smtClean="0">
-                <a:solidFill>
-                  <a:schemeClr val="tx1"/>
-                </a:solidFill>
-              </a:rPr>
-              <a:t>ESTATUS_POS</a:t>
-            </a:r>
-            <a:endParaRPr lang="es-MX" sz="1050" b="1" dirty="0">
-              <a:solidFill>
-                <a:schemeClr val="tx1"/>
-              </a:solidFill>
-            </a:endParaRPr>
-          </a:p>
-        </p:txBody>
-      </p:sp>
-      <p:sp>
-        <p:nvSpPr>
-          <p:cNvPr id="94" name="Rectangle 132"/>
-          <p:cNvSpPr/>
-          <p:nvPr/>
-        </p:nvSpPr>
-        <p:spPr>
-          <a:xfrm>
-            <a:off x="6496050" y="2735904"/>
-            <a:ext cx="2149700" cy="274320"/>
-          </a:xfrm>
-          <a:prstGeom prst="rect">
-            <a:avLst/>
-          </a:prstGeom>
-          <a:solidFill>
-            <a:schemeClr val="bg1"/>
-          </a:solidFill>
-          <a:ln w="6350">
-            <a:prstDash val="dash"/>
-          </a:ln>
-        </p:spPr>
-        <p:style>
-          <a:lnRef idx="2">
-            <a:schemeClr val="accent1">
-              <a:shade val="50000"/>
-            </a:schemeClr>
-          </a:lnRef>
-          <a:fillRef idx="1">
-            <a:schemeClr val="accent1"/>
-          </a:fillRef>
-          <a:effectRef idx="0">
-            <a:schemeClr val="accent1"/>
-          </a:effectRef>
-          <a:fontRef idx="minor">
-            <a:schemeClr val="lt1"/>
-          </a:fontRef>
-        </p:style>
-        <p:txBody>
-          <a:bodyPr rtlCol="0" anchor="ctr"/>
-          <a:lstStyle/>
-          <a:p>
-            <a:pPr algn="ctr"/>
-            <a:r>
-              <a:rPr lang="en-US" sz="1050" b="1" dirty="0" smtClean="0">
-                <a:solidFill>
-                  <a:schemeClr val="tx1"/>
-                </a:solidFill>
-              </a:rPr>
-              <a:t>TIPO_POS</a:t>
-            </a:r>
-            <a:endParaRPr lang="es-MX" sz="1050" b="1" dirty="0">
-              <a:solidFill>
-                <a:schemeClr val="tx1"/>
-              </a:solidFill>
-            </a:endParaRPr>
-          </a:p>
-        </p:txBody>
-      </p:sp>
-      <p:cxnSp>
-        <p:nvCxnSpPr>
-          <p:cNvPr id="95" name="Shape 33"/>
-          <p:cNvCxnSpPr>
-            <a:stCxn id="34" idx="1"/>
-            <a:endCxn id="91" idx="0"/>
-          </p:cNvCxnSpPr>
-          <p:nvPr/>
-        </p:nvCxnSpPr>
-        <p:spPr>
-          <a:xfrm rot="10800000" flipV="1">
-            <a:off x="5601912" y="1906750"/>
-            <a:ext cx="894138" cy="1400329"/>
-          </a:xfrm>
-          <a:prstGeom prst="bentConnector2">
-            <a:avLst/>
-          </a:prstGeom>
-          <a:ln w="12700">
-            <a:solidFill>
-              <a:schemeClr val="tx1"/>
-            </a:solidFill>
-            <a:headEnd type="none" w="med" len="med"/>
-            <a:tailEnd type="arrow" w="med" len="med"/>
-          </a:ln>
-        </p:spPr>
-        <p:style>
-          <a:lnRef idx="1">
-            <a:schemeClr val="accent1"/>
-          </a:lnRef>
-          <a:fillRef idx="0">
-            <a:schemeClr val="accent1"/>
-          </a:fillRef>
-          <a:effectRef idx="0">
-            <a:schemeClr val="accent1"/>
-          </a:effectRef>
-          <a:fontRef idx="minor">
-            <a:schemeClr val="tx1"/>
-          </a:fontRef>
-        </p:style>
-      </p:cxnSp>
-      <p:cxnSp>
-        <p:nvCxnSpPr>
-          <p:cNvPr id="96" name="Shape 33"/>
-          <p:cNvCxnSpPr>
-            <a:stCxn id="93" idx="1"/>
-            <a:endCxn id="91" idx="0"/>
-          </p:cNvCxnSpPr>
-          <p:nvPr/>
-        </p:nvCxnSpPr>
-        <p:spPr>
-          <a:xfrm rot="10800000" flipV="1">
-            <a:off x="5601912" y="2496928"/>
-            <a:ext cx="894138" cy="810152"/>
-          </a:xfrm>
-          <a:prstGeom prst="bentConnector2">
-            <a:avLst/>
-          </a:prstGeom>
-          <a:ln w="12700">
-            <a:solidFill>
-              <a:schemeClr val="tx1"/>
-            </a:solidFill>
-            <a:headEnd type="none" w="med" len="med"/>
-            <a:tailEnd type="arrow" w="med" len="med"/>
-          </a:ln>
-        </p:spPr>
-        <p:style>
-          <a:lnRef idx="1">
-            <a:schemeClr val="accent1"/>
-          </a:lnRef>
-          <a:fillRef idx="0">
-            <a:schemeClr val="accent1"/>
-          </a:fillRef>
-          <a:effectRef idx="0">
-            <a:schemeClr val="accent1"/>
-          </a:effectRef>
-          <a:fontRef idx="minor">
-            <a:schemeClr val="tx1"/>
-          </a:fontRef>
-        </p:style>
-      </p:cxnSp>
-      <p:cxnSp>
-        <p:nvCxnSpPr>
-          <p:cNvPr id="97" name="Shape 33"/>
-          <p:cNvCxnSpPr>
-            <a:stCxn id="94" idx="1"/>
-            <a:endCxn id="91" idx="0"/>
-          </p:cNvCxnSpPr>
-          <p:nvPr/>
-        </p:nvCxnSpPr>
-        <p:spPr>
-          <a:xfrm rot="10800000" flipV="1">
-            <a:off x="5601912" y="2873064"/>
-            <a:ext cx="894138" cy="434016"/>
-          </a:xfrm>
-          <a:prstGeom prst="bentConnector2">
-            <a:avLst/>
-          </a:prstGeom>
-          <a:ln w="12700">
-            <a:solidFill>
-              <a:schemeClr val="tx1"/>
-            </a:solidFill>
-            <a:headEnd type="none" w="med" len="med"/>
-            <a:tailEnd type="arrow" w="med" len="med"/>
-          </a:ln>
-        </p:spPr>
-        <p:style>
-          <a:lnRef idx="1">
-            <a:schemeClr val="accent1"/>
-          </a:lnRef>
-          <a:fillRef idx="0">
-            <a:schemeClr val="accent1"/>
-          </a:fillRef>
-          <a:effectRef idx="0">
-            <a:schemeClr val="accent1"/>
-          </a:effectRef>
-          <a:fontRef idx="minor">
-            <a:schemeClr val="tx1"/>
-          </a:fontRef>
-        </p:style>
-      </p:cxnSp>
-      <p:cxnSp>
-        <p:nvCxnSpPr>
-          <p:cNvPr id="98" name="Shape 33"/>
-          <p:cNvCxnSpPr>
-            <a:stCxn id="67" idx="3"/>
-            <a:endCxn id="91" idx="1"/>
-          </p:cNvCxnSpPr>
-          <p:nvPr/>
-        </p:nvCxnSpPr>
-        <p:spPr>
-          <a:xfrm>
-            <a:off x="2625878" y="3444240"/>
-            <a:ext cx="2076034" cy="12700"/>
-          </a:xfrm>
-          <a:prstGeom prst="bentConnector3">
-            <a:avLst>
-              <a:gd name="adj1" fmla="val 50000"/>
-            </a:avLst>
-          </a:prstGeom>
-          <a:ln w="12700">
-            <a:solidFill>
-              <a:schemeClr val="bg1">
-                <a:lumMod val="50000"/>
-              </a:schemeClr>
-            </a:solidFill>
-            <a:prstDash val="lgDash"/>
-            <a:headEnd type="none" w="med" len="med"/>
-            <a:tailEnd type="arrow" w="med" len="med"/>
-          </a:ln>
-        </p:spPr>
-        <p:style>
-          <a:lnRef idx="1">
-            <a:schemeClr val="accent1"/>
-          </a:lnRef>
-          <a:fillRef idx="0">
-            <a:schemeClr val="accent1"/>
-          </a:fillRef>
-          <a:effectRef idx="0">
-            <a:schemeClr val="accent1"/>
-          </a:effectRef>
-          <a:fontRef idx="minor">
-            <a:schemeClr val="tx1"/>
-          </a:fontRef>
-        </p:style>
-      </p:cxnSp>
-      <p:sp>
-        <p:nvSpPr>
-          <p:cNvPr id="108" name="Rectangle 132"/>
-          <p:cNvSpPr/>
-          <p:nvPr/>
-        </p:nvSpPr>
-        <p:spPr>
-          <a:xfrm>
-            <a:off x="6858000" y="4831485"/>
-            <a:ext cx="1800450" cy="274320"/>
-          </a:xfrm>
-          <a:prstGeom prst="rect">
-            <a:avLst/>
-          </a:prstGeom>
-          <a:solidFill>
-            <a:schemeClr val="bg1"/>
-          </a:solidFill>
-          <a:ln w="12700">
-            <a:prstDash val="solid"/>
-          </a:ln>
-        </p:spPr>
-        <p:style>
-          <a:lnRef idx="2">
-            <a:schemeClr val="accent1">
-              <a:shade val="50000"/>
-            </a:schemeClr>
-          </a:lnRef>
-          <a:fillRef idx="1">
-            <a:schemeClr val="accent1"/>
-          </a:fillRef>
-          <a:effectRef idx="0">
-            <a:schemeClr val="accent1"/>
-          </a:effectRef>
-          <a:fontRef idx="minor">
-            <a:schemeClr val="lt1"/>
-          </a:fontRef>
-        </p:style>
-        <p:txBody>
-          <a:bodyPr rtlCol="0" anchor="ctr"/>
-          <a:lstStyle/>
-          <a:p>
-            <a:pPr algn="ctr"/>
-            <a:r>
-              <a:rPr lang="en-US" sz="1050" b="1" dirty="0">
-                <a:solidFill>
-                  <a:srgbClr val="00B050"/>
-                </a:solidFill>
-              </a:rPr>
-              <a:t>CREDITO</a:t>
-            </a:r>
-            <a:endParaRPr lang="es-MX" sz="1050" b="1" dirty="0">
-              <a:solidFill>
-                <a:srgbClr val="00B050"/>
-              </a:solidFill>
-            </a:endParaRPr>
-          </a:p>
-        </p:txBody>
-      </p:sp>
-      <p:sp>
-        <p:nvSpPr>
-          <p:cNvPr id="109" name="Rectangle 132"/>
-          <p:cNvSpPr/>
-          <p:nvPr/>
-        </p:nvSpPr>
-        <p:spPr>
-          <a:xfrm>
-            <a:off x="6858450" y="4276151"/>
-            <a:ext cx="1800000" cy="274320"/>
-          </a:xfrm>
-          <a:prstGeom prst="rect">
-            <a:avLst/>
-          </a:prstGeom>
-          <a:solidFill>
-            <a:schemeClr val="bg1"/>
-          </a:solidFill>
-          <a:ln w="12700">
-            <a:prstDash val="solid"/>
-          </a:ln>
-        </p:spPr>
-        <p:style>
-          <a:lnRef idx="2">
-            <a:schemeClr val="accent1">
-              <a:shade val="50000"/>
-            </a:schemeClr>
-          </a:lnRef>
-          <a:fillRef idx="1">
-            <a:schemeClr val="accent1"/>
-          </a:fillRef>
-          <a:effectRef idx="0">
-            <a:schemeClr val="accent1"/>
-          </a:effectRef>
-          <a:fontRef idx="minor">
-            <a:schemeClr val="lt1"/>
-          </a:fontRef>
-        </p:style>
-        <p:txBody>
-          <a:bodyPr rtlCol="0" anchor="ctr"/>
-          <a:lstStyle/>
-          <a:p>
-            <a:pPr algn="ctr"/>
-            <a:r>
-              <a:rPr lang="en-US" sz="1050" b="1" dirty="0">
-                <a:solidFill>
-                  <a:srgbClr val="00B050"/>
-                </a:solidFill>
-              </a:rPr>
-              <a:t>CLIENTE</a:t>
-            </a:r>
-            <a:endParaRPr lang="es-MX" sz="1050" b="1" dirty="0">
-              <a:solidFill>
-                <a:srgbClr val="00B050"/>
-              </a:solidFill>
-            </a:endParaRPr>
-          </a:p>
-        </p:txBody>
-      </p:sp>
-      <p:cxnSp>
-        <p:nvCxnSpPr>
-          <p:cNvPr id="110" name="Shape 33"/>
-          <p:cNvCxnSpPr>
-            <a:stCxn id="108" idx="0"/>
-            <a:endCxn id="109" idx="2"/>
-          </p:cNvCxnSpPr>
-          <p:nvPr/>
-        </p:nvCxnSpPr>
-        <p:spPr>
-          <a:xfrm rot="5400000" flipH="1" flipV="1">
-            <a:off x="7617830" y="4690866"/>
-            <a:ext cx="281014" cy="225"/>
-          </a:xfrm>
-          <a:prstGeom prst="bentConnector3">
-            <a:avLst>
-              <a:gd name="adj1" fmla="val 50000"/>
-            </a:avLst>
-          </a:prstGeom>
-          <a:ln w="12700">
-            <a:solidFill>
-              <a:schemeClr val="tx1"/>
-            </a:solidFill>
-            <a:headEnd type="none" w="med" len="med"/>
-            <a:tailEnd type="arrow" w="med" len="med"/>
-          </a:ln>
-        </p:spPr>
-        <p:style>
-          <a:lnRef idx="1">
-            <a:schemeClr val="accent1"/>
-          </a:lnRef>
-          <a:fillRef idx="0">
-            <a:schemeClr val="accent1"/>
-          </a:fillRef>
-          <a:effectRef idx="0">
-            <a:schemeClr val="accent1"/>
-          </a:effectRef>
-          <a:fontRef idx="minor">
-            <a:schemeClr val="tx1"/>
-          </a:fontRef>
-        </p:style>
-      </p:cxnSp>
-      <p:cxnSp>
-        <p:nvCxnSpPr>
-          <p:cNvPr id="113" name="Shape 33"/>
-          <p:cNvCxnSpPr>
-            <a:stCxn id="109" idx="1"/>
-            <a:endCxn id="91" idx="2"/>
-          </p:cNvCxnSpPr>
-          <p:nvPr/>
-        </p:nvCxnSpPr>
-        <p:spPr>
-          <a:xfrm rot="10800000">
-            <a:off x="5601912" y="3581401"/>
-            <a:ext cx="1256538" cy="831911"/>
-          </a:xfrm>
-          <a:prstGeom prst="bentConnector2">
-            <a:avLst/>
-          </a:prstGeom>
-          <a:ln w="12700">
-            <a:solidFill>
-              <a:schemeClr val="tx1"/>
-            </a:solidFill>
-            <a:headEnd type="none" w="med" len="med"/>
-            <a:tailEnd type="arrow" w="med" len="med"/>
-          </a:ln>
-        </p:spPr>
-        <p:style>
-          <a:lnRef idx="1">
-            <a:schemeClr val="accent1"/>
-          </a:lnRef>
-          <a:fillRef idx="0">
-            <a:schemeClr val="accent1"/>
-          </a:fillRef>
-          <a:effectRef idx="0">
-            <a:schemeClr val="accent1"/>
-          </a:effectRef>
-          <a:fontRef idx="minor">
-            <a:schemeClr val="tx1"/>
-          </a:fontRef>
-        </p:style>
-      </p:cxnSp>
-      <p:sp>
-        <p:nvSpPr>
-          <p:cNvPr id="30" name="Rectangle 132"/>
-          <p:cNvSpPr/>
-          <p:nvPr/>
-        </p:nvSpPr>
-        <p:spPr>
-          <a:xfrm>
-            <a:off x="3429000" y="4968645"/>
-            <a:ext cx="1800000" cy="274320"/>
-          </a:xfrm>
-          <a:prstGeom prst="rect">
-            <a:avLst/>
-          </a:prstGeom>
-          <a:solidFill>
-            <a:schemeClr val="bg1"/>
-          </a:solidFill>
-          <a:ln w="12700">
-            <a:prstDash val="solid"/>
-          </a:ln>
-        </p:spPr>
-        <p:style>
-          <a:lnRef idx="2">
-            <a:schemeClr val="accent1">
-              <a:shade val="50000"/>
-            </a:schemeClr>
-          </a:lnRef>
-          <a:fillRef idx="1">
-            <a:schemeClr val="accent1"/>
-          </a:fillRef>
-          <a:effectRef idx="0">
-            <a:schemeClr val="accent1"/>
-          </a:effectRef>
-          <a:fontRef idx="minor">
-            <a:schemeClr val="lt1"/>
-          </a:fontRef>
-        </p:style>
-        <p:txBody>
-          <a:bodyPr rtlCol="0" anchor="ctr"/>
-          <a:lstStyle/>
-          <a:p>
-            <a:pPr algn="ctr"/>
-            <a:r>
-              <a:rPr lang="en-US" sz="1050" b="1" dirty="0">
-                <a:solidFill>
-                  <a:srgbClr val="00B050"/>
-                </a:solidFill>
-              </a:rPr>
-              <a:t>IMPUESTO_TASA</a:t>
-            </a:r>
-            <a:endParaRPr lang="es-MX" sz="1050" b="1" dirty="0">
-              <a:solidFill>
-                <a:srgbClr val="00B050"/>
-              </a:solidFill>
-            </a:endParaRPr>
-          </a:p>
-        </p:txBody>
-      </p:sp>
-      <p:cxnSp>
-        <p:nvCxnSpPr>
-          <p:cNvPr id="31" name="Shape 33"/>
-          <p:cNvCxnSpPr>
-            <a:stCxn id="74" idx="3"/>
-            <a:endCxn id="30" idx="1"/>
-          </p:cNvCxnSpPr>
-          <p:nvPr/>
-        </p:nvCxnSpPr>
-        <p:spPr>
-          <a:xfrm>
-            <a:off x="2625878" y="4449675"/>
-            <a:ext cx="803122" cy="656130"/>
-          </a:xfrm>
-          <a:prstGeom prst="bentConnector3">
-            <a:avLst>
-              <a:gd name="adj1" fmla="val 50000"/>
-            </a:avLst>
-          </a:prstGeom>
-          <a:ln w="12700">
-            <a:solidFill>
-              <a:schemeClr val="bg1">
-                <a:lumMod val="50000"/>
-              </a:schemeClr>
-            </a:solidFill>
-            <a:prstDash val="lgDash"/>
-            <a:headEnd type="none" w="med" len="med"/>
-            <a:tailEnd type="arrow" w="med" len="med"/>
-          </a:ln>
-        </p:spPr>
-        <p:style>
-          <a:lnRef idx="1">
-            <a:schemeClr val="accent1"/>
-          </a:lnRef>
-          <a:fillRef idx="0">
-            <a:schemeClr val="accent1"/>
-          </a:fillRef>
-          <a:effectRef idx="0">
-            <a:schemeClr val="accent1"/>
-          </a:effectRef>
-          <a:fontRef idx="minor">
-            <a:schemeClr val="tx1"/>
-          </a:fontRef>
-        </p:style>
-      </p:cxnSp>
-      <p:sp>
-        <p:nvSpPr>
-          <p:cNvPr id="37" name="Rectangle 132"/>
-          <p:cNvSpPr/>
-          <p:nvPr/>
-        </p:nvSpPr>
-        <p:spPr>
-          <a:xfrm>
-            <a:off x="3429000" y="4495800"/>
-            <a:ext cx="1800000" cy="292096"/>
-          </a:xfrm>
-          <a:prstGeom prst="rect">
-            <a:avLst/>
-          </a:prstGeom>
-          <a:solidFill>
-            <a:schemeClr val="bg1"/>
-          </a:solidFill>
-          <a:ln w="6350">
-            <a:prstDash val="dash"/>
-          </a:ln>
-        </p:spPr>
-        <p:style>
-          <a:lnRef idx="2">
-            <a:schemeClr val="accent1">
-              <a:shade val="50000"/>
-            </a:schemeClr>
-          </a:lnRef>
-          <a:fillRef idx="1">
-            <a:schemeClr val="accent1"/>
-          </a:fillRef>
-          <a:effectRef idx="0">
-            <a:schemeClr val="accent1"/>
-          </a:effectRef>
-          <a:fontRef idx="minor">
-            <a:schemeClr val="lt1"/>
-          </a:fontRef>
-        </p:style>
-        <p:txBody>
-          <a:bodyPr rtlCol="0" anchor="ctr"/>
-          <a:lstStyle/>
-          <a:p>
-            <a:pPr algn="ctr"/>
-            <a:r>
-              <a:rPr lang="en-US" sz="1050" b="1" dirty="0" smtClean="0">
-                <a:solidFill>
-                  <a:schemeClr val="tx1"/>
-                </a:solidFill>
-              </a:rPr>
-              <a:t>IMPUESTO</a:t>
-            </a:r>
-            <a:endParaRPr lang="es-MX" sz="1050" b="1" dirty="0">
-              <a:solidFill>
-                <a:schemeClr val="tx1"/>
-              </a:solidFill>
-            </a:endParaRPr>
-          </a:p>
-        </p:txBody>
-      </p:sp>
-      <p:cxnSp>
-        <p:nvCxnSpPr>
-          <p:cNvPr id="38" name="Shape 33"/>
-          <p:cNvCxnSpPr>
-            <a:stCxn id="37" idx="3"/>
-            <a:endCxn id="30" idx="3"/>
-          </p:cNvCxnSpPr>
-          <p:nvPr/>
-        </p:nvCxnSpPr>
-        <p:spPr>
-          <a:xfrm>
-            <a:off x="5229000" y="4641848"/>
-            <a:ext cx="12700" cy="463957"/>
-          </a:xfrm>
-          <a:prstGeom prst="bentConnector3">
-            <a:avLst>
-              <a:gd name="adj1" fmla="val 1800000"/>
-            </a:avLst>
-          </a:prstGeom>
-          <a:ln w="12700">
-            <a:solidFill>
-              <a:schemeClr val="tx1"/>
-            </a:solidFill>
-            <a:headEnd type="none" w="med" len="med"/>
-            <a:tailEnd type="arrow" w="med" len="med"/>
-          </a:ln>
-        </p:spPr>
-        <p:style>
-          <a:lnRef idx="1">
-            <a:schemeClr val="accent1"/>
-          </a:lnRef>
-          <a:fillRef idx="0">
-            <a:schemeClr val="accent1"/>
-          </a:fillRef>
-          <a:effectRef idx="0">
-            <a:schemeClr val="accent1"/>
-          </a:effectRef>
-          <a:fontRef idx="minor">
-            <a:schemeClr val="tx1"/>
-          </a:fontRef>
-        </p:style>
-      </p:cxnSp>
-      <p:sp>
-        <p:nvSpPr>
-          <p:cNvPr id="34" name="Rectangle 132"/>
-          <p:cNvSpPr/>
-          <p:nvPr/>
-        </p:nvSpPr>
-        <p:spPr>
-          <a:xfrm>
-            <a:off x="6496050" y="1769591"/>
-            <a:ext cx="1800000" cy="274320"/>
-          </a:xfrm>
-          <a:prstGeom prst="rect">
-            <a:avLst/>
-          </a:prstGeom>
-          <a:solidFill>
-            <a:schemeClr val="bg1"/>
-          </a:solidFill>
-          <a:ln w="12700">
-            <a:prstDash val="solid"/>
-          </a:ln>
-        </p:spPr>
-        <p:style>
-          <a:lnRef idx="2">
-            <a:schemeClr val="accent1">
-              <a:shade val="50000"/>
-            </a:schemeClr>
-          </a:lnRef>
-          <a:fillRef idx="1">
-            <a:schemeClr val="accent1"/>
-          </a:fillRef>
-          <a:effectRef idx="0">
-            <a:schemeClr val="accent1"/>
-          </a:effectRef>
-          <a:fontRef idx="minor">
-            <a:schemeClr val="lt1"/>
-          </a:fontRef>
-        </p:style>
-        <p:txBody>
-          <a:bodyPr rtlCol="0" anchor="ctr"/>
-          <a:lstStyle/>
-          <a:p>
-            <a:pPr algn="ctr"/>
-            <a:r>
-              <a:rPr lang="en-US" sz="1050" b="1" dirty="0">
-                <a:solidFill>
-                  <a:srgbClr val="00B050"/>
-                </a:solidFill>
-              </a:rPr>
-              <a:t>OPERDOR</a:t>
-            </a:r>
-            <a:r>
-              <a:rPr lang="en-US" sz="1050" b="1" dirty="0" smtClean="0">
-                <a:solidFill>
-                  <a:srgbClr val="00B050"/>
-                </a:solidFill>
-              </a:rPr>
-              <a:t> / CHOFER</a:t>
-            </a:r>
-            <a:endParaRPr lang="es-MX" sz="1050" b="1" dirty="0">
-              <a:solidFill>
-                <a:srgbClr val="00B050"/>
-              </a:solidFill>
-            </a:endParaRPr>
-          </a:p>
-        </p:txBody>
-      </p:sp>
-      <p:sp>
-        <p:nvSpPr>
-          <p:cNvPr id="43" name="Rectangle 132"/>
-          <p:cNvSpPr/>
-          <p:nvPr/>
-        </p:nvSpPr>
-        <p:spPr>
-          <a:xfrm>
-            <a:off x="6683374" y="5303318"/>
-            <a:ext cx="2149700" cy="274320"/>
-          </a:xfrm>
-          <a:prstGeom prst="rect">
-            <a:avLst/>
-          </a:prstGeom>
-          <a:solidFill>
-            <a:schemeClr val="bg1"/>
-          </a:solidFill>
-          <a:ln w="6350">
-            <a:prstDash val="dash"/>
-          </a:ln>
-        </p:spPr>
-        <p:style>
-          <a:lnRef idx="2">
-            <a:schemeClr val="accent1">
-              <a:shade val="50000"/>
-            </a:schemeClr>
-          </a:lnRef>
-          <a:fillRef idx="1">
-            <a:schemeClr val="accent1"/>
-          </a:fillRef>
-          <a:effectRef idx="0">
-            <a:schemeClr val="accent1"/>
-          </a:effectRef>
-          <a:fontRef idx="minor">
-            <a:schemeClr val="lt1"/>
-          </a:fontRef>
-        </p:style>
-        <p:txBody>
-          <a:bodyPr rtlCol="0" anchor="ctr"/>
-          <a:lstStyle/>
-          <a:p>
-            <a:pPr algn="ctr"/>
-            <a:r>
-              <a:rPr lang="en-US" sz="1050" b="1" dirty="0" smtClean="0">
-                <a:solidFill>
-                  <a:schemeClr val="tx1"/>
-                </a:solidFill>
-              </a:rPr>
-              <a:t>TIPO_CREDITO</a:t>
-            </a:r>
-            <a:endParaRPr lang="es-MX" sz="1050" b="1" dirty="0">
-              <a:solidFill>
-                <a:schemeClr val="tx1"/>
-              </a:solidFill>
-            </a:endParaRPr>
-          </a:p>
-        </p:txBody>
-      </p:sp>
-      <p:cxnSp>
-        <p:nvCxnSpPr>
-          <p:cNvPr id="45" name="Shape 33"/>
-          <p:cNvCxnSpPr>
-            <a:stCxn id="43" idx="1"/>
-            <a:endCxn id="108" idx="1"/>
-          </p:cNvCxnSpPr>
-          <p:nvPr/>
-        </p:nvCxnSpPr>
-        <p:spPr>
-          <a:xfrm rot="10800000" flipH="1">
-            <a:off x="6683374" y="4968646"/>
-            <a:ext cx="174626" cy="471833"/>
-          </a:xfrm>
-          <a:prstGeom prst="bentConnector3">
-            <a:avLst>
-              <a:gd name="adj1" fmla="val -130908"/>
-            </a:avLst>
-          </a:prstGeom>
-          <a:ln w="12700">
-            <a:solidFill>
-              <a:schemeClr val="tx1"/>
-            </a:solidFill>
-            <a:headEnd type="none" w="med" len="med"/>
-            <a:tailEnd type="arrow" w="med" len="med"/>
-          </a:ln>
-        </p:spPr>
-        <p:style>
-          <a:lnRef idx="1">
-            <a:schemeClr val="accent1"/>
-          </a:lnRef>
-          <a:fillRef idx="0">
-            <a:schemeClr val="accent1"/>
-          </a:fillRef>
-          <a:effectRef idx="0">
-            <a:schemeClr val="accent1"/>
-          </a:effectRef>
-          <a:fontRef idx="minor">
-            <a:schemeClr val="tx1"/>
-          </a:fontRef>
-        </p:style>
-      </p:cxnSp>
-      <p:sp>
-        <p:nvSpPr>
-          <p:cNvPr id="48" name="Rectangle 132"/>
-          <p:cNvSpPr/>
-          <p:nvPr/>
-        </p:nvSpPr>
-        <p:spPr>
-          <a:xfrm>
-            <a:off x="6683373" y="5721494"/>
-            <a:ext cx="2149700" cy="274320"/>
-          </a:xfrm>
-          <a:prstGeom prst="rect">
-            <a:avLst/>
-          </a:prstGeom>
-          <a:solidFill>
-            <a:schemeClr val="bg1"/>
-          </a:solidFill>
-          <a:ln w="6350">
-            <a:prstDash val="dash"/>
-          </a:ln>
-        </p:spPr>
-        <p:style>
-          <a:lnRef idx="2">
-            <a:schemeClr val="accent1">
-              <a:shade val="50000"/>
-            </a:schemeClr>
-          </a:lnRef>
-          <a:fillRef idx="1">
-            <a:schemeClr val="accent1"/>
-          </a:fillRef>
-          <a:effectRef idx="0">
-            <a:schemeClr val="accent1"/>
-          </a:effectRef>
-          <a:fontRef idx="minor">
-            <a:schemeClr val="lt1"/>
-          </a:fontRef>
-        </p:style>
-        <p:txBody>
-          <a:bodyPr rtlCol="0" anchor="ctr"/>
-          <a:lstStyle/>
-          <a:p>
-            <a:pPr algn="ctr"/>
-            <a:r>
-              <a:rPr lang="en-US" sz="1050" b="1" dirty="0" smtClean="0">
-                <a:solidFill>
-                  <a:schemeClr val="tx1"/>
-                </a:solidFill>
-              </a:rPr>
-              <a:t>ESTATUS_CREDITO</a:t>
-            </a:r>
-            <a:endParaRPr lang="es-MX" sz="1050" b="1" dirty="0">
-              <a:solidFill>
-                <a:schemeClr val="tx1"/>
-              </a:solidFill>
-            </a:endParaRPr>
-          </a:p>
-        </p:txBody>
-      </p:sp>
-      <p:cxnSp>
-        <p:nvCxnSpPr>
-          <p:cNvPr id="49" name="Shape 33"/>
-          <p:cNvCxnSpPr>
-            <a:stCxn id="48" idx="1"/>
-            <a:endCxn id="108" idx="1"/>
-          </p:cNvCxnSpPr>
-          <p:nvPr/>
-        </p:nvCxnSpPr>
-        <p:spPr>
-          <a:xfrm rot="10800000" flipH="1">
-            <a:off x="6683372" y="4968646"/>
-            <a:ext cx="174627" cy="890009"/>
-          </a:xfrm>
-          <a:prstGeom prst="bentConnector3">
-            <a:avLst>
-              <a:gd name="adj1" fmla="val -130908"/>
-            </a:avLst>
-          </a:prstGeom>
-          <a:ln w="12700">
-            <a:solidFill>
-              <a:schemeClr val="tx1"/>
-            </a:solidFill>
-            <a:headEnd type="none" w="med" len="med"/>
-            <a:tailEnd type="arrow" w="med" len="med"/>
-          </a:ln>
-        </p:spPr>
-        <p:style>
-          <a:lnRef idx="1">
-            <a:schemeClr val="accent1"/>
-          </a:lnRef>
-          <a:fillRef idx="0">
-            <a:schemeClr val="accent1"/>
-          </a:fillRef>
-          <a:effectRef idx="0">
-            <a:schemeClr val="accent1"/>
-          </a:effectRef>
-          <a:fontRef idx="minor">
-            <a:schemeClr val="tx1"/>
-          </a:fontRef>
-        </p:style>
-      </p:cxnSp>
-    </p:spTree>
-    <p:extLst>
-      <p:ext uri="{BB962C8B-B14F-4D97-AF65-F5344CB8AC3E}">
-        <p14:creationId xmlns:p14="http://schemas.microsoft.com/office/powerpoint/2010/main" val="2007743326"/>
-      </p:ext>
-    </p:extLst>
-  </p:cSld>
-  <p:clrMapOvr>
-    <a:masterClrMapping/>
-  </p:clrMapOvr>
-  <p:timing>
-    <p:tnLst>
-      <p:par>
-        <p:cTn id="1" dur="indefinite" restart="never" nodeType="tmRoot"/>
-      </p:par>
-    </p:tnLst>
-  </p:timing>
-</p:sld>
-</file>
-
-<file path=ppt/slides/slide6.xml><?xml version="1.0" encoding="utf-8"?>
-<p:sld xmlns:a="http://schemas.openxmlformats.org/drawingml/2006/main" xmlns:r="http://schemas.openxmlformats.org/officeDocument/2006/relationships" xmlns:p="http://schemas.openxmlformats.org/presentationml/2006/main">
-  <p:cSld>
-    <p:spTree>
-      <p:nvGrpSpPr>
-        <p:cNvPr id="1" name=""/>
-        <p:cNvGrpSpPr/>
-        <p:nvPr/>
-      </p:nvGrpSpPr>
-      <p:grpSpPr>
-        <a:xfrm>
-          <a:off x="0" y="0"/>
-          <a:ext cx="0" cy="0"/>
-          <a:chOff x="0" y="0"/>
-          <a:chExt cx="0" cy="0"/>
-        </a:xfrm>
-      </p:grpSpPr>
-      <p:sp>
-        <p:nvSpPr>
           <p:cNvPr id="2" name="Title 1"/>
           <p:cNvSpPr>
             <a:spLocks noGrp="1"/>
@@ -12968,7 +10172,7 @@
 </p:sld>
 </file>
 
-<file path=ppt/slides/slide7.xml><?xml version="1.0" encoding="utf-8"?>
+<file path=ppt/slides/slide6.xml><?xml version="1.0" encoding="utf-8"?>
 <p:sld xmlns:a="http://schemas.openxmlformats.org/drawingml/2006/main" xmlns:r="http://schemas.openxmlformats.org/officeDocument/2006/relationships" xmlns:p="http://schemas.openxmlformats.org/presentationml/2006/main">
   <p:cSld>
     <p:spTree>

--- a/LIQ19_Workbook_v001_20190111.pptx
+++ b/LIQ19_Workbook_v001_20190111.pptx
@@ -5,7 +5,7 @@
     <p:sldMasterId id="2147483648" r:id="rId1"/>
   </p:sldMasterIdLst>
   <p:handoutMasterIdLst>
-    <p:handoutMasterId r:id="rId8"/>
+    <p:handoutMasterId r:id="rId10"/>
   </p:handoutMasterIdLst>
   <p:sldIdLst>
     <p:sldId id="455" r:id="rId2"/>
@@ -14,6 +14,8 @@
     <p:sldId id="454" r:id="rId5"/>
     <p:sldId id="445" r:id="rId6"/>
     <p:sldId id="446" r:id="rId7"/>
+    <p:sldId id="456" r:id="rId8"/>
+    <p:sldId id="457" r:id="rId9"/>
   </p:sldIdLst>
   <p:sldSz cx="9144000" cy="6858000" type="screen4x3"/>
   <p:notesSz cx="6881813" cy="9296400"/>
@@ -213,7 +215,7 @@
           <a:p>
             <a:fld id="{1D1842AD-6A96-48BC-A215-960D88E649F7}" type="datetimeFigureOut">
               <a:rPr lang="es-MX" smtClean="0"/>
-              <a:t>21/01/2019</a:t>
+              <a:t>22/01/2019</a:t>
             </a:fld>
             <a:endParaRPr lang="es-MX"/>
           </a:p>
@@ -478,7 +480,7 @@
             <a:fld id="{1D8BD707-D9CF-40AE-B4C6-C98DA3205C09}" type="datetimeFigureOut">
               <a:rPr lang="en-US" smtClean="0"/>
               <a:pPr/>
-              <a:t>1/21/2019</a:t>
+              <a:t>1/22/2019</a:t>
             </a:fld>
             <a:endParaRPr lang="en-US"/>
           </a:p>
@@ -752,7 +754,7 @@
             <a:fld id="{1D8BD707-D9CF-40AE-B4C6-C98DA3205C09}" type="datetimeFigureOut">
               <a:rPr lang="en-US" smtClean="0"/>
               <a:pPr/>
-              <a:t>1/21/2019</a:t>
+              <a:t>1/22/2019</a:t>
             </a:fld>
             <a:endParaRPr lang="en-US"/>
           </a:p>
@@ -1002,7 +1004,7 @@
             <a:fld id="{1D8BD707-D9CF-40AE-B4C6-C98DA3205C09}" type="datetimeFigureOut">
               <a:rPr lang="en-US" smtClean="0"/>
               <a:pPr/>
-              <a:t>1/21/2019</a:t>
+              <a:t>1/22/2019</a:t>
             </a:fld>
             <a:endParaRPr lang="en-US"/>
           </a:p>
@@ -1169,7 +1171,7 @@
             <a:fld id="{1D8BD707-D9CF-40AE-B4C6-C98DA3205C09}" type="datetimeFigureOut">
               <a:rPr lang="en-US" smtClean="0"/>
               <a:pPr/>
-              <a:t>1/21/2019</a:t>
+              <a:t>1/22/2019</a:t>
             </a:fld>
             <a:endParaRPr lang="en-US"/>
           </a:p>
@@ -1346,7 +1348,7 @@
             <a:fld id="{1D8BD707-D9CF-40AE-B4C6-C98DA3205C09}" type="datetimeFigureOut">
               <a:rPr lang="en-US" smtClean="0"/>
               <a:pPr/>
-              <a:t>1/21/2019</a:t>
+              <a:t>1/22/2019</a:t>
             </a:fld>
             <a:endParaRPr lang="en-US"/>
           </a:p>
@@ -3126,7 +3128,7 @@
             <a:fld id="{1D8BD707-D9CF-40AE-B4C6-C98DA3205C09}" type="datetimeFigureOut">
               <a:rPr lang="en-US" smtClean="0"/>
               <a:pPr/>
-              <a:t>1/21/2019</a:t>
+              <a:t>1/22/2019</a:t>
             </a:fld>
             <a:endParaRPr lang="en-US"/>
           </a:p>
@@ -3411,7 +3413,7 @@
             <a:fld id="{1D8BD707-D9CF-40AE-B4C6-C98DA3205C09}" type="datetimeFigureOut">
               <a:rPr lang="en-US" smtClean="0"/>
               <a:pPr/>
-              <a:t>1/21/2019</a:t>
+              <a:t>1/22/2019</a:t>
             </a:fld>
             <a:endParaRPr lang="en-US"/>
           </a:p>
@@ -3830,7 +3832,7 @@
             <a:fld id="{1D8BD707-D9CF-40AE-B4C6-C98DA3205C09}" type="datetimeFigureOut">
               <a:rPr lang="en-US" smtClean="0"/>
               <a:pPr/>
-              <a:t>1/21/2019</a:t>
+              <a:t>1/22/2019</a:t>
             </a:fld>
             <a:endParaRPr lang="en-US"/>
           </a:p>
@@ -3945,7 +3947,7 @@
             <a:fld id="{1D8BD707-D9CF-40AE-B4C6-C98DA3205C09}" type="datetimeFigureOut">
               <a:rPr lang="en-US" smtClean="0"/>
               <a:pPr/>
-              <a:t>1/21/2019</a:t>
+              <a:t>1/22/2019</a:t>
             </a:fld>
             <a:endParaRPr lang="en-US"/>
           </a:p>
@@ -4037,7 +4039,7 @@
             <a:fld id="{1D8BD707-D9CF-40AE-B4C6-C98DA3205C09}" type="datetimeFigureOut">
               <a:rPr lang="en-US" smtClean="0"/>
               <a:pPr/>
-              <a:t>1/21/2019</a:t>
+              <a:t>1/22/2019</a:t>
             </a:fld>
             <a:endParaRPr lang="en-US"/>
           </a:p>
@@ -4247,7 +4249,7 @@
             <a:fld id="{1D8BD707-D9CF-40AE-B4C6-C98DA3205C09}" type="datetimeFigureOut">
               <a:rPr lang="en-US" smtClean="0"/>
               <a:pPr/>
-              <a:t>1/21/2019</a:t>
+              <a:t>1/22/2019</a:t>
             </a:fld>
             <a:endParaRPr lang="en-US"/>
           </a:p>
@@ -6595,27 +6597,7 @@
                   </a:schemeClr>
                 </a:solidFill>
               </a:rPr>
-              <a:t>[</a:t>
-            </a:r>
-            <a:r>
-              <a:rPr lang="en-US" sz="1100" b="1" i="1" dirty="0" smtClean="0">
-                <a:solidFill>
-                  <a:schemeClr val="bg1">
-                    <a:lumMod val="65000"/>
-                  </a:schemeClr>
-                </a:solidFill>
-              </a:rPr>
-              <a:t>CYC</a:t>
-            </a:r>
-            <a:r>
-              <a:rPr lang="en-US" sz="1100" b="1" i="1" dirty="0" smtClean="0">
-                <a:solidFill>
-                  <a:schemeClr val="bg1">
-                    <a:lumMod val="65000"/>
-                  </a:schemeClr>
-                </a:solidFill>
-              </a:rPr>
-              <a:t>]</a:t>
+              <a:t>[CYC]</a:t>
             </a:r>
             <a:endParaRPr lang="es-MX" sz="1100" b="1" dirty="0" smtClean="0">
               <a:solidFill>
@@ -10012,6 +9994,107 @@
           </a:fontRef>
         </p:style>
       </p:cxnSp>
+      <p:sp>
+        <p:nvSpPr>
+          <p:cNvPr id="42" name="Rectangle 132"/>
+          <p:cNvSpPr/>
+          <p:nvPr/>
+        </p:nvSpPr>
+        <p:spPr>
+          <a:xfrm>
+            <a:off x="609600" y="1964557"/>
+            <a:ext cx="1800000" cy="274320"/>
+          </a:xfrm>
+          <a:prstGeom prst="rect">
+            <a:avLst/>
+          </a:prstGeom>
+          <a:solidFill>
+            <a:schemeClr val="bg1"/>
+          </a:solidFill>
+          <a:ln w="12700">
+            <a:prstDash val="solid"/>
+          </a:ln>
+        </p:spPr>
+        <p:style>
+          <a:lnRef idx="2">
+            <a:schemeClr val="accent1">
+              <a:shade val="50000"/>
+            </a:schemeClr>
+          </a:lnRef>
+          <a:fillRef idx="1">
+            <a:schemeClr val="accent1"/>
+          </a:fillRef>
+          <a:effectRef idx="0">
+            <a:schemeClr val="accent1"/>
+          </a:effectRef>
+          <a:fontRef idx="minor">
+            <a:schemeClr val="lt1"/>
+          </a:fontRef>
+        </p:style>
+        <p:txBody>
+          <a:bodyPr rtlCol="0" anchor="ctr"/>
+          <a:lstStyle/>
+          <a:p>
+            <a:pPr algn="ctr"/>
+            <a:r>
+              <a:rPr lang="en-US" sz="1050" b="1" dirty="0" smtClean="0">
+                <a:solidFill>
+                  <a:srgbClr val="00B050"/>
+                </a:solidFill>
+              </a:rPr>
+              <a:t>UNIDAD</a:t>
+            </a:r>
+            <a:endParaRPr lang="es-MX" sz="1050" b="1" dirty="0">
+              <a:solidFill>
+                <a:srgbClr val="00B050"/>
+              </a:solidFill>
+            </a:endParaRPr>
+          </a:p>
+        </p:txBody>
+      </p:sp>
+      <p:cxnSp>
+        <p:nvCxnSpPr>
+          <p:cNvPr id="44" name="Shape 33"/>
+          <p:cNvCxnSpPr>
+            <a:stCxn id="42" idx="2"/>
+            <a:endCxn id="67" idx="1"/>
+          </p:cNvCxnSpPr>
+          <p:nvPr/>
+        </p:nvCxnSpPr>
+        <p:spPr>
+          <a:xfrm rot="5400000">
+            <a:off x="565058" y="2499697"/>
+            <a:ext cx="1205363" cy="683722"/>
+          </a:xfrm>
+          <a:prstGeom prst="bentConnector4">
+            <a:avLst>
+              <a:gd name="adj1" fmla="val 44310"/>
+              <a:gd name="adj2" fmla="val 133435"/>
+            </a:avLst>
+          </a:prstGeom>
+          <a:ln w="12700">
+            <a:solidFill>
+              <a:schemeClr val="tx1"/>
+            </a:solidFill>
+            <a:headEnd type="none" w="med" len="med"/>
+            <a:tailEnd type="arrow" w="med" len="med"/>
+          </a:ln>
+        </p:spPr>
+        <p:style>
+          <a:lnRef idx="1">
+            <a:schemeClr val="accent1"/>
+          </a:lnRef>
+          <a:fillRef idx="0">
+            <a:schemeClr val="accent1"/>
+          </a:fillRef>
+          <a:effectRef idx="0">
+            <a:schemeClr val="accent1"/>
+          </a:effectRef>
+          <a:fontRef idx="minor">
+            <a:schemeClr val="tx1"/>
+          </a:fontRef>
+        </p:style>
+      </p:cxnSp>
     </p:spTree>
     <p:extLst>
       <p:ext uri="{BB962C8B-B14F-4D97-AF65-F5344CB8AC3E}">
@@ -10362,6 +10445,1347 @@
     <p:extLst>
       <p:ext uri="{BB962C8B-B14F-4D97-AF65-F5344CB8AC3E}">
         <p14:creationId xmlns:p14="http://schemas.microsoft.com/office/powerpoint/2010/main" val="2146729382"/>
+      </p:ext>
+    </p:extLst>
+  </p:cSld>
+  <p:clrMapOvr>
+    <a:masterClrMapping/>
+  </p:clrMapOvr>
+  <p:timing>
+    <p:tnLst>
+      <p:par>
+        <p:cTn id="1" dur="indefinite" restart="never" nodeType="tmRoot"/>
+      </p:par>
+    </p:tnLst>
+  </p:timing>
+</p:sld>
+</file>
+
+<file path=ppt/slides/slide7.xml><?xml version="1.0" encoding="utf-8"?>
+<p:sld xmlns:a="http://schemas.openxmlformats.org/drawingml/2006/main" xmlns:r="http://schemas.openxmlformats.org/officeDocument/2006/relationships" xmlns:p="http://schemas.openxmlformats.org/presentationml/2006/main">
+  <p:cSld>
+    <p:spTree>
+      <p:nvGrpSpPr>
+        <p:cNvPr id="1" name=""/>
+        <p:cNvGrpSpPr/>
+        <p:nvPr/>
+      </p:nvGrpSpPr>
+      <p:grpSpPr>
+        <a:xfrm>
+          <a:off x="0" y="0"/>
+          <a:ext cx="0" cy="0"/>
+          <a:chOff x="0" y="0"/>
+          <a:chExt cx="0" cy="0"/>
+        </a:xfrm>
+      </p:grpSpPr>
+      <p:sp>
+        <p:nvSpPr>
+          <p:cNvPr id="2" name="Title 1"/>
+          <p:cNvSpPr>
+            <a:spLocks noGrp="1"/>
+          </p:cNvSpPr>
+          <p:nvPr>
+            <p:ph type="ctrTitle"/>
+          </p:nvPr>
+        </p:nvSpPr>
+        <p:spPr/>
+        <p:txBody>
+          <a:bodyPr>
+            <a:normAutofit/>
+          </a:bodyPr>
+          <a:lstStyle/>
+          <a:p>
+            <a:r>
+              <a:rPr lang="es-MX" b="1" dirty="0" smtClean="0">
+                <a:latin typeface="Century Gothic" panose="020B0502020202020204" pitchFamily="34" charset="0"/>
+              </a:rPr>
+              <a:t>[WF]</a:t>
+            </a:r>
+            <a:r>
+              <a:rPr lang="es-MX" dirty="0" smtClean="0">
+                <a:latin typeface="Century Gothic" panose="020B0502020202020204" pitchFamily="34" charset="0"/>
+              </a:rPr>
+              <a:t> </a:t>
+            </a:r>
+            <a:r>
+              <a:rPr lang="es-MX" dirty="0" err="1" smtClean="0">
+                <a:latin typeface="Century Gothic" panose="020B0502020202020204" pitchFamily="34" charset="0"/>
+              </a:rPr>
+              <a:t>Work</a:t>
+            </a:r>
+            <a:r>
+              <a:rPr lang="es-MX" dirty="0" err="1">
+                <a:latin typeface="Century Gothic" panose="020B0502020202020204" pitchFamily="34" charset="0"/>
+              </a:rPr>
+              <a:t>f</a:t>
+            </a:r>
+            <a:r>
+              <a:rPr lang="es-MX" dirty="0" err="1" smtClean="0">
+                <a:latin typeface="Century Gothic" panose="020B0502020202020204" pitchFamily="34" charset="0"/>
+              </a:rPr>
+              <a:t>lows</a:t>
+            </a:r>
+            <a:endParaRPr lang="es-MX" dirty="0">
+              <a:latin typeface="Century Gothic" panose="020B0502020202020204" pitchFamily="34" charset="0"/>
+            </a:endParaRPr>
+          </a:p>
+        </p:txBody>
+      </p:sp>
+      <p:sp>
+        <p:nvSpPr>
+          <p:cNvPr id="3" name="Subtitle 2"/>
+          <p:cNvSpPr>
+            <a:spLocks noGrp="1"/>
+          </p:cNvSpPr>
+          <p:nvPr>
+            <p:ph type="subTitle" idx="1"/>
+          </p:nvPr>
+        </p:nvSpPr>
+        <p:spPr/>
+        <p:txBody>
+          <a:bodyPr>
+            <a:normAutofit/>
+          </a:bodyPr>
+          <a:lstStyle/>
+          <a:p>
+            <a:endParaRPr lang="es-MX" sz="2200" dirty="0" smtClean="0">
+              <a:latin typeface="Century Gothic" panose="020B0502020202020204" pitchFamily="34" charset="0"/>
+            </a:endParaRPr>
+          </a:p>
+          <a:p>
+            <a:endParaRPr lang="es-MX" sz="2200" dirty="0" smtClean="0">
+              <a:latin typeface="Century Gothic" panose="020B0502020202020204" pitchFamily="34" charset="0"/>
+            </a:endParaRPr>
+          </a:p>
+          <a:p>
+            <a:endParaRPr lang="es-MX" sz="2200" dirty="0">
+              <a:latin typeface="Century Gothic" panose="020B0502020202020204" pitchFamily="34" charset="0"/>
+            </a:endParaRPr>
+          </a:p>
+          <a:p>
+            <a:r>
+              <a:rPr lang="es-MX" sz="1800" dirty="0" smtClean="0">
+                <a:latin typeface="Century Gothic" panose="020B0502020202020204" pitchFamily="34" charset="0"/>
+              </a:rPr>
+              <a:t>[LIQ19] Liquidaciones </a:t>
+            </a:r>
+            <a:r>
+              <a:rPr lang="en-US" sz="1800" dirty="0" smtClean="0">
+                <a:latin typeface="Century Gothic" panose="020B0502020202020204" pitchFamily="34" charset="0"/>
+              </a:rPr>
+              <a:t>| </a:t>
+            </a:r>
+            <a:r>
+              <a:rPr lang="es-MX" sz="1800" dirty="0" smtClean="0">
+                <a:latin typeface="Century Gothic" panose="020B0502020202020204" pitchFamily="34" charset="0"/>
+              </a:rPr>
+              <a:t>v000</a:t>
+            </a:r>
+            <a:endParaRPr lang="es-MX" sz="1800" dirty="0">
+              <a:latin typeface="Century Gothic" panose="020B0502020202020204" pitchFamily="34" charset="0"/>
+            </a:endParaRPr>
+          </a:p>
+        </p:txBody>
+      </p:sp>
+    </p:spTree>
+    <p:extLst>
+      <p:ext uri="{BB962C8B-B14F-4D97-AF65-F5344CB8AC3E}">
+        <p14:creationId xmlns:p14="http://schemas.microsoft.com/office/powerpoint/2010/main" val="2062529150"/>
+      </p:ext>
+    </p:extLst>
+  </p:cSld>
+  <p:clrMapOvr>
+    <a:masterClrMapping/>
+  </p:clrMapOvr>
+  <p:timing>
+    <p:tnLst>
+      <p:par>
+        <p:cTn id="1" dur="indefinite" restart="never" nodeType="tmRoot"/>
+      </p:par>
+    </p:tnLst>
+  </p:timing>
+</p:sld>
+</file>
+
+<file path=ppt/slides/slide8.xml><?xml version="1.0" encoding="utf-8"?>
+<p:sld xmlns:a="http://schemas.openxmlformats.org/drawingml/2006/main" xmlns:r="http://schemas.openxmlformats.org/officeDocument/2006/relationships" xmlns:p="http://schemas.openxmlformats.org/presentationml/2006/main">
+  <p:cSld>
+    <p:spTree>
+      <p:nvGrpSpPr>
+        <p:cNvPr id="1" name=""/>
+        <p:cNvGrpSpPr/>
+        <p:nvPr/>
+      </p:nvGrpSpPr>
+      <p:grpSpPr>
+        <a:xfrm>
+          <a:off x="0" y="0"/>
+          <a:ext cx="0" cy="0"/>
+          <a:chOff x="0" y="0"/>
+          <a:chExt cx="0" cy="0"/>
+        </a:xfrm>
+      </p:grpSpPr>
+      <p:sp>
+        <p:nvSpPr>
+          <p:cNvPr id="60" name="Rectángulo 59"/>
+          <p:cNvSpPr/>
+          <p:nvPr/>
+        </p:nvSpPr>
+        <p:spPr>
+          <a:xfrm>
+            <a:off x="2667000" y="2057400"/>
+            <a:ext cx="4076695" cy="4343400"/>
+          </a:xfrm>
+          <a:prstGeom prst="rect">
+            <a:avLst/>
+          </a:prstGeom>
+          <a:solidFill>
+            <a:schemeClr val="bg1"/>
+          </a:solidFill>
+          <a:ln w="12700"/>
+        </p:spPr>
+        <p:style>
+          <a:lnRef idx="2">
+            <a:schemeClr val="accent1">
+              <a:shade val="50000"/>
+            </a:schemeClr>
+          </a:lnRef>
+          <a:fillRef idx="1">
+            <a:schemeClr val="accent1"/>
+          </a:fillRef>
+          <a:effectRef idx="0">
+            <a:schemeClr val="accent1"/>
+          </a:effectRef>
+          <a:fontRef idx="minor">
+            <a:schemeClr val="lt1"/>
+          </a:fontRef>
+        </p:style>
+        <p:txBody>
+          <a:bodyPr rtlCol="0" anchor="t" anchorCtr="0"/>
+          <a:lstStyle/>
+          <a:p>
+            <a:pPr algn="r"/>
+            <a:r>
+              <a:rPr lang="es-MX" sz="1200" b="1" smtClean="0">
+                <a:solidFill>
+                  <a:schemeClr val="bg1">
+                    <a:lumMod val="50000"/>
+                  </a:schemeClr>
+                </a:solidFill>
+                <a:latin typeface="Courier New" panose="02070309020205020404" pitchFamily="49" charset="0"/>
+                <a:cs typeface="Courier New" panose="02070309020205020404" pitchFamily="49" charset="0"/>
+              </a:rPr>
+              <a:t>ESTATUS_PRELIQUIDACION</a:t>
+            </a:r>
+            <a:endParaRPr lang="es-MX" sz="1200" dirty="0">
+              <a:solidFill>
+                <a:schemeClr val="bg1">
+                  <a:lumMod val="50000"/>
+                </a:schemeClr>
+              </a:solidFill>
+            </a:endParaRPr>
+          </a:p>
+        </p:txBody>
+      </p:sp>
+      <p:sp>
+        <p:nvSpPr>
+          <p:cNvPr id="2" name="Título 1"/>
+          <p:cNvSpPr>
+            <a:spLocks noGrp="1"/>
+          </p:cNvSpPr>
+          <p:nvPr>
+            <p:ph type="title"/>
+          </p:nvPr>
+        </p:nvSpPr>
+        <p:spPr/>
+        <p:txBody>
+          <a:bodyPr>
+            <a:normAutofit/>
+          </a:bodyPr>
+          <a:lstStyle/>
+          <a:p>
+            <a:r>
+              <a:rPr lang="es-MX" sz="2000" dirty="0" smtClean="0">
+                <a:latin typeface="Century Gothic" panose="020B0502020202020204" pitchFamily="34" charset="0"/>
+              </a:rPr>
+              <a:t>[PPT] </a:t>
+            </a:r>
+            <a:r>
+              <a:rPr lang="es-MX" sz="2000" b="0" dirty="0" smtClean="0">
+                <a:latin typeface="Century Gothic" panose="020B0502020202020204" pitchFamily="34" charset="0"/>
+              </a:rPr>
+              <a:t>PLAN DE GASTO Y PRESUESTO</a:t>
+            </a:r>
+            <a:br>
+              <a:rPr lang="es-MX" sz="2000" b="0" dirty="0" smtClean="0">
+                <a:latin typeface="Century Gothic" panose="020B0502020202020204" pitchFamily="34" charset="0"/>
+              </a:rPr>
+            </a:br>
+            <a:r>
+              <a:rPr lang="es-MX" dirty="0" smtClean="0">
+                <a:latin typeface="Century Gothic" panose="020B0502020202020204" pitchFamily="34" charset="0"/>
+              </a:rPr>
+              <a:t>WORKFLOWS</a:t>
+            </a:r>
+            <a:endParaRPr lang="es-MX" dirty="0"/>
+          </a:p>
+        </p:txBody>
+      </p:sp>
+      <p:cxnSp>
+        <p:nvCxnSpPr>
+          <p:cNvPr id="38" name="Shape 33"/>
+          <p:cNvCxnSpPr>
+            <a:stCxn id="30" idx="3"/>
+            <a:endCxn id="35" idx="0"/>
+          </p:cNvCxnSpPr>
+          <p:nvPr/>
+        </p:nvCxnSpPr>
+        <p:spPr>
+          <a:xfrm>
+            <a:off x="5525638" y="3244600"/>
+            <a:ext cx="279057" cy="2729480"/>
+          </a:xfrm>
+          <a:prstGeom prst="bentConnector2">
+            <a:avLst/>
+          </a:prstGeom>
+          <a:ln w="19050">
+            <a:solidFill>
+              <a:srgbClr val="00B050"/>
+            </a:solidFill>
+            <a:headEnd type="none" w="med" len="med"/>
+            <a:tailEnd type="arrow" w="med" len="med"/>
+          </a:ln>
+        </p:spPr>
+        <p:style>
+          <a:lnRef idx="1">
+            <a:schemeClr val="accent1"/>
+          </a:lnRef>
+          <a:fillRef idx="0">
+            <a:schemeClr val="accent1"/>
+          </a:fillRef>
+          <a:effectRef idx="0">
+            <a:schemeClr val="accent1"/>
+          </a:effectRef>
+          <a:fontRef idx="minor">
+            <a:schemeClr val="tx1"/>
+          </a:fontRef>
+        </p:style>
+      </p:cxnSp>
+      <p:cxnSp>
+        <p:nvCxnSpPr>
+          <p:cNvPr id="40" name="Shape 33"/>
+          <p:cNvCxnSpPr>
+            <a:stCxn id="25" idx="3"/>
+            <a:endCxn id="35" idx="0"/>
+          </p:cNvCxnSpPr>
+          <p:nvPr/>
+        </p:nvCxnSpPr>
+        <p:spPr>
+          <a:xfrm>
+            <a:off x="4265695" y="2527940"/>
+            <a:ext cx="1539000" cy="3446140"/>
+          </a:xfrm>
+          <a:prstGeom prst="bentConnector2">
+            <a:avLst/>
+          </a:prstGeom>
+          <a:ln w="19050">
+            <a:solidFill>
+              <a:srgbClr val="00B050"/>
+            </a:solidFill>
+            <a:headEnd type="none" w="med" len="med"/>
+            <a:tailEnd type="arrow" w="med" len="med"/>
+          </a:ln>
+        </p:spPr>
+        <p:style>
+          <a:lnRef idx="1">
+            <a:schemeClr val="accent1"/>
+          </a:lnRef>
+          <a:fillRef idx="0">
+            <a:schemeClr val="accent1"/>
+          </a:fillRef>
+          <a:effectRef idx="0">
+            <a:schemeClr val="accent1"/>
+          </a:effectRef>
+          <a:fontRef idx="minor">
+            <a:schemeClr val="tx1"/>
+          </a:fontRef>
+        </p:style>
+      </p:cxnSp>
+      <p:sp>
+        <p:nvSpPr>
+          <p:cNvPr id="25" name="Rectangle 132"/>
+          <p:cNvSpPr/>
+          <p:nvPr/>
+        </p:nvSpPr>
+        <p:spPr>
+          <a:xfrm>
+            <a:off x="2933695" y="2390780"/>
+            <a:ext cx="1332000" cy="274320"/>
+          </a:xfrm>
+          <a:prstGeom prst="rect">
+            <a:avLst/>
+          </a:prstGeom>
+          <a:solidFill>
+            <a:schemeClr val="bg1"/>
+          </a:solidFill>
+          <a:ln w="12700">
+            <a:prstDash val="solid"/>
+          </a:ln>
+        </p:spPr>
+        <p:style>
+          <a:lnRef idx="2">
+            <a:schemeClr val="accent1">
+              <a:shade val="50000"/>
+            </a:schemeClr>
+          </a:lnRef>
+          <a:fillRef idx="1">
+            <a:schemeClr val="accent1"/>
+          </a:fillRef>
+          <a:effectRef idx="0">
+            <a:schemeClr val="accent1"/>
+          </a:effectRef>
+          <a:fontRef idx="minor">
+            <a:schemeClr val="lt1"/>
+          </a:fontRef>
+        </p:style>
+        <p:txBody>
+          <a:bodyPr rtlCol="0" anchor="ctr"/>
+          <a:lstStyle/>
+          <a:p>
+            <a:pPr algn="ctr"/>
+            <a:r>
+              <a:rPr lang="es-MX" sz="1050" b="1" dirty="0">
+                <a:solidFill>
+                  <a:schemeClr val="tx1"/>
+                </a:solidFill>
+              </a:rPr>
+              <a:t>[#1] </a:t>
+            </a:r>
+            <a:r>
+              <a:rPr lang="es-MX" sz="1050" b="1" dirty="0" smtClean="0">
+                <a:solidFill>
+                  <a:schemeClr val="tx1"/>
+                </a:solidFill>
+              </a:rPr>
+              <a:t>RECIBIDA</a:t>
+            </a:r>
+            <a:endParaRPr lang="es-MX" sz="1050" b="1" dirty="0">
+              <a:solidFill>
+                <a:schemeClr val="tx1"/>
+              </a:solidFill>
+            </a:endParaRPr>
+          </a:p>
+        </p:txBody>
+      </p:sp>
+      <p:sp>
+        <p:nvSpPr>
+          <p:cNvPr id="28" name="Rectangle 132"/>
+          <p:cNvSpPr/>
+          <p:nvPr/>
+        </p:nvSpPr>
+        <p:spPr>
+          <a:xfrm>
+            <a:off x="2933695" y="3824100"/>
+            <a:ext cx="1332000" cy="274320"/>
+          </a:xfrm>
+          <a:prstGeom prst="rect">
+            <a:avLst/>
+          </a:prstGeom>
+          <a:solidFill>
+            <a:schemeClr val="bg1"/>
+          </a:solidFill>
+          <a:ln w="12700">
+            <a:prstDash val="solid"/>
+          </a:ln>
+        </p:spPr>
+        <p:style>
+          <a:lnRef idx="2">
+            <a:schemeClr val="accent1">
+              <a:shade val="50000"/>
+            </a:schemeClr>
+          </a:lnRef>
+          <a:fillRef idx="1">
+            <a:schemeClr val="accent1"/>
+          </a:fillRef>
+          <a:effectRef idx="0">
+            <a:schemeClr val="accent1"/>
+          </a:effectRef>
+          <a:fontRef idx="minor">
+            <a:schemeClr val="lt1"/>
+          </a:fontRef>
+        </p:style>
+        <p:txBody>
+          <a:bodyPr rtlCol="0" anchor="ctr"/>
+          <a:lstStyle/>
+          <a:p>
+            <a:pPr algn="ctr"/>
+            <a:r>
+              <a:rPr lang="es-MX" sz="1050" b="1" dirty="0" smtClean="0">
+                <a:solidFill>
+                  <a:schemeClr val="tx1"/>
+                </a:solidFill>
+              </a:rPr>
+              <a:t>[#</a:t>
+            </a:r>
+            <a:r>
+              <a:rPr lang="es-MX" sz="1050" b="1" dirty="0">
+                <a:solidFill>
+                  <a:schemeClr val="tx1"/>
+                </a:solidFill>
+              </a:rPr>
+              <a:t>3</a:t>
+            </a:r>
+            <a:r>
+              <a:rPr lang="es-MX" sz="1050" b="1" dirty="0" smtClean="0">
+                <a:solidFill>
+                  <a:schemeClr val="tx1"/>
+                </a:solidFill>
+              </a:rPr>
+              <a:t>] AUTORIZADA</a:t>
+            </a:r>
+            <a:endParaRPr lang="es-MX" sz="1050" b="1" dirty="0">
+              <a:solidFill>
+                <a:schemeClr val="tx1"/>
+              </a:solidFill>
+            </a:endParaRPr>
+          </a:p>
+        </p:txBody>
+      </p:sp>
+      <p:sp>
+        <p:nvSpPr>
+          <p:cNvPr id="30" name="Rectangle 132"/>
+          <p:cNvSpPr/>
+          <p:nvPr/>
+        </p:nvSpPr>
+        <p:spPr>
+          <a:xfrm>
+            <a:off x="4193638" y="3107440"/>
+            <a:ext cx="1332000" cy="274320"/>
+          </a:xfrm>
+          <a:prstGeom prst="rect">
+            <a:avLst/>
+          </a:prstGeom>
+          <a:solidFill>
+            <a:schemeClr val="bg1"/>
+          </a:solidFill>
+          <a:ln w="12700">
+            <a:prstDash val="solid"/>
+          </a:ln>
+        </p:spPr>
+        <p:style>
+          <a:lnRef idx="2">
+            <a:schemeClr val="accent1">
+              <a:shade val="50000"/>
+            </a:schemeClr>
+          </a:lnRef>
+          <a:fillRef idx="1">
+            <a:schemeClr val="accent1"/>
+          </a:fillRef>
+          <a:effectRef idx="0">
+            <a:schemeClr val="accent1"/>
+          </a:effectRef>
+          <a:fontRef idx="minor">
+            <a:schemeClr val="lt1"/>
+          </a:fontRef>
+        </p:style>
+        <p:txBody>
+          <a:bodyPr rtlCol="0" anchor="ctr"/>
+          <a:lstStyle/>
+          <a:p>
+            <a:pPr algn="ctr"/>
+            <a:r>
+              <a:rPr lang="es-MX" sz="1050" b="1" dirty="0" smtClean="0">
+                <a:solidFill>
+                  <a:schemeClr val="tx1"/>
+                </a:solidFill>
+              </a:rPr>
+              <a:t>[#</a:t>
+            </a:r>
+            <a:r>
+              <a:rPr lang="es-MX" sz="1050" b="1" dirty="0">
+                <a:solidFill>
+                  <a:schemeClr val="tx1"/>
+                </a:solidFill>
+              </a:rPr>
+              <a:t>2</a:t>
+            </a:r>
+            <a:r>
+              <a:rPr lang="es-MX" sz="1050" b="1" dirty="0" smtClean="0">
+                <a:solidFill>
+                  <a:schemeClr val="tx1"/>
+                </a:solidFill>
+              </a:rPr>
+              <a:t>] ACLARACION</a:t>
+            </a:r>
+            <a:endParaRPr lang="es-MX" sz="1050" b="1" dirty="0">
+              <a:solidFill>
+                <a:schemeClr val="tx1"/>
+              </a:solidFill>
+            </a:endParaRPr>
+          </a:p>
+        </p:txBody>
+      </p:sp>
+      <p:sp>
+        <p:nvSpPr>
+          <p:cNvPr id="31" name="Rectangle 132"/>
+          <p:cNvSpPr/>
+          <p:nvPr/>
+        </p:nvSpPr>
+        <p:spPr>
+          <a:xfrm>
+            <a:off x="2933695" y="5257420"/>
+            <a:ext cx="1332000" cy="274320"/>
+          </a:xfrm>
+          <a:prstGeom prst="rect">
+            <a:avLst/>
+          </a:prstGeom>
+          <a:solidFill>
+            <a:schemeClr val="bg1"/>
+          </a:solidFill>
+          <a:ln w="12700">
+            <a:prstDash val="solid"/>
+          </a:ln>
+        </p:spPr>
+        <p:style>
+          <a:lnRef idx="2">
+            <a:schemeClr val="accent1">
+              <a:shade val="50000"/>
+            </a:schemeClr>
+          </a:lnRef>
+          <a:fillRef idx="1">
+            <a:schemeClr val="accent1"/>
+          </a:fillRef>
+          <a:effectRef idx="0">
+            <a:schemeClr val="accent1"/>
+          </a:effectRef>
+          <a:fontRef idx="minor">
+            <a:schemeClr val="lt1"/>
+          </a:fontRef>
+        </p:style>
+        <p:txBody>
+          <a:bodyPr rtlCol="0" anchor="ctr"/>
+          <a:lstStyle/>
+          <a:p>
+            <a:pPr algn="ctr"/>
+            <a:r>
+              <a:rPr lang="es-MX" sz="1050" b="1" dirty="0" smtClean="0">
+                <a:solidFill>
+                  <a:schemeClr val="tx1"/>
+                </a:solidFill>
+              </a:rPr>
+              <a:t>[#</a:t>
+            </a:r>
+            <a:r>
+              <a:rPr lang="es-MX" sz="1050" b="1" dirty="0">
+                <a:solidFill>
+                  <a:schemeClr val="tx1"/>
+                </a:solidFill>
+              </a:rPr>
+              <a:t>5] </a:t>
+            </a:r>
+            <a:r>
+              <a:rPr lang="es-MX" sz="1050" b="1" dirty="0" smtClean="0">
+                <a:solidFill>
+                  <a:schemeClr val="tx1"/>
+                </a:solidFill>
+              </a:rPr>
+              <a:t>PAGOS</a:t>
+            </a:r>
+            <a:endParaRPr lang="es-MX" sz="1050" b="1" dirty="0">
+              <a:solidFill>
+                <a:schemeClr val="tx1"/>
+              </a:solidFill>
+            </a:endParaRPr>
+          </a:p>
+        </p:txBody>
+      </p:sp>
+      <p:sp>
+        <p:nvSpPr>
+          <p:cNvPr id="32" name="Rectangle 132"/>
+          <p:cNvSpPr/>
+          <p:nvPr/>
+        </p:nvSpPr>
+        <p:spPr>
+          <a:xfrm>
+            <a:off x="2933695" y="4540760"/>
+            <a:ext cx="1332000" cy="274320"/>
+          </a:xfrm>
+          <a:prstGeom prst="rect">
+            <a:avLst/>
+          </a:prstGeom>
+          <a:solidFill>
+            <a:schemeClr val="bg1"/>
+          </a:solidFill>
+          <a:ln w="12700">
+            <a:prstDash val="solid"/>
+          </a:ln>
+        </p:spPr>
+        <p:style>
+          <a:lnRef idx="2">
+            <a:schemeClr val="accent1">
+              <a:shade val="50000"/>
+            </a:schemeClr>
+          </a:lnRef>
+          <a:fillRef idx="1">
+            <a:schemeClr val="accent1"/>
+          </a:fillRef>
+          <a:effectRef idx="0">
+            <a:schemeClr val="accent1"/>
+          </a:effectRef>
+          <a:fontRef idx="minor">
+            <a:schemeClr val="lt1"/>
+          </a:fontRef>
+        </p:style>
+        <p:txBody>
+          <a:bodyPr rtlCol="0" anchor="ctr"/>
+          <a:lstStyle/>
+          <a:p>
+            <a:pPr algn="ctr"/>
+            <a:r>
+              <a:rPr lang="es-MX" sz="1050" b="1" dirty="0" smtClean="0">
+                <a:solidFill>
+                  <a:schemeClr val="tx1"/>
+                </a:solidFill>
+              </a:rPr>
+              <a:t>[#</a:t>
+            </a:r>
+            <a:r>
+              <a:rPr lang="es-MX" sz="1050" b="1" dirty="0">
+                <a:solidFill>
+                  <a:schemeClr val="tx1"/>
+                </a:solidFill>
+              </a:rPr>
+              <a:t>4] </a:t>
+            </a:r>
+            <a:r>
+              <a:rPr lang="es-MX" sz="1050" b="1" dirty="0" smtClean="0">
+                <a:solidFill>
+                  <a:schemeClr val="tx1"/>
+                </a:solidFill>
+              </a:rPr>
+              <a:t>PROGRAMADO</a:t>
+            </a:r>
+            <a:endParaRPr lang="es-MX" sz="1050" b="1" dirty="0">
+              <a:solidFill>
+                <a:schemeClr val="tx1"/>
+              </a:solidFill>
+            </a:endParaRPr>
+          </a:p>
+        </p:txBody>
+      </p:sp>
+      <p:sp>
+        <p:nvSpPr>
+          <p:cNvPr id="35" name="Rectangle 132"/>
+          <p:cNvSpPr/>
+          <p:nvPr/>
+        </p:nvSpPr>
+        <p:spPr>
+          <a:xfrm>
+            <a:off x="5138695" y="5974080"/>
+            <a:ext cx="1332000" cy="274320"/>
+          </a:xfrm>
+          <a:prstGeom prst="rect">
+            <a:avLst/>
+          </a:prstGeom>
+          <a:solidFill>
+            <a:schemeClr val="bg1"/>
+          </a:solidFill>
+          <a:ln w="12700">
+            <a:prstDash val="solid"/>
+          </a:ln>
+        </p:spPr>
+        <p:style>
+          <a:lnRef idx="2">
+            <a:schemeClr val="accent1">
+              <a:shade val="50000"/>
+            </a:schemeClr>
+          </a:lnRef>
+          <a:fillRef idx="1">
+            <a:schemeClr val="accent1"/>
+          </a:fillRef>
+          <a:effectRef idx="0">
+            <a:schemeClr val="accent1"/>
+          </a:effectRef>
+          <a:fontRef idx="minor">
+            <a:schemeClr val="lt1"/>
+          </a:fontRef>
+        </p:style>
+        <p:txBody>
+          <a:bodyPr rtlCol="0" anchor="ctr"/>
+          <a:lstStyle/>
+          <a:p>
+            <a:pPr algn="ctr"/>
+            <a:r>
+              <a:rPr lang="es-MX" sz="1050" b="1" dirty="0" smtClean="0">
+                <a:solidFill>
+                  <a:schemeClr val="tx1"/>
+                </a:solidFill>
+              </a:rPr>
+              <a:t>[#7] CANCELADO</a:t>
+            </a:r>
+            <a:endParaRPr lang="es-MX" sz="1050" b="1" dirty="0">
+              <a:solidFill>
+                <a:schemeClr val="tx1"/>
+              </a:solidFill>
+            </a:endParaRPr>
+          </a:p>
+        </p:txBody>
+      </p:sp>
+      <p:cxnSp>
+        <p:nvCxnSpPr>
+          <p:cNvPr id="36" name="Shape 33"/>
+          <p:cNvCxnSpPr>
+            <a:stCxn id="32" idx="3"/>
+            <a:endCxn id="35" idx="0"/>
+          </p:cNvCxnSpPr>
+          <p:nvPr/>
+        </p:nvCxnSpPr>
+        <p:spPr>
+          <a:xfrm>
+            <a:off x="4265695" y="4677920"/>
+            <a:ext cx="1539000" cy="1296160"/>
+          </a:xfrm>
+          <a:prstGeom prst="bentConnector2">
+            <a:avLst/>
+          </a:prstGeom>
+          <a:ln w="19050">
+            <a:solidFill>
+              <a:srgbClr val="00B050"/>
+            </a:solidFill>
+            <a:headEnd type="none" w="med" len="med"/>
+            <a:tailEnd type="arrow" w="med" len="med"/>
+          </a:ln>
+        </p:spPr>
+        <p:style>
+          <a:lnRef idx="1">
+            <a:schemeClr val="accent1"/>
+          </a:lnRef>
+          <a:fillRef idx="0">
+            <a:schemeClr val="accent1"/>
+          </a:fillRef>
+          <a:effectRef idx="0">
+            <a:schemeClr val="accent1"/>
+          </a:effectRef>
+          <a:fontRef idx="minor">
+            <a:schemeClr val="tx1"/>
+          </a:fontRef>
+        </p:style>
+      </p:cxnSp>
+      <p:cxnSp>
+        <p:nvCxnSpPr>
+          <p:cNvPr id="41" name="Shape 33"/>
+          <p:cNvCxnSpPr>
+            <a:stCxn id="28" idx="3"/>
+            <a:endCxn id="35" idx="0"/>
+          </p:cNvCxnSpPr>
+          <p:nvPr/>
+        </p:nvCxnSpPr>
+        <p:spPr>
+          <a:xfrm>
+            <a:off x="4265695" y="3961260"/>
+            <a:ext cx="1539000" cy="2012820"/>
+          </a:xfrm>
+          <a:prstGeom prst="bentConnector2">
+            <a:avLst/>
+          </a:prstGeom>
+          <a:ln w="19050">
+            <a:solidFill>
+              <a:srgbClr val="00B050"/>
+            </a:solidFill>
+            <a:headEnd type="none" w="med" len="med"/>
+            <a:tailEnd type="arrow" w="med" len="med"/>
+          </a:ln>
+        </p:spPr>
+        <p:style>
+          <a:lnRef idx="1">
+            <a:schemeClr val="accent1"/>
+          </a:lnRef>
+          <a:fillRef idx="0">
+            <a:schemeClr val="accent1"/>
+          </a:fillRef>
+          <a:effectRef idx="0">
+            <a:schemeClr val="accent1"/>
+          </a:effectRef>
+          <a:fontRef idx="minor">
+            <a:schemeClr val="tx1"/>
+          </a:fontRef>
+        </p:style>
+      </p:cxnSp>
+      <p:cxnSp>
+        <p:nvCxnSpPr>
+          <p:cNvPr id="43" name="Shape 33"/>
+          <p:cNvCxnSpPr>
+            <a:stCxn id="32" idx="2"/>
+            <a:endCxn id="31" idx="0"/>
+          </p:cNvCxnSpPr>
+          <p:nvPr/>
+        </p:nvCxnSpPr>
+        <p:spPr>
+          <a:xfrm>
+            <a:off x="3599695" y="4815080"/>
+            <a:ext cx="0" cy="442340"/>
+          </a:xfrm>
+          <a:prstGeom prst="straightConnector1">
+            <a:avLst/>
+          </a:prstGeom>
+          <a:ln w="19050">
+            <a:solidFill>
+              <a:srgbClr val="00B0F0"/>
+            </a:solidFill>
+            <a:headEnd type="none" w="med" len="med"/>
+            <a:tailEnd type="arrow" w="med" len="med"/>
+          </a:ln>
+        </p:spPr>
+        <p:style>
+          <a:lnRef idx="1">
+            <a:schemeClr val="accent1"/>
+          </a:lnRef>
+          <a:fillRef idx="0">
+            <a:schemeClr val="accent1"/>
+          </a:fillRef>
+          <a:effectRef idx="0">
+            <a:schemeClr val="accent1"/>
+          </a:effectRef>
+          <a:fontRef idx="minor">
+            <a:schemeClr val="tx1"/>
+          </a:fontRef>
+        </p:style>
+      </p:cxnSp>
+      <p:cxnSp>
+        <p:nvCxnSpPr>
+          <p:cNvPr id="44" name="Shape 33"/>
+          <p:cNvCxnSpPr>
+            <a:stCxn id="28" idx="2"/>
+            <a:endCxn id="32" idx="0"/>
+          </p:cNvCxnSpPr>
+          <p:nvPr/>
+        </p:nvCxnSpPr>
+        <p:spPr>
+          <a:xfrm>
+            <a:off x="3599695" y="4098420"/>
+            <a:ext cx="0" cy="442340"/>
+          </a:xfrm>
+          <a:prstGeom prst="straightConnector1">
+            <a:avLst/>
+          </a:prstGeom>
+          <a:ln w="19050">
+            <a:solidFill>
+              <a:srgbClr val="00B050"/>
+            </a:solidFill>
+            <a:headEnd type="none" w="med" len="med"/>
+            <a:tailEnd type="arrow" w="med" len="med"/>
+          </a:ln>
+        </p:spPr>
+        <p:style>
+          <a:lnRef idx="1">
+            <a:schemeClr val="accent1"/>
+          </a:lnRef>
+          <a:fillRef idx="0">
+            <a:schemeClr val="accent1"/>
+          </a:fillRef>
+          <a:effectRef idx="0">
+            <a:schemeClr val="accent1"/>
+          </a:effectRef>
+          <a:fontRef idx="minor">
+            <a:schemeClr val="tx1"/>
+          </a:fontRef>
+        </p:style>
+      </p:cxnSp>
+      <p:cxnSp>
+        <p:nvCxnSpPr>
+          <p:cNvPr id="46" name="Shape 33"/>
+          <p:cNvCxnSpPr>
+            <a:stCxn id="25" idx="2"/>
+            <a:endCxn id="28" idx="0"/>
+          </p:cNvCxnSpPr>
+          <p:nvPr/>
+        </p:nvCxnSpPr>
+        <p:spPr>
+          <a:xfrm>
+            <a:off x="3599695" y="2665100"/>
+            <a:ext cx="0" cy="1159000"/>
+          </a:xfrm>
+          <a:prstGeom prst="straightConnector1">
+            <a:avLst/>
+          </a:prstGeom>
+          <a:ln w="19050">
+            <a:solidFill>
+              <a:srgbClr val="00B050"/>
+            </a:solidFill>
+            <a:headEnd type="none" w="med" len="med"/>
+            <a:tailEnd type="arrow" w="med" len="med"/>
+          </a:ln>
+        </p:spPr>
+        <p:style>
+          <a:lnRef idx="1">
+            <a:schemeClr val="accent1"/>
+          </a:lnRef>
+          <a:fillRef idx="0">
+            <a:schemeClr val="accent1"/>
+          </a:fillRef>
+          <a:effectRef idx="0">
+            <a:schemeClr val="accent1"/>
+          </a:effectRef>
+          <a:fontRef idx="minor">
+            <a:schemeClr val="tx1"/>
+          </a:fontRef>
+        </p:style>
+      </p:cxnSp>
+      <p:cxnSp>
+        <p:nvCxnSpPr>
+          <p:cNvPr id="55" name="Shape 33"/>
+          <p:cNvCxnSpPr>
+            <a:stCxn id="31" idx="3"/>
+            <a:endCxn id="35" idx="0"/>
+          </p:cNvCxnSpPr>
+          <p:nvPr/>
+        </p:nvCxnSpPr>
+        <p:spPr>
+          <a:xfrm>
+            <a:off x="4265695" y="5394580"/>
+            <a:ext cx="1539000" cy="579500"/>
+          </a:xfrm>
+          <a:prstGeom prst="bentConnector2">
+            <a:avLst/>
+          </a:prstGeom>
+          <a:ln w="19050">
+            <a:solidFill>
+              <a:srgbClr val="00B050"/>
+            </a:solidFill>
+            <a:headEnd type="none" w="med" len="med"/>
+            <a:tailEnd type="arrow" w="med" len="med"/>
+          </a:ln>
+        </p:spPr>
+        <p:style>
+          <a:lnRef idx="1">
+            <a:schemeClr val="accent1"/>
+          </a:lnRef>
+          <a:fillRef idx="0">
+            <a:schemeClr val="accent1"/>
+          </a:fillRef>
+          <a:effectRef idx="0">
+            <a:schemeClr val="accent1"/>
+          </a:effectRef>
+          <a:fontRef idx="minor">
+            <a:schemeClr val="tx1"/>
+          </a:fontRef>
+        </p:style>
+      </p:cxnSp>
+      <p:sp>
+        <p:nvSpPr>
+          <p:cNvPr id="37" name="Rectangle 132"/>
+          <p:cNvSpPr/>
+          <p:nvPr/>
+        </p:nvSpPr>
+        <p:spPr>
+          <a:xfrm>
+            <a:off x="2933695" y="5974080"/>
+            <a:ext cx="1332000" cy="274320"/>
+          </a:xfrm>
+          <a:prstGeom prst="rect">
+            <a:avLst/>
+          </a:prstGeom>
+          <a:solidFill>
+            <a:schemeClr val="bg1"/>
+          </a:solidFill>
+          <a:ln w="12700">
+            <a:prstDash val="solid"/>
+          </a:ln>
+        </p:spPr>
+        <p:style>
+          <a:lnRef idx="2">
+            <a:schemeClr val="accent1">
+              <a:shade val="50000"/>
+            </a:schemeClr>
+          </a:lnRef>
+          <a:fillRef idx="1">
+            <a:schemeClr val="accent1"/>
+          </a:fillRef>
+          <a:effectRef idx="0">
+            <a:schemeClr val="accent1"/>
+          </a:effectRef>
+          <a:fontRef idx="minor">
+            <a:schemeClr val="lt1"/>
+          </a:fontRef>
+        </p:style>
+        <p:txBody>
+          <a:bodyPr rtlCol="0" anchor="ctr"/>
+          <a:lstStyle/>
+          <a:p>
+            <a:pPr algn="ctr"/>
+            <a:r>
+              <a:rPr lang="es-MX" sz="1050" b="1" dirty="0" smtClean="0">
+                <a:solidFill>
+                  <a:schemeClr val="tx1"/>
+                </a:solidFill>
+              </a:rPr>
+              <a:t>[#</a:t>
+            </a:r>
+            <a:r>
+              <a:rPr lang="es-MX" sz="1050" b="1" dirty="0">
+                <a:solidFill>
+                  <a:schemeClr val="tx1"/>
+                </a:solidFill>
+              </a:rPr>
+              <a:t>6</a:t>
+            </a:r>
+            <a:r>
+              <a:rPr lang="es-MX" sz="1050" b="1" dirty="0" smtClean="0">
+                <a:solidFill>
+                  <a:schemeClr val="tx1"/>
+                </a:solidFill>
+              </a:rPr>
+              <a:t>] LIQUIDADA</a:t>
+            </a:r>
+            <a:endParaRPr lang="es-MX" sz="1050" b="1" dirty="0">
+              <a:solidFill>
+                <a:schemeClr val="tx1"/>
+              </a:solidFill>
+            </a:endParaRPr>
+          </a:p>
+        </p:txBody>
+      </p:sp>
+      <p:cxnSp>
+        <p:nvCxnSpPr>
+          <p:cNvPr id="39" name="Shape 33"/>
+          <p:cNvCxnSpPr>
+            <a:stCxn id="31" idx="2"/>
+            <a:endCxn id="37" idx="0"/>
+          </p:cNvCxnSpPr>
+          <p:nvPr/>
+        </p:nvCxnSpPr>
+        <p:spPr>
+          <a:xfrm>
+            <a:off x="3599695" y="5531740"/>
+            <a:ext cx="0" cy="442340"/>
+          </a:xfrm>
+          <a:prstGeom prst="straightConnector1">
+            <a:avLst/>
+          </a:prstGeom>
+          <a:ln w="19050">
+            <a:solidFill>
+              <a:srgbClr val="00B0F0"/>
+            </a:solidFill>
+            <a:headEnd type="none" w="med" len="med"/>
+            <a:tailEnd type="arrow" w="med" len="med"/>
+          </a:ln>
+        </p:spPr>
+        <p:style>
+          <a:lnRef idx="1">
+            <a:schemeClr val="accent1"/>
+          </a:lnRef>
+          <a:fillRef idx="0">
+            <a:schemeClr val="accent1"/>
+          </a:fillRef>
+          <a:effectRef idx="0">
+            <a:schemeClr val="accent1"/>
+          </a:effectRef>
+          <a:fontRef idx="minor">
+            <a:schemeClr val="tx1"/>
+          </a:fontRef>
+        </p:style>
+      </p:cxnSp>
+      <p:cxnSp>
+        <p:nvCxnSpPr>
+          <p:cNvPr id="49" name="Shape 33"/>
+          <p:cNvCxnSpPr>
+            <a:stCxn id="25" idx="2"/>
+            <a:endCxn id="30" idx="0"/>
+          </p:cNvCxnSpPr>
+          <p:nvPr/>
+        </p:nvCxnSpPr>
+        <p:spPr>
+          <a:xfrm rot="16200000" flipH="1">
+            <a:off x="4008496" y="2256298"/>
+            <a:ext cx="442340" cy="1259943"/>
+          </a:xfrm>
+          <a:prstGeom prst="bentConnector3">
+            <a:avLst>
+              <a:gd name="adj1" fmla="val 50000"/>
+            </a:avLst>
+          </a:prstGeom>
+          <a:ln w="19050">
+            <a:solidFill>
+              <a:srgbClr val="00B050"/>
+            </a:solidFill>
+            <a:headEnd type="none" w="med" len="med"/>
+            <a:tailEnd type="arrow" w="med" len="med"/>
+          </a:ln>
+        </p:spPr>
+        <p:style>
+          <a:lnRef idx="1">
+            <a:schemeClr val="accent1"/>
+          </a:lnRef>
+          <a:fillRef idx="0">
+            <a:schemeClr val="accent1"/>
+          </a:fillRef>
+          <a:effectRef idx="0">
+            <a:schemeClr val="accent1"/>
+          </a:effectRef>
+          <a:fontRef idx="minor">
+            <a:schemeClr val="tx1"/>
+          </a:fontRef>
+        </p:style>
+      </p:cxnSp>
+      <p:cxnSp>
+        <p:nvCxnSpPr>
+          <p:cNvPr id="52" name="Shape 33"/>
+          <p:cNvCxnSpPr>
+            <a:stCxn id="30" idx="2"/>
+            <a:endCxn id="28" idx="0"/>
+          </p:cNvCxnSpPr>
+          <p:nvPr/>
+        </p:nvCxnSpPr>
+        <p:spPr>
+          <a:xfrm rot="5400000">
+            <a:off x="4008497" y="2972959"/>
+            <a:ext cx="442340" cy="1259943"/>
+          </a:xfrm>
+          <a:prstGeom prst="bentConnector3">
+            <a:avLst>
+              <a:gd name="adj1" fmla="val 50000"/>
+            </a:avLst>
+          </a:prstGeom>
+          <a:ln w="19050">
+            <a:solidFill>
+              <a:srgbClr val="00B050"/>
+            </a:solidFill>
+            <a:headEnd type="none" w="med" len="med"/>
+            <a:tailEnd type="arrow" w="med" len="med"/>
+          </a:ln>
+        </p:spPr>
+        <p:style>
+          <a:lnRef idx="1">
+            <a:schemeClr val="accent1"/>
+          </a:lnRef>
+          <a:fillRef idx="0">
+            <a:schemeClr val="accent1"/>
+          </a:fillRef>
+          <a:effectRef idx="0">
+            <a:schemeClr val="accent1"/>
+          </a:effectRef>
+          <a:fontRef idx="minor">
+            <a:schemeClr val="tx1"/>
+          </a:fontRef>
+        </p:style>
+      </p:cxnSp>
+      <p:cxnSp>
+        <p:nvCxnSpPr>
+          <p:cNvPr id="56" name="Shape 33"/>
+          <p:cNvCxnSpPr/>
+          <p:nvPr/>
+        </p:nvCxnSpPr>
+        <p:spPr>
+          <a:xfrm>
+            <a:off x="8258748" y="1747817"/>
+            <a:ext cx="756000" cy="318"/>
+          </a:xfrm>
+          <a:prstGeom prst="bentConnector3">
+            <a:avLst>
+              <a:gd name="adj1" fmla="val 50000"/>
+            </a:avLst>
+          </a:prstGeom>
+          <a:ln w="28575">
+            <a:solidFill>
+              <a:srgbClr val="00B050"/>
+            </a:solidFill>
+            <a:headEnd type="none" w="med" len="med"/>
+            <a:tailEnd type="arrow" w="med" len="med"/>
+          </a:ln>
+        </p:spPr>
+        <p:style>
+          <a:lnRef idx="1">
+            <a:schemeClr val="accent1"/>
+          </a:lnRef>
+          <a:fillRef idx="0">
+            <a:schemeClr val="accent1"/>
+          </a:fillRef>
+          <a:effectRef idx="0">
+            <a:schemeClr val="accent1"/>
+          </a:effectRef>
+          <a:fontRef idx="minor">
+            <a:schemeClr val="tx1"/>
+          </a:fontRef>
+        </p:style>
+      </p:cxnSp>
+      <p:cxnSp>
+        <p:nvCxnSpPr>
+          <p:cNvPr id="59" name="Shape 33"/>
+          <p:cNvCxnSpPr/>
+          <p:nvPr/>
+        </p:nvCxnSpPr>
+        <p:spPr>
+          <a:xfrm>
+            <a:off x="8258748" y="1900535"/>
+            <a:ext cx="756000" cy="318"/>
+          </a:xfrm>
+          <a:prstGeom prst="bentConnector3">
+            <a:avLst>
+              <a:gd name="adj1" fmla="val 50000"/>
+            </a:avLst>
+          </a:prstGeom>
+          <a:ln w="28575">
+            <a:solidFill>
+              <a:srgbClr val="00B0F0"/>
+            </a:solidFill>
+            <a:headEnd type="none" w="med" len="med"/>
+            <a:tailEnd type="arrow" w="med" len="med"/>
+          </a:ln>
+        </p:spPr>
+        <p:style>
+          <a:lnRef idx="1">
+            <a:schemeClr val="accent1"/>
+          </a:lnRef>
+          <a:fillRef idx="0">
+            <a:schemeClr val="accent1"/>
+          </a:fillRef>
+          <a:effectRef idx="0">
+            <a:schemeClr val="accent1"/>
+          </a:effectRef>
+          <a:fontRef idx="minor">
+            <a:schemeClr val="tx1"/>
+          </a:fontRef>
+        </p:style>
+      </p:cxnSp>
+      <p:sp>
+        <p:nvSpPr>
+          <p:cNvPr id="21" name="CuadroTexto 20"/>
+          <p:cNvSpPr txBox="1"/>
+          <p:nvPr/>
+        </p:nvSpPr>
+        <p:spPr>
+          <a:xfrm>
+            <a:off x="7848600" y="1595735"/>
+            <a:ext cx="438903" cy="461665"/>
+          </a:xfrm>
+          <a:prstGeom prst="rect">
+            <a:avLst/>
+          </a:prstGeom>
+          <a:noFill/>
+        </p:spPr>
+        <p:txBody>
+          <a:bodyPr wrap="none" rtlCol="0">
+            <a:spAutoFit/>
+          </a:bodyPr>
+          <a:lstStyle/>
+          <a:p>
+            <a:r>
+              <a:rPr lang="es-MX" sz="1200" i="1" dirty="0" smtClean="0"/>
+              <a:t>BTN</a:t>
+            </a:r>
+          </a:p>
+          <a:p>
+            <a:r>
+              <a:rPr lang="es-MX" sz="1200" i="1" dirty="0" smtClean="0"/>
+              <a:t>SYS</a:t>
+            </a:r>
+            <a:endParaRPr lang="es-MX" sz="1200" i="1" dirty="0"/>
+          </a:p>
+        </p:txBody>
+      </p:sp>
+    </p:spTree>
+    <p:extLst>
+      <p:ext uri="{BB962C8B-B14F-4D97-AF65-F5344CB8AC3E}">
+        <p14:creationId xmlns:p14="http://schemas.microsoft.com/office/powerpoint/2010/main" val="2238106800"/>
       </p:ext>
     </p:extLst>
   </p:cSld>

--- a/LIQ19_Workbook_v001_20190111.pptx
+++ b/LIQ19_Workbook_v001_20190111.pptx
@@ -215,7 +215,7 @@
           <a:p>
             <a:fld id="{1D1842AD-6A96-48BC-A215-960D88E649F7}" type="datetimeFigureOut">
               <a:rPr lang="es-MX" smtClean="0"/>
-              <a:t>22/01/2019</a:t>
+              <a:t>24/01/2019</a:t>
             </a:fld>
             <a:endParaRPr lang="es-MX"/>
           </a:p>
@@ -480,7 +480,7 @@
             <a:fld id="{1D8BD707-D9CF-40AE-B4C6-C98DA3205C09}" type="datetimeFigureOut">
               <a:rPr lang="en-US" smtClean="0"/>
               <a:pPr/>
-              <a:t>1/22/2019</a:t>
+              <a:t>1/24/2019</a:t>
             </a:fld>
             <a:endParaRPr lang="en-US"/>
           </a:p>
@@ -754,7 +754,7 @@
             <a:fld id="{1D8BD707-D9CF-40AE-B4C6-C98DA3205C09}" type="datetimeFigureOut">
               <a:rPr lang="en-US" smtClean="0"/>
               <a:pPr/>
-              <a:t>1/22/2019</a:t>
+              <a:t>1/24/2019</a:t>
             </a:fld>
             <a:endParaRPr lang="en-US"/>
           </a:p>
@@ -1004,7 +1004,7 @@
             <a:fld id="{1D8BD707-D9CF-40AE-B4C6-C98DA3205C09}" type="datetimeFigureOut">
               <a:rPr lang="en-US" smtClean="0"/>
               <a:pPr/>
-              <a:t>1/22/2019</a:t>
+              <a:t>1/24/2019</a:t>
             </a:fld>
             <a:endParaRPr lang="en-US"/>
           </a:p>
@@ -1171,7 +1171,7 @@
             <a:fld id="{1D8BD707-D9CF-40AE-B4C6-C98DA3205C09}" type="datetimeFigureOut">
               <a:rPr lang="en-US" smtClean="0"/>
               <a:pPr/>
-              <a:t>1/22/2019</a:t>
+              <a:t>1/24/2019</a:t>
             </a:fld>
             <a:endParaRPr lang="en-US"/>
           </a:p>
@@ -1348,7 +1348,7 @@
             <a:fld id="{1D8BD707-D9CF-40AE-B4C6-C98DA3205C09}" type="datetimeFigureOut">
               <a:rPr lang="en-US" smtClean="0"/>
               <a:pPr/>
-              <a:t>1/22/2019</a:t>
+              <a:t>1/24/2019</a:t>
             </a:fld>
             <a:endParaRPr lang="en-US"/>
           </a:p>
@@ -3128,7 +3128,7 @@
             <a:fld id="{1D8BD707-D9CF-40AE-B4C6-C98DA3205C09}" type="datetimeFigureOut">
               <a:rPr lang="en-US" smtClean="0"/>
               <a:pPr/>
-              <a:t>1/22/2019</a:t>
+              <a:t>1/24/2019</a:t>
             </a:fld>
             <a:endParaRPr lang="en-US"/>
           </a:p>
@@ -3413,7 +3413,7 @@
             <a:fld id="{1D8BD707-D9CF-40AE-B4C6-C98DA3205C09}" type="datetimeFigureOut">
               <a:rPr lang="en-US" smtClean="0"/>
               <a:pPr/>
-              <a:t>1/22/2019</a:t>
+              <a:t>1/24/2019</a:t>
             </a:fld>
             <a:endParaRPr lang="en-US"/>
           </a:p>
@@ -3832,7 +3832,7 @@
             <a:fld id="{1D8BD707-D9CF-40AE-B4C6-C98DA3205C09}" type="datetimeFigureOut">
               <a:rPr lang="en-US" smtClean="0"/>
               <a:pPr/>
-              <a:t>1/22/2019</a:t>
+              <a:t>1/24/2019</a:t>
             </a:fld>
             <a:endParaRPr lang="en-US"/>
           </a:p>
@@ -3947,7 +3947,7 @@
             <a:fld id="{1D8BD707-D9CF-40AE-B4C6-C98DA3205C09}" type="datetimeFigureOut">
               <a:rPr lang="en-US" smtClean="0"/>
               <a:pPr/>
-              <a:t>1/22/2019</a:t>
+              <a:t>1/24/2019</a:t>
             </a:fld>
             <a:endParaRPr lang="en-US"/>
           </a:p>
@@ -4039,7 +4039,7 @@
             <a:fld id="{1D8BD707-D9CF-40AE-B4C6-C98DA3205C09}" type="datetimeFigureOut">
               <a:rPr lang="en-US" smtClean="0"/>
               <a:pPr/>
-              <a:t>1/22/2019</a:t>
+              <a:t>1/24/2019</a:t>
             </a:fld>
             <a:endParaRPr lang="en-US"/>
           </a:p>
@@ -4249,7 +4249,7 @@
             <a:fld id="{1D8BD707-D9CF-40AE-B4C6-C98DA3205C09}" type="datetimeFigureOut">
               <a:rPr lang="en-US" smtClean="0"/>
               <a:pPr/>
-              <a:t>1/22/2019</a:t>
+              <a:t>1/24/2019</a:t>
             </a:fld>
             <a:endParaRPr lang="en-US"/>
           </a:p>
@@ -7600,15 +7600,12 @@
       <p:cxnSp>
         <p:nvCxnSpPr>
           <p:cNvPr id="154" name="Shape 33"/>
-          <p:cNvCxnSpPr>
-            <a:stCxn id="153" idx="2"/>
-            <a:endCxn id="149" idx="0"/>
-          </p:cNvCxnSpPr>
+          <p:cNvCxnSpPr/>
           <p:nvPr/>
         </p:nvCxnSpPr>
         <p:spPr>
           <a:xfrm rot="5400000">
-            <a:off x="7600125" y="3095639"/>
+            <a:off x="7600125" y="3095640"/>
             <a:ext cx="316201" cy="304800"/>
           </a:xfrm>
           <a:prstGeom prst="bentConnector3">
@@ -7684,19 +7681,77 @@
           </a:fontRef>
         </p:style>
       </p:cxnSp>
+      <p:sp>
+        <p:nvSpPr>
+          <p:cNvPr id="174" name="Rectangle 132"/>
+          <p:cNvSpPr/>
+          <p:nvPr/>
+        </p:nvSpPr>
+        <p:spPr>
+          <a:xfrm>
+            <a:off x="2550374" y="4876800"/>
+            <a:ext cx="1800450" cy="274320"/>
+          </a:xfrm>
+          <a:prstGeom prst="rect">
+            <a:avLst/>
+          </a:prstGeom>
+          <a:solidFill>
+            <a:schemeClr val="bg1"/>
+          </a:solidFill>
+          <a:ln w="12700">
+            <a:prstDash val="solid"/>
+          </a:ln>
+        </p:spPr>
+        <p:style>
+          <a:lnRef idx="2">
+            <a:schemeClr val="accent1">
+              <a:shade val="50000"/>
+            </a:schemeClr>
+          </a:lnRef>
+          <a:fillRef idx="1">
+            <a:schemeClr val="accent1"/>
+          </a:fillRef>
+          <a:effectRef idx="0">
+            <a:schemeClr val="accent1"/>
+          </a:effectRef>
+          <a:fontRef idx="minor">
+            <a:schemeClr val="lt1"/>
+          </a:fontRef>
+        </p:style>
+        <p:txBody>
+          <a:bodyPr rtlCol="0" anchor="ctr"/>
+          <a:lstStyle/>
+          <a:p>
+            <a:pPr algn="ctr"/>
+            <a:r>
+              <a:rPr lang="en-US" sz="1050" b="1" dirty="0" smtClean="0">
+                <a:solidFill>
+                  <a:srgbClr val="00B050"/>
+                </a:solidFill>
+              </a:rPr>
+              <a:t>CAJA</a:t>
+            </a:r>
+            <a:endParaRPr lang="es-MX" sz="1050" b="1" dirty="0">
+              <a:solidFill>
+                <a:srgbClr val="00B050"/>
+              </a:solidFill>
+            </a:endParaRPr>
+          </a:p>
+        </p:txBody>
+      </p:sp>
       <p:cxnSp>
         <p:nvCxnSpPr>
-          <p:cNvPr id="171" name="Shape 33"/>
+          <p:cNvPr id="175" name="Shape 33"/>
           <p:cNvCxnSpPr>
-            <a:stCxn id="149" idx="1"/>
-            <a:endCxn id="108" idx="3"/>
+            <a:stCxn id="108" idx="2"/>
+            <a:endCxn id="174" idx="0"/>
           </p:cNvCxnSpPr>
           <p:nvPr/>
         </p:nvCxnSpPr>
         <p:spPr>
-          <a:xfrm rot="10800000">
-            <a:off x="5610450" y="3219214"/>
-            <a:ext cx="1095150" cy="324087"/>
+          <a:xfrm rot="5400000">
+            <a:off x="3320199" y="3486773"/>
+            <a:ext cx="1520427" cy="1259626"/>
           </a:xfrm>
           <a:prstGeom prst="bentConnector3">
             <a:avLst>
@@ -7731,13 +7786,113 @@
       </p:cxnSp>
       <p:sp>
         <p:nvSpPr>
-          <p:cNvPr id="174" name="Rectangle 132"/>
+          <p:cNvPr id="181" name="Rectangle 132"/>
           <p:cNvSpPr/>
           <p:nvPr/>
         </p:nvSpPr>
         <p:spPr>
           <a:xfrm>
-            <a:off x="2550374" y="4876800"/>
+            <a:off x="2550374" y="5367518"/>
+            <a:ext cx="2149700" cy="274320"/>
+          </a:xfrm>
+          <a:prstGeom prst="rect">
+            <a:avLst/>
+          </a:prstGeom>
+          <a:solidFill>
+            <a:schemeClr val="bg1"/>
+          </a:solidFill>
+          <a:ln w="6350">
+            <a:prstDash val="dash"/>
+          </a:ln>
+        </p:spPr>
+        <p:style>
+          <a:lnRef idx="2">
+            <a:schemeClr val="accent1">
+              <a:shade val="50000"/>
+            </a:schemeClr>
+          </a:lnRef>
+          <a:fillRef idx="1">
+            <a:schemeClr val="accent1"/>
+          </a:fillRef>
+          <a:effectRef idx="0">
+            <a:schemeClr val="accent1"/>
+          </a:effectRef>
+          <a:fontRef idx="minor">
+            <a:schemeClr val="lt1"/>
+          </a:fontRef>
+        </p:style>
+        <p:txBody>
+          <a:bodyPr rtlCol="0" anchor="ctr"/>
+          <a:lstStyle/>
+          <a:p>
+            <a:pPr algn="ctr"/>
+            <a:r>
+              <a:rPr lang="en-US" sz="1050" b="1" dirty="0" smtClean="0">
+                <a:solidFill>
+                  <a:schemeClr val="tx1"/>
+                </a:solidFill>
+              </a:rPr>
+              <a:t>ESTATUS_CAJA</a:t>
+            </a:r>
+            <a:endParaRPr lang="es-MX" sz="1050" b="1" dirty="0">
+              <a:solidFill>
+                <a:schemeClr val="tx1"/>
+              </a:solidFill>
+            </a:endParaRPr>
+          </a:p>
+        </p:txBody>
+      </p:sp>
+      <p:cxnSp>
+        <p:nvCxnSpPr>
+          <p:cNvPr id="182" name="Shape 33"/>
+          <p:cNvCxnSpPr>
+            <a:stCxn id="181" idx="1"/>
+            <a:endCxn id="174" idx="1"/>
+          </p:cNvCxnSpPr>
+          <p:nvPr/>
+        </p:nvCxnSpPr>
+        <p:spPr>
+          <a:xfrm rot="10800000">
+            <a:off x="2550374" y="5013960"/>
+            <a:ext cx="12700" cy="490718"/>
+          </a:xfrm>
+          <a:prstGeom prst="bentConnector3">
+            <a:avLst>
+              <a:gd name="adj1" fmla="val 1800000"/>
+            </a:avLst>
+          </a:prstGeom>
+          <a:ln w="12700">
+            <a:solidFill>
+              <a:schemeClr val="tx1"/>
+            </a:solidFill>
+            <a:headEnd type="none" w="med" len="med"/>
+            <a:tailEnd type="arrow" w="med" len="med"/>
+          </a:ln>
+        </p:spPr>
+        <p:style>
+          <a:lnRef idx="1">
+            <a:schemeClr val="accent1"/>
+          </a:lnRef>
+          <a:fillRef idx="0">
+            <a:schemeClr val="accent1"/>
+          </a:fillRef>
+          <a:effectRef idx="0">
+            <a:schemeClr val="accent1"/>
+          </a:effectRef>
+          <a:fontRef idx="minor">
+            <a:schemeClr val="tx1"/>
+          </a:fontRef>
+        </p:style>
+      </p:cxnSp>
+      <p:sp>
+        <p:nvSpPr>
+          <p:cNvPr id="185" name="Rectangle 132"/>
+          <p:cNvSpPr/>
+          <p:nvPr/>
+        </p:nvSpPr>
+        <p:spPr>
+          <a:xfrm>
+            <a:off x="5522174" y="4876800"/>
             <a:ext cx="1800450" cy="274320"/>
           </a:xfrm>
           <a:prstGeom prst="rect">
@@ -7777,7 +7932,7 @@
                   <a:srgbClr val="00B050"/>
                 </a:solidFill>
               </a:rPr>
-              <a:t>CAJA</a:t>
+              <a:t>CORTE_CAJA</a:t>
             </a:r>
             <a:endParaRPr lang="es-MX" sz="1050" b="1" dirty="0">
               <a:solidFill>
@@ -7787,19 +7942,77 @@
           </a:p>
         </p:txBody>
       </p:sp>
+      <p:sp>
+        <p:nvSpPr>
+          <p:cNvPr id="188" name="Rectangle 132"/>
+          <p:cNvSpPr/>
+          <p:nvPr/>
+        </p:nvSpPr>
+        <p:spPr>
+          <a:xfrm>
+            <a:off x="5522174" y="5334000"/>
+            <a:ext cx="2149700" cy="274320"/>
+          </a:xfrm>
+          <a:prstGeom prst="rect">
+            <a:avLst/>
+          </a:prstGeom>
+          <a:solidFill>
+            <a:schemeClr val="bg1"/>
+          </a:solidFill>
+          <a:ln w="6350">
+            <a:prstDash val="dash"/>
+          </a:ln>
+        </p:spPr>
+        <p:style>
+          <a:lnRef idx="2">
+            <a:schemeClr val="accent1">
+              <a:shade val="50000"/>
+            </a:schemeClr>
+          </a:lnRef>
+          <a:fillRef idx="1">
+            <a:schemeClr val="accent1"/>
+          </a:fillRef>
+          <a:effectRef idx="0">
+            <a:schemeClr val="accent1"/>
+          </a:effectRef>
+          <a:fontRef idx="minor">
+            <a:schemeClr val="lt1"/>
+          </a:fontRef>
+        </p:style>
+        <p:txBody>
+          <a:bodyPr rtlCol="0" anchor="ctr"/>
+          <a:lstStyle/>
+          <a:p>
+            <a:pPr algn="ctr"/>
+            <a:r>
+              <a:rPr lang="en-US" sz="1050" b="1" dirty="0" smtClean="0">
+                <a:solidFill>
+                  <a:schemeClr val="tx1"/>
+                </a:solidFill>
+              </a:rPr>
+              <a:t>TIPO_CORTE_CAJA</a:t>
+            </a:r>
+            <a:endParaRPr lang="es-MX" sz="1050" b="1" dirty="0">
+              <a:solidFill>
+                <a:schemeClr val="tx1"/>
+              </a:solidFill>
+            </a:endParaRPr>
+          </a:p>
+        </p:txBody>
+      </p:sp>
       <p:cxnSp>
         <p:nvCxnSpPr>
-          <p:cNvPr id="175" name="Shape 33"/>
+          <p:cNvPr id="189" name="Shape 33"/>
           <p:cNvCxnSpPr>
-            <a:stCxn id="108" idx="2"/>
-            <a:endCxn id="174" idx="0"/>
+            <a:stCxn id="174" idx="3"/>
+            <a:endCxn id="185" idx="1"/>
           </p:cNvCxnSpPr>
           <p:nvPr/>
         </p:nvCxnSpPr>
         <p:spPr>
-          <a:xfrm rot="5400000">
-            <a:off x="3320199" y="3486773"/>
-            <a:ext cx="1520427" cy="1259626"/>
+          <a:xfrm>
+            <a:off x="4350824" y="5013960"/>
+            <a:ext cx="1171350" cy="12700"/>
           </a:xfrm>
           <a:prstGeom prst="bentConnector3">
             <a:avLst>
@@ -7832,81 +8045,23 @@
           </a:fontRef>
         </p:style>
       </p:cxnSp>
-      <p:sp>
-        <p:nvSpPr>
-          <p:cNvPr id="181" name="Rectangle 132"/>
-          <p:cNvSpPr/>
-          <p:nvPr/>
-        </p:nvSpPr>
-        <p:spPr>
-          <a:xfrm>
-            <a:off x="2550374" y="5367518"/>
-            <a:ext cx="2149700" cy="274320"/>
-          </a:xfrm>
-          <a:prstGeom prst="rect">
-            <a:avLst/>
-          </a:prstGeom>
-          <a:solidFill>
-            <a:schemeClr val="bg1"/>
-          </a:solidFill>
-          <a:ln w="6350">
-            <a:prstDash val="dash"/>
-          </a:ln>
-        </p:spPr>
-        <p:style>
-          <a:lnRef idx="2">
-            <a:schemeClr val="accent1">
-              <a:shade val="50000"/>
-            </a:schemeClr>
-          </a:lnRef>
-          <a:fillRef idx="1">
-            <a:schemeClr val="accent1"/>
-          </a:fillRef>
-          <a:effectRef idx="0">
-            <a:schemeClr val="accent1"/>
-          </a:effectRef>
-          <a:fontRef idx="minor">
-            <a:schemeClr val="lt1"/>
-          </a:fontRef>
-        </p:style>
-        <p:txBody>
-          <a:bodyPr rtlCol="0" anchor="ctr"/>
-          <a:lstStyle/>
-          <a:p>
-            <a:pPr algn="ctr"/>
-            <a:r>
-              <a:rPr lang="en-US" sz="1050" b="1" dirty="0" smtClean="0">
-                <a:solidFill>
-                  <a:schemeClr val="tx1"/>
-                </a:solidFill>
-              </a:rPr>
-              <a:t>ESTATUS_CAJA</a:t>
-            </a:r>
-            <a:endParaRPr lang="es-MX" sz="1050" b="1" dirty="0">
-              <a:solidFill>
-                <a:schemeClr val="tx1"/>
-              </a:solidFill>
-            </a:endParaRPr>
-          </a:p>
-        </p:txBody>
-      </p:sp>
       <p:cxnSp>
         <p:nvCxnSpPr>
-          <p:cNvPr id="182" name="Shape 33"/>
+          <p:cNvPr id="192" name="Shape 33"/>
           <p:cNvCxnSpPr>
-            <a:stCxn id="181" idx="1"/>
-            <a:endCxn id="174" idx="1"/>
+            <a:stCxn id="188" idx="3"/>
+            <a:endCxn id="185" idx="3"/>
           </p:cNvCxnSpPr>
           <p:nvPr/>
         </p:nvCxnSpPr>
         <p:spPr>
-          <a:xfrm rot="10800000">
-            <a:off x="2550374" y="5013960"/>
-            <a:ext cx="12700" cy="490718"/>
+          <a:xfrm flipH="1" flipV="1">
+            <a:off x="7322624" y="5013960"/>
+            <a:ext cx="349250" cy="457200"/>
           </a:xfrm>
           <a:prstGeom prst="bentConnector3">
             <a:avLst>
-              <a:gd name="adj1" fmla="val 1800000"/>
+              <a:gd name="adj1" fmla="val -65455"/>
             </a:avLst>
           </a:prstGeom>
           <a:ln w="12700">
@@ -7932,184 +8087,23 @@
           </a:fontRef>
         </p:style>
       </p:cxnSp>
-      <p:sp>
-        <p:nvSpPr>
-          <p:cNvPr id="185" name="Rectangle 132"/>
-          <p:cNvSpPr/>
-          <p:nvPr/>
-        </p:nvSpPr>
-        <p:spPr>
-          <a:xfrm>
-            <a:off x="5522174" y="4876800"/>
-            <a:ext cx="1800450" cy="274320"/>
-          </a:xfrm>
-          <a:prstGeom prst="rect">
-            <a:avLst/>
-          </a:prstGeom>
-          <a:solidFill>
-            <a:schemeClr val="bg1"/>
-          </a:solidFill>
-          <a:ln w="12700">
-            <a:prstDash val="solid"/>
-          </a:ln>
-        </p:spPr>
-        <p:style>
-          <a:lnRef idx="2">
-            <a:schemeClr val="accent1">
-              <a:shade val="50000"/>
-            </a:schemeClr>
-          </a:lnRef>
-          <a:fillRef idx="1">
-            <a:schemeClr val="accent1"/>
-          </a:fillRef>
-          <a:effectRef idx="0">
-            <a:schemeClr val="accent1"/>
-          </a:effectRef>
-          <a:fontRef idx="minor">
-            <a:schemeClr val="lt1"/>
-          </a:fontRef>
-        </p:style>
-        <p:txBody>
-          <a:bodyPr rtlCol="0" anchor="ctr"/>
-          <a:lstStyle/>
-          <a:p>
-            <a:pPr algn="ctr"/>
-            <a:r>
-              <a:rPr lang="en-US" sz="1050" b="1" dirty="0" smtClean="0">
-                <a:solidFill>
-                  <a:srgbClr val="00B050"/>
-                </a:solidFill>
-              </a:rPr>
-              <a:t>CORTE_CAJA</a:t>
-            </a:r>
-            <a:endParaRPr lang="es-MX" sz="1050" b="1" dirty="0">
-              <a:solidFill>
-                <a:srgbClr val="00B050"/>
-              </a:solidFill>
-            </a:endParaRPr>
-          </a:p>
-        </p:txBody>
-      </p:sp>
-      <p:sp>
-        <p:nvSpPr>
-          <p:cNvPr id="188" name="Rectangle 132"/>
-          <p:cNvSpPr/>
-          <p:nvPr/>
-        </p:nvSpPr>
-        <p:spPr>
-          <a:xfrm>
-            <a:off x="5522174" y="5334000"/>
-            <a:ext cx="2149700" cy="274320"/>
-          </a:xfrm>
-          <a:prstGeom prst="rect">
-            <a:avLst/>
-          </a:prstGeom>
-          <a:solidFill>
-            <a:schemeClr val="bg1"/>
-          </a:solidFill>
-          <a:ln w="6350">
-            <a:prstDash val="dash"/>
-          </a:ln>
-        </p:spPr>
-        <p:style>
-          <a:lnRef idx="2">
-            <a:schemeClr val="accent1">
-              <a:shade val="50000"/>
-            </a:schemeClr>
-          </a:lnRef>
-          <a:fillRef idx="1">
-            <a:schemeClr val="accent1"/>
-          </a:fillRef>
-          <a:effectRef idx="0">
-            <a:schemeClr val="accent1"/>
-          </a:effectRef>
-          <a:fontRef idx="minor">
-            <a:schemeClr val="lt1"/>
-          </a:fontRef>
-        </p:style>
-        <p:txBody>
-          <a:bodyPr rtlCol="0" anchor="ctr"/>
-          <a:lstStyle/>
-          <a:p>
-            <a:pPr algn="ctr"/>
-            <a:r>
-              <a:rPr lang="en-US" sz="1050" b="1" dirty="0" smtClean="0">
-                <a:solidFill>
-                  <a:schemeClr val="tx1"/>
-                </a:solidFill>
-              </a:rPr>
-              <a:t>TIPO_CORTE_CAJA</a:t>
-            </a:r>
-            <a:endParaRPr lang="es-MX" sz="1050" b="1" dirty="0">
-              <a:solidFill>
-                <a:schemeClr val="tx1"/>
-              </a:solidFill>
-            </a:endParaRPr>
-          </a:p>
-        </p:txBody>
-      </p:sp>
       <p:cxnSp>
         <p:nvCxnSpPr>
-          <p:cNvPr id="189" name="Shape 33"/>
+          <p:cNvPr id="28" name="Shape 33"/>
           <p:cNvCxnSpPr>
-            <a:stCxn id="174" idx="3"/>
-            <a:endCxn id="185" idx="1"/>
+            <a:stCxn id="149" idx="1"/>
+            <a:endCxn id="108" idx="3"/>
           </p:cNvCxnSpPr>
           <p:nvPr/>
         </p:nvCxnSpPr>
         <p:spPr>
-          <a:xfrm>
-            <a:off x="4350824" y="5013960"/>
-            <a:ext cx="1171350" cy="12700"/>
+          <a:xfrm rot="10800000">
+            <a:off x="5610450" y="3219214"/>
+            <a:ext cx="1095150" cy="324087"/>
           </a:xfrm>
           <a:prstGeom prst="bentConnector3">
             <a:avLst>
               <a:gd name="adj1" fmla="val 50000"/>
-            </a:avLst>
-          </a:prstGeom>
-          <a:ln w="12700">
-            <a:solidFill>
-              <a:schemeClr val="bg1">
-                <a:lumMod val="50000"/>
-              </a:schemeClr>
-            </a:solidFill>
-            <a:prstDash val="lgDash"/>
-            <a:headEnd type="none" w="med" len="med"/>
-            <a:tailEnd type="arrow" w="med" len="med"/>
-          </a:ln>
-        </p:spPr>
-        <p:style>
-          <a:lnRef idx="1">
-            <a:schemeClr val="accent1"/>
-          </a:lnRef>
-          <a:fillRef idx="0">
-            <a:schemeClr val="accent1"/>
-          </a:fillRef>
-          <a:effectRef idx="0">
-            <a:schemeClr val="accent1"/>
-          </a:effectRef>
-          <a:fontRef idx="minor">
-            <a:schemeClr val="tx1"/>
-          </a:fontRef>
-        </p:style>
-      </p:cxnSp>
-      <p:cxnSp>
-        <p:nvCxnSpPr>
-          <p:cNvPr id="192" name="Shape 33"/>
-          <p:cNvCxnSpPr>
-            <a:stCxn id="188" idx="3"/>
-            <a:endCxn id="185" idx="3"/>
-          </p:cNvCxnSpPr>
-          <p:nvPr/>
-        </p:nvCxnSpPr>
-        <p:spPr>
-          <a:xfrm flipH="1" flipV="1">
-            <a:off x="7322624" y="5013960"/>
-            <a:ext cx="349250" cy="457200"/>
-          </a:xfrm>
-          <a:prstGeom prst="bentConnector3">
-            <a:avLst>
-              <a:gd name="adj1" fmla="val -65455"/>
             </a:avLst>
           </a:prstGeom>
           <a:ln w="12700">
@@ -9031,12 +9025,20 @@
           <a:p>
             <a:pPr algn="ctr"/>
             <a:r>
+              <a:rPr lang="en-US" sz="1050" b="1" dirty="0" smtClean="0">
+                <a:solidFill>
+                  <a:srgbClr val="C00000"/>
+                </a:solidFill>
+              </a:rPr>
+              <a:t>RUTA </a:t>
+            </a:r>
+            <a:r>
               <a:rPr lang="en-US" sz="1050" b="1" dirty="0">
                 <a:solidFill>
                   <a:srgbClr val="C00000"/>
                 </a:solidFill>
               </a:rPr>
-              <a:t>UNIDAD / RUTA / POS</a:t>
+              <a:t>/ POS</a:t>
             </a:r>
             <a:endParaRPr lang="es-MX" sz="1050" b="1" dirty="0">
               <a:solidFill>
@@ -9335,7 +9337,7 @@
         </p:nvSpPr>
         <p:spPr>
           <a:xfrm>
-            <a:off x="6858000" y="4831485"/>
+            <a:off x="4439500" y="5599127"/>
             <a:ext cx="1800450" cy="274320"/>
           </a:xfrm>
           <a:prstGeom prst="rect">
@@ -9447,15 +9449,15 @@
         <p:nvCxnSpPr>
           <p:cNvPr id="110" name="Shape 33"/>
           <p:cNvCxnSpPr>
-            <a:stCxn id="108" idx="0"/>
-            <a:endCxn id="109" idx="2"/>
+            <a:stCxn id="108" idx="3"/>
+            <a:endCxn id="109" idx="1"/>
           </p:cNvCxnSpPr>
           <p:nvPr/>
         </p:nvCxnSpPr>
         <p:spPr>
-          <a:xfrm rot="5400000" flipH="1" flipV="1">
-            <a:off x="7617830" y="4690866"/>
-            <a:ext cx="281014" cy="225"/>
+          <a:xfrm flipV="1">
+            <a:off x="6239950" y="4413311"/>
+            <a:ext cx="618500" cy="1322976"/>
           </a:xfrm>
           <a:prstGeom prst="bentConnector3">
             <a:avLst>
@@ -9802,7 +9804,7 @@
         </p:nvSpPr>
         <p:spPr>
           <a:xfrm>
-            <a:off x="6683374" y="5303318"/>
+            <a:off x="4486898" y="6023999"/>
             <a:ext cx="2149700" cy="274320"/>
           </a:xfrm>
           <a:prstGeom prst="rect">
@@ -9862,13 +9864,13 @@
           <p:nvPr/>
         </p:nvCxnSpPr>
         <p:spPr>
-          <a:xfrm rot="10800000" flipH="1">
-            <a:off x="6683374" y="4968646"/>
-            <a:ext cx="174626" cy="471833"/>
+          <a:xfrm rot="10800000">
+            <a:off x="4439500" y="5736287"/>
+            <a:ext cx="47398" cy="424872"/>
           </a:xfrm>
           <a:prstGeom prst="bentConnector3">
             <a:avLst>
-              <a:gd name="adj1" fmla="val -130908"/>
+              <a:gd name="adj1" fmla="val 582299"/>
             </a:avLst>
           </a:prstGeom>
           <a:ln w="12700">
@@ -9902,7 +9904,7 @@
         </p:nvSpPr>
         <p:spPr>
           <a:xfrm>
-            <a:off x="6683373" y="5721494"/>
+            <a:off x="4467624" y="6448871"/>
             <a:ext cx="2149700" cy="274320"/>
           </a:xfrm>
           <a:prstGeom prst="rect">
@@ -9962,13 +9964,13 @@
           <p:nvPr/>
         </p:nvCxnSpPr>
         <p:spPr>
-          <a:xfrm rot="10800000" flipH="1">
-            <a:off x="6683372" y="4968646"/>
-            <a:ext cx="174627" cy="890009"/>
+          <a:xfrm rot="10800000">
+            <a:off x="4439500" y="5736287"/>
+            <a:ext cx="28124" cy="849744"/>
           </a:xfrm>
           <a:prstGeom prst="bentConnector3">
             <a:avLst>
-              <a:gd name="adj1" fmla="val -130908"/>
+              <a:gd name="adj1" fmla="val 912829"/>
             </a:avLst>
           </a:prstGeom>
           <a:ln w="12700">
@@ -10070,6 +10072,306 @@
             <a:avLst>
               <a:gd name="adj1" fmla="val 44310"/>
               <a:gd name="adj2" fmla="val 133435"/>
+            </a:avLst>
+          </a:prstGeom>
+          <a:ln w="12700">
+            <a:solidFill>
+              <a:schemeClr val="tx1"/>
+            </a:solidFill>
+            <a:headEnd type="none" w="med" len="med"/>
+            <a:tailEnd type="arrow" w="med" len="med"/>
+          </a:ln>
+        </p:spPr>
+        <p:style>
+          <a:lnRef idx="1">
+            <a:schemeClr val="accent1"/>
+          </a:lnRef>
+          <a:fillRef idx="0">
+            <a:schemeClr val="accent1"/>
+          </a:fillRef>
+          <a:effectRef idx="0">
+            <a:schemeClr val="accent1"/>
+          </a:effectRef>
+          <a:fontRef idx="minor">
+            <a:schemeClr val="tx1"/>
+          </a:fontRef>
+        </p:style>
+      </p:cxnSp>
+      <p:sp>
+        <p:nvSpPr>
+          <p:cNvPr id="47" name="Rectangle 132"/>
+          <p:cNvSpPr/>
+          <p:nvPr/>
+        </p:nvSpPr>
+        <p:spPr>
+          <a:xfrm>
+            <a:off x="6858450" y="4673555"/>
+            <a:ext cx="2149700" cy="274320"/>
+          </a:xfrm>
+          <a:prstGeom prst="rect">
+            <a:avLst/>
+          </a:prstGeom>
+          <a:solidFill>
+            <a:schemeClr val="bg1"/>
+          </a:solidFill>
+          <a:ln w="6350">
+            <a:prstDash val="dash"/>
+          </a:ln>
+        </p:spPr>
+        <p:style>
+          <a:lnRef idx="2">
+            <a:schemeClr val="accent1">
+              <a:shade val="50000"/>
+            </a:schemeClr>
+          </a:lnRef>
+          <a:fillRef idx="1">
+            <a:schemeClr val="accent1"/>
+          </a:fillRef>
+          <a:effectRef idx="0">
+            <a:schemeClr val="accent1"/>
+          </a:effectRef>
+          <a:fontRef idx="minor">
+            <a:schemeClr val="lt1"/>
+          </a:fontRef>
+        </p:style>
+        <p:txBody>
+          <a:bodyPr rtlCol="0" anchor="ctr"/>
+          <a:lstStyle/>
+          <a:p>
+            <a:pPr algn="ctr"/>
+            <a:r>
+              <a:rPr lang="en-US" sz="1050" b="1" dirty="0" smtClean="0">
+                <a:solidFill>
+                  <a:schemeClr val="tx1"/>
+                </a:solidFill>
+              </a:rPr>
+              <a:t>ESTATUS_CLIENTE</a:t>
+            </a:r>
+            <a:endParaRPr lang="es-MX" sz="1050" b="1" dirty="0">
+              <a:solidFill>
+                <a:schemeClr val="tx1"/>
+              </a:solidFill>
+            </a:endParaRPr>
+          </a:p>
+        </p:txBody>
+      </p:sp>
+      <p:sp>
+        <p:nvSpPr>
+          <p:cNvPr id="62" name="Rectangle 132"/>
+          <p:cNvSpPr/>
+          <p:nvPr/>
+        </p:nvSpPr>
+        <p:spPr>
+          <a:xfrm>
+            <a:off x="6858450" y="5105805"/>
+            <a:ext cx="2149700" cy="274320"/>
+          </a:xfrm>
+          <a:prstGeom prst="rect">
+            <a:avLst/>
+          </a:prstGeom>
+          <a:solidFill>
+            <a:schemeClr val="bg1"/>
+          </a:solidFill>
+          <a:ln w="6350">
+            <a:prstDash val="dash"/>
+          </a:ln>
+        </p:spPr>
+        <p:style>
+          <a:lnRef idx="2">
+            <a:schemeClr val="accent1">
+              <a:shade val="50000"/>
+            </a:schemeClr>
+          </a:lnRef>
+          <a:fillRef idx="1">
+            <a:schemeClr val="accent1"/>
+          </a:fillRef>
+          <a:effectRef idx="0">
+            <a:schemeClr val="accent1"/>
+          </a:effectRef>
+          <a:fontRef idx="minor">
+            <a:schemeClr val="lt1"/>
+          </a:fontRef>
+        </p:style>
+        <p:txBody>
+          <a:bodyPr rtlCol="0" anchor="ctr"/>
+          <a:lstStyle/>
+          <a:p>
+            <a:pPr algn="ctr"/>
+            <a:r>
+              <a:rPr lang="en-US" sz="1050" b="1" dirty="0" smtClean="0">
+                <a:solidFill>
+                  <a:schemeClr val="tx1"/>
+                </a:solidFill>
+              </a:rPr>
+              <a:t>TIPO_CLIENTE</a:t>
+            </a:r>
+            <a:endParaRPr lang="es-MX" sz="1050" b="1" dirty="0">
+              <a:solidFill>
+                <a:schemeClr val="tx1"/>
+              </a:solidFill>
+            </a:endParaRPr>
+          </a:p>
+        </p:txBody>
+      </p:sp>
+      <p:sp>
+        <p:nvSpPr>
+          <p:cNvPr id="82" name="Rectangle 132"/>
+          <p:cNvSpPr/>
+          <p:nvPr/>
+        </p:nvSpPr>
+        <p:spPr>
+          <a:xfrm>
+            <a:off x="6885278" y="5577638"/>
+            <a:ext cx="2149700" cy="274320"/>
+          </a:xfrm>
+          <a:prstGeom prst="rect">
+            <a:avLst/>
+          </a:prstGeom>
+          <a:solidFill>
+            <a:schemeClr val="bg1"/>
+          </a:solidFill>
+          <a:ln w="6350">
+            <a:prstDash val="dash"/>
+          </a:ln>
+        </p:spPr>
+        <p:style>
+          <a:lnRef idx="2">
+            <a:schemeClr val="accent1">
+              <a:shade val="50000"/>
+            </a:schemeClr>
+          </a:lnRef>
+          <a:fillRef idx="1">
+            <a:schemeClr val="accent1"/>
+          </a:fillRef>
+          <a:effectRef idx="0">
+            <a:schemeClr val="accent1"/>
+          </a:effectRef>
+          <a:fontRef idx="minor">
+            <a:schemeClr val="lt1"/>
+          </a:fontRef>
+        </p:style>
+        <p:txBody>
+          <a:bodyPr rtlCol="0" anchor="ctr"/>
+          <a:lstStyle/>
+          <a:p>
+            <a:pPr algn="ctr"/>
+            <a:r>
+              <a:rPr lang="en-US" sz="1050" b="1" dirty="0" smtClean="0">
+                <a:solidFill>
+                  <a:schemeClr val="tx1"/>
+                </a:solidFill>
+              </a:rPr>
+              <a:t>CLASE_CLIENTE</a:t>
+            </a:r>
+            <a:endParaRPr lang="es-MX" sz="1050" b="1" dirty="0">
+              <a:solidFill>
+                <a:schemeClr val="tx1"/>
+              </a:solidFill>
+            </a:endParaRPr>
+          </a:p>
+        </p:txBody>
+      </p:sp>
+      <p:cxnSp>
+        <p:nvCxnSpPr>
+          <p:cNvPr id="83" name="Shape 33"/>
+          <p:cNvCxnSpPr>
+            <a:stCxn id="82" idx="3"/>
+            <a:endCxn id="62" idx="3"/>
+          </p:cNvCxnSpPr>
+          <p:nvPr/>
+        </p:nvCxnSpPr>
+        <p:spPr>
+          <a:xfrm flipH="1" flipV="1">
+            <a:off x="9008150" y="5242965"/>
+            <a:ext cx="26828" cy="471833"/>
+          </a:xfrm>
+          <a:prstGeom prst="bentConnector3">
+            <a:avLst>
+              <a:gd name="adj1" fmla="val -303791"/>
+            </a:avLst>
+          </a:prstGeom>
+          <a:ln w="12700">
+            <a:solidFill>
+              <a:schemeClr val="tx1"/>
+            </a:solidFill>
+            <a:headEnd type="none" w="med" len="med"/>
+            <a:tailEnd type="arrow" w="med" len="med"/>
+          </a:ln>
+        </p:spPr>
+        <p:style>
+          <a:lnRef idx="1">
+            <a:schemeClr val="accent1"/>
+          </a:lnRef>
+          <a:fillRef idx="0">
+            <a:schemeClr val="accent1"/>
+          </a:fillRef>
+          <a:effectRef idx="0">
+            <a:schemeClr val="accent1"/>
+          </a:effectRef>
+          <a:fontRef idx="minor">
+            <a:schemeClr val="tx1"/>
+          </a:fontRef>
+        </p:style>
+      </p:cxnSp>
+      <p:cxnSp>
+        <p:nvCxnSpPr>
+          <p:cNvPr id="85" name="Shape 33"/>
+          <p:cNvCxnSpPr>
+            <a:stCxn id="62" idx="1"/>
+            <a:endCxn id="109" idx="1"/>
+          </p:cNvCxnSpPr>
+          <p:nvPr/>
+        </p:nvCxnSpPr>
+        <p:spPr>
+          <a:xfrm rot="10800000">
+            <a:off x="6858450" y="4413311"/>
+            <a:ext cx="12700" cy="829654"/>
+          </a:xfrm>
+          <a:prstGeom prst="bentConnector3">
+            <a:avLst>
+              <a:gd name="adj1" fmla="val 1800000"/>
+            </a:avLst>
+          </a:prstGeom>
+          <a:ln w="12700">
+            <a:solidFill>
+              <a:schemeClr val="tx1"/>
+            </a:solidFill>
+            <a:headEnd type="none" w="med" len="med"/>
+            <a:tailEnd type="arrow" w="med" len="med"/>
+          </a:ln>
+        </p:spPr>
+        <p:style>
+          <a:lnRef idx="1">
+            <a:schemeClr val="accent1"/>
+          </a:lnRef>
+          <a:fillRef idx="0">
+            <a:schemeClr val="accent1"/>
+          </a:fillRef>
+          <a:effectRef idx="0">
+            <a:schemeClr val="accent1"/>
+          </a:effectRef>
+          <a:fontRef idx="minor">
+            <a:schemeClr val="tx1"/>
+          </a:fontRef>
+        </p:style>
+      </p:cxnSp>
+      <p:cxnSp>
+        <p:nvCxnSpPr>
+          <p:cNvPr id="89" name="Shape 33"/>
+          <p:cNvCxnSpPr>
+            <a:stCxn id="47" idx="1"/>
+            <a:endCxn id="109" idx="1"/>
+          </p:cNvCxnSpPr>
+          <p:nvPr/>
+        </p:nvCxnSpPr>
+        <p:spPr>
+          <a:xfrm rot="10800000">
+            <a:off x="6858450" y="4413311"/>
+            <a:ext cx="12700" cy="397404"/>
+          </a:xfrm>
+          <a:prstGeom prst="bentConnector3">
+            <a:avLst>
+              <a:gd name="adj1" fmla="val 1800000"/>
             </a:avLst>
           </a:prstGeom>
           <a:ln w="12700">
